--- a/design/2016/models/4_design_model.pptx
+++ b/design/2016/models/4_design_model.pptx
@@ -198,7 +198,7 @@
           <a:p>
             <a:fld id="{729140AA-5DCF-4644-846F-5EE03622738A}" type="datetimeFigureOut">
               <a:rPr kumimoji="1" lang="ja-JP" altLang="en-US" smtClean="0"/>
-              <a:t>2016/8/15</a:t>
+              <a:t>2016/8/17</a:t>
             </a:fld>
             <a:endParaRPr kumimoji="1" lang="ja-JP" altLang="en-US"/>
           </a:p>
@@ -629,7 +629,7 @@
           <a:p>
             <a:fld id="{D72B48E1-50D5-40B7-9AA4-D680720A3CD4}" type="datetimeFigureOut">
               <a:rPr kumimoji="1" lang="ja-JP" altLang="en-US" smtClean="0"/>
-              <a:t>2016/8/15</a:t>
+              <a:t>2016/8/17</a:t>
             </a:fld>
             <a:endParaRPr kumimoji="1" lang="ja-JP" altLang="en-US"/>
           </a:p>
@@ -831,7 +831,7 @@
           <a:p>
             <a:fld id="{D72B48E1-50D5-40B7-9AA4-D680720A3CD4}" type="datetimeFigureOut">
               <a:rPr kumimoji="1" lang="ja-JP" altLang="en-US" smtClean="0"/>
-              <a:t>2016/8/15</a:t>
+              <a:t>2016/8/17</a:t>
             </a:fld>
             <a:endParaRPr kumimoji="1" lang="ja-JP" altLang="en-US"/>
           </a:p>
@@ -1043,7 +1043,7 @@
           <a:p>
             <a:fld id="{D72B48E1-50D5-40B7-9AA4-D680720A3CD4}" type="datetimeFigureOut">
               <a:rPr kumimoji="1" lang="ja-JP" altLang="en-US" smtClean="0"/>
-              <a:t>2016/8/15</a:t>
+              <a:t>2016/8/17</a:t>
             </a:fld>
             <a:endParaRPr kumimoji="1" lang="ja-JP" altLang="en-US"/>
           </a:p>
@@ -1282,7 +1282,7 @@
           <a:p>
             <a:fld id="{D72B48E1-50D5-40B7-9AA4-D680720A3CD4}" type="datetimeFigureOut">
               <a:rPr kumimoji="1" lang="ja-JP" altLang="en-US" smtClean="0"/>
-              <a:t>2016/8/15</a:t>
+              <a:t>2016/8/17</a:t>
             </a:fld>
             <a:endParaRPr kumimoji="1" lang="ja-JP" altLang="en-US"/>
           </a:p>
@@ -1526,7 +1526,7 @@
           <a:p>
             <a:fld id="{D72B48E1-50D5-40B7-9AA4-D680720A3CD4}" type="datetimeFigureOut">
               <a:rPr kumimoji="1" lang="ja-JP" altLang="en-US" smtClean="0"/>
-              <a:t>2016/8/15</a:t>
+              <a:t>2016/8/17</a:t>
             </a:fld>
             <a:endParaRPr kumimoji="1" lang="ja-JP" altLang="en-US"/>
           </a:p>
@@ -1822,7 +1822,7 @@
           <a:p>
             <a:fld id="{D72B48E1-50D5-40B7-9AA4-D680720A3CD4}" type="datetimeFigureOut">
               <a:rPr kumimoji="1" lang="ja-JP" altLang="en-US" smtClean="0"/>
-              <a:t>2016/8/15</a:t>
+              <a:t>2016/8/17</a:t>
             </a:fld>
             <a:endParaRPr kumimoji="1" lang="ja-JP" altLang="en-US"/>
           </a:p>
@@ -2253,7 +2253,7 @@
           <a:p>
             <a:fld id="{D72B48E1-50D5-40B7-9AA4-D680720A3CD4}" type="datetimeFigureOut">
               <a:rPr kumimoji="1" lang="ja-JP" altLang="en-US" smtClean="0"/>
-              <a:t>2016/8/15</a:t>
+              <a:t>2016/8/17</a:t>
             </a:fld>
             <a:endParaRPr kumimoji="1" lang="ja-JP" altLang="en-US"/>
           </a:p>
@@ -2371,7 +2371,7 @@
           <a:p>
             <a:fld id="{D72B48E1-50D5-40B7-9AA4-D680720A3CD4}" type="datetimeFigureOut">
               <a:rPr kumimoji="1" lang="ja-JP" altLang="en-US" smtClean="0"/>
-              <a:t>2016/8/15</a:t>
+              <a:t>2016/8/17</a:t>
             </a:fld>
             <a:endParaRPr kumimoji="1" lang="ja-JP" altLang="en-US"/>
           </a:p>
@@ -2466,7 +2466,7 @@
           <a:p>
             <a:fld id="{D72B48E1-50D5-40B7-9AA4-D680720A3CD4}" type="datetimeFigureOut">
               <a:rPr kumimoji="1" lang="ja-JP" altLang="en-US" smtClean="0"/>
-              <a:t>2016/8/15</a:t>
+              <a:t>2016/8/17</a:t>
             </a:fld>
             <a:endParaRPr kumimoji="1" lang="ja-JP" altLang="en-US"/>
           </a:p>
@@ -2775,7 +2775,7 @@
           <a:p>
             <a:fld id="{D72B48E1-50D5-40B7-9AA4-D680720A3CD4}" type="datetimeFigureOut">
               <a:rPr kumimoji="1" lang="ja-JP" altLang="en-US" smtClean="0"/>
-              <a:t>2016/8/15</a:t>
+              <a:t>2016/8/17</a:t>
             </a:fld>
             <a:endParaRPr kumimoji="1" lang="ja-JP" altLang="en-US"/>
           </a:p>
@@ -3032,7 +3032,7 @@
           <a:p>
             <a:fld id="{D72B48E1-50D5-40B7-9AA4-D680720A3CD4}" type="datetimeFigureOut">
               <a:rPr kumimoji="1" lang="ja-JP" altLang="en-US" smtClean="0"/>
-              <a:t>2016/8/15</a:t>
+              <a:t>2016/8/17</a:t>
             </a:fld>
             <a:endParaRPr kumimoji="1" lang="ja-JP" altLang="en-US"/>
           </a:p>
@@ -3277,7 +3277,7 @@
           <a:p>
             <a:fld id="{D72B48E1-50D5-40B7-9AA4-D680720A3CD4}" type="datetimeFigureOut">
               <a:rPr kumimoji="1" lang="ja-JP" altLang="en-US" smtClean="0"/>
-              <a:t>2016/8/15</a:t>
+              <a:t>2016/8/17</a:t>
             </a:fld>
             <a:endParaRPr kumimoji="1" lang="ja-JP" altLang="en-US"/>
           </a:p>
@@ -4083,7 +4083,7 @@
               <a:t>設計</a:t>
             </a:r>
             <a:r>
-              <a:rPr lang="en-US" altLang="ja-JP" sz="2000" dirty="0">
+              <a:rPr lang="en-US" altLang="ja-JP" sz="2000" dirty="0" smtClean="0">
                 <a:ln w="0"/>
                 <a:solidFill>
                   <a:schemeClr val="bg1">
@@ -4101,7 +4101,49 @@
                 <a:ea typeface="メイリオ" panose="020B0604030504040204" pitchFamily="50" charset="-128"/>
                 <a:cs typeface="メイリオ" panose="020B0604030504040204" pitchFamily="50" charset="-128"/>
               </a:rPr>
-              <a:t>(2/2)</a:t>
+              <a:t>(</a:t>
+            </a:r>
+            <a:r>
+              <a:rPr lang="ja-JP" altLang="en-US" sz="2000" dirty="0" smtClean="0">
+                <a:ln w="0"/>
+                <a:solidFill>
+                  <a:schemeClr val="bg1">
+                    <a:lumMod val="50000"/>
+                  </a:schemeClr>
+                </a:solidFill>
+                <a:effectLst>
+                  <a:outerShdw blurRad="38100" dist="38100" dir="2700000" algn="tl">
+                    <a:srgbClr val="000000">
+                      <a:alpha val="43137"/>
+                    </a:srgbClr>
+                  </a:outerShdw>
+                </a:effectLst>
+                <a:latin typeface="メイリオ" panose="020B0604030504040204" pitchFamily="50" charset="-128"/>
+                <a:ea typeface="メイリオ" panose="020B0604030504040204" pitchFamily="50" charset="-128"/>
+                <a:cs typeface="メイリオ" panose="020B0604030504040204" pitchFamily="50" charset="-128"/>
+              </a:rPr>
+              <a:t>振舞</a:t>
+            </a:r>
+            <a:r>
+              <a:rPr lang="en-US" altLang="ja-JP" sz="2000" dirty="0" smtClean="0">
+                <a:ln w="0"/>
+                <a:solidFill>
+                  <a:schemeClr val="bg1">
+                    <a:lumMod val="50000"/>
+                  </a:schemeClr>
+                </a:solidFill>
+                <a:effectLst>
+                  <a:outerShdw blurRad="38100" dist="38100" dir="2700000" algn="tl">
+                    <a:srgbClr val="000000">
+                      <a:alpha val="43137"/>
+                    </a:srgbClr>
+                  </a:outerShdw>
+                </a:effectLst>
+                <a:latin typeface="メイリオ" panose="020B0604030504040204" pitchFamily="50" charset="-128"/>
+                <a:ea typeface="メイリオ" panose="020B0604030504040204" pitchFamily="50" charset="-128"/>
+                <a:cs typeface="メイリオ" panose="020B0604030504040204" pitchFamily="50" charset="-128"/>
+              </a:rPr>
+              <a:t>)</a:t>
             </a:r>
             <a:endParaRPr lang="ja-JP" altLang="en-US" sz="2000" dirty="0">
               <a:ln w="0"/>
@@ -4368,7 +4410,31 @@
                 <a:ea typeface="メイリオ" panose="020B0604030504040204" pitchFamily="50" charset="-128"/>
                 <a:cs typeface="メイリオ" panose="020B0604030504040204" pitchFamily="50" charset="-128"/>
               </a:rPr>
-              <a:t>(1/2)</a:t>
+              <a:t>(</a:t>
+            </a:r>
+            <a:r>
+              <a:rPr lang="ja-JP" altLang="en-US" sz="2400" b="1" dirty="0">
+                <a:ln w="0"/>
+                <a:solidFill>
+                  <a:schemeClr val="bg1"/>
+                </a:solidFill>
+                <a:latin typeface="メイリオ" panose="020B0604030504040204" pitchFamily="50" charset="-128"/>
+                <a:ea typeface="メイリオ" panose="020B0604030504040204" pitchFamily="50" charset="-128"/>
+                <a:cs typeface="メイリオ" panose="020B0604030504040204" pitchFamily="50" charset="-128"/>
+              </a:rPr>
+              <a:t>構造</a:t>
+            </a:r>
+            <a:r>
+              <a:rPr lang="en-US" altLang="ja-JP" sz="2400" b="1" dirty="0" smtClean="0">
+                <a:ln w="0"/>
+                <a:solidFill>
+                  <a:schemeClr val="bg1"/>
+                </a:solidFill>
+                <a:latin typeface="メイリオ" panose="020B0604030504040204" pitchFamily="50" charset="-128"/>
+                <a:ea typeface="メイリオ" panose="020B0604030504040204" pitchFamily="50" charset="-128"/>
+                <a:cs typeface="メイリオ" panose="020B0604030504040204" pitchFamily="50" charset="-128"/>
+              </a:rPr>
+              <a:t>)</a:t>
             </a:r>
             <a:endParaRPr lang="ja-JP" altLang="en-US" sz="2400" b="1" dirty="0">
               <a:ln w="0"/>
@@ -4440,7 +4506,7 @@
                 <a:ea typeface="メイリオ" panose="020B0604030504040204" pitchFamily="50" charset="-128"/>
                 <a:cs typeface="メイリオ" panose="020B0604030504040204" pitchFamily="50" charset="-128"/>
               </a:rPr>
-              <a:t>ここに一文を入力</a:t>
+              <a:t>ブロック並べのドメインモデルと走行体の操作を分離する</a:t>
             </a:r>
             <a:endParaRPr lang="ja-JP" altLang="en-US" sz="2716" dirty="0">
               <a:latin typeface="メイリオ" panose="020B0604030504040204" pitchFamily="50" charset="-128"/>
@@ -4450,6 +4516,2943 @@
           </a:p>
         </p:txBody>
       </p:sp>
+      <p:sp>
+        <p:nvSpPr>
+          <p:cNvPr id="10" name="正方形/長方形 9"/>
+          <p:cNvSpPr/>
+          <p:nvPr/>
+        </p:nvSpPr>
+        <p:spPr>
+          <a:xfrm>
+            <a:off x="361020" y="1825227"/>
+            <a:ext cx="8246628" cy="2733125"/>
+          </a:xfrm>
+          <a:prstGeom prst="rect">
+            <a:avLst/>
+          </a:prstGeom>
+          <a:noFill/>
+          <a:ln w="25400">
+            <a:solidFill>
+              <a:srgbClr val="D24726"/>
+            </a:solidFill>
+          </a:ln>
+        </p:spPr>
+        <p:style>
+          <a:lnRef idx="2">
+            <a:schemeClr val="accent1">
+              <a:shade val="50000"/>
+            </a:schemeClr>
+          </a:lnRef>
+          <a:fillRef idx="1">
+            <a:schemeClr val="accent1"/>
+          </a:fillRef>
+          <a:effectRef idx="0">
+            <a:schemeClr val="accent1"/>
+          </a:effectRef>
+          <a:fontRef idx="minor">
+            <a:schemeClr val="lt1"/>
+          </a:fontRef>
+        </p:style>
+        <p:txBody>
+          <a:bodyPr rtlCol="0" anchor="ctr"/>
+          <a:lstStyle/>
+          <a:p>
+            <a:pPr algn="ctr"/>
+            <a:endParaRPr kumimoji="1" lang="ja-JP" altLang="en-US"/>
+          </a:p>
+        </p:txBody>
+      </p:sp>
+      <p:sp>
+        <p:nvSpPr>
+          <p:cNvPr id="11" name="テキスト ボックス 10"/>
+          <p:cNvSpPr txBox="1"/>
+          <p:nvPr/>
+        </p:nvSpPr>
+        <p:spPr>
+          <a:xfrm>
+            <a:off x="369205" y="1825226"/>
+            <a:ext cx="2095445" cy="307777"/>
+          </a:xfrm>
+          <a:prstGeom prst="rect">
+            <a:avLst/>
+          </a:prstGeom>
+          <a:solidFill>
+            <a:srgbClr val="D24726"/>
+          </a:solidFill>
+        </p:spPr>
+        <p:txBody>
+          <a:bodyPr wrap="none" rtlCol="0">
+            <a:spAutoFit/>
+          </a:bodyPr>
+          <a:lstStyle/>
+          <a:p>
+            <a:r>
+              <a:rPr lang="en-US" altLang="ja-JP" sz="1400" b="1" dirty="0" smtClean="0">
+                <a:solidFill>
+                  <a:schemeClr val="bg1"/>
+                </a:solidFill>
+                <a:latin typeface="メイリオ" panose="020B0604030504040204" pitchFamily="50" charset="-128"/>
+                <a:ea typeface="メイリオ" panose="020B0604030504040204" pitchFamily="50" charset="-128"/>
+                <a:cs typeface="メイリオ" panose="020B0604030504040204" pitchFamily="50" charset="-128"/>
+              </a:rPr>
+              <a:t>4</a:t>
+            </a:r>
+            <a:r>
+              <a:rPr kumimoji="1" lang="en-US" altLang="ja-JP" sz="1400" b="1" dirty="0" smtClean="0">
+                <a:solidFill>
+                  <a:schemeClr val="bg1"/>
+                </a:solidFill>
+                <a:latin typeface="メイリオ" panose="020B0604030504040204" pitchFamily="50" charset="-128"/>
+                <a:ea typeface="メイリオ" panose="020B0604030504040204" pitchFamily="50" charset="-128"/>
+                <a:cs typeface="メイリオ" panose="020B0604030504040204" pitchFamily="50" charset="-128"/>
+              </a:rPr>
+              <a:t>-1-1.</a:t>
+            </a:r>
+            <a:r>
+              <a:rPr kumimoji="1" lang="ja-JP" altLang="en-US" sz="1400" b="1" dirty="0" smtClean="0">
+                <a:solidFill>
+                  <a:schemeClr val="bg1"/>
+                </a:solidFill>
+                <a:latin typeface="メイリオ" panose="020B0604030504040204" pitchFamily="50" charset="-128"/>
+                <a:ea typeface="メイリオ" panose="020B0604030504040204" pitchFamily="50" charset="-128"/>
+                <a:cs typeface="メイリオ" panose="020B0604030504040204" pitchFamily="50" charset="-128"/>
+              </a:rPr>
+              <a:t> パッケージ構成</a:t>
+            </a:r>
+            <a:endParaRPr kumimoji="1" lang="ja-JP" altLang="en-US" sz="1400" b="1" dirty="0">
+              <a:solidFill>
+                <a:schemeClr val="bg1"/>
+              </a:solidFill>
+              <a:latin typeface="メイリオ" panose="020B0604030504040204" pitchFamily="50" charset="-128"/>
+              <a:ea typeface="メイリオ" panose="020B0604030504040204" pitchFamily="50" charset="-128"/>
+              <a:cs typeface="メイリオ" panose="020B0604030504040204" pitchFamily="50" charset="-128"/>
+            </a:endParaRPr>
+          </a:p>
+        </p:txBody>
+      </p:sp>
+      <p:grpSp>
+        <p:nvGrpSpPr>
+          <p:cNvPr id="5" name="グループ化 4"/>
+          <p:cNvGrpSpPr/>
+          <p:nvPr/>
+        </p:nvGrpSpPr>
+        <p:grpSpPr>
+          <a:xfrm>
+            <a:off x="431686" y="3840906"/>
+            <a:ext cx="3022063" cy="325692"/>
+            <a:chOff x="1410788" y="4496017"/>
+            <a:chExt cx="3022997" cy="325692"/>
+          </a:xfrm>
+        </p:grpSpPr>
+        <p:sp>
+          <p:nvSpPr>
+            <p:cNvPr id="16" name="正方形/長方形 15"/>
+            <p:cNvSpPr/>
+            <p:nvPr/>
+          </p:nvSpPr>
+          <p:spPr>
+            <a:xfrm>
+              <a:off x="1410792" y="4496017"/>
+              <a:ext cx="286606" cy="79665"/>
+            </a:xfrm>
+            <a:prstGeom prst="rect">
+              <a:avLst/>
+            </a:prstGeom>
+            <a:ln/>
+          </p:spPr>
+          <p:style>
+            <a:lnRef idx="1">
+              <a:schemeClr val="accent1"/>
+            </a:lnRef>
+            <a:fillRef idx="2">
+              <a:schemeClr val="accent1"/>
+            </a:fillRef>
+            <a:effectRef idx="1">
+              <a:schemeClr val="accent1"/>
+            </a:effectRef>
+            <a:fontRef idx="minor">
+              <a:schemeClr val="dk1"/>
+            </a:fontRef>
+          </p:style>
+          <p:txBody>
+            <a:bodyPr rtlCol="0" anchor="ctr"/>
+            <a:lstStyle/>
+            <a:p>
+              <a:pPr algn="ctr"/>
+              <a:endParaRPr kumimoji="1" lang="ja-JP" altLang="en-US"/>
+            </a:p>
+          </p:txBody>
+        </p:sp>
+        <p:sp>
+          <p:nvSpPr>
+            <p:cNvPr id="17" name="正方形/長方形 16"/>
+            <p:cNvSpPr/>
+            <p:nvPr/>
+          </p:nvSpPr>
+          <p:spPr>
+            <a:xfrm>
+              <a:off x="1410788" y="4575682"/>
+              <a:ext cx="3022997" cy="246027"/>
+            </a:xfrm>
+            <a:prstGeom prst="rect">
+              <a:avLst/>
+            </a:prstGeom>
+            <a:ln/>
+          </p:spPr>
+          <p:style>
+            <a:lnRef idx="1">
+              <a:schemeClr val="accent1"/>
+            </a:lnRef>
+            <a:fillRef idx="2">
+              <a:schemeClr val="accent1"/>
+            </a:fillRef>
+            <a:effectRef idx="1">
+              <a:schemeClr val="accent1"/>
+            </a:effectRef>
+            <a:fontRef idx="minor">
+              <a:schemeClr val="dk1"/>
+            </a:fontRef>
+          </p:style>
+          <p:txBody>
+            <a:bodyPr rtlCol="0" anchor="ctr"/>
+            <a:lstStyle/>
+            <a:p>
+              <a:pPr algn="ctr"/>
+              <a:r>
+                <a:rPr lang="ja-JP" altLang="en-US" sz="1000" dirty="0" smtClean="0">
+                  <a:latin typeface="メイリオ" panose="020B0604030504040204" pitchFamily="50" charset="-128"/>
+                  <a:ea typeface="メイリオ" panose="020B0604030504040204" pitchFamily="50" charset="-128"/>
+                  <a:cs typeface="メイリオ" panose="020B0604030504040204" pitchFamily="50" charset="-128"/>
+                </a:rPr>
+                <a:t>デバイス制御</a:t>
+              </a:r>
+              <a:endParaRPr kumimoji="1" lang="ja-JP" altLang="en-US" sz="1000" dirty="0">
+                <a:latin typeface="メイリオ" panose="020B0604030504040204" pitchFamily="50" charset="-128"/>
+                <a:ea typeface="メイリオ" panose="020B0604030504040204" pitchFamily="50" charset="-128"/>
+                <a:cs typeface="メイリオ" panose="020B0604030504040204" pitchFamily="50" charset="-128"/>
+              </a:endParaRPr>
+            </a:p>
+          </p:txBody>
+        </p:sp>
+      </p:grpSp>
+      <p:grpSp>
+        <p:nvGrpSpPr>
+          <p:cNvPr id="33" name="グループ化 32"/>
+          <p:cNvGrpSpPr/>
+          <p:nvPr/>
+        </p:nvGrpSpPr>
+        <p:grpSpPr>
+          <a:xfrm>
+            <a:off x="431686" y="3420186"/>
+            <a:ext cx="1236653" cy="331339"/>
+            <a:chOff x="525778" y="3622818"/>
+            <a:chExt cx="1236653" cy="331339"/>
+          </a:xfrm>
+        </p:grpSpPr>
+        <p:sp>
+          <p:nvSpPr>
+            <p:cNvPr id="3" name="正方形/長方形 2"/>
+            <p:cNvSpPr/>
+            <p:nvPr/>
+          </p:nvSpPr>
+          <p:spPr>
+            <a:xfrm>
+              <a:off x="525778" y="3718333"/>
+              <a:ext cx="1236653" cy="235824"/>
+            </a:xfrm>
+            <a:prstGeom prst="rect">
+              <a:avLst/>
+            </a:prstGeom>
+            <a:gradFill flip="none" rotWithShape="1">
+              <a:gsLst>
+                <a:gs pos="0">
+                  <a:srgbClr val="FFC000">
+                    <a:tint val="66000"/>
+                    <a:satMod val="160000"/>
+                  </a:srgbClr>
+                </a:gs>
+                <a:gs pos="50000">
+                  <a:srgbClr val="FFC000">
+                    <a:tint val="44500"/>
+                    <a:satMod val="160000"/>
+                  </a:srgbClr>
+                </a:gs>
+                <a:gs pos="100000">
+                  <a:srgbClr val="FFC000">
+                    <a:tint val="23500"/>
+                    <a:satMod val="160000"/>
+                  </a:srgbClr>
+                </a:gs>
+              </a:gsLst>
+              <a:lin ang="2700000" scaled="1"/>
+              <a:tileRect/>
+            </a:gradFill>
+            <a:ln/>
+          </p:spPr>
+          <p:style>
+            <a:lnRef idx="1">
+              <a:schemeClr val="accent2"/>
+            </a:lnRef>
+            <a:fillRef idx="2">
+              <a:schemeClr val="accent2"/>
+            </a:fillRef>
+            <a:effectRef idx="1">
+              <a:schemeClr val="accent2"/>
+            </a:effectRef>
+            <a:fontRef idx="minor">
+              <a:schemeClr val="dk1"/>
+            </a:fontRef>
+          </p:style>
+          <p:txBody>
+            <a:bodyPr rtlCol="0" anchor="ctr"/>
+            <a:lstStyle/>
+            <a:p>
+              <a:pPr algn="ctr"/>
+              <a:r>
+                <a:rPr lang="ja-JP" altLang="en-US" sz="1000" dirty="0">
+                  <a:latin typeface="メイリオ" panose="020B0604030504040204" pitchFamily="50" charset="-128"/>
+                  <a:ea typeface="メイリオ" panose="020B0604030504040204" pitchFamily="50" charset="-128"/>
+                  <a:cs typeface="メイリオ" panose="020B0604030504040204" pitchFamily="50" charset="-128"/>
+                </a:rPr>
+                <a:t>動作</a:t>
+              </a:r>
+              <a:endParaRPr kumimoji="1" lang="en-US" altLang="ja-JP" sz="1000" dirty="0" smtClean="0">
+                <a:latin typeface="メイリオ" panose="020B0604030504040204" pitchFamily="50" charset="-128"/>
+                <a:ea typeface="メイリオ" panose="020B0604030504040204" pitchFamily="50" charset="-128"/>
+                <a:cs typeface="メイリオ" panose="020B0604030504040204" pitchFamily="50" charset="-128"/>
+              </a:endParaRPr>
+            </a:p>
+          </p:txBody>
+        </p:sp>
+        <p:sp>
+          <p:nvSpPr>
+            <p:cNvPr id="26" name="正方形/長方形 25"/>
+            <p:cNvSpPr>
+              <a:spLocks noChangeAspect="1"/>
+            </p:cNvSpPr>
+            <p:nvPr/>
+          </p:nvSpPr>
+          <p:spPr>
+            <a:xfrm>
+              <a:off x="525779" y="3622818"/>
+              <a:ext cx="278008" cy="96086"/>
+            </a:xfrm>
+            <a:prstGeom prst="rect">
+              <a:avLst/>
+            </a:prstGeom>
+            <a:gradFill flip="none" rotWithShape="1">
+              <a:gsLst>
+                <a:gs pos="0">
+                  <a:srgbClr val="FFC000">
+                    <a:tint val="66000"/>
+                    <a:satMod val="160000"/>
+                  </a:srgbClr>
+                </a:gs>
+                <a:gs pos="50000">
+                  <a:srgbClr val="FFC000">
+                    <a:tint val="44500"/>
+                    <a:satMod val="160000"/>
+                  </a:srgbClr>
+                </a:gs>
+                <a:gs pos="100000">
+                  <a:srgbClr val="FFC000">
+                    <a:tint val="23500"/>
+                    <a:satMod val="160000"/>
+                  </a:srgbClr>
+                </a:gs>
+              </a:gsLst>
+              <a:lin ang="2700000" scaled="1"/>
+              <a:tileRect/>
+            </a:gradFill>
+            <a:ln/>
+          </p:spPr>
+          <p:style>
+            <a:lnRef idx="1">
+              <a:schemeClr val="accent2"/>
+            </a:lnRef>
+            <a:fillRef idx="2">
+              <a:schemeClr val="accent2"/>
+            </a:fillRef>
+            <a:effectRef idx="1">
+              <a:schemeClr val="accent2"/>
+            </a:effectRef>
+            <a:fontRef idx="minor">
+              <a:schemeClr val="dk1"/>
+            </a:fontRef>
+          </p:style>
+          <p:txBody>
+            <a:bodyPr rtlCol="0" anchor="ctr"/>
+            <a:lstStyle/>
+            <a:p>
+              <a:pPr algn="ctr"/>
+              <a:endParaRPr kumimoji="1" lang="ja-JP" altLang="en-US"/>
+            </a:p>
+          </p:txBody>
+        </p:sp>
+      </p:grpSp>
+      <p:grpSp>
+        <p:nvGrpSpPr>
+          <p:cNvPr id="29" name="グループ化 28"/>
+          <p:cNvGrpSpPr/>
+          <p:nvPr/>
+        </p:nvGrpSpPr>
+        <p:grpSpPr>
+          <a:xfrm>
+            <a:off x="431686" y="2980809"/>
+            <a:ext cx="2460770" cy="333974"/>
+            <a:chOff x="525778" y="3183441"/>
+            <a:chExt cx="2460770" cy="333974"/>
+          </a:xfrm>
+        </p:grpSpPr>
+        <p:sp>
+          <p:nvSpPr>
+            <p:cNvPr id="19" name="正方形/長方形 18"/>
+            <p:cNvSpPr/>
+            <p:nvPr/>
+          </p:nvSpPr>
+          <p:spPr>
+            <a:xfrm>
+              <a:off x="525778" y="3281470"/>
+              <a:ext cx="2460770" cy="235945"/>
+            </a:xfrm>
+            <a:prstGeom prst="rect">
+              <a:avLst/>
+            </a:prstGeom>
+            <a:gradFill flip="none" rotWithShape="1">
+              <a:gsLst>
+                <a:gs pos="0">
+                  <a:srgbClr val="FF3399">
+                    <a:tint val="66000"/>
+                    <a:satMod val="160000"/>
+                  </a:srgbClr>
+                </a:gs>
+                <a:gs pos="50000">
+                  <a:srgbClr val="FF3399">
+                    <a:tint val="44500"/>
+                    <a:satMod val="160000"/>
+                  </a:srgbClr>
+                </a:gs>
+                <a:gs pos="100000">
+                  <a:srgbClr val="FF3399">
+                    <a:tint val="23500"/>
+                    <a:satMod val="160000"/>
+                  </a:srgbClr>
+                </a:gs>
+              </a:gsLst>
+              <a:lin ang="2700000" scaled="1"/>
+              <a:tileRect/>
+            </a:gradFill>
+            <a:ln>
+              <a:solidFill>
+                <a:srgbClr val="FF3399"/>
+              </a:solidFill>
+            </a:ln>
+          </p:spPr>
+          <p:style>
+            <a:lnRef idx="1">
+              <a:schemeClr val="accent6"/>
+            </a:lnRef>
+            <a:fillRef idx="2">
+              <a:schemeClr val="accent6"/>
+            </a:fillRef>
+            <a:effectRef idx="1">
+              <a:schemeClr val="accent6"/>
+            </a:effectRef>
+            <a:fontRef idx="minor">
+              <a:schemeClr val="dk1"/>
+            </a:fontRef>
+          </p:style>
+          <p:txBody>
+            <a:bodyPr rtlCol="0" anchor="ctr"/>
+            <a:lstStyle/>
+            <a:p>
+              <a:pPr algn="ctr"/>
+              <a:r>
+                <a:rPr lang="ja-JP" altLang="en-US" sz="1000" dirty="0" smtClean="0">
+                  <a:latin typeface="メイリオ" panose="020B0604030504040204" pitchFamily="50" charset="-128"/>
+                  <a:ea typeface="メイリオ" panose="020B0604030504040204" pitchFamily="50" charset="-128"/>
+                  <a:cs typeface="メイリオ" panose="020B0604030504040204" pitchFamily="50" charset="-128"/>
+                </a:rPr>
+                <a:t>攻略手順</a:t>
+              </a:r>
+              <a:r>
+                <a:rPr kumimoji="1" lang="ja-JP" altLang="en-US" sz="1000" dirty="0" smtClean="0">
+                  <a:latin typeface="メイリオ" panose="020B0604030504040204" pitchFamily="50" charset="-128"/>
+                  <a:ea typeface="メイリオ" panose="020B0604030504040204" pitchFamily="50" charset="-128"/>
+                  <a:cs typeface="メイリオ" panose="020B0604030504040204" pitchFamily="50" charset="-128"/>
+                </a:rPr>
+                <a:t>実行</a:t>
+              </a:r>
+              <a:endParaRPr kumimoji="1" lang="en-US" altLang="ja-JP" sz="1000" dirty="0" smtClean="0">
+                <a:latin typeface="メイリオ" panose="020B0604030504040204" pitchFamily="50" charset="-128"/>
+                <a:ea typeface="メイリオ" panose="020B0604030504040204" pitchFamily="50" charset="-128"/>
+                <a:cs typeface="メイリオ" panose="020B0604030504040204" pitchFamily="50" charset="-128"/>
+              </a:endParaRPr>
+            </a:p>
+          </p:txBody>
+        </p:sp>
+        <p:sp>
+          <p:nvSpPr>
+            <p:cNvPr id="27" name="正方形/長方形 26"/>
+            <p:cNvSpPr>
+              <a:spLocks noChangeAspect="1"/>
+            </p:cNvSpPr>
+            <p:nvPr/>
+          </p:nvSpPr>
+          <p:spPr>
+            <a:xfrm>
+              <a:off x="525779" y="3183441"/>
+              <a:ext cx="278008" cy="96086"/>
+            </a:xfrm>
+            <a:prstGeom prst="rect">
+              <a:avLst/>
+            </a:prstGeom>
+            <a:gradFill flip="none" rotWithShape="1">
+              <a:gsLst>
+                <a:gs pos="0">
+                  <a:srgbClr val="FF3399">
+                    <a:tint val="66000"/>
+                    <a:satMod val="160000"/>
+                  </a:srgbClr>
+                </a:gs>
+                <a:gs pos="50000">
+                  <a:srgbClr val="FF3399">
+                    <a:tint val="44500"/>
+                    <a:satMod val="160000"/>
+                  </a:srgbClr>
+                </a:gs>
+                <a:gs pos="100000">
+                  <a:srgbClr val="FF3399">
+                    <a:tint val="23500"/>
+                    <a:satMod val="160000"/>
+                  </a:srgbClr>
+                </a:gs>
+              </a:gsLst>
+              <a:lin ang="2700000" scaled="1"/>
+              <a:tileRect/>
+            </a:gradFill>
+            <a:ln>
+              <a:solidFill>
+                <a:srgbClr val="FF3399"/>
+              </a:solidFill>
+            </a:ln>
+          </p:spPr>
+          <p:style>
+            <a:lnRef idx="1">
+              <a:schemeClr val="accent2"/>
+            </a:lnRef>
+            <a:fillRef idx="2">
+              <a:schemeClr val="accent2"/>
+            </a:fillRef>
+            <a:effectRef idx="1">
+              <a:schemeClr val="accent2"/>
+            </a:effectRef>
+            <a:fontRef idx="minor">
+              <a:schemeClr val="dk1"/>
+            </a:fontRef>
+          </p:style>
+          <p:txBody>
+            <a:bodyPr rtlCol="0" anchor="ctr"/>
+            <a:lstStyle/>
+            <a:p>
+              <a:pPr algn="ctr"/>
+              <a:endParaRPr kumimoji="1" lang="ja-JP" altLang="en-US"/>
+            </a:p>
+          </p:txBody>
+        </p:sp>
+      </p:grpSp>
+      <p:grpSp>
+        <p:nvGrpSpPr>
+          <p:cNvPr id="30" name="グループ化 29"/>
+          <p:cNvGrpSpPr/>
+          <p:nvPr/>
+        </p:nvGrpSpPr>
+        <p:grpSpPr>
+          <a:xfrm>
+            <a:off x="431686" y="2580765"/>
+            <a:ext cx="1295648" cy="331745"/>
+            <a:chOff x="525778" y="2783397"/>
+            <a:chExt cx="1295648" cy="331745"/>
+          </a:xfrm>
+        </p:grpSpPr>
+        <p:sp>
+          <p:nvSpPr>
+            <p:cNvPr id="23" name="正方形/長方形 22"/>
+            <p:cNvSpPr/>
+            <p:nvPr/>
+          </p:nvSpPr>
+          <p:spPr>
+            <a:xfrm>
+              <a:off x="525779" y="2879197"/>
+              <a:ext cx="1295647" cy="235945"/>
+            </a:xfrm>
+            <a:prstGeom prst="rect">
+              <a:avLst/>
+            </a:prstGeom>
+            <a:gradFill flip="none" rotWithShape="1">
+              <a:gsLst>
+                <a:gs pos="0">
+                  <a:srgbClr val="00FF00">
+                    <a:tint val="66000"/>
+                    <a:satMod val="160000"/>
+                  </a:srgbClr>
+                </a:gs>
+                <a:gs pos="50000">
+                  <a:srgbClr val="00FF00">
+                    <a:tint val="44500"/>
+                    <a:satMod val="160000"/>
+                  </a:srgbClr>
+                </a:gs>
+                <a:gs pos="100000">
+                  <a:srgbClr val="00FF00">
+                    <a:tint val="23500"/>
+                    <a:satMod val="160000"/>
+                  </a:srgbClr>
+                </a:gs>
+              </a:gsLst>
+              <a:lin ang="2700000" scaled="1"/>
+              <a:tileRect/>
+            </a:gradFill>
+            <a:ln>
+              <a:solidFill>
+                <a:srgbClr val="00B050"/>
+              </a:solidFill>
+            </a:ln>
+          </p:spPr>
+          <p:style>
+            <a:lnRef idx="1">
+              <a:schemeClr val="accent2"/>
+            </a:lnRef>
+            <a:fillRef idx="2">
+              <a:schemeClr val="accent2"/>
+            </a:fillRef>
+            <a:effectRef idx="1">
+              <a:schemeClr val="accent2"/>
+            </a:effectRef>
+            <a:fontRef idx="minor">
+              <a:schemeClr val="dk1"/>
+            </a:fontRef>
+          </p:style>
+          <p:txBody>
+            <a:bodyPr rtlCol="0" anchor="ctr"/>
+            <a:lstStyle/>
+            <a:p>
+              <a:pPr algn="ctr"/>
+              <a:r>
+                <a:rPr lang="en-US" altLang="ja-JP" sz="1000" dirty="0" smtClean="0">
+                  <a:latin typeface="メイリオ" panose="020B0604030504040204" pitchFamily="50" charset="-128"/>
+                  <a:ea typeface="メイリオ" panose="020B0604030504040204" pitchFamily="50" charset="-128"/>
+                  <a:cs typeface="メイリオ" panose="020B0604030504040204" pitchFamily="50" charset="-128"/>
+                </a:rPr>
+                <a:t>R</a:t>
+              </a:r>
+              <a:r>
+                <a:rPr lang="ja-JP" altLang="en-US" sz="1000" dirty="0" smtClean="0">
+                  <a:latin typeface="メイリオ" panose="020B0604030504040204" pitchFamily="50" charset="-128"/>
+                  <a:ea typeface="メイリオ" panose="020B0604030504040204" pitchFamily="50" charset="-128"/>
+                  <a:cs typeface="メイリオ" panose="020B0604030504040204" pitchFamily="50" charset="-128"/>
+                </a:rPr>
+                <a:t>ゲーム攻略</a:t>
+              </a:r>
+              <a:endParaRPr kumimoji="1" lang="en-US" altLang="ja-JP" sz="1000" dirty="0" smtClean="0">
+                <a:latin typeface="メイリオ" panose="020B0604030504040204" pitchFamily="50" charset="-128"/>
+                <a:ea typeface="メイリオ" panose="020B0604030504040204" pitchFamily="50" charset="-128"/>
+                <a:cs typeface="メイリオ" panose="020B0604030504040204" pitchFamily="50" charset="-128"/>
+              </a:endParaRPr>
+            </a:p>
+          </p:txBody>
+        </p:sp>
+        <p:sp>
+          <p:nvSpPr>
+            <p:cNvPr id="28" name="正方形/長方形 27"/>
+            <p:cNvSpPr>
+              <a:spLocks noChangeAspect="1"/>
+            </p:cNvSpPr>
+            <p:nvPr/>
+          </p:nvSpPr>
+          <p:spPr>
+            <a:xfrm>
+              <a:off x="525778" y="2783397"/>
+              <a:ext cx="278008" cy="96086"/>
+            </a:xfrm>
+            <a:prstGeom prst="rect">
+              <a:avLst/>
+            </a:prstGeom>
+            <a:gradFill flip="none" rotWithShape="1">
+              <a:gsLst>
+                <a:gs pos="0">
+                  <a:srgbClr val="00FF00">
+                    <a:tint val="66000"/>
+                    <a:satMod val="160000"/>
+                  </a:srgbClr>
+                </a:gs>
+                <a:gs pos="50000">
+                  <a:srgbClr val="00FF00">
+                    <a:tint val="44500"/>
+                    <a:satMod val="160000"/>
+                  </a:srgbClr>
+                </a:gs>
+                <a:gs pos="100000">
+                  <a:srgbClr val="00FF00">
+                    <a:tint val="23500"/>
+                    <a:satMod val="160000"/>
+                  </a:srgbClr>
+                </a:gs>
+              </a:gsLst>
+              <a:lin ang="2700000" scaled="1"/>
+              <a:tileRect/>
+            </a:gradFill>
+            <a:ln>
+              <a:solidFill>
+                <a:srgbClr val="00B050"/>
+              </a:solidFill>
+            </a:ln>
+          </p:spPr>
+          <p:style>
+            <a:lnRef idx="1">
+              <a:schemeClr val="accent2"/>
+            </a:lnRef>
+            <a:fillRef idx="2">
+              <a:schemeClr val="accent2"/>
+            </a:fillRef>
+            <a:effectRef idx="1">
+              <a:schemeClr val="accent2"/>
+            </a:effectRef>
+            <a:fontRef idx="minor">
+              <a:schemeClr val="dk1"/>
+            </a:fontRef>
+          </p:style>
+          <p:txBody>
+            <a:bodyPr rtlCol="0" anchor="ctr"/>
+            <a:lstStyle/>
+            <a:p>
+              <a:pPr algn="ctr"/>
+              <a:endParaRPr kumimoji="1" lang="ja-JP" altLang="en-US"/>
+            </a:p>
+          </p:txBody>
+        </p:sp>
+      </p:grpSp>
+      <p:grpSp>
+        <p:nvGrpSpPr>
+          <p:cNvPr id="32" name="グループ化 31"/>
+          <p:cNvGrpSpPr/>
+          <p:nvPr/>
+        </p:nvGrpSpPr>
+        <p:grpSpPr>
+          <a:xfrm>
+            <a:off x="1805832" y="2573942"/>
+            <a:ext cx="1086624" cy="338568"/>
+            <a:chOff x="1899924" y="2776574"/>
+            <a:chExt cx="1086624" cy="338568"/>
+          </a:xfrm>
+        </p:grpSpPr>
+        <p:sp>
+          <p:nvSpPr>
+            <p:cNvPr id="24" name="正方形/長方形 23"/>
+            <p:cNvSpPr/>
+            <p:nvPr/>
+          </p:nvSpPr>
+          <p:spPr>
+            <a:xfrm>
+              <a:off x="1899924" y="2879197"/>
+              <a:ext cx="1086624" cy="235945"/>
+            </a:xfrm>
+            <a:prstGeom prst="rect">
+              <a:avLst/>
+            </a:prstGeom>
+            <a:gradFill flip="none" rotWithShape="1">
+              <a:gsLst>
+                <a:gs pos="0">
+                  <a:srgbClr val="00FFFF">
+                    <a:tint val="66000"/>
+                    <a:satMod val="160000"/>
+                  </a:srgbClr>
+                </a:gs>
+                <a:gs pos="50000">
+                  <a:srgbClr val="00FFFF">
+                    <a:tint val="44500"/>
+                    <a:satMod val="160000"/>
+                  </a:srgbClr>
+                </a:gs>
+                <a:gs pos="100000">
+                  <a:srgbClr val="00FFFF">
+                    <a:tint val="23500"/>
+                    <a:satMod val="160000"/>
+                  </a:srgbClr>
+                </a:gs>
+              </a:gsLst>
+              <a:lin ang="2700000" scaled="1"/>
+              <a:tileRect/>
+            </a:gradFill>
+            <a:ln>
+              <a:solidFill>
+                <a:srgbClr val="0099CC"/>
+              </a:solidFill>
+            </a:ln>
+          </p:spPr>
+          <p:style>
+            <a:lnRef idx="1">
+              <a:schemeClr val="accent2"/>
+            </a:lnRef>
+            <a:fillRef idx="2">
+              <a:schemeClr val="accent2"/>
+            </a:fillRef>
+            <a:effectRef idx="1">
+              <a:schemeClr val="accent2"/>
+            </a:effectRef>
+            <a:fontRef idx="minor">
+              <a:schemeClr val="dk1"/>
+            </a:fontRef>
+          </p:style>
+          <p:txBody>
+            <a:bodyPr rtlCol="0" anchor="ctr"/>
+            <a:lstStyle/>
+            <a:p>
+              <a:pPr algn="ctr"/>
+              <a:r>
+                <a:rPr lang="ja-JP" altLang="en-US" sz="1000" dirty="0" smtClean="0">
+                  <a:latin typeface="メイリオ" panose="020B0604030504040204" pitchFamily="50" charset="-128"/>
+                  <a:ea typeface="メイリオ" panose="020B0604030504040204" pitchFamily="50" charset="-128"/>
+                  <a:cs typeface="メイリオ" panose="020B0604030504040204" pitchFamily="50" charset="-128"/>
+                </a:rPr>
+                <a:t>走行エリア攻略</a:t>
+              </a:r>
+              <a:endParaRPr kumimoji="1" lang="en-US" altLang="ja-JP" sz="1000" dirty="0" smtClean="0">
+                <a:latin typeface="メイリオ" panose="020B0604030504040204" pitchFamily="50" charset="-128"/>
+                <a:ea typeface="メイリオ" panose="020B0604030504040204" pitchFamily="50" charset="-128"/>
+                <a:cs typeface="メイリオ" panose="020B0604030504040204" pitchFamily="50" charset="-128"/>
+              </a:endParaRPr>
+            </a:p>
+          </p:txBody>
+        </p:sp>
+        <p:sp>
+          <p:nvSpPr>
+            <p:cNvPr id="31" name="正方形/長方形 30"/>
+            <p:cNvSpPr>
+              <a:spLocks noChangeAspect="1"/>
+            </p:cNvSpPr>
+            <p:nvPr/>
+          </p:nvSpPr>
+          <p:spPr>
+            <a:xfrm>
+              <a:off x="1899924" y="2776574"/>
+              <a:ext cx="278008" cy="96086"/>
+            </a:xfrm>
+            <a:prstGeom prst="rect">
+              <a:avLst/>
+            </a:prstGeom>
+            <a:gradFill flip="none" rotWithShape="1">
+              <a:gsLst>
+                <a:gs pos="0">
+                  <a:srgbClr val="00FFFF">
+                    <a:tint val="66000"/>
+                    <a:satMod val="160000"/>
+                  </a:srgbClr>
+                </a:gs>
+                <a:gs pos="50000">
+                  <a:srgbClr val="00FFFF">
+                    <a:tint val="44500"/>
+                    <a:satMod val="160000"/>
+                  </a:srgbClr>
+                </a:gs>
+                <a:gs pos="100000">
+                  <a:srgbClr val="00FFFF">
+                    <a:tint val="23500"/>
+                    <a:satMod val="160000"/>
+                  </a:srgbClr>
+                </a:gs>
+              </a:gsLst>
+              <a:lin ang="2700000" scaled="1"/>
+              <a:tileRect/>
+            </a:gradFill>
+            <a:ln>
+              <a:solidFill>
+                <a:srgbClr val="0099CC"/>
+              </a:solidFill>
+            </a:ln>
+          </p:spPr>
+          <p:style>
+            <a:lnRef idx="1">
+              <a:schemeClr val="accent2"/>
+            </a:lnRef>
+            <a:fillRef idx="2">
+              <a:schemeClr val="accent2"/>
+            </a:fillRef>
+            <a:effectRef idx="1">
+              <a:schemeClr val="accent2"/>
+            </a:effectRef>
+            <a:fontRef idx="minor">
+              <a:schemeClr val="dk1"/>
+            </a:fontRef>
+          </p:style>
+          <p:txBody>
+            <a:bodyPr rtlCol="0" anchor="ctr"/>
+            <a:lstStyle/>
+            <a:p>
+              <a:pPr algn="ctr"/>
+              <a:endParaRPr kumimoji="1" lang="ja-JP" altLang="en-US"/>
+            </a:p>
+          </p:txBody>
+        </p:sp>
+      </p:grpSp>
+      <p:grpSp>
+        <p:nvGrpSpPr>
+          <p:cNvPr id="35" name="グループ化 34"/>
+          <p:cNvGrpSpPr/>
+          <p:nvPr/>
+        </p:nvGrpSpPr>
+        <p:grpSpPr>
+          <a:xfrm>
+            <a:off x="1713100" y="3419615"/>
+            <a:ext cx="1165860" cy="332452"/>
+            <a:chOff x="1807192" y="3622247"/>
+            <a:chExt cx="1165860" cy="332452"/>
+          </a:xfrm>
+        </p:grpSpPr>
+        <p:sp>
+          <p:nvSpPr>
+            <p:cNvPr id="22" name="正方形/長方形 21"/>
+            <p:cNvSpPr/>
+            <p:nvPr/>
+          </p:nvSpPr>
+          <p:spPr>
+            <a:xfrm>
+              <a:off x="1807192" y="3718754"/>
+              <a:ext cx="1165860" cy="235945"/>
+            </a:xfrm>
+            <a:prstGeom prst="rect">
+              <a:avLst/>
+            </a:prstGeom>
+            <a:gradFill flip="none" rotWithShape="1">
+              <a:gsLst>
+                <a:gs pos="0">
+                  <a:srgbClr val="FF0000">
+                    <a:tint val="66000"/>
+                    <a:satMod val="160000"/>
+                  </a:srgbClr>
+                </a:gs>
+                <a:gs pos="50000">
+                  <a:srgbClr val="FF0000">
+                    <a:tint val="44500"/>
+                    <a:satMod val="160000"/>
+                  </a:srgbClr>
+                </a:gs>
+                <a:gs pos="100000">
+                  <a:srgbClr val="FF0000">
+                    <a:tint val="23500"/>
+                    <a:satMod val="160000"/>
+                  </a:srgbClr>
+                </a:gs>
+              </a:gsLst>
+              <a:lin ang="2700000" scaled="1"/>
+              <a:tileRect/>
+            </a:gradFill>
+            <a:ln>
+              <a:solidFill>
+                <a:srgbClr val="FF0000"/>
+              </a:solidFill>
+            </a:ln>
+          </p:spPr>
+          <p:style>
+            <a:lnRef idx="1">
+              <a:schemeClr val="accent6"/>
+            </a:lnRef>
+            <a:fillRef idx="2">
+              <a:schemeClr val="accent6"/>
+            </a:fillRef>
+            <a:effectRef idx="1">
+              <a:schemeClr val="accent6"/>
+            </a:effectRef>
+            <a:fontRef idx="minor">
+              <a:schemeClr val="dk1"/>
+            </a:fontRef>
+          </p:style>
+          <p:txBody>
+            <a:bodyPr rtlCol="0" anchor="ctr"/>
+            <a:lstStyle/>
+            <a:p>
+              <a:pPr algn="ctr"/>
+              <a:r>
+                <a:rPr lang="ja-JP" altLang="en-US" sz="1000" dirty="0">
+                  <a:latin typeface="メイリオ" panose="020B0604030504040204" pitchFamily="50" charset="-128"/>
+                  <a:ea typeface="メイリオ" panose="020B0604030504040204" pitchFamily="50" charset="-128"/>
+                  <a:cs typeface="メイリオ" panose="020B0604030504040204" pitchFamily="50" charset="-128"/>
+                </a:rPr>
+                <a:t>センシング</a:t>
+              </a:r>
+              <a:endParaRPr kumimoji="1" lang="en-US" altLang="ja-JP" sz="1000" dirty="0" smtClean="0">
+                <a:latin typeface="メイリオ" panose="020B0604030504040204" pitchFamily="50" charset="-128"/>
+                <a:ea typeface="メイリオ" panose="020B0604030504040204" pitchFamily="50" charset="-128"/>
+                <a:cs typeface="メイリオ" panose="020B0604030504040204" pitchFamily="50" charset="-128"/>
+              </a:endParaRPr>
+            </a:p>
+          </p:txBody>
+        </p:sp>
+        <p:sp>
+          <p:nvSpPr>
+            <p:cNvPr id="34" name="正方形/長方形 33"/>
+            <p:cNvSpPr>
+              <a:spLocks noChangeAspect="1"/>
+            </p:cNvSpPr>
+            <p:nvPr/>
+          </p:nvSpPr>
+          <p:spPr>
+            <a:xfrm>
+              <a:off x="1807192" y="3622247"/>
+              <a:ext cx="278008" cy="96086"/>
+            </a:xfrm>
+            <a:prstGeom prst="rect">
+              <a:avLst/>
+            </a:prstGeom>
+            <a:gradFill flip="none" rotWithShape="1">
+              <a:gsLst>
+                <a:gs pos="0">
+                  <a:srgbClr val="FF0000">
+                    <a:tint val="66000"/>
+                    <a:satMod val="160000"/>
+                  </a:srgbClr>
+                </a:gs>
+                <a:gs pos="50000">
+                  <a:srgbClr val="FF0000">
+                    <a:tint val="44500"/>
+                    <a:satMod val="160000"/>
+                  </a:srgbClr>
+                </a:gs>
+                <a:gs pos="100000">
+                  <a:srgbClr val="FF0000">
+                    <a:tint val="23500"/>
+                    <a:satMod val="160000"/>
+                  </a:srgbClr>
+                </a:gs>
+              </a:gsLst>
+              <a:lin ang="2700000" scaled="1"/>
+              <a:tileRect/>
+            </a:gradFill>
+            <a:ln>
+              <a:solidFill>
+                <a:srgbClr val="FF0000"/>
+              </a:solidFill>
+            </a:ln>
+          </p:spPr>
+          <p:style>
+            <a:lnRef idx="1">
+              <a:schemeClr val="accent4"/>
+            </a:lnRef>
+            <a:fillRef idx="2">
+              <a:schemeClr val="accent4"/>
+            </a:fillRef>
+            <a:effectRef idx="1">
+              <a:schemeClr val="accent4"/>
+            </a:effectRef>
+            <a:fontRef idx="minor">
+              <a:schemeClr val="dk1"/>
+            </a:fontRef>
+          </p:style>
+          <p:txBody>
+            <a:bodyPr rtlCol="0" anchor="ctr"/>
+            <a:lstStyle/>
+            <a:p>
+              <a:pPr algn="ctr"/>
+              <a:endParaRPr kumimoji="1" lang="ja-JP" altLang="en-US"/>
+            </a:p>
+          </p:txBody>
+        </p:sp>
+      </p:grpSp>
+      <p:grpSp>
+        <p:nvGrpSpPr>
+          <p:cNvPr id="53" name="グループ化 52"/>
+          <p:cNvGrpSpPr/>
+          <p:nvPr/>
+        </p:nvGrpSpPr>
+        <p:grpSpPr>
+          <a:xfrm>
+            <a:off x="2985174" y="2552364"/>
+            <a:ext cx="440687" cy="1199161"/>
+            <a:chOff x="3079266" y="2524930"/>
+            <a:chExt cx="440687" cy="1525405"/>
+          </a:xfrm>
+        </p:grpSpPr>
+        <p:sp>
+          <p:nvSpPr>
+            <p:cNvPr id="18" name="正方形/長方形 17"/>
+            <p:cNvSpPr/>
+            <p:nvPr/>
+          </p:nvSpPr>
+          <p:spPr>
+            <a:xfrm>
+              <a:off x="3079266" y="2652719"/>
+              <a:ext cx="440687" cy="1397616"/>
+            </a:xfrm>
+            <a:prstGeom prst="rect">
+              <a:avLst/>
+            </a:prstGeom>
+            <a:gradFill flip="none" rotWithShape="1">
+              <a:gsLst>
+                <a:gs pos="0">
+                  <a:schemeClr val="bg1">
+                    <a:lumMod val="95000"/>
+                    <a:shade val="30000"/>
+                    <a:satMod val="115000"/>
+                  </a:schemeClr>
+                </a:gs>
+                <a:gs pos="50000">
+                  <a:schemeClr val="bg1">
+                    <a:lumMod val="95000"/>
+                    <a:shade val="67500"/>
+                    <a:satMod val="115000"/>
+                  </a:schemeClr>
+                </a:gs>
+                <a:gs pos="100000">
+                  <a:schemeClr val="bg1">
+                    <a:lumMod val="95000"/>
+                    <a:shade val="100000"/>
+                    <a:satMod val="115000"/>
+                  </a:schemeClr>
+                </a:gs>
+              </a:gsLst>
+              <a:lin ang="2700000" scaled="1"/>
+              <a:tileRect/>
+            </a:gradFill>
+            <a:ln>
+              <a:solidFill>
+                <a:schemeClr val="tx1"/>
+              </a:solidFill>
+            </a:ln>
+          </p:spPr>
+          <p:style>
+            <a:lnRef idx="1">
+              <a:schemeClr val="accent4"/>
+            </a:lnRef>
+            <a:fillRef idx="2">
+              <a:schemeClr val="accent4"/>
+            </a:fillRef>
+            <a:effectRef idx="1">
+              <a:schemeClr val="accent4"/>
+            </a:effectRef>
+            <a:fontRef idx="minor">
+              <a:schemeClr val="dk1"/>
+            </a:fontRef>
+          </p:style>
+          <p:txBody>
+            <a:bodyPr rtlCol="0" anchor="ctr"/>
+            <a:lstStyle/>
+            <a:p>
+              <a:pPr algn="ctr"/>
+              <a:r>
+                <a:rPr kumimoji="1" lang="ja-JP" altLang="en-US" sz="1000" dirty="0" smtClean="0">
+                  <a:latin typeface="メイリオ" panose="020B0604030504040204" pitchFamily="50" charset="-128"/>
+                  <a:ea typeface="メイリオ" panose="020B0604030504040204" pitchFamily="50" charset="-128"/>
+                  <a:cs typeface="メイリオ" panose="020B0604030504040204" pitchFamily="50" charset="-128"/>
+                </a:rPr>
+                <a:t>表示</a:t>
+              </a:r>
+              <a:endParaRPr kumimoji="1" lang="en-US" altLang="ja-JP" sz="1000" dirty="0" smtClean="0">
+                <a:latin typeface="メイリオ" panose="020B0604030504040204" pitchFamily="50" charset="-128"/>
+                <a:ea typeface="メイリオ" panose="020B0604030504040204" pitchFamily="50" charset="-128"/>
+                <a:cs typeface="メイリオ" panose="020B0604030504040204" pitchFamily="50" charset="-128"/>
+              </a:endParaRPr>
+            </a:p>
+            <a:p>
+              <a:pPr algn="ctr"/>
+              <a:r>
+                <a:rPr lang="ja-JP" altLang="en-US" sz="1000" dirty="0" smtClean="0">
+                  <a:latin typeface="メイリオ" panose="020B0604030504040204" pitchFamily="50" charset="-128"/>
+                  <a:ea typeface="メイリオ" panose="020B0604030504040204" pitchFamily="50" charset="-128"/>
+                  <a:cs typeface="メイリオ" panose="020B0604030504040204" pitchFamily="50" charset="-128"/>
+                </a:rPr>
+                <a:t>・</a:t>
+              </a:r>
+              <a:r>
+                <a:rPr lang="en-US" altLang="ja-JP" sz="1000" dirty="0" smtClean="0">
+                  <a:latin typeface="メイリオ" panose="020B0604030504040204" pitchFamily="50" charset="-128"/>
+                  <a:ea typeface="メイリオ" panose="020B0604030504040204" pitchFamily="50" charset="-128"/>
+                  <a:cs typeface="メイリオ" panose="020B0604030504040204" pitchFamily="50" charset="-128"/>
+                </a:rPr>
+                <a:t>UI</a:t>
+              </a:r>
+              <a:endParaRPr kumimoji="1" lang="en-US" altLang="ja-JP" sz="1000" dirty="0" smtClean="0">
+                <a:latin typeface="メイリオ" panose="020B0604030504040204" pitchFamily="50" charset="-128"/>
+                <a:ea typeface="メイリオ" panose="020B0604030504040204" pitchFamily="50" charset="-128"/>
+                <a:cs typeface="メイリオ" panose="020B0604030504040204" pitchFamily="50" charset="-128"/>
+              </a:endParaRPr>
+            </a:p>
+          </p:txBody>
+        </p:sp>
+        <p:sp>
+          <p:nvSpPr>
+            <p:cNvPr id="36" name="正方形/長方形 35"/>
+            <p:cNvSpPr>
+              <a:spLocks/>
+            </p:cNvSpPr>
+            <p:nvPr/>
+          </p:nvSpPr>
+          <p:spPr>
+            <a:xfrm>
+              <a:off x="3082610" y="2524930"/>
+              <a:ext cx="277200" cy="118703"/>
+            </a:xfrm>
+            <a:prstGeom prst="rect">
+              <a:avLst/>
+            </a:prstGeom>
+            <a:gradFill flip="none" rotWithShape="1">
+              <a:gsLst>
+                <a:gs pos="0">
+                  <a:schemeClr val="bg1">
+                    <a:lumMod val="95000"/>
+                    <a:shade val="30000"/>
+                    <a:satMod val="115000"/>
+                  </a:schemeClr>
+                </a:gs>
+                <a:gs pos="50000">
+                  <a:schemeClr val="bg1">
+                    <a:lumMod val="95000"/>
+                    <a:shade val="67500"/>
+                    <a:satMod val="115000"/>
+                  </a:schemeClr>
+                </a:gs>
+                <a:gs pos="100000">
+                  <a:schemeClr val="bg1">
+                    <a:lumMod val="95000"/>
+                    <a:shade val="100000"/>
+                    <a:satMod val="115000"/>
+                  </a:schemeClr>
+                </a:gs>
+              </a:gsLst>
+              <a:lin ang="2700000" scaled="1"/>
+              <a:tileRect/>
+            </a:gradFill>
+            <a:ln>
+              <a:solidFill>
+                <a:schemeClr val="tx1"/>
+              </a:solidFill>
+            </a:ln>
+          </p:spPr>
+          <p:style>
+            <a:lnRef idx="1">
+              <a:schemeClr val="accent4"/>
+            </a:lnRef>
+            <a:fillRef idx="2">
+              <a:schemeClr val="accent4"/>
+            </a:fillRef>
+            <a:effectRef idx="1">
+              <a:schemeClr val="accent4"/>
+            </a:effectRef>
+            <a:fontRef idx="minor">
+              <a:schemeClr val="dk1"/>
+            </a:fontRef>
+          </p:style>
+          <p:txBody>
+            <a:bodyPr rtlCol="0" anchor="ctr"/>
+            <a:lstStyle/>
+            <a:p>
+              <a:pPr algn="ctr"/>
+              <a:endParaRPr kumimoji="1" lang="ja-JP" altLang="en-US"/>
+            </a:p>
+          </p:txBody>
+        </p:sp>
+      </p:grpSp>
+      <p:grpSp>
+        <p:nvGrpSpPr>
+          <p:cNvPr id="52" name="グループ化 51"/>
+          <p:cNvGrpSpPr/>
+          <p:nvPr/>
+        </p:nvGrpSpPr>
+        <p:grpSpPr>
+          <a:xfrm>
+            <a:off x="431686" y="2191817"/>
+            <a:ext cx="3022063" cy="310577"/>
+            <a:chOff x="520023" y="2393613"/>
+            <a:chExt cx="2385494" cy="310577"/>
+          </a:xfrm>
+        </p:grpSpPr>
+        <p:sp>
+          <p:nvSpPr>
+            <p:cNvPr id="39" name="正方形/長方形 38"/>
+            <p:cNvSpPr/>
+            <p:nvPr/>
+          </p:nvSpPr>
+          <p:spPr>
+            <a:xfrm>
+              <a:off x="520024" y="2492733"/>
+              <a:ext cx="2385493" cy="211457"/>
+            </a:xfrm>
+            <a:prstGeom prst="rect">
+              <a:avLst/>
+            </a:prstGeom>
+            <a:gradFill flip="none" rotWithShape="1">
+              <a:gsLst>
+                <a:gs pos="0">
+                  <a:srgbClr val="FFFF00">
+                    <a:tint val="66000"/>
+                    <a:satMod val="160000"/>
+                  </a:srgbClr>
+                </a:gs>
+                <a:gs pos="50000">
+                  <a:srgbClr val="FFFF00">
+                    <a:tint val="44500"/>
+                    <a:satMod val="160000"/>
+                  </a:srgbClr>
+                </a:gs>
+                <a:gs pos="100000">
+                  <a:srgbClr val="FFFF00">
+                    <a:tint val="23500"/>
+                    <a:satMod val="160000"/>
+                  </a:srgbClr>
+                </a:gs>
+              </a:gsLst>
+              <a:lin ang="2700000" scaled="1"/>
+              <a:tileRect/>
+            </a:gradFill>
+            <a:ln>
+              <a:solidFill>
+                <a:srgbClr val="FFCC00"/>
+              </a:solidFill>
+            </a:ln>
+          </p:spPr>
+          <p:style>
+            <a:lnRef idx="1">
+              <a:schemeClr val="accent2"/>
+            </a:lnRef>
+            <a:fillRef idx="2">
+              <a:schemeClr val="accent2"/>
+            </a:fillRef>
+            <a:effectRef idx="1">
+              <a:schemeClr val="accent2"/>
+            </a:effectRef>
+            <a:fontRef idx="minor">
+              <a:schemeClr val="dk1"/>
+            </a:fontRef>
+          </p:style>
+          <p:txBody>
+            <a:bodyPr rtlCol="0" anchor="ctr"/>
+            <a:lstStyle/>
+            <a:p>
+              <a:pPr algn="ctr"/>
+              <a:r>
+                <a:rPr lang="ja-JP" altLang="en-US" sz="1000" dirty="0" smtClean="0">
+                  <a:latin typeface="メイリオ" panose="020B0604030504040204" pitchFamily="50" charset="-128"/>
+                  <a:ea typeface="メイリオ" panose="020B0604030504040204" pitchFamily="50" charset="-128"/>
+                  <a:cs typeface="メイリオ" panose="020B0604030504040204" pitchFamily="50" charset="-128"/>
+                </a:rPr>
+                <a:t>全体制御</a:t>
+              </a:r>
+              <a:endParaRPr kumimoji="1" lang="en-US" altLang="ja-JP" sz="1000" dirty="0" smtClean="0">
+                <a:latin typeface="メイリオ" panose="020B0604030504040204" pitchFamily="50" charset="-128"/>
+                <a:ea typeface="メイリオ" panose="020B0604030504040204" pitchFamily="50" charset="-128"/>
+                <a:cs typeface="メイリオ" panose="020B0604030504040204" pitchFamily="50" charset="-128"/>
+              </a:endParaRPr>
+            </a:p>
+          </p:txBody>
+        </p:sp>
+        <p:sp>
+          <p:nvSpPr>
+            <p:cNvPr id="40" name="正方形/長方形 39"/>
+            <p:cNvSpPr>
+              <a:spLocks/>
+            </p:cNvSpPr>
+            <p:nvPr/>
+          </p:nvSpPr>
+          <p:spPr>
+            <a:xfrm>
+              <a:off x="520023" y="2393613"/>
+              <a:ext cx="288000" cy="99911"/>
+            </a:xfrm>
+            <a:prstGeom prst="rect">
+              <a:avLst/>
+            </a:prstGeom>
+            <a:gradFill flip="none" rotWithShape="1">
+              <a:gsLst>
+                <a:gs pos="0">
+                  <a:srgbClr val="FFFF00">
+                    <a:tint val="66000"/>
+                    <a:satMod val="160000"/>
+                  </a:srgbClr>
+                </a:gs>
+                <a:gs pos="50000">
+                  <a:srgbClr val="FFFF00">
+                    <a:tint val="44500"/>
+                    <a:satMod val="160000"/>
+                  </a:srgbClr>
+                </a:gs>
+                <a:gs pos="100000">
+                  <a:srgbClr val="FFFF00">
+                    <a:tint val="23500"/>
+                    <a:satMod val="160000"/>
+                  </a:srgbClr>
+                </a:gs>
+              </a:gsLst>
+              <a:lin ang="2700000" scaled="1"/>
+              <a:tileRect/>
+            </a:gradFill>
+            <a:ln>
+              <a:solidFill>
+                <a:srgbClr val="FFCC00"/>
+              </a:solidFill>
+            </a:ln>
+          </p:spPr>
+          <p:style>
+            <a:lnRef idx="1">
+              <a:schemeClr val="accent2"/>
+            </a:lnRef>
+            <a:fillRef idx="2">
+              <a:schemeClr val="accent2"/>
+            </a:fillRef>
+            <a:effectRef idx="1">
+              <a:schemeClr val="accent2"/>
+            </a:effectRef>
+            <a:fontRef idx="minor">
+              <a:schemeClr val="dk1"/>
+            </a:fontRef>
+          </p:style>
+          <p:txBody>
+            <a:bodyPr rtlCol="0" anchor="ctr"/>
+            <a:lstStyle/>
+            <a:p>
+              <a:pPr algn="ctr"/>
+              <a:endParaRPr kumimoji="1" lang="ja-JP" altLang="en-US"/>
+            </a:p>
+          </p:txBody>
+        </p:sp>
+      </p:grpSp>
+      <p:cxnSp>
+        <p:nvCxnSpPr>
+          <p:cNvPr id="44" name="直線矢印コネクタ 43"/>
+          <p:cNvCxnSpPr/>
+          <p:nvPr/>
+        </p:nvCxnSpPr>
+        <p:spPr>
+          <a:xfrm flipH="1">
+            <a:off x="1098663" y="3751525"/>
+            <a:ext cx="1" cy="200918"/>
+          </a:xfrm>
+          <a:prstGeom prst="straightConnector1">
+            <a:avLst/>
+          </a:prstGeom>
+          <a:ln w="12700">
+            <a:solidFill>
+              <a:schemeClr val="tx1"/>
+            </a:solidFill>
+            <a:prstDash val="sysDash"/>
+            <a:tailEnd type="arrow" w="lg" len="med"/>
+          </a:ln>
+        </p:spPr>
+        <p:style>
+          <a:lnRef idx="1">
+            <a:schemeClr val="accent1"/>
+          </a:lnRef>
+          <a:fillRef idx="0">
+            <a:schemeClr val="accent1"/>
+          </a:fillRef>
+          <a:effectRef idx="0">
+            <a:schemeClr val="accent1"/>
+          </a:effectRef>
+          <a:fontRef idx="minor">
+            <a:schemeClr val="tx1"/>
+          </a:fontRef>
+        </p:style>
+      </p:cxnSp>
+      <p:cxnSp>
+        <p:nvCxnSpPr>
+          <p:cNvPr id="47" name="直線矢印コネクタ 46"/>
+          <p:cNvCxnSpPr>
+            <a:stCxn id="22" idx="2"/>
+          </p:cNvCxnSpPr>
+          <p:nvPr/>
+        </p:nvCxnSpPr>
+        <p:spPr>
+          <a:xfrm>
+            <a:off x="2296030" y="3752067"/>
+            <a:ext cx="0" cy="191272"/>
+          </a:xfrm>
+          <a:prstGeom prst="straightConnector1">
+            <a:avLst/>
+          </a:prstGeom>
+          <a:ln w="12700">
+            <a:solidFill>
+              <a:schemeClr val="tx1"/>
+            </a:solidFill>
+            <a:prstDash val="sysDash"/>
+            <a:tailEnd type="arrow" w="lg" len="med"/>
+          </a:ln>
+        </p:spPr>
+        <p:style>
+          <a:lnRef idx="1">
+            <a:schemeClr val="accent1"/>
+          </a:lnRef>
+          <a:fillRef idx="0">
+            <a:schemeClr val="accent1"/>
+          </a:fillRef>
+          <a:effectRef idx="0">
+            <a:schemeClr val="accent1"/>
+          </a:effectRef>
+          <a:fontRef idx="minor">
+            <a:schemeClr val="tx1"/>
+          </a:fontRef>
+        </p:style>
+      </p:cxnSp>
+      <p:cxnSp>
+        <p:nvCxnSpPr>
+          <p:cNvPr id="50" name="直線矢印コネクタ 49"/>
+          <p:cNvCxnSpPr/>
+          <p:nvPr/>
+        </p:nvCxnSpPr>
+        <p:spPr>
+          <a:xfrm flipH="1">
+            <a:off x="1098663" y="3314497"/>
+            <a:ext cx="1" cy="200918"/>
+          </a:xfrm>
+          <a:prstGeom prst="straightConnector1">
+            <a:avLst/>
+          </a:prstGeom>
+          <a:ln w="12700">
+            <a:solidFill>
+              <a:schemeClr val="tx1"/>
+            </a:solidFill>
+            <a:prstDash val="sysDash"/>
+            <a:tailEnd type="arrow" w="lg" len="med"/>
+          </a:ln>
+        </p:spPr>
+        <p:style>
+          <a:lnRef idx="1">
+            <a:schemeClr val="accent1"/>
+          </a:lnRef>
+          <a:fillRef idx="0">
+            <a:schemeClr val="accent1"/>
+          </a:fillRef>
+          <a:effectRef idx="0">
+            <a:schemeClr val="accent1"/>
+          </a:effectRef>
+          <a:fontRef idx="minor">
+            <a:schemeClr val="tx1"/>
+          </a:fontRef>
+        </p:style>
+      </p:cxnSp>
+      <p:cxnSp>
+        <p:nvCxnSpPr>
+          <p:cNvPr id="51" name="直線矢印コネクタ 50"/>
+          <p:cNvCxnSpPr/>
+          <p:nvPr/>
+        </p:nvCxnSpPr>
+        <p:spPr>
+          <a:xfrm>
+            <a:off x="2309204" y="3324143"/>
+            <a:ext cx="0" cy="191272"/>
+          </a:xfrm>
+          <a:prstGeom prst="straightConnector1">
+            <a:avLst/>
+          </a:prstGeom>
+          <a:ln w="12700">
+            <a:solidFill>
+              <a:schemeClr val="tx1"/>
+            </a:solidFill>
+            <a:prstDash val="sysDash"/>
+            <a:tailEnd type="arrow" w="lg" len="med"/>
+          </a:ln>
+        </p:spPr>
+        <p:style>
+          <a:lnRef idx="1">
+            <a:schemeClr val="accent1"/>
+          </a:lnRef>
+          <a:fillRef idx="0">
+            <a:schemeClr val="accent1"/>
+          </a:fillRef>
+          <a:effectRef idx="0">
+            <a:schemeClr val="accent1"/>
+          </a:effectRef>
+          <a:fontRef idx="minor">
+            <a:schemeClr val="tx1"/>
+          </a:fontRef>
+        </p:style>
+      </p:cxnSp>
+      <p:cxnSp>
+        <p:nvCxnSpPr>
+          <p:cNvPr id="54" name="直線矢印コネクタ 53"/>
+          <p:cNvCxnSpPr/>
+          <p:nvPr/>
+        </p:nvCxnSpPr>
+        <p:spPr>
+          <a:xfrm flipH="1">
+            <a:off x="1098663" y="2914849"/>
+            <a:ext cx="1" cy="172654"/>
+          </a:xfrm>
+          <a:prstGeom prst="straightConnector1">
+            <a:avLst/>
+          </a:prstGeom>
+          <a:ln w="12700">
+            <a:solidFill>
+              <a:schemeClr val="tx1"/>
+            </a:solidFill>
+            <a:prstDash val="sysDash"/>
+            <a:tailEnd type="arrow" w="lg" len="med"/>
+          </a:ln>
+        </p:spPr>
+        <p:style>
+          <a:lnRef idx="1">
+            <a:schemeClr val="accent1"/>
+          </a:lnRef>
+          <a:fillRef idx="0">
+            <a:schemeClr val="accent1"/>
+          </a:fillRef>
+          <a:effectRef idx="0">
+            <a:schemeClr val="accent1"/>
+          </a:effectRef>
+          <a:fontRef idx="minor">
+            <a:schemeClr val="tx1"/>
+          </a:fontRef>
+        </p:style>
+      </p:cxnSp>
+      <p:cxnSp>
+        <p:nvCxnSpPr>
+          <p:cNvPr id="56" name="直線矢印コネクタ 55"/>
+          <p:cNvCxnSpPr>
+            <a:stCxn id="24" idx="2"/>
+          </p:cNvCxnSpPr>
+          <p:nvPr/>
+        </p:nvCxnSpPr>
+        <p:spPr>
+          <a:xfrm>
+            <a:off x="2349144" y="2912510"/>
+            <a:ext cx="7360" cy="195672"/>
+          </a:xfrm>
+          <a:prstGeom prst="straightConnector1">
+            <a:avLst/>
+          </a:prstGeom>
+          <a:ln w="12700">
+            <a:solidFill>
+              <a:schemeClr val="tx1"/>
+            </a:solidFill>
+            <a:prstDash val="sysDash"/>
+            <a:tailEnd type="arrow" w="lg" len="med"/>
+          </a:ln>
+        </p:spPr>
+        <p:style>
+          <a:lnRef idx="1">
+            <a:schemeClr val="accent1"/>
+          </a:lnRef>
+          <a:fillRef idx="0">
+            <a:schemeClr val="accent1"/>
+          </a:fillRef>
+          <a:effectRef idx="0">
+            <a:schemeClr val="accent1"/>
+          </a:effectRef>
+          <a:fontRef idx="minor">
+            <a:schemeClr val="tx1"/>
+          </a:fontRef>
+        </p:style>
+      </p:cxnSp>
+      <p:cxnSp>
+        <p:nvCxnSpPr>
+          <p:cNvPr id="60" name="直線矢印コネクタ 59"/>
+          <p:cNvCxnSpPr/>
+          <p:nvPr/>
+        </p:nvCxnSpPr>
+        <p:spPr>
+          <a:xfrm flipH="1">
+            <a:off x="1081537" y="2516736"/>
+            <a:ext cx="1" cy="172654"/>
+          </a:xfrm>
+          <a:prstGeom prst="straightConnector1">
+            <a:avLst/>
+          </a:prstGeom>
+          <a:ln w="12700">
+            <a:solidFill>
+              <a:schemeClr val="tx1"/>
+            </a:solidFill>
+            <a:prstDash val="sysDash"/>
+            <a:tailEnd type="arrow" w="lg" len="med"/>
+          </a:ln>
+        </p:spPr>
+        <p:style>
+          <a:lnRef idx="1">
+            <a:schemeClr val="accent1"/>
+          </a:lnRef>
+          <a:fillRef idx="0">
+            <a:schemeClr val="accent1"/>
+          </a:fillRef>
+          <a:effectRef idx="0">
+            <a:schemeClr val="accent1"/>
+          </a:effectRef>
+          <a:fontRef idx="minor">
+            <a:schemeClr val="tx1"/>
+          </a:fontRef>
+        </p:style>
+      </p:cxnSp>
+      <p:cxnSp>
+        <p:nvCxnSpPr>
+          <p:cNvPr id="61" name="直線矢印コネクタ 60"/>
+          <p:cNvCxnSpPr/>
+          <p:nvPr/>
+        </p:nvCxnSpPr>
+        <p:spPr>
+          <a:xfrm flipH="1">
+            <a:off x="2339378" y="2508931"/>
+            <a:ext cx="1" cy="172654"/>
+          </a:xfrm>
+          <a:prstGeom prst="straightConnector1">
+            <a:avLst/>
+          </a:prstGeom>
+          <a:ln w="12700">
+            <a:solidFill>
+              <a:schemeClr val="tx1"/>
+            </a:solidFill>
+            <a:prstDash val="sysDash"/>
+            <a:tailEnd type="arrow" w="lg" len="med"/>
+          </a:ln>
+        </p:spPr>
+        <p:style>
+          <a:lnRef idx="1">
+            <a:schemeClr val="accent1"/>
+          </a:lnRef>
+          <a:fillRef idx="0">
+            <a:schemeClr val="accent1"/>
+          </a:fillRef>
+          <a:effectRef idx="0">
+            <a:schemeClr val="accent1"/>
+          </a:effectRef>
+          <a:fontRef idx="minor">
+            <a:schemeClr val="tx1"/>
+          </a:fontRef>
+        </p:style>
+      </p:cxnSp>
+      <p:sp>
+        <p:nvSpPr>
+          <p:cNvPr id="62" name="テキスト ボックス 61"/>
+          <p:cNvSpPr txBox="1"/>
+          <p:nvPr/>
+        </p:nvSpPr>
+        <p:spPr>
+          <a:xfrm>
+            <a:off x="2505129" y="1853713"/>
+            <a:ext cx="5765419" cy="430887"/>
+          </a:xfrm>
+          <a:prstGeom prst="rect">
+            <a:avLst/>
+          </a:prstGeom>
+          <a:noFill/>
+        </p:spPr>
+        <p:txBody>
+          <a:bodyPr wrap="square" rtlCol="0">
+            <a:spAutoFit/>
+          </a:bodyPr>
+          <a:lstStyle/>
+          <a:p>
+            <a:r>
+              <a:rPr lang="ja-JP" altLang="en-US" sz="1100" dirty="0" smtClean="0">
+                <a:latin typeface="メイリオ" panose="020B0604030504040204" pitchFamily="50" charset="-128"/>
+                <a:ea typeface="メイリオ" panose="020B0604030504040204" pitchFamily="50" charset="-128"/>
+                <a:cs typeface="メイリオ" panose="020B0604030504040204" pitchFamily="50" charset="-128"/>
+              </a:rPr>
+              <a:t>システムをその機能の抽象度に着目して階層化し、パッケージとした</a:t>
+            </a:r>
+            <a:r>
+              <a:rPr lang="en-US" altLang="ja-JP" sz="1100" dirty="0" smtClean="0">
+                <a:latin typeface="メイリオ" panose="020B0604030504040204" pitchFamily="50" charset="-128"/>
+                <a:ea typeface="メイリオ" panose="020B0604030504040204" pitchFamily="50" charset="-128"/>
+                <a:cs typeface="メイリオ" panose="020B0604030504040204" pitchFamily="50" charset="-128"/>
+              </a:rPr>
+              <a:t>(</a:t>
+            </a:r>
+            <a:r>
+              <a:rPr lang="ja-JP" altLang="en-US" sz="1100" dirty="0" smtClean="0">
+                <a:latin typeface="メイリオ" panose="020B0604030504040204" pitchFamily="50" charset="-128"/>
+                <a:ea typeface="メイリオ" panose="020B0604030504040204" pitchFamily="50" charset="-128"/>
+                <a:cs typeface="メイリオ" panose="020B0604030504040204" pitchFamily="50" charset="-128"/>
+              </a:rPr>
+              <a:t>表示・</a:t>
+            </a:r>
+            <a:r>
+              <a:rPr lang="en-US" altLang="ja-JP" sz="1100" dirty="0" smtClean="0">
+                <a:latin typeface="メイリオ" panose="020B0604030504040204" pitchFamily="50" charset="-128"/>
+                <a:ea typeface="メイリオ" panose="020B0604030504040204" pitchFamily="50" charset="-128"/>
+                <a:cs typeface="メイリオ" panose="020B0604030504040204" pitchFamily="50" charset="-128"/>
+              </a:rPr>
+              <a:t>UI</a:t>
+            </a:r>
+            <a:r>
+              <a:rPr lang="ja-JP" altLang="en-US" sz="1100" dirty="0" smtClean="0">
+                <a:latin typeface="メイリオ" panose="020B0604030504040204" pitchFamily="50" charset="-128"/>
+                <a:ea typeface="メイリオ" panose="020B0604030504040204" pitchFamily="50" charset="-128"/>
+                <a:cs typeface="メイリオ" panose="020B0604030504040204" pitchFamily="50" charset="-128"/>
+              </a:rPr>
+              <a:t>を除く</a:t>
+            </a:r>
+            <a:r>
+              <a:rPr lang="en-US" altLang="ja-JP" sz="1100" dirty="0" smtClean="0">
+                <a:latin typeface="メイリオ" panose="020B0604030504040204" pitchFamily="50" charset="-128"/>
+                <a:ea typeface="メイリオ" panose="020B0604030504040204" pitchFamily="50" charset="-128"/>
+                <a:cs typeface="メイリオ" panose="020B0604030504040204" pitchFamily="50" charset="-128"/>
+              </a:rPr>
+              <a:t>)</a:t>
+            </a:r>
+            <a:r>
+              <a:rPr lang="ja-JP" altLang="en-US" sz="1100" dirty="0" err="1">
+                <a:latin typeface="メイリオ" panose="020B0604030504040204" pitchFamily="50" charset="-128"/>
+                <a:ea typeface="メイリオ" panose="020B0604030504040204" pitchFamily="50" charset="-128"/>
+                <a:cs typeface="メイリオ" panose="020B0604030504040204" pitchFamily="50" charset="-128"/>
+              </a:rPr>
+              <a:t>。</a:t>
+            </a:r>
+            <a:r>
+              <a:rPr lang="ja-JP" altLang="en-US" sz="1100" dirty="0" smtClean="0">
+                <a:latin typeface="メイリオ" panose="020B0604030504040204" pitchFamily="50" charset="-128"/>
+                <a:ea typeface="メイリオ" panose="020B0604030504040204" pitchFamily="50" charset="-128"/>
+                <a:cs typeface="メイリオ" panose="020B0604030504040204" pitchFamily="50" charset="-128"/>
+              </a:rPr>
+              <a:t>上位層の機能はその直下の層によって実現される。</a:t>
+            </a:r>
+            <a:endParaRPr kumimoji="1" lang="ja-JP" altLang="en-US" sz="1100" dirty="0">
+              <a:latin typeface="メイリオ" panose="020B0604030504040204" pitchFamily="50" charset="-128"/>
+              <a:ea typeface="メイリオ" panose="020B0604030504040204" pitchFamily="50" charset="-128"/>
+              <a:cs typeface="メイリオ" panose="020B0604030504040204" pitchFamily="50" charset="-128"/>
+            </a:endParaRPr>
+          </a:p>
+        </p:txBody>
+      </p:sp>
+      <p:cxnSp>
+        <p:nvCxnSpPr>
+          <p:cNvPr id="63" name="直線矢印コネクタ 62"/>
+          <p:cNvCxnSpPr>
+            <a:stCxn id="18" idx="2"/>
+          </p:cNvCxnSpPr>
+          <p:nvPr/>
+        </p:nvCxnSpPr>
+        <p:spPr>
+          <a:xfrm flipH="1">
+            <a:off x="3205517" y="3751525"/>
+            <a:ext cx="1" cy="200918"/>
+          </a:xfrm>
+          <a:prstGeom prst="straightConnector1">
+            <a:avLst/>
+          </a:prstGeom>
+          <a:ln w="12700">
+            <a:solidFill>
+              <a:schemeClr val="tx1"/>
+            </a:solidFill>
+            <a:prstDash val="sysDash"/>
+            <a:tailEnd type="arrow" w="lg" len="med"/>
+          </a:ln>
+        </p:spPr>
+        <p:style>
+          <a:lnRef idx="1">
+            <a:schemeClr val="accent1"/>
+          </a:lnRef>
+          <a:fillRef idx="0">
+            <a:schemeClr val="accent1"/>
+          </a:fillRef>
+          <a:effectRef idx="0">
+            <a:schemeClr val="accent1"/>
+          </a:effectRef>
+          <a:fontRef idx="minor">
+            <a:schemeClr val="tx1"/>
+          </a:fontRef>
+        </p:style>
+      </p:cxnSp>
+      <p:graphicFrame>
+        <p:nvGraphicFramePr>
+          <p:cNvPr id="66" name="表 65"/>
+          <p:cNvGraphicFramePr>
+            <a:graphicFrameLocks noGrp="1"/>
+          </p:cNvGraphicFramePr>
+          <p:nvPr>
+            <p:extLst>
+              <p:ext uri="{D42A27DB-BD31-4B8C-83A1-F6EECF244321}">
+                <p14:modId xmlns:p14="http://schemas.microsoft.com/office/powerpoint/2010/main" val="1025983933"/>
+              </p:ext>
+            </p:extLst>
+          </p:nvPr>
+        </p:nvGraphicFramePr>
+        <p:xfrm>
+          <a:off x="3536259" y="2272583"/>
+          <a:ext cx="5019288" cy="2194560"/>
+        </p:xfrm>
+        <a:graphic>
+          <a:graphicData uri="http://schemas.openxmlformats.org/drawingml/2006/table">
+            <a:tbl>
+              <a:tblPr firstRow="1" bandRow="1">
+                <a:tableStyleId>{5940675A-B579-460E-94D1-54222C63F5DA}</a:tableStyleId>
+              </a:tblPr>
+              <a:tblGrid>
+                <a:gridCol w="1131362"/>
+                <a:gridCol w="3887926"/>
+              </a:tblGrid>
+              <a:tr h="240603">
+                <a:tc>
+                  <a:txBody>
+                    <a:bodyPr/>
+                    <a:lstStyle/>
+                    <a:p>
+                      <a:pPr algn="ctr"/>
+                      <a:r>
+                        <a:rPr kumimoji="1" lang="ja-JP" altLang="en-US" sz="1000" b="1" dirty="0" smtClean="0">
+                          <a:latin typeface="メイリオ" panose="020B0604030504040204" pitchFamily="50" charset="-128"/>
+                          <a:ea typeface="メイリオ" panose="020B0604030504040204" pitchFamily="50" charset="-128"/>
+                          <a:cs typeface="メイリオ" panose="020B0604030504040204" pitchFamily="50" charset="-128"/>
+                        </a:rPr>
+                        <a:t>パッケージ名</a:t>
+                      </a:r>
+                      <a:endParaRPr kumimoji="1" lang="ja-JP" altLang="en-US" sz="1000" b="1" dirty="0">
+                        <a:latin typeface="メイリオ" panose="020B0604030504040204" pitchFamily="50" charset="-128"/>
+                        <a:ea typeface="メイリオ" panose="020B0604030504040204" pitchFamily="50" charset="-128"/>
+                        <a:cs typeface="メイリオ" panose="020B0604030504040204" pitchFamily="50" charset="-128"/>
+                      </a:endParaRPr>
+                    </a:p>
+                  </a:txBody>
+                  <a:tcPr>
+                    <a:solidFill>
+                      <a:schemeClr val="accent3">
+                        <a:lumMod val="20000"/>
+                        <a:lumOff val="80000"/>
+                      </a:schemeClr>
+                    </a:solidFill>
+                  </a:tcPr>
+                </a:tc>
+                <a:tc>
+                  <a:txBody>
+                    <a:bodyPr/>
+                    <a:lstStyle/>
+                    <a:p>
+                      <a:pPr algn="ctr"/>
+                      <a:r>
+                        <a:rPr kumimoji="1" lang="ja-JP" altLang="en-US" sz="1000" b="1" dirty="0" smtClean="0">
+                          <a:latin typeface="メイリオ" panose="020B0604030504040204" pitchFamily="50" charset="-128"/>
+                          <a:ea typeface="メイリオ" panose="020B0604030504040204" pitchFamily="50" charset="-128"/>
+                          <a:cs typeface="メイリオ" panose="020B0604030504040204" pitchFamily="50" charset="-128"/>
+                        </a:rPr>
+                        <a:t>概要</a:t>
+                      </a:r>
+                      <a:endParaRPr kumimoji="1" lang="ja-JP" altLang="en-US" sz="1000" b="1" dirty="0">
+                        <a:latin typeface="メイリオ" panose="020B0604030504040204" pitchFamily="50" charset="-128"/>
+                        <a:ea typeface="メイリオ" panose="020B0604030504040204" pitchFamily="50" charset="-128"/>
+                        <a:cs typeface="メイリオ" panose="020B0604030504040204" pitchFamily="50" charset="-128"/>
+                      </a:endParaRPr>
+                    </a:p>
+                  </a:txBody>
+                  <a:tcPr>
+                    <a:solidFill>
+                      <a:schemeClr val="accent5">
+                        <a:lumMod val="20000"/>
+                        <a:lumOff val="80000"/>
+                      </a:schemeClr>
+                    </a:solidFill>
+                  </a:tcPr>
+                </a:tc>
+              </a:tr>
+              <a:tr h="240603">
+                <a:tc>
+                  <a:txBody>
+                    <a:bodyPr/>
+                    <a:lstStyle/>
+                    <a:p>
+                      <a:r>
+                        <a:rPr kumimoji="1" lang="ja-JP" altLang="en-US" sz="1000" dirty="0" smtClean="0">
+                          <a:latin typeface="メイリオ" panose="020B0604030504040204" pitchFamily="50" charset="-128"/>
+                          <a:ea typeface="メイリオ" panose="020B0604030504040204" pitchFamily="50" charset="-128"/>
+                          <a:cs typeface="メイリオ" panose="020B0604030504040204" pitchFamily="50" charset="-128"/>
+                        </a:rPr>
+                        <a:t>全体制御</a:t>
+                      </a:r>
+                      <a:endParaRPr kumimoji="1" lang="ja-JP" altLang="en-US" sz="1000" b="1" dirty="0">
+                        <a:latin typeface="メイリオ" panose="020B0604030504040204" pitchFamily="50" charset="-128"/>
+                        <a:ea typeface="メイリオ" panose="020B0604030504040204" pitchFamily="50" charset="-128"/>
+                        <a:cs typeface="メイリオ" panose="020B0604030504040204" pitchFamily="50" charset="-128"/>
+                      </a:endParaRPr>
+                    </a:p>
+                  </a:txBody>
+                  <a:tcPr>
+                    <a:gradFill flip="none" rotWithShape="1">
+                      <a:gsLst>
+                        <a:gs pos="0">
+                          <a:srgbClr val="FFFF00">
+                            <a:tint val="66000"/>
+                            <a:satMod val="160000"/>
+                          </a:srgbClr>
+                        </a:gs>
+                        <a:gs pos="50000">
+                          <a:srgbClr val="FFFF00">
+                            <a:tint val="44500"/>
+                            <a:satMod val="160000"/>
+                          </a:srgbClr>
+                        </a:gs>
+                        <a:gs pos="100000">
+                          <a:srgbClr val="FFFF00">
+                            <a:tint val="23500"/>
+                            <a:satMod val="160000"/>
+                          </a:srgbClr>
+                        </a:gs>
+                      </a:gsLst>
+                      <a:lin ang="2700000" scaled="1"/>
+                      <a:tileRect/>
+                    </a:gradFill>
+                  </a:tcPr>
+                </a:tc>
+                <a:tc>
+                  <a:txBody>
+                    <a:bodyPr/>
+                    <a:lstStyle/>
+                    <a:p>
+                      <a:r>
+                        <a:rPr kumimoji="1" lang="ja-JP" altLang="en-US" sz="1000" dirty="0" smtClean="0">
+                          <a:latin typeface="メイリオ" panose="020B0604030504040204" pitchFamily="50" charset="-128"/>
+                          <a:ea typeface="メイリオ" panose="020B0604030504040204" pitchFamily="50" charset="-128"/>
+                          <a:cs typeface="メイリオ" panose="020B0604030504040204" pitchFamily="50" charset="-128"/>
+                        </a:rPr>
+                        <a:t>各パッケージのインスタンスの管理、戦略の実行。</a:t>
+                      </a:r>
+                      <a:endParaRPr kumimoji="1" lang="ja-JP" altLang="en-US" sz="1000" dirty="0">
+                        <a:latin typeface="メイリオ" panose="020B0604030504040204" pitchFamily="50" charset="-128"/>
+                        <a:ea typeface="メイリオ" panose="020B0604030504040204" pitchFamily="50" charset="-128"/>
+                        <a:cs typeface="メイリオ" panose="020B0604030504040204" pitchFamily="50" charset="-128"/>
+                      </a:endParaRPr>
+                    </a:p>
+                  </a:txBody>
+                  <a:tcPr/>
+                </a:tc>
+              </a:tr>
+              <a:tr h="240603">
+                <a:tc>
+                  <a:txBody>
+                    <a:bodyPr/>
+                    <a:lstStyle/>
+                    <a:p>
+                      <a:r>
+                        <a:rPr kumimoji="1" lang="en-US" altLang="ja-JP" sz="1000" dirty="0" smtClean="0">
+                          <a:latin typeface="メイリオ" panose="020B0604030504040204" pitchFamily="50" charset="-128"/>
+                          <a:ea typeface="メイリオ" panose="020B0604030504040204" pitchFamily="50" charset="-128"/>
+                          <a:cs typeface="メイリオ" panose="020B0604030504040204" pitchFamily="50" charset="-128"/>
+                        </a:rPr>
+                        <a:t>R</a:t>
+                      </a:r>
+                      <a:r>
+                        <a:rPr kumimoji="1" lang="ja-JP" altLang="en-US" sz="1000" dirty="0" smtClean="0">
+                          <a:latin typeface="メイリオ" panose="020B0604030504040204" pitchFamily="50" charset="-128"/>
+                          <a:ea typeface="メイリオ" panose="020B0604030504040204" pitchFamily="50" charset="-128"/>
+                          <a:cs typeface="メイリオ" panose="020B0604030504040204" pitchFamily="50" charset="-128"/>
+                        </a:rPr>
+                        <a:t>ゲーム攻略</a:t>
+                      </a:r>
+                      <a:endParaRPr kumimoji="1" lang="ja-JP" altLang="en-US" sz="1000" dirty="0">
+                        <a:latin typeface="メイリオ" panose="020B0604030504040204" pitchFamily="50" charset="-128"/>
+                        <a:ea typeface="メイリオ" panose="020B0604030504040204" pitchFamily="50" charset="-128"/>
+                        <a:cs typeface="メイリオ" panose="020B0604030504040204" pitchFamily="50" charset="-128"/>
+                      </a:endParaRPr>
+                    </a:p>
+                  </a:txBody>
+                  <a:tcPr>
+                    <a:gradFill flip="none" rotWithShape="1">
+                      <a:gsLst>
+                        <a:gs pos="0">
+                          <a:srgbClr val="00FF00">
+                            <a:tint val="66000"/>
+                            <a:satMod val="160000"/>
+                          </a:srgbClr>
+                        </a:gs>
+                        <a:gs pos="50000">
+                          <a:srgbClr val="00FF00">
+                            <a:tint val="44500"/>
+                            <a:satMod val="160000"/>
+                          </a:srgbClr>
+                        </a:gs>
+                        <a:gs pos="100000">
+                          <a:srgbClr val="00FF00">
+                            <a:tint val="23500"/>
+                            <a:satMod val="160000"/>
+                          </a:srgbClr>
+                        </a:gs>
+                      </a:gsLst>
+                      <a:lin ang="2700000" scaled="1"/>
+                      <a:tileRect/>
+                    </a:gradFill>
+                  </a:tcPr>
+                </a:tc>
+                <a:tc>
+                  <a:txBody>
+                    <a:bodyPr/>
+                    <a:lstStyle/>
+                    <a:p>
+                      <a:r>
+                        <a:rPr kumimoji="1" lang="ja-JP" altLang="en-US" sz="1000" dirty="0" smtClean="0">
+                          <a:latin typeface="メイリオ" panose="020B0604030504040204" pitchFamily="50" charset="-128"/>
+                          <a:ea typeface="メイリオ" panose="020B0604030504040204" pitchFamily="50" charset="-128"/>
+                          <a:cs typeface="メイリオ" panose="020B0604030504040204" pitchFamily="50" charset="-128"/>
+                        </a:rPr>
+                        <a:t>ブロック並べ攻略のモデルを管理し、戦術を作成する。</a:t>
+                      </a:r>
+                      <a:endParaRPr kumimoji="1" lang="ja-JP" altLang="en-US" sz="1000" dirty="0">
+                        <a:latin typeface="メイリオ" panose="020B0604030504040204" pitchFamily="50" charset="-128"/>
+                        <a:ea typeface="メイリオ" panose="020B0604030504040204" pitchFamily="50" charset="-128"/>
+                        <a:cs typeface="メイリオ" panose="020B0604030504040204" pitchFamily="50" charset="-128"/>
+                      </a:endParaRPr>
+                    </a:p>
+                  </a:txBody>
+                  <a:tcPr/>
+                </a:tc>
+              </a:tr>
+              <a:tr h="240603">
+                <a:tc>
+                  <a:txBody>
+                    <a:bodyPr/>
+                    <a:lstStyle/>
+                    <a:p>
+                      <a:r>
+                        <a:rPr kumimoji="1" lang="ja-JP" altLang="en-US" sz="1000" dirty="0" smtClean="0">
+                          <a:latin typeface="メイリオ" panose="020B0604030504040204" pitchFamily="50" charset="-128"/>
+                          <a:ea typeface="メイリオ" panose="020B0604030504040204" pitchFamily="50" charset="-128"/>
+                          <a:cs typeface="メイリオ" panose="020B0604030504040204" pitchFamily="50" charset="-128"/>
+                        </a:rPr>
+                        <a:t>走行エリア攻略</a:t>
+                      </a:r>
+                      <a:endParaRPr kumimoji="1" lang="ja-JP" altLang="en-US" sz="1000" dirty="0">
+                        <a:latin typeface="メイリオ" panose="020B0604030504040204" pitchFamily="50" charset="-128"/>
+                        <a:ea typeface="メイリオ" panose="020B0604030504040204" pitchFamily="50" charset="-128"/>
+                        <a:cs typeface="メイリオ" panose="020B0604030504040204" pitchFamily="50" charset="-128"/>
+                      </a:endParaRPr>
+                    </a:p>
+                  </a:txBody>
+                  <a:tcPr>
+                    <a:gradFill flip="none" rotWithShape="1">
+                      <a:gsLst>
+                        <a:gs pos="0">
+                          <a:srgbClr val="00FFFF">
+                            <a:tint val="66000"/>
+                            <a:satMod val="160000"/>
+                          </a:srgbClr>
+                        </a:gs>
+                        <a:gs pos="50000">
+                          <a:srgbClr val="00FFFF">
+                            <a:tint val="44500"/>
+                            <a:satMod val="160000"/>
+                          </a:srgbClr>
+                        </a:gs>
+                        <a:gs pos="100000">
+                          <a:srgbClr val="00FFFF">
+                            <a:tint val="23500"/>
+                            <a:satMod val="160000"/>
+                          </a:srgbClr>
+                        </a:gs>
+                      </a:gsLst>
+                      <a:lin ang="2700000" scaled="1"/>
+                      <a:tileRect/>
+                    </a:gradFill>
+                  </a:tcPr>
+                </a:tc>
+                <a:tc>
+                  <a:txBody>
+                    <a:bodyPr/>
+                    <a:lstStyle/>
+                    <a:p>
+                      <a:r>
+                        <a:rPr kumimoji="1" lang="ja-JP" altLang="en-US" sz="1000" dirty="0" smtClean="0">
+                          <a:latin typeface="メイリオ" panose="020B0604030504040204" pitchFamily="50" charset="-128"/>
+                          <a:ea typeface="メイリオ" panose="020B0604030504040204" pitchFamily="50" charset="-128"/>
+                          <a:cs typeface="メイリオ" panose="020B0604030504040204" pitchFamily="50" charset="-128"/>
+                        </a:rPr>
+                        <a:t>ブロック並べ以外のコース情報から走行戦術を作成する。</a:t>
+                      </a:r>
+                      <a:endParaRPr kumimoji="1" lang="ja-JP" altLang="en-US" sz="1000" dirty="0">
+                        <a:latin typeface="メイリオ" panose="020B0604030504040204" pitchFamily="50" charset="-128"/>
+                        <a:ea typeface="メイリオ" panose="020B0604030504040204" pitchFamily="50" charset="-128"/>
+                        <a:cs typeface="メイリオ" panose="020B0604030504040204" pitchFamily="50" charset="-128"/>
+                      </a:endParaRPr>
+                    </a:p>
+                  </a:txBody>
+                  <a:tcPr/>
+                </a:tc>
+              </a:tr>
+              <a:tr h="240603">
+                <a:tc>
+                  <a:txBody>
+                    <a:bodyPr/>
+                    <a:lstStyle/>
+                    <a:p>
+                      <a:r>
+                        <a:rPr kumimoji="1" lang="ja-JP" altLang="en-US" sz="1000" dirty="0" smtClean="0">
+                          <a:latin typeface="メイリオ" panose="020B0604030504040204" pitchFamily="50" charset="-128"/>
+                          <a:ea typeface="メイリオ" panose="020B0604030504040204" pitchFamily="50" charset="-128"/>
+                          <a:cs typeface="メイリオ" panose="020B0604030504040204" pitchFamily="50" charset="-128"/>
+                        </a:rPr>
+                        <a:t>攻略手順実行</a:t>
+                      </a:r>
+                      <a:endParaRPr kumimoji="1" lang="ja-JP" altLang="en-US" sz="1000" dirty="0">
+                        <a:latin typeface="メイリオ" panose="020B0604030504040204" pitchFamily="50" charset="-128"/>
+                        <a:ea typeface="メイリオ" panose="020B0604030504040204" pitchFamily="50" charset="-128"/>
+                        <a:cs typeface="メイリオ" panose="020B0604030504040204" pitchFamily="50" charset="-128"/>
+                      </a:endParaRPr>
+                    </a:p>
+                  </a:txBody>
+                  <a:tcPr>
+                    <a:gradFill flip="none" rotWithShape="1">
+                      <a:gsLst>
+                        <a:gs pos="0">
+                          <a:srgbClr val="FF3399">
+                            <a:tint val="66000"/>
+                            <a:satMod val="160000"/>
+                          </a:srgbClr>
+                        </a:gs>
+                        <a:gs pos="50000">
+                          <a:srgbClr val="FF3399">
+                            <a:tint val="44500"/>
+                            <a:satMod val="160000"/>
+                          </a:srgbClr>
+                        </a:gs>
+                        <a:gs pos="100000">
+                          <a:srgbClr val="FF3399">
+                            <a:tint val="23500"/>
+                            <a:satMod val="160000"/>
+                          </a:srgbClr>
+                        </a:gs>
+                      </a:gsLst>
+                      <a:lin ang="2700000" scaled="1"/>
+                      <a:tileRect/>
+                    </a:gradFill>
+                  </a:tcPr>
+                </a:tc>
+                <a:tc>
+                  <a:txBody>
+                    <a:bodyPr/>
+                    <a:lstStyle/>
+                    <a:p>
+                      <a:r>
+                        <a:rPr kumimoji="1" lang="en-US" altLang="ja-JP" sz="1000" dirty="0" smtClean="0">
+                          <a:latin typeface="メイリオ" panose="020B0604030504040204" pitchFamily="50" charset="-128"/>
+                          <a:ea typeface="メイリオ" panose="020B0604030504040204" pitchFamily="50" charset="-128"/>
+                          <a:cs typeface="メイリオ" panose="020B0604030504040204" pitchFamily="50" charset="-128"/>
+                        </a:rPr>
+                        <a:t>R</a:t>
+                      </a:r>
+                      <a:r>
+                        <a:rPr kumimoji="1" lang="ja-JP" altLang="en-US" sz="1000" dirty="0" smtClean="0">
+                          <a:latin typeface="メイリオ" panose="020B0604030504040204" pitchFamily="50" charset="-128"/>
+                          <a:ea typeface="メイリオ" panose="020B0604030504040204" pitchFamily="50" charset="-128"/>
+                          <a:cs typeface="メイリオ" panose="020B0604030504040204" pitchFamily="50" charset="-128"/>
+                        </a:rPr>
+                        <a:t>ゲーム攻略、走行エリア攻略が作成した一連の指示を実行する。</a:t>
+                      </a:r>
+                      <a:endParaRPr kumimoji="1" lang="ja-JP" altLang="en-US" sz="1000" dirty="0">
+                        <a:latin typeface="メイリオ" panose="020B0604030504040204" pitchFamily="50" charset="-128"/>
+                        <a:ea typeface="メイリオ" panose="020B0604030504040204" pitchFamily="50" charset="-128"/>
+                        <a:cs typeface="メイリオ" panose="020B0604030504040204" pitchFamily="50" charset="-128"/>
+                      </a:endParaRPr>
+                    </a:p>
+                  </a:txBody>
+                  <a:tcPr/>
+                </a:tc>
+              </a:tr>
+              <a:tr h="240603">
+                <a:tc>
+                  <a:txBody>
+                    <a:bodyPr/>
+                    <a:lstStyle/>
+                    <a:p>
+                      <a:r>
+                        <a:rPr kumimoji="1" lang="ja-JP" altLang="en-US" sz="1000" dirty="0" smtClean="0">
+                          <a:latin typeface="メイリオ" panose="020B0604030504040204" pitchFamily="50" charset="-128"/>
+                          <a:ea typeface="メイリオ" panose="020B0604030504040204" pitchFamily="50" charset="-128"/>
+                          <a:cs typeface="メイリオ" panose="020B0604030504040204" pitchFamily="50" charset="-128"/>
+                        </a:rPr>
+                        <a:t>動作</a:t>
+                      </a:r>
+                      <a:endParaRPr kumimoji="1" lang="ja-JP" altLang="en-US" sz="1000" dirty="0">
+                        <a:latin typeface="メイリオ" panose="020B0604030504040204" pitchFamily="50" charset="-128"/>
+                        <a:ea typeface="メイリオ" panose="020B0604030504040204" pitchFamily="50" charset="-128"/>
+                        <a:cs typeface="メイリオ" panose="020B0604030504040204" pitchFamily="50" charset="-128"/>
+                      </a:endParaRPr>
+                    </a:p>
+                  </a:txBody>
+                  <a:tcPr>
+                    <a:gradFill flip="none" rotWithShape="1">
+                      <a:gsLst>
+                        <a:gs pos="0">
+                          <a:srgbClr val="FFC000">
+                            <a:tint val="66000"/>
+                            <a:satMod val="160000"/>
+                          </a:srgbClr>
+                        </a:gs>
+                        <a:gs pos="50000">
+                          <a:srgbClr val="FFC000">
+                            <a:tint val="44500"/>
+                            <a:satMod val="160000"/>
+                          </a:srgbClr>
+                        </a:gs>
+                        <a:gs pos="100000">
+                          <a:srgbClr val="FFC000">
+                            <a:tint val="23500"/>
+                            <a:satMod val="160000"/>
+                          </a:srgbClr>
+                        </a:gs>
+                      </a:gsLst>
+                      <a:lin ang="2700000" scaled="1"/>
+                      <a:tileRect/>
+                    </a:gradFill>
+                  </a:tcPr>
+                </a:tc>
+                <a:tc>
+                  <a:txBody>
+                    <a:bodyPr/>
+                    <a:lstStyle/>
+                    <a:p>
+                      <a:r>
+                        <a:rPr kumimoji="1" lang="ja-JP" altLang="en-US" sz="1000" dirty="0" smtClean="0">
+                          <a:latin typeface="メイリオ" panose="020B0604030504040204" pitchFamily="50" charset="-128"/>
+                          <a:ea typeface="メイリオ" panose="020B0604030504040204" pitchFamily="50" charset="-128"/>
+                          <a:cs typeface="メイリオ" panose="020B0604030504040204" pitchFamily="50" charset="-128"/>
+                        </a:rPr>
+                        <a:t>ブロック色認識等のなどの複雑な動作を行う。</a:t>
+                      </a:r>
+                      <a:endParaRPr kumimoji="1" lang="ja-JP" altLang="en-US" sz="1000" dirty="0">
+                        <a:latin typeface="メイリオ" panose="020B0604030504040204" pitchFamily="50" charset="-128"/>
+                        <a:ea typeface="メイリオ" panose="020B0604030504040204" pitchFamily="50" charset="-128"/>
+                        <a:cs typeface="メイリオ" panose="020B0604030504040204" pitchFamily="50" charset="-128"/>
+                      </a:endParaRPr>
+                    </a:p>
+                  </a:txBody>
+                  <a:tcPr/>
+                </a:tc>
+              </a:tr>
+              <a:tr h="240603">
+                <a:tc>
+                  <a:txBody>
+                    <a:bodyPr/>
+                    <a:lstStyle/>
+                    <a:p>
+                      <a:r>
+                        <a:rPr kumimoji="1" lang="ja-JP" altLang="en-US" sz="1000" dirty="0" smtClean="0">
+                          <a:latin typeface="メイリオ" panose="020B0604030504040204" pitchFamily="50" charset="-128"/>
+                          <a:ea typeface="メイリオ" panose="020B0604030504040204" pitchFamily="50" charset="-128"/>
+                          <a:cs typeface="メイリオ" panose="020B0604030504040204" pitchFamily="50" charset="-128"/>
+                        </a:rPr>
+                        <a:t>センシング</a:t>
+                      </a:r>
+                      <a:endParaRPr kumimoji="1" lang="ja-JP" altLang="en-US" sz="1000" dirty="0">
+                        <a:latin typeface="メイリオ" panose="020B0604030504040204" pitchFamily="50" charset="-128"/>
+                        <a:ea typeface="メイリオ" panose="020B0604030504040204" pitchFamily="50" charset="-128"/>
+                        <a:cs typeface="メイリオ" panose="020B0604030504040204" pitchFamily="50" charset="-128"/>
+                      </a:endParaRPr>
+                    </a:p>
+                  </a:txBody>
+                  <a:tcPr>
+                    <a:gradFill flip="none" rotWithShape="1">
+                      <a:gsLst>
+                        <a:gs pos="0">
+                          <a:srgbClr val="FF0000">
+                            <a:tint val="66000"/>
+                            <a:satMod val="160000"/>
+                          </a:srgbClr>
+                        </a:gs>
+                        <a:gs pos="50000">
+                          <a:srgbClr val="FF0000">
+                            <a:tint val="44500"/>
+                            <a:satMod val="160000"/>
+                          </a:srgbClr>
+                        </a:gs>
+                        <a:gs pos="100000">
+                          <a:srgbClr val="FF0000">
+                            <a:tint val="23500"/>
+                            <a:satMod val="160000"/>
+                          </a:srgbClr>
+                        </a:gs>
+                      </a:gsLst>
+                      <a:lin ang="2700000" scaled="1"/>
+                      <a:tileRect/>
+                    </a:gradFill>
+                  </a:tcPr>
+                </a:tc>
+                <a:tc>
+                  <a:txBody>
+                    <a:bodyPr/>
+                    <a:lstStyle/>
+                    <a:p>
+                      <a:r>
+                        <a:rPr kumimoji="1" lang="ja-JP" altLang="en-US" sz="1000" dirty="0" smtClean="0">
+                          <a:latin typeface="メイリオ" panose="020B0604030504040204" pitchFamily="50" charset="-128"/>
+                          <a:ea typeface="メイリオ" panose="020B0604030504040204" pitchFamily="50" charset="-128"/>
+                          <a:cs typeface="メイリオ" panose="020B0604030504040204" pitchFamily="50" charset="-128"/>
+                        </a:rPr>
+                        <a:t>走行体の推定位置等の二次的な情報の生成・管理を行う。</a:t>
+                      </a:r>
+                      <a:endParaRPr kumimoji="1" lang="ja-JP" altLang="en-US" sz="1000" dirty="0">
+                        <a:latin typeface="メイリオ" panose="020B0604030504040204" pitchFamily="50" charset="-128"/>
+                        <a:ea typeface="メイリオ" panose="020B0604030504040204" pitchFamily="50" charset="-128"/>
+                        <a:cs typeface="メイリオ" panose="020B0604030504040204" pitchFamily="50" charset="-128"/>
+                      </a:endParaRPr>
+                    </a:p>
+                  </a:txBody>
+                  <a:tcPr/>
+                </a:tc>
+              </a:tr>
+              <a:tr h="240603">
+                <a:tc>
+                  <a:txBody>
+                    <a:bodyPr/>
+                    <a:lstStyle/>
+                    <a:p>
+                      <a:r>
+                        <a:rPr kumimoji="1" lang="ja-JP" altLang="en-US" sz="1000" dirty="0" smtClean="0">
+                          <a:latin typeface="メイリオ" panose="020B0604030504040204" pitchFamily="50" charset="-128"/>
+                          <a:ea typeface="メイリオ" panose="020B0604030504040204" pitchFamily="50" charset="-128"/>
+                          <a:cs typeface="メイリオ" panose="020B0604030504040204" pitchFamily="50" charset="-128"/>
+                        </a:rPr>
+                        <a:t>デバイス制御</a:t>
+                      </a:r>
+                      <a:endParaRPr kumimoji="1" lang="ja-JP" altLang="en-US" sz="1000" dirty="0">
+                        <a:latin typeface="メイリオ" panose="020B0604030504040204" pitchFamily="50" charset="-128"/>
+                        <a:ea typeface="メイリオ" panose="020B0604030504040204" pitchFamily="50" charset="-128"/>
+                        <a:cs typeface="メイリオ" panose="020B0604030504040204" pitchFamily="50" charset="-128"/>
+                      </a:endParaRPr>
+                    </a:p>
+                  </a:txBody>
+                  <a:tcPr>
+                    <a:gradFill flip="none" rotWithShape="1">
+                      <a:gsLst>
+                        <a:gs pos="0">
+                          <a:srgbClr val="0070C0">
+                            <a:tint val="66000"/>
+                            <a:satMod val="160000"/>
+                          </a:srgbClr>
+                        </a:gs>
+                        <a:gs pos="50000">
+                          <a:srgbClr val="0070C0">
+                            <a:tint val="44500"/>
+                            <a:satMod val="160000"/>
+                          </a:srgbClr>
+                        </a:gs>
+                        <a:gs pos="100000">
+                          <a:srgbClr val="0070C0">
+                            <a:tint val="23500"/>
+                            <a:satMod val="160000"/>
+                          </a:srgbClr>
+                        </a:gs>
+                      </a:gsLst>
+                      <a:lin ang="2700000" scaled="1"/>
+                      <a:tileRect/>
+                    </a:gradFill>
+                  </a:tcPr>
+                </a:tc>
+                <a:tc>
+                  <a:txBody>
+                    <a:bodyPr/>
+                    <a:lstStyle/>
+                    <a:p>
+                      <a:r>
+                        <a:rPr kumimoji="1" lang="ja-JP" altLang="en-US" sz="1000" dirty="0" smtClean="0">
+                          <a:latin typeface="メイリオ" panose="020B0604030504040204" pitchFamily="50" charset="-128"/>
+                          <a:ea typeface="メイリオ" panose="020B0604030504040204" pitchFamily="50" charset="-128"/>
+                          <a:cs typeface="メイリオ" panose="020B0604030504040204" pitchFamily="50" charset="-128"/>
+                        </a:rPr>
+                        <a:t>動作、センシングに、デバイス操作の低レベル</a:t>
+                      </a:r>
+                      <a:r>
+                        <a:rPr kumimoji="1" lang="en-US" altLang="ja-JP" sz="1000" dirty="0" smtClean="0">
+                          <a:latin typeface="メイリオ" panose="020B0604030504040204" pitchFamily="50" charset="-128"/>
+                          <a:ea typeface="メイリオ" panose="020B0604030504040204" pitchFamily="50" charset="-128"/>
+                          <a:cs typeface="メイリオ" panose="020B0604030504040204" pitchFamily="50" charset="-128"/>
+                        </a:rPr>
+                        <a:t>IF</a:t>
+                      </a:r>
+                      <a:r>
+                        <a:rPr kumimoji="1" lang="ja-JP" altLang="en-US" sz="1000" dirty="0" err="1" smtClean="0">
+                          <a:latin typeface="メイリオ" panose="020B0604030504040204" pitchFamily="50" charset="-128"/>
+                          <a:ea typeface="メイリオ" panose="020B0604030504040204" pitchFamily="50" charset="-128"/>
+                          <a:cs typeface="メイリオ" panose="020B0604030504040204" pitchFamily="50" charset="-128"/>
+                        </a:rPr>
+                        <a:t>を提</a:t>
+                      </a:r>
+                      <a:r>
+                        <a:rPr kumimoji="1" lang="ja-JP" altLang="en-US" sz="1000" dirty="0" smtClean="0">
+                          <a:latin typeface="メイリオ" panose="020B0604030504040204" pitchFamily="50" charset="-128"/>
+                          <a:ea typeface="メイリオ" panose="020B0604030504040204" pitchFamily="50" charset="-128"/>
+                          <a:cs typeface="メイリオ" panose="020B0604030504040204" pitchFamily="50" charset="-128"/>
+                        </a:rPr>
+                        <a:t>供する。</a:t>
+                      </a:r>
+                      <a:endParaRPr kumimoji="1" lang="ja-JP" altLang="en-US" sz="1000" dirty="0">
+                        <a:latin typeface="メイリオ" panose="020B0604030504040204" pitchFamily="50" charset="-128"/>
+                        <a:ea typeface="メイリオ" panose="020B0604030504040204" pitchFamily="50" charset="-128"/>
+                        <a:cs typeface="メイリオ" panose="020B0604030504040204" pitchFamily="50" charset="-128"/>
+                      </a:endParaRPr>
+                    </a:p>
+                  </a:txBody>
+                  <a:tcPr/>
+                </a:tc>
+              </a:tr>
+              <a:tr h="240603">
+                <a:tc>
+                  <a:txBody>
+                    <a:bodyPr/>
+                    <a:lstStyle/>
+                    <a:p>
+                      <a:r>
+                        <a:rPr kumimoji="1" lang="ja-JP" altLang="en-US" sz="1000" dirty="0" smtClean="0">
+                          <a:latin typeface="メイリオ" panose="020B0604030504040204" pitchFamily="50" charset="-128"/>
+                          <a:ea typeface="メイリオ" panose="020B0604030504040204" pitchFamily="50" charset="-128"/>
+                          <a:cs typeface="メイリオ" panose="020B0604030504040204" pitchFamily="50" charset="-128"/>
+                        </a:rPr>
+                        <a:t>表示・</a:t>
+                      </a:r>
+                      <a:r>
+                        <a:rPr kumimoji="1" lang="en-US" altLang="ja-JP" sz="1000" dirty="0" smtClean="0">
+                          <a:latin typeface="メイリオ" panose="020B0604030504040204" pitchFamily="50" charset="-128"/>
+                          <a:ea typeface="メイリオ" panose="020B0604030504040204" pitchFamily="50" charset="-128"/>
+                          <a:cs typeface="メイリオ" panose="020B0604030504040204" pitchFamily="50" charset="-128"/>
+                        </a:rPr>
+                        <a:t>UI</a:t>
+                      </a:r>
+                      <a:endParaRPr kumimoji="1" lang="ja-JP" altLang="en-US" sz="1000" dirty="0">
+                        <a:latin typeface="メイリオ" panose="020B0604030504040204" pitchFamily="50" charset="-128"/>
+                        <a:ea typeface="メイリオ" panose="020B0604030504040204" pitchFamily="50" charset="-128"/>
+                        <a:cs typeface="メイリオ" panose="020B0604030504040204" pitchFamily="50" charset="-128"/>
+                      </a:endParaRPr>
+                    </a:p>
+                  </a:txBody>
+                  <a:tcPr>
+                    <a:gradFill flip="none" rotWithShape="1">
+                      <a:gsLst>
+                        <a:gs pos="0">
+                          <a:schemeClr val="bg1">
+                            <a:lumMod val="95000"/>
+                            <a:shade val="30000"/>
+                            <a:satMod val="115000"/>
+                          </a:schemeClr>
+                        </a:gs>
+                        <a:gs pos="50000">
+                          <a:schemeClr val="bg1">
+                            <a:lumMod val="95000"/>
+                            <a:shade val="67500"/>
+                            <a:satMod val="115000"/>
+                          </a:schemeClr>
+                        </a:gs>
+                        <a:gs pos="100000">
+                          <a:schemeClr val="bg1">
+                            <a:lumMod val="95000"/>
+                            <a:shade val="100000"/>
+                            <a:satMod val="115000"/>
+                          </a:schemeClr>
+                        </a:gs>
+                      </a:gsLst>
+                      <a:lin ang="2700000" scaled="1"/>
+                      <a:tileRect/>
+                    </a:gradFill>
+                  </a:tcPr>
+                </a:tc>
+                <a:tc>
+                  <a:txBody>
+                    <a:bodyPr/>
+                    <a:lstStyle/>
+                    <a:p>
+                      <a:r>
+                        <a:rPr kumimoji="1" lang="ja-JP" altLang="en-US" sz="1000" dirty="0" smtClean="0">
+                          <a:latin typeface="メイリオ" panose="020B0604030504040204" pitchFamily="50" charset="-128"/>
+                          <a:ea typeface="メイリオ" panose="020B0604030504040204" pitchFamily="50" charset="-128"/>
+                          <a:cs typeface="メイリオ" panose="020B0604030504040204" pitchFamily="50" charset="-128"/>
+                        </a:rPr>
+                        <a:t>ボタンの押下の検知、および</a:t>
+                      </a:r>
+                      <a:r>
+                        <a:rPr kumimoji="1" lang="en-US" altLang="ja-JP" sz="1000" dirty="0" smtClean="0">
+                          <a:latin typeface="メイリオ" panose="020B0604030504040204" pitchFamily="50" charset="-128"/>
+                          <a:ea typeface="メイリオ" panose="020B0604030504040204" pitchFamily="50" charset="-128"/>
+                          <a:cs typeface="メイリオ" panose="020B0604030504040204" pitchFamily="50" charset="-128"/>
+                        </a:rPr>
+                        <a:t>LCD</a:t>
+                      </a:r>
+                      <a:r>
+                        <a:rPr kumimoji="1" lang="ja-JP" altLang="en-US" sz="1000" dirty="0" err="1" smtClean="0">
+                          <a:latin typeface="メイリオ" panose="020B0604030504040204" pitchFamily="50" charset="-128"/>
+                          <a:ea typeface="メイリオ" panose="020B0604030504040204" pitchFamily="50" charset="-128"/>
+                          <a:cs typeface="メイリオ" panose="020B0604030504040204" pitchFamily="50" charset="-128"/>
+                        </a:rPr>
+                        <a:t>、</a:t>
+                      </a:r>
+                      <a:r>
+                        <a:rPr kumimoji="1" lang="ja-JP" altLang="en-US" sz="1000" dirty="0" smtClean="0">
+                          <a:latin typeface="メイリオ" panose="020B0604030504040204" pitchFamily="50" charset="-128"/>
+                          <a:ea typeface="メイリオ" panose="020B0604030504040204" pitchFamily="50" charset="-128"/>
+                          <a:cs typeface="メイリオ" panose="020B0604030504040204" pitchFamily="50" charset="-128"/>
+                        </a:rPr>
+                        <a:t>スピーカーの制御を行う。</a:t>
+                      </a:r>
+                      <a:endParaRPr kumimoji="1" lang="ja-JP" altLang="en-US" sz="1000" dirty="0">
+                        <a:latin typeface="メイリオ" panose="020B0604030504040204" pitchFamily="50" charset="-128"/>
+                        <a:ea typeface="メイリオ" panose="020B0604030504040204" pitchFamily="50" charset="-128"/>
+                        <a:cs typeface="メイリオ" panose="020B0604030504040204" pitchFamily="50" charset="-128"/>
+                      </a:endParaRPr>
+                    </a:p>
+                  </a:txBody>
+                  <a:tcPr/>
+                </a:tc>
+              </a:tr>
+            </a:tbl>
+          </a:graphicData>
+        </a:graphic>
+      </p:graphicFrame>
+      <p:sp>
+        <p:nvSpPr>
+          <p:cNvPr id="67" name="正方形/長方形 66"/>
+          <p:cNvSpPr/>
+          <p:nvPr/>
+        </p:nvSpPr>
+        <p:spPr>
+          <a:xfrm>
+            <a:off x="8713862" y="1825226"/>
+            <a:ext cx="6066664" cy="3320932"/>
+          </a:xfrm>
+          <a:prstGeom prst="rect">
+            <a:avLst/>
+          </a:prstGeom>
+          <a:noFill/>
+          <a:ln w="25400">
+            <a:solidFill>
+              <a:srgbClr val="D24726"/>
+            </a:solidFill>
+          </a:ln>
+        </p:spPr>
+        <p:style>
+          <a:lnRef idx="2">
+            <a:schemeClr val="accent1">
+              <a:shade val="50000"/>
+            </a:schemeClr>
+          </a:lnRef>
+          <a:fillRef idx="1">
+            <a:schemeClr val="accent1"/>
+          </a:fillRef>
+          <a:effectRef idx="0">
+            <a:schemeClr val="accent1"/>
+          </a:effectRef>
+          <a:fontRef idx="minor">
+            <a:schemeClr val="lt1"/>
+          </a:fontRef>
+        </p:style>
+        <p:txBody>
+          <a:bodyPr rtlCol="0" anchor="ctr"/>
+          <a:lstStyle/>
+          <a:p>
+            <a:pPr algn="ctr"/>
+            <a:endParaRPr kumimoji="1" lang="ja-JP" altLang="en-US"/>
+          </a:p>
+        </p:txBody>
+      </p:sp>
+      <p:sp>
+        <p:nvSpPr>
+          <p:cNvPr id="68" name="テキスト ボックス 67"/>
+          <p:cNvSpPr txBox="1"/>
+          <p:nvPr/>
+        </p:nvSpPr>
+        <p:spPr>
+          <a:xfrm>
+            <a:off x="8720846" y="1825226"/>
+            <a:ext cx="1614545" cy="307777"/>
+          </a:xfrm>
+          <a:prstGeom prst="rect">
+            <a:avLst/>
+          </a:prstGeom>
+          <a:solidFill>
+            <a:srgbClr val="D24726"/>
+          </a:solidFill>
+        </p:spPr>
+        <p:txBody>
+          <a:bodyPr wrap="none" rtlCol="0">
+            <a:spAutoFit/>
+          </a:bodyPr>
+          <a:lstStyle/>
+          <a:p>
+            <a:r>
+              <a:rPr lang="en-US" altLang="ja-JP" sz="1400" b="1" dirty="0" smtClean="0">
+                <a:solidFill>
+                  <a:schemeClr val="bg1"/>
+                </a:solidFill>
+                <a:latin typeface="メイリオ" panose="020B0604030504040204" pitchFamily="50" charset="-128"/>
+                <a:ea typeface="メイリオ" panose="020B0604030504040204" pitchFamily="50" charset="-128"/>
+                <a:cs typeface="メイリオ" panose="020B0604030504040204" pitchFamily="50" charset="-128"/>
+              </a:rPr>
+              <a:t>4</a:t>
+            </a:r>
+            <a:r>
+              <a:rPr kumimoji="1" lang="en-US" altLang="ja-JP" sz="1400" b="1" dirty="0" smtClean="0">
+                <a:solidFill>
+                  <a:schemeClr val="bg1"/>
+                </a:solidFill>
+                <a:latin typeface="メイリオ" panose="020B0604030504040204" pitchFamily="50" charset="-128"/>
+                <a:ea typeface="メイリオ" panose="020B0604030504040204" pitchFamily="50" charset="-128"/>
+                <a:cs typeface="メイリオ" panose="020B0604030504040204" pitchFamily="50" charset="-128"/>
+              </a:rPr>
+              <a:t>-1-2.</a:t>
+            </a:r>
+            <a:r>
+              <a:rPr kumimoji="1" lang="ja-JP" altLang="en-US" sz="1400" b="1" dirty="0" smtClean="0">
+                <a:solidFill>
+                  <a:schemeClr val="bg1"/>
+                </a:solidFill>
+                <a:latin typeface="メイリオ" panose="020B0604030504040204" pitchFamily="50" charset="-128"/>
+                <a:ea typeface="メイリオ" panose="020B0604030504040204" pitchFamily="50" charset="-128"/>
+                <a:cs typeface="メイリオ" panose="020B0604030504040204" pitchFamily="50" charset="-128"/>
+              </a:rPr>
+              <a:t> 全体制御</a:t>
+            </a:r>
+            <a:endParaRPr kumimoji="1" lang="ja-JP" altLang="en-US" sz="1400" b="1" dirty="0">
+              <a:solidFill>
+                <a:schemeClr val="bg1"/>
+              </a:solidFill>
+              <a:latin typeface="メイリオ" panose="020B0604030504040204" pitchFamily="50" charset="-128"/>
+              <a:ea typeface="メイリオ" panose="020B0604030504040204" pitchFamily="50" charset="-128"/>
+              <a:cs typeface="メイリオ" panose="020B0604030504040204" pitchFamily="50" charset="-128"/>
+            </a:endParaRPr>
+          </a:p>
+        </p:txBody>
+      </p:sp>
+      <p:sp>
+        <p:nvSpPr>
+          <p:cNvPr id="69" name="テキスト ボックス 68"/>
+          <p:cNvSpPr txBox="1"/>
+          <p:nvPr/>
+        </p:nvSpPr>
+        <p:spPr>
+          <a:xfrm>
+            <a:off x="8755283" y="1963015"/>
+            <a:ext cx="6025243" cy="769441"/>
+          </a:xfrm>
+          <a:prstGeom prst="rect">
+            <a:avLst/>
+          </a:prstGeom>
+          <a:noFill/>
+        </p:spPr>
+        <p:txBody>
+          <a:bodyPr wrap="square" rtlCol="0">
+            <a:spAutoFit/>
+          </a:bodyPr>
+          <a:lstStyle/>
+          <a:p>
+            <a:pPr indent="1528763"/>
+            <a:r>
+              <a:rPr kumimoji="1" lang="ja-JP" altLang="en-US" sz="1100" dirty="0" smtClean="0">
+                <a:latin typeface="メイリオ" panose="020B0604030504040204" pitchFamily="50" charset="-128"/>
+                <a:ea typeface="メイリオ" panose="020B0604030504040204" pitchFamily="50" charset="-128"/>
+                <a:cs typeface="メイリオ" panose="020B0604030504040204" pitchFamily="50" charset="-128"/>
+              </a:rPr>
+              <a:t>全体制御は各パッケージのルート（外部からパッケージを利用する際の窓口となるオブジェクト）を作成する。また、</a:t>
+            </a:r>
+            <a:r>
+              <a:rPr kumimoji="1" lang="en-US" altLang="ja-JP" sz="1100" dirty="0" smtClean="0">
+                <a:latin typeface="メイリオ" panose="020B0604030504040204" pitchFamily="50" charset="-128"/>
+                <a:ea typeface="メイリオ" panose="020B0604030504040204" pitchFamily="50" charset="-128"/>
+                <a:cs typeface="メイリオ" panose="020B0604030504040204" pitchFamily="50" charset="-128"/>
+              </a:rPr>
+              <a:t>R</a:t>
+            </a:r>
+            <a:r>
+              <a:rPr kumimoji="1" lang="ja-JP" altLang="en-US" sz="1100" dirty="0" smtClean="0">
+                <a:latin typeface="メイリオ" panose="020B0604030504040204" pitchFamily="50" charset="-128"/>
+                <a:ea typeface="メイリオ" panose="020B0604030504040204" pitchFamily="50" charset="-128"/>
+                <a:cs typeface="メイリオ" panose="020B0604030504040204" pitchFamily="50" charset="-128"/>
+              </a:rPr>
+              <a:t>ゲーム攻略、走行エリア攻略、表示・</a:t>
+            </a:r>
+            <a:r>
+              <a:rPr kumimoji="1" lang="en-US" altLang="ja-JP" sz="1100" dirty="0" smtClean="0">
+                <a:latin typeface="メイリオ" panose="020B0604030504040204" pitchFamily="50" charset="-128"/>
+                <a:ea typeface="メイリオ" panose="020B0604030504040204" pitchFamily="50" charset="-128"/>
+                <a:cs typeface="メイリオ" panose="020B0604030504040204" pitchFamily="50" charset="-128"/>
+              </a:rPr>
+              <a:t>UI</a:t>
+            </a:r>
+            <a:r>
+              <a:rPr kumimoji="1" lang="ja-JP" altLang="en-US" sz="1100" dirty="0" smtClean="0">
+                <a:latin typeface="メイリオ" panose="020B0604030504040204" pitchFamily="50" charset="-128"/>
+                <a:ea typeface="メイリオ" panose="020B0604030504040204" pitchFamily="50" charset="-128"/>
+                <a:cs typeface="メイリオ" panose="020B0604030504040204" pitchFamily="50" charset="-128"/>
+              </a:rPr>
+              <a:t>のルートのインスタンスを保持する。メインループ内では、</a:t>
+            </a:r>
+            <a:r>
+              <a:rPr kumimoji="1" lang="en-US" altLang="ja-JP" sz="1100" dirty="0" smtClean="0">
+                <a:latin typeface="メイリオ" panose="020B0604030504040204" pitchFamily="50" charset="-128"/>
+                <a:ea typeface="メイリオ" panose="020B0604030504040204" pitchFamily="50" charset="-128"/>
+                <a:cs typeface="メイリオ" panose="020B0604030504040204" pitchFamily="50" charset="-128"/>
+              </a:rPr>
+              <a:t>R</a:t>
+            </a:r>
+            <a:r>
+              <a:rPr kumimoji="1" lang="ja-JP" altLang="en-US" sz="1100" dirty="0" smtClean="0">
+                <a:latin typeface="メイリオ" panose="020B0604030504040204" pitchFamily="50" charset="-128"/>
+                <a:ea typeface="メイリオ" panose="020B0604030504040204" pitchFamily="50" charset="-128"/>
+                <a:cs typeface="メイリオ" panose="020B0604030504040204" pitchFamily="50" charset="-128"/>
+              </a:rPr>
+              <a:t>ゲーム攻略</a:t>
+            </a:r>
+            <a:r>
+              <a:rPr lang="ja-JP" altLang="en-US" sz="1100" dirty="0" smtClean="0">
+                <a:latin typeface="メイリオ" panose="020B0604030504040204" pitchFamily="50" charset="-128"/>
+                <a:ea typeface="メイリオ" panose="020B0604030504040204" pitchFamily="50" charset="-128"/>
+                <a:cs typeface="メイリオ" panose="020B0604030504040204" pitchFamily="50" charset="-128"/>
+              </a:rPr>
+              <a:t>または走行エリア攻略を実行する。</a:t>
+            </a:r>
+            <a:endParaRPr kumimoji="1" lang="ja-JP" altLang="en-US" sz="1100" dirty="0">
+              <a:latin typeface="メイリオ" panose="020B0604030504040204" pitchFamily="50" charset="-128"/>
+              <a:ea typeface="メイリオ" panose="020B0604030504040204" pitchFamily="50" charset="-128"/>
+              <a:cs typeface="メイリオ" panose="020B0604030504040204" pitchFamily="50" charset="-128"/>
+            </a:endParaRPr>
+          </a:p>
+        </p:txBody>
+      </p:sp>
+      <p:sp>
+        <p:nvSpPr>
+          <p:cNvPr id="76" name="正方形/長方形 75"/>
+          <p:cNvSpPr/>
+          <p:nvPr/>
+        </p:nvSpPr>
+        <p:spPr>
+          <a:xfrm>
+            <a:off x="369204" y="4647734"/>
+            <a:ext cx="7866227" cy="5734518"/>
+          </a:xfrm>
+          <a:prstGeom prst="rect">
+            <a:avLst/>
+          </a:prstGeom>
+          <a:noFill/>
+          <a:ln w="25400">
+            <a:solidFill>
+              <a:srgbClr val="D24726"/>
+            </a:solidFill>
+          </a:ln>
+        </p:spPr>
+        <p:style>
+          <a:lnRef idx="2">
+            <a:schemeClr val="accent1">
+              <a:shade val="50000"/>
+            </a:schemeClr>
+          </a:lnRef>
+          <a:fillRef idx="1">
+            <a:schemeClr val="accent1"/>
+          </a:fillRef>
+          <a:effectRef idx="0">
+            <a:schemeClr val="accent1"/>
+          </a:effectRef>
+          <a:fontRef idx="minor">
+            <a:schemeClr val="lt1"/>
+          </a:fontRef>
+        </p:style>
+        <p:txBody>
+          <a:bodyPr rtlCol="0" anchor="ctr"/>
+          <a:lstStyle/>
+          <a:p>
+            <a:pPr algn="ctr"/>
+            <a:endParaRPr kumimoji="1" lang="ja-JP" altLang="en-US"/>
+          </a:p>
+        </p:txBody>
+      </p:sp>
+      <p:sp>
+        <p:nvSpPr>
+          <p:cNvPr id="77" name="テキスト ボックス 76"/>
+          <p:cNvSpPr txBox="1"/>
+          <p:nvPr/>
+        </p:nvSpPr>
+        <p:spPr>
+          <a:xfrm>
+            <a:off x="384875" y="4647734"/>
+            <a:ext cx="1871025" cy="307777"/>
+          </a:xfrm>
+          <a:prstGeom prst="rect">
+            <a:avLst/>
+          </a:prstGeom>
+          <a:solidFill>
+            <a:srgbClr val="D24726"/>
+          </a:solidFill>
+        </p:spPr>
+        <p:txBody>
+          <a:bodyPr wrap="none" rtlCol="0">
+            <a:spAutoFit/>
+          </a:bodyPr>
+          <a:lstStyle/>
+          <a:p>
+            <a:r>
+              <a:rPr lang="en-US" altLang="ja-JP" sz="1400" b="1" dirty="0" smtClean="0">
+                <a:solidFill>
+                  <a:schemeClr val="bg1"/>
+                </a:solidFill>
+                <a:latin typeface="メイリオ" panose="020B0604030504040204" pitchFamily="50" charset="-128"/>
+                <a:ea typeface="メイリオ" panose="020B0604030504040204" pitchFamily="50" charset="-128"/>
+                <a:cs typeface="メイリオ" panose="020B0604030504040204" pitchFamily="50" charset="-128"/>
+              </a:rPr>
+              <a:t>4</a:t>
+            </a:r>
+            <a:r>
+              <a:rPr kumimoji="1" lang="en-US" altLang="ja-JP" sz="1400" b="1" dirty="0" smtClean="0">
+                <a:solidFill>
+                  <a:schemeClr val="bg1"/>
+                </a:solidFill>
+                <a:latin typeface="メイリオ" panose="020B0604030504040204" pitchFamily="50" charset="-128"/>
+                <a:ea typeface="メイリオ" panose="020B0604030504040204" pitchFamily="50" charset="-128"/>
+                <a:cs typeface="メイリオ" panose="020B0604030504040204" pitchFamily="50" charset="-128"/>
+              </a:rPr>
+              <a:t>-1-2.</a:t>
+            </a:r>
+            <a:r>
+              <a:rPr lang="ja-JP" altLang="en-US" sz="1400" b="1" dirty="0">
+                <a:solidFill>
+                  <a:schemeClr val="bg1"/>
+                </a:solidFill>
+                <a:latin typeface="メイリオ" panose="020B0604030504040204" pitchFamily="50" charset="-128"/>
+                <a:ea typeface="メイリオ" panose="020B0604030504040204" pitchFamily="50" charset="-128"/>
+                <a:cs typeface="メイリオ" panose="020B0604030504040204" pitchFamily="50" charset="-128"/>
+              </a:rPr>
+              <a:t> </a:t>
+            </a:r>
+            <a:r>
+              <a:rPr lang="en-US" altLang="ja-JP" sz="1400" b="1" dirty="0" smtClean="0">
+                <a:solidFill>
+                  <a:schemeClr val="bg1"/>
+                </a:solidFill>
+                <a:latin typeface="メイリオ" panose="020B0604030504040204" pitchFamily="50" charset="-128"/>
+                <a:ea typeface="メイリオ" panose="020B0604030504040204" pitchFamily="50" charset="-128"/>
+                <a:cs typeface="メイリオ" panose="020B0604030504040204" pitchFamily="50" charset="-128"/>
+              </a:rPr>
+              <a:t>R</a:t>
+            </a:r>
+            <a:r>
+              <a:rPr lang="ja-JP" altLang="en-US" sz="1400" b="1" dirty="0" smtClean="0">
+                <a:solidFill>
+                  <a:schemeClr val="bg1"/>
+                </a:solidFill>
+                <a:latin typeface="メイリオ" panose="020B0604030504040204" pitchFamily="50" charset="-128"/>
+                <a:ea typeface="メイリオ" panose="020B0604030504040204" pitchFamily="50" charset="-128"/>
+                <a:cs typeface="メイリオ" panose="020B0604030504040204" pitchFamily="50" charset="-128"/>
+              </a:rPr>
+              <a:t>ゲーム攻略</a:t>
+            </a:r>
+            <a:endParaRPr kumimoji="1" lang="ja-JP" altLang="en-US" sz="1400" b="1" dirty="0">
+              <a:solidFill>
+                <a:schemeClr val="bg1"/>
+              </a:solidFill>
+              <a:latin typeface="メイリオ" panose="020B0604030504040204" pitchFamily="50" charset="-128"/>
+              <a:ea typeface="メイリオ" panose="020B0604030504040204" pitchFamily="50" charset="-128"/>
+              <a:cs typeface="メイリオ" panose="020B0604030504040204" pitchFamily="50" charset="-128"/>
+            </a:endParaRPr>
+          </a:p>
+        </p:txBody>
+      </p:sp>
+      <p:pic>
+        <p:nvPicPr>
+          <p:cNvPr id="79" name="図 78"/>
+          <p:cNvPicPr>
+            <a:picLocks noChangeAspect="1"/>
+          </p:cNvPicPr>
+          <p:nvPr/>
+        </p:nvPicPr>
+        <p:blipFill>
+          <a:blip r:embed="rId2"/>
+          <a:stretch>
+            <a:fillRect/>
+          </a:stretch>
+        </p:blipFill>
+        <p:spPr>
+          <a:xfrm>
+            <a:off x="8753043" y="2689390"/>
+            <a:ext cx="5955426" cy="2361075"/>
+          </a:xfrm>
+          <a:prstGeom prst="rect">
+            <a:avLst/>
+          </a:prstGeom>
+        </p:spPr>
+      </p:pic>
     </p:spTree>
     <p:extLst>
       <p:ext uri="{BB962C8B-B14F-4D97-AF65-F5344CB8AC3E}">
@@ -4905,10 +7908,31 @@
                 <a:ea typeface="メイリオ" panose="020B0604030504040204" pitchFamily="50" charset="-128"/>
                 <a:cs typeface="メイリオ" panose="020B0604030504040204" pitchFamily="50" charset="-128"/>
               </a:rPr>
-              <a:t>(1/2</a:t>
-            </a:r>
-            <a:r>
-              <a:rPr lang="en-US" altLang="ja-JP" sz="2000" dirty="0">
+              <a:t>(</a:t>
+            </a:r>
+            <a:r>
+              <a:rPr lang="ja-JP" altLang="en-US" sz="2000" dirty="0">
+                <a:ln w="0"/>
+                <a:solidFill>
+                  <a:schemeClr val="bg1">
+                    <a:lumMod val="50000"/>
+                  </a:schemeClr>
+                </a:solidFill>
+                <a:effectLst>
+                  <a:outerShdw blurRad="38100" dist="38100" dir="2700000" algn="tl">
+                    <a:srgbClr val="000000">
+                      <a:alpha val="43137"/>
+                    </a:srgbClr>
+                  </a:outerShdw>
+                </a:effectLst>
+                <a:latin typeface="メイリオ" panose="020B0604030504040204" pitchFamily="50" charset="-128"/>
+                <a:ea typeface="メイリオ" panose="020B0604030504040204" pitchFamily="50" charset="-128"/>
+                <a:cs typeface="メイリオ" panose="020B0604030504040204" pitchFamily="50" charset="-128"/>
+              </a:rPr>
+              <a:t>構造</a:t>
+            </a:r>
+            <a:r>
+              <a:rPr lang="en-US" altLang="ja-JP" sz="2000" dirty="0" smtClean="0">
                 <a:ln w="0"/>
                 <a:solidFill>
                   <a:schemeClr val="bg1">
@@ -5193,7 +8217,31 @@
                 <a:ea typeface="メイリオ" panose="020B0604030504040204" pitchFamily="50" charset="-128"/>
                 <a:cs typeface="メイリオ" panose="020B0604030504040204" pitchFamily="50" charset="-128"/>
               </a:rPr>
-              <a:t>(2/2)</a:t>
+              <a:t>(</a:t>
+            </a:r>
+            <a:r>
+              <a:rPr lang="ja-JP" altLang="en-US" sz="2400" b="1" dirty="0" smtClean="0">
+                <a:ln w="0"/>
+                <a:solidFill>
+                  <a:schemeClr val="bg1"/>
+                </a:solidFill>
+                <a:latin typeface="メイリオ" panose="020B0604030504040204" pitchFamily="50" charset="-128"/>
+                <a:ea typeface="メイリオ" panose="020B0604030504040204" pitchFamily="50" charset="-128"/>
+                <a:cs typeface="メイリオ" panose="020B0604030504040204" pitchFamily="50" charset="-128"/>
+              </a:rPr>
+              <a:t>振舞</a:t>
+            </a:r>
+            <a:r>
+              <a:rPr lang="en-US" altLang="ja-JP" sz="2400" b="1" dirty="0" smtClean="0">
+                <a:ln w="0"/>
+                <a:solidFill>
+                  <a:schemeClr val="bg1"/>
+                </a:solidFill>
+                <a:latin typeface="メイリオ" panose="020B0604030504040204" pitchFamily="50" charset="-128"/>
+                <a:ea typeface="メイリオ" panose="020B0604030504040204" pitchFamily="50" charset="-128"/>
+                <a:cs typeface="メイリオ" panose="020B0604030504040204" pitchFamily="50" charset="-128"/>
+              </a:rPr>
+              <a:t>)</a:t>
             </a:r>
             <a:endParaRPr lang="ja-JP" altLang="en-US" sz="2400" b="1" dirty="0">
               <a:ln w="0"/>

--- a/design/2016/models/4_design_model.pptx
+++ b/design/2016/models/4_design_model.pptx
@@ -110,7 +110,7 @@
   </p:defaultTextStyle>
   <p:extLst>
     <p:ext uri="{EFAFB233-063F-42B5-8137-9DF3F51BA10A}">
-      <p15:sldGuideLst xmlns:p15="http://schemas.microsoft.com/office/powerpoint/2012/main"/>
+      <p15:sldGuideLst xmlns:p15="http://schemas.microsoft.com/office/powerpoint/2012/main" xmlns=""/>
     </p:ext>
   </p:extLst>
 </p:presentation>
@@ -198,7 +198,7 @@
           <a:p>
             <a:fld id="{729140AA-5DCF-4644-846F-5EE03622738A}" type="datetimeFigureOut">
               <a:rPr kumimoji="1" lang="ja-JP" altLang="en-US" smtClean="0"/>
-              <a:t>2016/8/17</a:t>
+              <a:t>2016/8/18</a:t>
             </a:fld>
             <a:endParaRPr kumimoji="1" lang="ja-JP" altLang="en-US"/>
           </a:p>
@@ -629,7 +629,7 @@
           <a:p>
             <a:fld id="{D72B48E1-50D5-40B7-9AA4-D680720A3CD4}" type="datetimeFigureOut">
               <a:rPr kumimoji="1" lang="ja-JP" altLang="en-US" smtClean="0"/>
-              <a:t>2016/8/17</a:t>
+              <a:t>2016/8/18</a:t>
             </a:fld>
             <a:endParaRPr kumimoji="1" lang="ja-JP" altLang="en-US"/>
           </a:p>
@@ -831,7 +831,7 @@
           <a:p>
             <a:fld id="{D72B48E1-50D5-40B7-9AA4-D680720A3CD4}" type="datetimeFigureOut">
               <a:rPr kumimoji="1" lang="ja-JP" altLang="en-US" smtClean="0"/>
-              <a:t>2016/8/17</a:t>
+              <a:t>2016/8/18</a:t>
             </a:fld>
             <a:endParaRPr kumimoji="1" lang="ja-JP" altLang="en-US"/>
           </a:p>
@@ -1043,7 +1043,7 @@
           <a:p>
             <a:fld id="{D72B48E1-50D5-40B7-9AA4-D680720A3CD4}" type="datetimeFigureOut">
               <a:rPr kumimoji="1" lang="ja-JP" altLang="en-US" smtClean="0"/>
-              <a:t>2016/8/17</a:t>
+              <a:t>2016/8/18</a:t>
             </a:fld>
             <a:endParaRPr kumimoji="1" lang="ja-JP" altLang="en-US"/>
           </a:p>
@@ -1282,7 +1282,7 @@
           <a:p>
             <a:fld id="{D72B48E1-50D5-40B7-9AA4-D680720A3CD4}" type="datetimeFigureOut">
               <a:rPr kumimoji="1" lang="ja-JP" altLang="en-US" smtClean="0"/>
-              <a:t>2016/8/17</a:t>
+              <a:t>2016/8/18</a:t>
             </a:fld>
             <a:endParaRPr kumimoji="1" lang="ja-JP" altLang="en-US"/>
           </a:p>
@@ -1526,7 +1526,7 @@
           <a:p>
             <a:fld id="{D72B48E1-50D5-40B7-9AA4-D680720A3CD4}" type="datetimeFigureOut">
               <a:rPr kumimoji="1" lang="ja-JP" altLang="en-US" smtClean="0"/>
-              <a:t>2016/8/17</a:t>
+              <a:t>2016/8/18</a:t>
             </a:fld>
             <a:endParaRPr kumimoji="1" lang="ja-JP" altLang="en-US"/>
           </a:p>
@@ -1822,7 +1822,7 @@
           <a:p>
             <a:fld id="{D72B48E1-50D5-40B7-9AA4-D680720A3CD4}" type="datetimeFigureOut">
               <a:rPr kumimoji="1" lang="ja-JP" altLang="en-US" smtClean="0"/>
-              <a:t>2016/8/17</a:t>
+              <a:t>2016/8/18</a:t>
             </a:fld>
             <a:endParaRPr kumimoji="1" lang="ja-JP" altLang="en-US"/>
           </a:p>
@@ -2253,7 +2253,7 @@
           <a:p>
             <a:fld id="{D72B48E1-50D5-40B7-9AA4-D680720A3CD4}" type="datetimeFigureOut">
               <a:rPr kumimoji="1" lang="ja-JP" altLang="en-US" smtClean="0"/>
-              <a:t>2016/8/17</a:t>
+              <a:t>2016/8/18</a:t>
             </a:fld>
             <a:endParaRPr kumimoji="1" lang="ja-JP" altLang="en-US"/>
           </a:p>
@@ -2371,7 +2371,7 @@
           <a:p>
             <a:fld id="{D72B48E1-50D5-40B7-9AA4-D680720A3CD4}" type="datetimeFigureOut">
               <a:rPr kumimoji="1" lang="ja-JP" altLang="en-US" smtClean="0"/>
-              <a:t>2016/8/17</a:t>
+              <a:t>2016/8/18</a:t>
             </a:fld>
             <a:endParaRPr kumimoji="1" lang="ja-JP" altLang="en-US"/>
           </a:p>
@@ -2466,7 +2466,7 @@
           <a:p>
             <a:fld id="{D72B48E1-50D5-40B7-9AA4-D680720A3CD4}" type="datetimeFigureOut">
               <a:rPr kumimoji="1" lang="ja-JP" altLang="en-US" smtClean="0"/>
-              <a:t>2016/8/17</a:t>
+              <a:t>2016/8/18</a:t>
             </a:fld>
             <a:endParaRPr kumimoji="1" lang="ja-JP" altLang="en-US"/>
           </a:p>
@@ -2775,7 +2775,7 @@
           <a:p>
             <a:fld id="{D72B48E1-50D5-40B7-9AA4-D680720A3CD4}" type="datetimeFigureOut">
               <a:rPr kumimoji="1" lang="ja-JP" altLang="en-US" smtClean="0"/>
-              <a:t>2016/8/17</a:t>
+              <a:t>2016/8/18</a:t>
             </a:fld>
             <a:endParaRPr kumimoji="1" lang="ja-JP" altLang="en-US"/>
           </a:p>
@@ -3032,7 +3032,7 @@
           <a:p>
             <a:fld id="{D72B48E1-50D5-40B7-9AA4-D680720A3CD4}" type="datetimeFigureOut">
               <a:rPr kumimoji="1" lang="ja-JP" altLang="en-US" smtClean="0"/>
-              <a:t>2016/8/17</a:t>
+              <a:t>2016/8/18</a:t>
             </a:fld>
             <a:endParaRPr kumimoji="1" lang="ja-JP" altLang="en-US"/>
           </a:p>
@@ -3277,7 +3277,7 @@
           <a:p>
             <a:fld id="{D72B48E1-50D5-40B7-9AA4-D680720A3CD4}" type="datetimeFigureOut">
               <a:rPr kumimoji="1" lang="ja-JP" altLang="en-US" smtClean="0"/>
-              <a:t>2016/8/17</a:t>
+              <a:t>2016/8/18</a:t>
             </a:fld>
             <a:endParaRPr kumimoji="1" lang="ja-JP" altLang="en-US"/>
           </a:p>
@@ -4101,49 +4101,7 @@
                 <a:ea typeface="メイリオ" panose="020B0604030504040204" pitchFamily="50" charset="-128"/>
                 <a:cs typeface="メイリオ" panose="020B0604030504040204" pitchFamily="50" charset="-128"/>
               </a:rPr>
-              <a:t>(</a:t>
-            </a:r>
-            <a:r>
-              <a:rPr lang="ja-JP" altLang="en-US" sz="2000" dirty="0" smtClean="0">
-                <a:ln w="0"/>
-                <a:solidFill>
-                  <a:schemeClr val="bg1">
-                    <a:lumMod val="50000"/>
-                  </a:schemeClr>
-                </a:solidFill>
-                <a:effectLst>
-                  <a:outerShdw blurRad="38100" dist="38100" dir="2700000" algn="tl">
-                    <a:srgbClr val="000000">
-                      <a:alpha val="43137"/>
-                    </a:srgbClr>
-                  </a:outerShdw>
-                </a:effectLst>
-                <a:latin typeface="メイリオ" panose="020B0604030504040204" pitchFamily="50" charset="-128"/>
-                <a:ea typeface="メイリオ" panose="020B0604030504040204" pitchFamily="50" charset="-128"/>
-                <a:cs typeface="メイリオ" panose="020B0604030504040204" pitchFamily="50" charset="-128"/>
-              </a:rPr>
-              <a:t>振舞</a:t>
-            </a:r>
-            <a:r>
-              <a:rPr lang="en-US" altLang="ja-JP" sz="2000" dirty="0" smtClean="0">
-                <a:ln w="0"/>
-                <a:solidFill>
-                  <a:schemeClr val="bg1">
-                    <a:lumMod val="50000"/>
-                  </a:schemeClr>
-                </a:solidFill>
-                <a:effectLst>
-                  <a:outerShdw blurRad="38100" dist="38100" dir="2700000" algn="tl">
-                    <a:srgbClr val="000000">
-                      <a:alpha val="43137"/>
-                    </a:srgbClr>
-                  </a:outerShdw>
-                </a:effectLst>
-                <a:latin typeface="メイリオ" panose="020B0604030504040204" pitchFamily="50" charset="-128"/>
-                <a:ea typeface="メイリオ" panose="020B0604030504040204" pitchFamily="50" charset="-128"/>
-                <a:cs typeface="メイリオ" panose="020B0604030504040204" pitchFamily="50" charset="-128"/>
-              </a:rPr>
-              <a:t>)</a:t>
+              <a:t>(2)</a:t>
             </a:r>
             <a:endParaRPr lang="ja-JP" altLang="en-US" sz="2000" dirty="0">
               <a:ln w="0"/>
@@ -4410,31 +4368,7 @@
                 <a:ea typeface="メイリオ" panose="020B0604030504040204" pitchFamily="50" charset="-128"/>
                 <a:cs typeface="メイリオ" panose="020B0604030504040204" pitchFamily="50" charset="-128"/>
               </a:rPr>
-              <a:t>(</a:t>
-            </a:r>
-            <a:r>
-              <a:rPr lang="ja-JP" altLang="en-US" sz="2400" b="1" dirty="0">
-                <a:ln w="0"/>
-                <a:solidFill>
-                  <a:schemeClr val="bg1"/>
-                </a:solidFill>
-                <a:latin typeface="メイリオ" panose="020B0604030504040204" pitchFamily="50" charset="-128"/>
-                <a:ea typeface="メイリオ" panose="020B0604030504040204" pitchFamily="50" charset="-128"/>
-                <a:cs typeface="メイリオ" panose="020B0604030504040204" pitchFamily="50" charset="-128"/>
-              </a:rPr>
-              <a:t>構造</a:t>
-            </a:r>
-            <a:r>
-              <a:rPr lang="en-US" altLang="ja-JP" sz="2400" b="1" dirty="0" smtClean="0">
-                <a:ln w="0"/>
-                <a:solidFill>
-                  <a:schemeClr val="bg1"/>
-                </a:solidFill>
-                <a:latin typeface="メイリオ" panose="020B0604030504040204" pitchFamily="50" charset="-128"/>
-                <a:ea typeface="メイリオ" panose="020B0604030504040204" pitchFamily="50" charset="-128"/>
-                <a:cs typeface="メイリオ" panose="020B0604030504040204" pitchFamily="50" charset="-128"/>
-              </a:rPr>
-              <a:t>)</a:t>
+              <a:t>(1)</a:t>
             </a:r>
             <a:endParaRPr lang="ja-JP" altLang="en-US" sz="2400" b="1" dirty="0">
               <a:ln w="0"/>
@@ -4743,10 +4677,10 @@
         </p:nvGrpSpPr>
         <p:grpSpPr>
           <a:xfrm>
-            <a:off x="431686" y="3420186"/>
-            <a:ext cx="1236653" cy="331339"/>
-            <a:chOff x="525778" y="3622818"/>
-            <a:chExt cx="1236653" cy="331339"/>
+            <a:off x="431687" y="3420186"/>
+            <a:ext cx="1126770" cy="331339"/>
+            <a:chOff x="525779" y="3622818"/>
+            <a:chExt cx="1126770" cy="331339"/>
           </a:xfrm>
         </p:grpSpPr>
         <p:sp>
@@ -4757,8 +4691,8 @@
           </p:nvSpPr>
           <p:spPr>
             <a:xfrm>
-              <a:off x="525778" y="3718333"/>
-              <a:ext cx="1236653" cy="235824"/>
+              <a:off x="525779" y="3718333"/>
+              <a:ext cx="1126770" cy="235824"/>
             </a:xfrm>
             <a:prstGeom prst="rect">
               <a:avLst/>
@@ -5403,10 +5337,10 @@
         </p:nvGrpSpPr>
         <p:grpSpPr>
           <a:xfrm>
-            <a:off x="1713100" y="3419615"/>
-            <a:ext cx="1165860" cy="332452"/>
-            <a:chOff x="1807192" y="3622247"/>
-            <a:chExt cx="1165860" cy="332452"/>
+            <a:off x="1805832" y="3419615"/>
+            <a:ext cx="1073128" cy="332452"/>
+            <a:chOff x="1899924" y="3622247"/>
+            <a:chExt cx="1073128" cy="332452"/>
           </a:xfrm>
         </p:grpSpPr>
         <p:sp>
@@ -5417,8 +5351,8 @@
           </p:nvSpPr>
           <p:spPr>
             <a:xfrm>
-              <a:off x="1807192" y="3718754"/>
-              <a:ext cx="1165860" cy="235945"/>
+              <a:off x="1899924" y="3718754"/>
+              <a:ext cx="1073128" cy="235945"/>
             </a:xfrm>
             <a:prstGeom prst="rect">
               <a:avLst/>
@@ -5498,7 +5432,7 @@
           </p:nvSpPr>
           <p:spPr>
             <a:xfrm>
-              <a:off x="1807192" y="3622247"/>
+              <a:off x="1902604" y="3622247"/>
               <a:ext cx="278008" cy="96086"/>
             </a:xfrm>
             <a:prstGeom prst="rect">
@@ -5960,9 +5894,9 @@
           <p:nvPr/>
         </p:nvCxnSpPr>
         <p:spPr>
-          <a:xfrm>
+          <a:xfrm flipH="1">
             <a:off x="2296030" y="3752067"/>
-            <a:ext cx="0" cy="191272"/>
+            <a:ext cx="46366" cy="191272"/>
           </a:xfrm>
           <a:prstGeom prst="straightConnector1">
             <a:avLst/>
@@ -7301,8 +7235,8 @@
         </p:nvSpPr>
         <p:spPr>
           <a:xfrm>
-            <a:off x="369204" y="4647734"/>
-            <a:ext cx="7866227" cy="5734518"/>
+            <a:off x="361020" y="4647734"/>
+            <a:ext cx="8246627" cy="5847988"/>
           </a:xfrm>
           <a:prstGeom prst="rect">
             <a:avLst/>
@@ -7347,8 +7281,8 @@
         </p:nvSpPr>
         <p:spPr>
           <a:xfrm>
-            <a:off x="384875" y="4647734"/>
-            <a:ext cx="1871025" cy="307777"/>
+            <a:off x="361020" y="4647734"/>
+            <a:ext cx="4564070" cy="307777"/>
           </a:xfrm>
           <a:prstGeom prst="rect">
             <a:avLst/>
@@ -7383,7 +7317,51 @@
                 <a:ea typeface="メイリオ" panose="020B0604030504040204" pitchFamily="50" charset="-128"/>
                 <a:cs typeface="メイリオ" panose="020B0604030504040204" pitchFamily="50" charset="-128"/>
               </a:rPr>
-              <a:t>-1-2.</a:t>
+              <a:t>-1-3.</a:t>
+            </a:r>
+            <a:r>
+              <a:rPr lang="ja-JP" altLang="en-US" sz="1400" b="1" dirty="0" smtClean="0">
+                <a:solidFill>
+                  <a:schemeClr val="bg1"/>
+                </a:solidFill>
+                <a:latin typeface="メイリオ" panose="020B0604030504040204" pitchFamily="50" charset="-128"/>
+                <a:ea typeface="メイリオ" panose="020B0604030504040204" pitchFamily="50" charset="-128"/>
+                <a:cs typeface="メイリオ" panose="020B0604030504040204" pitchFamily="50" charset="-128"/>
+              </a:rPr>
+              <a:t> </a:t>
+            </a:r>
+            <a:r>
+              <a:rPr lang="en-US" altLang="ja-JP" sz="1400" b="1" dirty="0" smtClean="0">
+                <a:solidFill>
+                  <a:schemeClr val="bg1"/>
+                </a:solidFill>
+                <a:latin typeface="メイリオ" panose="020B0604030504040204" pitchFamily="50" charset="-128"/>
+                <a:ea typeface="メイリオ" panose="020B0604030504040204" pitchFamily="50" charset="-128"/>
+                <a:cs typeface="メイリオ" panose="020B0604030504040204" pitchFamily="50" charset="-128"/>
+              </a:rPr>
+              <a:t>R</a:t>
+            </a:r>
+            <a:r>
+              <a:rPr lang="ja-JP" altLang="en-US" sz="1400" b="1" dirty="0" smtClean="0">
+                <a:solidFill>
+                  <a:schemeClr val="bg1"/>
+                </a:solidFill>
+                <a:latin typeface="メイリオ" panose="020B0604030504040204" pitchFamily="50" charset="-128"/>
+                <a:ea typeface="メイリオ" panose="020B0604030504040204" pitchFamily="50" charset="-128"/>
+                <a:cs typeface="メイリオ" panose="020B0604030504040204" pitchFamily="50" charset="-128"/>
+              </a:rPr>
+              <a:t>ゲーム</a:t>
+            </a:r>
+            <a:r>
+              <a:rPr lang="ja-JP" altLang="en-US" sz="1400" b="1" dirty="0" smtClean="0">
+                <a:solidFill>
+                  <a:schemeClr val="bg1"/>
+                </a:solidFill>
+                <a:latin typeface="メイリオ" panose="020B0604030504040204" pitchFamily="50" charset="-128"/>
+                <a:ea typeface="メイリオ" panose="020B0604030504040204" pitchFamily="50" charset="-128"/>
+                <a:cs typeface="メイリオ" panose="020B0604030504040204" pitchFamily="50" charset="-128"/>
+              </a:rPr>
+              <a:t>攻略</a:t>
             </a:r>
             <a:r>
               <a:rPr lang="ja-JP" altLang="en-US" sz="1400" b="1" dirty="0">
@@ -7394,18 +7372,7 @@
                 <a:ea typeface="メイリオ" panose="020B0604030504040204" pitchFamily="50" charset="-128"/>
                 <a:cs typeface="メイリオ" panose="020B0604030504040204" pitchFamily="50" charset="-128"/>
               </a:rPr>
-              <a:t> </a:t>
-            </a:r>
-            <a:r>
-              <a:rPr lang="en-US" altLang="ja-JP" sz="1400" b="1" dirty="0" smtClean="0">
-                <a:solidFill>
-                  <a:schemeClr val="bg1"/>
-                </a:solidFill>
-                <a:latin typeface="メイリオ" panose="020B0604030504040204" pitchFamily="50" charset="-128"/>
-                <a:ea typeface="メイリオ" panose="020B0604030504040204" pitchFamily="50" charset="-128"/>
-                <a:cs typeface="メイリオ" panose="020B0604030504040204" pitchFamily="50" charset="-128"/>
-              </a:rPr>
-              <a:t>R</a:t>
+              <a:t>・</a:t>
             </a:r>
             <a:r>
               <a:rPr lang="ja-JP" altLang="en-US" sz="1400" b="1" dirty="0" smtClean="0">
@@ -7416,7 +7383,7 @@
                 <a:ea typeface="メイリオ" panose="020B0604030504040204" pitchFamily="50" charset="-128"/>
                 <a:cs typeface="メイリオ" panose="020B0604030504040204" pitchFamily="50" charset="-128"/>
               </a:rPr>
-              <a:t>ゲーム攻略</a:t>
+              <a:t>走行エリア攻略・攻略手順実行</a:t>
             </a:r>
             <a:endParaRPr kumimoji="1" lang="ja-JP" altLang="en-US" sz="1400" b="1" dirty="0">
               <a:solidFill>
@@ -7451,6 +7418,755 @@
           <a:prstGeom prst="rect">
             <a:avLst/>
           </a:prstGeom>
+        </p:spPr>
+      </p:pic>
+      <p:sp>
+        <p:nvSpPr>
+          <p:cNvPr id="55" name="テキスト ボックス 54"/>
+          <p:cNvSpPr txBox="1"/>
+          <p:nvPr/>
+        </p:nvSpPr>
+        <p:spPr>
+          <a:xfrm>
+            <a:off x="418439" y="4800820"/>
+            <a:ext cx="8149452" cy="600164"/>
+          </a:xfrm>
+          <a:prstGeom prst="rect">
+            <a:avLst/>
+          </a:prstGeom>
+          <a:noFill/>
+        </p:spPr>
+        <p:txBody>
+          <a:bodyPr wrap="square" rtlCol="0">
+            <a:spAutoFit/>
+          </a:bodyPr>
+          <a:lstStyle/>
+          <a:p>
+            <a:pPr indent="4664075"/>
+            <a:r>
+              <a:rPr lang="en-US" altLang="ja-JP" sz="1100" dirty="0" smtClean="0">
+                <a:solidFill>
+                  <a:srgbClr val="0000FF"/>
+                </a:solidFill>
+                <a:latin typeface="メイリオ" panose="020B0604030504040204" pitchFamily="50" charset="-128"/>
+                <a:ea typeface="メイリオ" panose="020B0604030504040204" pitchFamily="50" charset="-128"/>
+                <a:cs typeface="メイリオ" panose="020B0604030504040204" pitchFamily="50" charset="-128"/>
+              </a:rPr>
+              <a:t>R</a:t>
+            </a:r>
+            <a:r>
+              <a:rPr lang="ja-JP" altLang="en-US" sz="1100" dirty="0" smtClean="0">
+                <a:solidFill>
+                  <a:srgbClr val="0000FF"/>
+                </a:solidFill>
+                <a:latin typeface="メイリオ" panose="020B0604030504040204" pitchFamily="50" charset="-128"/>
+                <a:ea typeface="メイリオ" panose="020B0604030504040204" pitchFamily="50" charset="-128"/>
+                <a:cs typeface="メイリオ" panose="020B0604030504040204" pitchFamily="50" charset="-128"/>
+              </a:rPr>
+              <a:t>ゲーム攻略</a:t>
+            </a:r>
+            <a:r>
+              <a:rPr lang="ja-JP" altLang="en-US" sz="1100" dirty="0" smtClean="0">
+                <a:latin typeface="メイリオ" panose="020B0604030504040204" pitchFamily="50" charset="-128"/>
+                <a:ea typeface="メイリオ" panose="020B0604030504040204" pitchFamily="50" charset="-128"/>
+                <a:cs typeface="メイリオ" panose="020B0604030504040204" pitchFamily="50" charset="-128"/>
+              </a:rPr>
+              <a:t>および</a:t>
+            </a:r>
+            <a:r>
+              <a:rPr lang="ja-JP" altLang="en-US" sz="1100" dirty="0" smtClean="0">
+                <a:solidFill>
+                  <a:srgbClr val="0000FF"/>
+                </a:solidFill>
+                <a:latin typeface="メイリオ" panose="020B0604030504040204" pitchFamily="50" charset="-128"/>
+                <a:ea typeface="メイリオ" panose="020B0604030504040204" pitchFamily="50" charset="-128"/>
+                <a:cs typeface="メイリオ" panose="020B0604030504040204" pitchFamily="50" charset="-128"/>
+              </a:rPr>
+              <a:t>走行エリア攻略</a:t>
+            </a:r>
+            <a:r>
+              <a:rPr lang="ja-JP" altLang="en-US" sz="1100" dirty="0" smtClean="0">
+                <a:latin typeface="メイリオ" panose="020B0604030504040204" pitchFamily="50" charset="-128"/>
+                <a:ea typeface="メイリオ" panose="020B0604030504040204" pitchFamily="50" charset="-128"/>
+                <a:cs typeface="メイリオ" panose="020B0604030504040204" pitchFamily="50" charset="-128"/>
+              </a:rPr>
+              <a:t>は直接走行体を操作せず、攻略の手順を</a:t>
+            </a:r>
+            <a:r>
+              <a:rPr lang="ja-JP" altLang="en-US" sz="1100" dirty="0" smtClean="0">
+                <a:solidFill>
+                  <a:srgbClr val="0000FF"/>
+                </a:solidFill>
+                <a:latin typeface="メイリオ" panose="020B0604030504040204" pitchFamily="50" charset="-128"/>
+                <a:ea typeface="メイリオ" panose="020B0604030504040204" pitchFamily="50" charset="-128"/>
+                <a:cs typeface="メイリオ" panose="020B0604030504040204" pitchFamily="50" charset="-128"/>
+              </a:rPr>
+              <a:t>攻略手順実行</a:t>
+            </a:r>
+            <a:r>
+              <a:rPr lang="ja-JP" altLang="en-US" sz="1100" dirty="0" smtClean="0">
+                <a:latin typeface="メイリオ" panose="020B0604030504040204" pitchFamily="50" charset="-128"/>
+                <a:ea typeface="メイリオ" panose="020B0604030504040204" pitchFamily="50" charset="-128"/>
+                <a:cs typeface="メイリオ" panose="020B0604030504040204" pitchFamily="50" charset="-128"/>
+              </a:rPr>
+              <a:t>に登録する。攻略手順実行は登録された順に攻略手順を実行する。攻略手順実行の結果</a:t>
+            </a:r>
+            <a:r>
+              <a:rPr lang="en-US" altLang="ja-JP" sz="1100" dirty="0" smtClean="0">
+                <a:latin typeface="メイリオ" panose="020B0604030504040204" pitchFamily="50" charset="-128"/>
+                <a:ea typeface="メイリオ" panose="020B0604030504040204" pitchFamily="50" charset="-128"/>
+                <a:cs typeface="メイリオ" panose="020B0604030504040204" pitchFamily="50" charset="-128"/>
+              </a:rPr>
+              <a:t>(</a:t>
+            </a:r>
+            <a:r>
+              <a:rPr lang="ja-JP" altLang="en-US" sz="1100" dirty="0" smtClean="0">
+                <a:latin typeface="メイリオ" panose="020B0604030504040204" pitchFamily="50" charset="-128"/>
+                <a:ea typeface="メイリオ" panose="020B0604030504040204" pitchFamily="50" charset="-128"/>
+                <a:cs typeface="メイリオ" panose="020B0604030504040204" pitchFamily="50" charset="-128"/>
+              </a:rPr>
+              <a:t>ブロック</a:t>
+            </a:r>
+            <a:r>
+              <a:rPr lang="ja-JP" altLang="en-US" sz="1100" dirty="0">
+                <a:latin typeface="メイリオ" panose="020B0604030504040204" pitchFamily="50" charset="-128"/>
+                <a:ea typeface="メイリオ" panose="020B0604030504040204" pitchFamily="50" charset="-128"/>
+                <a:cs typeface="メイリオ" panose="020B0604030504040204" pitchFamily="50" charset="-128"/>
+              </a:rPr>
+              <a:t>の色</a:t>
+            </a:r>
+            <a:r>
+              <a:rPr lang="ja-JP" altLang="en-US" sz="1100" dirty="0" smtClean="0">
+                <a:latin typeface="メイリオ" panose="020B0604030504040204" pitchFamily="50" charset="-128"/>
+                <a:ea typeface="メイリオ" panose="020B0604030504040204" pitchFamily="50" charset="-128"/>
+                <a:cs typeface="メイリオ" panose="020B0604030504040204" pitchFamily="50" charset="-128"/>
+              </a:rPr>
+              <a:t>測定等</a:t>
+            </a:r>
+            <a:r>
+              <a:rPr lang="en-US" altLang="ja-JP" sz="1100" dirty="0" smtClean="0">
+                <a:latin typeface="メイリオ" panose="020B0604030504040204" pitchFamily="50" charset="-128"/>
+                <a:ea typeface="メイリオ" panose="020B0604030504040204" pitchFamily="50" charset="-128"/>
+                <a:cs typeface="メイリオ" panose="020B0604030504040204" pitchFamily="50" charset="-128"/>
+              </a:rPr>
+              <a:t>)</a:t>
+            </a:r>
+            <a:r>
+              <a:rPr lang="ja-JP" altLang="en-US" sz="1100" dirty="0" smtClean="0">
+                <a:latin typeface="メイリオ" panose="020B0604030504040204" pitchFamily="50" charset="-128"/>
+                <a:ea typeface="メイリオ" panose="020B0604030504040204" pitchFamily="50" charset="-128"/>
+                <a:cs typeface="メイリオ" panose="020B0604030504040204" pitchFamily="50" charset="-128"/>
+              </a:rPr>
+              <a:t>は、</a:t>
+            </a:r>
+            <a:r>
+              <a:rPr lang="en-US" altLang="ja-JP" sz="1100" dirty="0" smtClean="0">
+                <a:latin typeface="メイリオ" panose="020B0604030504040204" pitchFamily="50" charset="-128"/>
+                <a:ea typeface="メイリオ" panose="020B0604030504040204" pitchFamily="50" charset="-128"/>
+                <a:cs typeface="メイリオ" panose="020B0604030504040204" pitchFamily="50" charset="-128"/>
+              </a:rPr>
+              <a:t>R</a:t>
+            </a:r>
+            <a:r>
+              <a:rPr lang="ja-JP" altLang="en-US" sz="1100" dirty="0" smtClean="0">
+                <a:latin typeface="メイリオ" panose="020B0604030504040204" pitchFamily="50" charset="-128"/>
+                <a:ea typeface="メイリオ" panose="020B0604030504040204" pitchFamily="50" charset="-128"/>
+                <a:cs typeface="メイリオ" panose="020B0604030504040204" pitchFamily="50" charset="-128"/>
+              </a:rPr>
+              <a:t>ゲーム攻略の状態更新メンバ関数のデリゲートを介して反映される。</a:t>
+            </a:r>
+            <a:endParaRPr lang="en-US" altLang="ja-JP" sz="1100" dirty="0" smtClean="0">
+              <a:latin typeface="メイリオ" panose="020B0604030504040204" pitchFamily="50" charset="-128"/>
+              <a:ea typeface="メイリオ" panose="020B0604030504040204" pitchFamily="50" charset="-128"/>
+              <a:cs typeface="メイリオ" panose="020B0604030504040204" pitchFamily="50" charset="-128"/>
+            </a:endParaRPr>
+          </a:p>
+        </p:txBody>
+      </p:sp>
+      <p:sp>
+        <p:nvSpPr>
+          <p:cNvPr id="57" name="正方形/長方形 56"/>
+          <p:cNvSpPr/>
+          <p:nvPr/>
+        </p:nvSpPr>
+        <p:spPr>
+          <a:xfrm>
+            <a:off x="8713862" y="5261112"/>
+            <a:ext cx="6066665" cy="5234609"/>
+          </a:xfrm>
+          <a:prstGeom prst="rect">
+            <a:avLst/>
+          </a:prstGeom>
+          <a:noFill/>
+          <a:ln w="25400">
+            <a:solidFill>
+              <a:srgbClr val="D24726"/>
+            </a:solidFill>
+          </a:ln>
+        </p:spPr>
+        <p:style>
+          <a:lnRef idx="2">
+            <a:schemeClr val="accent1">
+              <a:shade val="50000"/>
+            </a:schemeClr>
+          </a:lnRef>
+          <a:fillRef idx="1">
+            <a:schemeClr val="accent1"/>
+          </a:fillRef>
+          <a:effectRef idx="0">
+            <a:schemeClr val="accent1"/>
+          </a:effectRef>
+          <a:fontRef idx="minor">
+            <a:schemeClr val="lt1"/>
+          </a:fontRef>
+        </p:style>
+        <p:txBody>
+          <a:bodyPr rtlCol="0" anchor="ctr"/>
+          <a:lstStyle/>
+          <a:p>
+            <a:pPr algn="ctr"/>
+            <a:endParaRPr kumimoji="1" lang="ja-JP" altLang="en-US"/>
+          </a:p>
+        </p:txBody>
+      </p:sp>
+      <p:sp>
+        <p:nvSpPr>
+          <p:cNvPr id="58" name="テキスト ボックス 57"/>
+          <p:cNvSpPr txBox="1"/>
+          <p:nvPr/>
+        </p:nvSpPr>
+        <p:spPr>
+          <a:xfrm>
+            <a:off x="8713862" y="5261112"/>
+            <a:ext cx="3943708" cy="307777"/>
+          </a:xfrm>
+          <a:prstGeom prst="rect">
+            <a:avLst/>
+          </a:prstGeom>
+          <a:solidFill>
+            <a:srgbClr val="D24726"/>
+          </a:solidFill>
+        </p:spPr>
+        <p:txBody>
+          <a:bodyPr wrap="none" rtlCol="0">
+            <a:spAutoFit/>
+          </a:bodyPr>
+          <a:lstStyle/>
+          <a:p>
+            <a:r>
+              <a:rPr lang="en-US" altLang="ja-JP" sz="1400" b="1" dirty="0" smtClean="0">
+                <a:solidFill>
+                  <a:schemeClr val="bg1"/>
+                </a:solidFill>
+                <a:latin typeface="メイリオ" panose="020B0604030504040204" pitchFamily="50" charset="-128"/>
+                <a:ea typeface="メイリオ" panose="020B0604030504040204" pitchFamily="50" charset="-128"/>
+                <a:cs typeface="メイリオ" panose="020B0604030504040204" pitchFamily="50" charset="-128"/>
+              </a:rPr>
+              <a:t>4</a:t>
+            </a:r>
+            <a:r>
+              <a:rPr kumimoji="1" lang="en-US" altLang="ja-JP" sz="1400" b="1" dirty="0" smtClean="0">
+                <a:solidFill>
+                  <a:schemeClr val="bg1"/>
+                </a:solidFill>
+                <a:latin typeface="メイリオ" panose="020B0604030504040204" pitchFamily="50" charset="-128"/>
+                <a:ea typeface="メイリオ" panose="020B0604030504040204" pitchFamily="50" charset="-128"/>
+                <a:cs typeface="メイリオ" panose="020B0604030504040204" pitchFamily="50" charset="-128"/>
+              </a:rPr>
+              <a:t>-1-4.</a:t>
+            </a:r>
+            <a:r>
+              <a:rPr lang="ja-JP" altLang="en-US" sz="1400" b="1" dirty="0" smtClean="0">
+                <a:solidFill>
+                  <a:schemeClr val="bg1"/>
+                </a:solidFill>
+                <a:latin typeface="メイリオ" panose="020B0604030504040204" pitchFamily="50" charset="-128"/>
+                <a:ea typeface="メイリオ" panose="020B0604030504040204" pitchFamily="50" charset="-128"/>
+                <a:cs typeface="メイリオ" panose="020B0604030504040204" pitchFamily="50" charset="-128"/>
+              </a:rPr>
+              <a:t> 動作</a:t>
+            </a:r>
+            <a:r>
+              <a:rPr lang="ja-JP" altLang="en-US" sz="1400" b="1" dirty="0">
+                <a:solidFill>
+                  <a:schemeClr val="bg1"/>
+                </a:solidFill>
+                <a:latin typeface="メイリオ" panose="020B0604030504040204" pitchFamily="50" charset="-128"/>
+                <a:ea typeface="メイリオ" panose="020B0604030504040204" pitchFamily="50" charset="-128"/>
+                <a:cs typeface="メイリオ" panose="020B0604030504040204" pitchFamily="50" charset="-128"/>
+              </a:rPr>
+              <a:t>・</a:t>
+            </a:r>
+            <a:r>
+              <a:rPr lang="ja-JP" altLang="en-US" sz="1400" b="1" dirty="0" smtClean="0">
+                <a:solidFill>
+                  <a:schemeClr val="bg1"/>
+                </a:solidFill>
+                <a:latin typeface="メイリオ" panose="020B0604030504040204" pitchFamily="50" charset="-128"/>
+                <a:ea typeface="メイリオ" panose="020B0604030504040204" pitchFamily="50" charset="-128"/>
+                <a:cs typeface="メイリオ" panose="020B0604030504040204" pitchFamily="50" charset="-128"/>
+              </a:rPr>
+              <a:t>センシング・デバイス制御・</a:t>
+            </a:r>
+            <a:r>
+              <a:rPr lang="en-US" altLang="ja-JP" sz="1400" b="1" dirty="0" smtClean="0">
+                <a:solidFill>
+                  <a:schemeClr val="bg1"/>
+                </a:solidFill>
+                <a:latin typeface="メイリオ" panose="020B0604030504040204" pitchFamily="50" charset="-128"/>
+                <a:ea typeface="メイリオ" panose="020B0604030504040204" pitchFamily="50" charset="-128"/>
+                <a:cs typeface="メイリオ" panose="020B0604030504040204" pitchFamily="50" charset="-128"/>
+              </a:rPr>
+              <a:t>UI</a:t>
+            </a:r>
+            <a:endParaRPr kumimoji="1" lang="ja-JP" altLang="en-US" sz="1400" b="1" dirty="0">
+              <a:solidFill>
+                <a:schemeClr val="bg1"/>
+              </a:solidFill>
+              <a:latin typeface="メイリオ" panose="020B0604030504040204" pitchFamily="50" charset="-128"/>
+              <a:ea typeface="メイリオ" panose="020B0604030504040204" pitchFamily="50" charset="-128"/>
+              <a:cs typeface="メイリオ" panose="020B0604030504040204" pitchFamily="50" charset="-128"/>
+            </a:endParaRPr>
+          </a:p>
+        </p:txBody>
+      </p:sp>
+      <p:pic>
+        <p:nvPicPr>
+          <p:cNvPr id="1029" name="Picture 5"/>
+          <p:cNvPicPr>
+            <a:picLocks noChangeAspect="1" noChangeArrowheads="1"/>
+          </p:cNvPicPr>
+          <p:nvPr/>
+        </p:nvPicPr>
+        <p:blipFill>
+          <a:blip r:embed="rId3" cstate="print">
+            <a:extLst>
+              <a:ext uri="{28A0092B-C50C-407E-A947-70E740481C1C}">
+                <a14:useLocalDpi xmlns:a14="http://schemas.microsoft.com/office/drawing/2010/main" val="0"/>
+              </a:ext>
+            </a:extLst>
+          </a:blip>
+          <a:srcRect/>
+          <a:stretch>
+            <a:fillRect/>
+          </a:stretch>
+        </p:blipFill>
+        <p:spPr bwMode="auto">
+          <a:xfrm>
+            <a:off x="8791370" y="6221050"/>
+            <a:ext cx="5893566" cy="4210799"/>
+          </a:xfrm>
+          <a:prstGeom prst="rect">
+            <a:avLst/>
+          </a:prstGeom>
+          <a:noFill/>
+          <a:ln>
+            <a:noFill/>
+          </a:ln>
+          <a:extLst>
+            <a:ext uri="{909E8E84-426E-40DD-AFC4-6F175D3DCCD1}">
+              <a14:hiddenFill xmlns:a14="http://schemas.microsoft.com/office/drawing/2010/main">
+                <a:solidFill>
+                  <a:schemeClr val="accent1"/>
+                </a:solidFill>
+              </a14:hiddenFill>
+            </a:ext>
+            <a:ext uri="{91240B29-F687-4F45-9708-019B960494DF}">
+              <a14:hiddenLine xmlns:a14="http://schemas.microsoft.com/office/drawing/2010/main" w="9525">
+                <a:solidFill>
+                  <a:schemeClr val="tx1"/>
+                </a:solidFill>
+                <a:miter lim="800000"/>
+                <a:headEnd/>
+                <a:tailEnd/>
+              </a14:hiddenLine>
+            </a:ext>
+          </a:extLst>
+        </p:spPr>
+      </p:pic>
+      <p:sp>
+        <p:nvSpPr>
+          <p:cNvPr id="59" name="テキスト ボックス 58"/>
+          <p:cNvSpPr txBox="1"/>
+          <p:nvPr/>
+        </p:nvSpPr>
+        <p:spPr>
+          <a:xfrm>
+            <a:off x="8753043" y="5651150"/>
+            <a:ext cx="5955426" cy="1107996"/>
+          </a:xfrm>
+          <a:prstGeom prst="rect">
+            <a:avLst/>
+          </a:prstGeom>
+          <a:noFill/>
+        </p:spPr>
+        <p:txBody>
+          <a:bodyPr wrap="square" rtlCol="0">
+            <a:spAutoFit/>
+          </a:bodyPr>
+          <a:lstStyle/>
+          <a:p>
+            <a:r>
+              <a:rPr lang="ja-JP" altLang="en-US" sz="1100" dirty="0" smtClean="0">
+                <a:solidFill>
+                  <a:srgbClr val="0000FF"/>
+                </a:solidFill>
+                <a:latin typeface="メイリオ" panose="020B0604030504040204" pitchFamily="50" charset="-128"/>
+                <a:ea typeface="メイリオ" panose="020B0604030504040204" pitchFamily="50" charset="-128"/>
+                <a:cs typeface="メイリオ" panose="020B0604030504040204" pitchFamily="50" charset="-128"/>
+              </a:rPr>
+              <a:t>動作</a:t>
+            </a:r>
+            <a:r>
+              <a:rPr lang="ja-JP" altLang="en-US" sz="1100" dirty="0" smtClean="0">
+                <a:latin typeface="メイリオ" panose="020B0604030504040204" pitchFamily="50" charset="-128"/>
+                <a:ea typeface="メイリオ" panose="020B0604030504040204" pitchFamily="50" charset="-128"/>
+                <a:cs typeface="メイリオ" panose="020B0604030504040204" pitchFamily="50" charset="-128"/>
+              </a:rPr>
+              <a:t>および</a:t>
+            </a:r>
+            <a:r>
+              <a:rPr lang="ja-JP" altLang="en-US" sz="1100" dirty="0" smtClean="0">
+                <a:solidFill>
+                  <a:srgbClr val="0000FF"/>
+                </a:solidFill>
+                <a:latin typeface="メイリオ" panose="020B0604030504040204" pitchFamily="50" charset="-128"/>
+                <a:ea typeface="メイリオ" panose="020B0604030504040204" pitchFamily="50" charset="-128"/>
+                <a:cs typeface="メイリオ" panose="020B0604030504040204" pitchFamily="50" charset="-128"/>
+              </a:rPr>
+              <a:t>センシング</a:t>
+            </a:r>
+            <a:r>
+              <a:rPr lang="ja-JP" altLang="en-US" sz="1100" dirty="0" smtClean="0">
+                <a:latin typeface="メイリオ" panose="020B0604030504040204" pitchFamily="50" charset="-128"/>
+                <a:ea typeface="メイリオ" panose="020B0604030504040204" pitchFamily="50" charset="-128"/>
+                <a:cs typeface="メイリオ" panose="020B0604030504040204" pitchFamily="50" charset="-128"/>
+              </a:rPr>
+              <a:t>は、</a:t>
+            </a:r>
+            <a:r>
+              <a:rPr lang="ja-JP" altLang="en-US" sz="1100" dirty="0">
+                <a:solidFill>
+                  <a:srgbClr val="0000FF"/>
+                </a:solidFill>
+                <a:latin typeface="メイリオ" panose="020B0604030504040204" pitchFamily="50" charset="-128"/>
+                <a:ea typeface="メイリオ" panose="020B0604030504040204" pitchFamily="50" charset="-128"/>
+                <a:cs typeface="メイリオ" panose="020B0604030504040204" pitchFamily="50" charset="-128"/>
+              </a:rPr>
+              <a:t>攻略手順</a:t>
+            </a:r>
+            <a:r>
+              <a:rPr lang="ja-JP" altLang="en-US" sz="1100" dirty="0" smtClean="0">
+                <a:solidFill>
+                  <a:srgbClr val="0000FF"/>
+                </a:solidFill>
+                <a:latin typeface="メイリオ" panose="020B0604030504040204" pitchFamily="50" charset="-128"/>
+                <a:ea typeface="メイリオ" panose="020B0604030504040204" pitchFamily="50" charset="-128"/>
+                <a:cs typeface="メイリオ" panose="020B0604030504040204" pitchFamily="50" charset="-128"/>
+              </a:rPr>
+              <a:t>実行</a:t>
+            </a:r>
+            <a:r>
+              <a:rPr lang="ja-JP" altLang="en-US" sz="1100" dirty="0" smtClean="0">
+                <a:latin typeface="メイリオ" panose="020B0604030504040204" pitchFamily="50" charset="-128"/>
+                <a:ea typeface="メイリオ" panose="020B0604030504040204" pitchFamily="50" charset="-128"/>
+                <a:cs typeface="メイリオ" panose="020B0604030504040204" pitchFamily="50" charset="-128"/>
+              </a:rPr>
+              <a:t>が必要</a:t>
+            </a:r>
+            <a:r>
+              <a:rPr lang="ja-JP" altLang="en-US" sz="1100" dirty="0">
+                <a:latin typeface="メイリオ" panose="020B0604030504040204" pitchFamily="50" charset="-128"/>
+                <a:ea typeface="メイリオ" panose="020B0604030504040204" pitchFamily="50" charset="-128"/>
+                <a:cs typeface="メイリオ" panose="020B0604030504040204" pitchFamily="50" charset="-128"/>
+              </a:rPr>
+              <a:t>とする</a:t>
+            </a:r>
+            <a:r>
+              <a:rPr lang="ja-JP" altLang="en-US" sz="1100" dirty="0" smtClean="0">
+                <a:latin typeface="メイリオ" panose="020B0604030504040204" pitchFamily="50" charset="-128"/>
+                <a:ea typeface="メイリオ" panose="020B0604030504040204" pitchFamily="50" charset="-128"/>
+                <a:cs typeface="メイリオ" panose="020B0604030504040204" pitchFamily="50" charset="-128"/>
+              </a:rPr>
+              <a:t>機能</a:t>
+            </a:r>
+            <a:r>
+              <a:rPr lang="en-US" altLang="ja-JP" sz="1100" dirty="0" smtClean="0">
+                <a:latin typeface="メイリオ" panose="020B0604030504040204" pitchFamily="50" charset="-128"/>
+                <a:ea typeface="メイリオ" panose="020B0604030504040204" pitchFamily="50" charset="-128"/>
+                <a:cs typeface="メイリオ" panose="020B0604030504040204" pitchFamily="50" charset="-128"/>
+              </a:rPr>
+              <a:t>(</a:t>
+            </a:r>
+            <a:r>
+              <a:rPr lang="en-US" altLang="ja-JP" sz="1100" b="1" dirty="0" smtClean="0">
+                <a:solidFill>
+                  <a:srgbClr val="D24726"/>
+                </a:solidFill>
+                <a:latin typeface="メイリオ" panose="020B0604030504040204" pitchFamily="50" charset="-128"/>
+                <a:ea typeface="メイリオ" panose="020B0604030504040204" pitchFamily="50" charset="-128"/>
+                <a:cs typeface="メイリオ" panose="020B0604030504040204" pitchFamily="50" charset="-128"/>
+              </a:rPr>
+              <a:t>3.</a:t>
+            </a:r>
+            <a:r>
+              <a:rPr lang="ja-JP" altLang="en-US" sz="1100" b="1" dirty="0" smtClean="0">
+                <a:solidFill>
+                  <a:srgbClr val="D24726"/>
+                </a:solidFill>
+                <a:latin typeface="メイリオ" panose="020B0604030504040204" pitchFamily="50" charset="-128"/>
+                <a:ea typeface="メイリオ" panose="020B0604030504040204" pitchFamily="50" charset="-128"/>
+                <a:cs typeface="メイリオ" panose="020B0604030504040204" pitchFamily="50" charset="-128"/>
+              </a:rPr>
+              <a:t>制御</a:t>
+            </a:r>
+            <a:r>
+              <a:rPr lang="en-US" altLang="ja-JP" sz="1100" dirty="0" smtClean="0">
+                <a:latin typeface="メイリオ" panose="020B0604030504040204" pitchFamily="50" charset="-128"/>
+                <a:ea typeface="メイリオ" panose="020B0604030504040204" pitchFamily="50" charset="-128"/>
+                <a:cs typeface="メイリオ" panose="020B0604030504040204" pitchFamily="50" charset="-128"/>
+              </a:rPr>
+              <a:t>)</a:t>
+            </a:r>
+            <a:r>
+              <a:rPr lang="ja-JP" altLang="en-US" sz="1100" dirty="0" err="1" smtClean="0">
+                <a:latin typeface="メイリオ" panose="020B0604030504040204" pitchFamily="50" charset="-128"/>
+                <a:ea typeface="メイリオ" panose="020B0604030504040204" pitchFamily="50" charset="-128"/>
+                <a:cs typeface="メイリオ" panose="020B0604030504040204" pitchFamily="50" charset="-128"/>
+              </a:rPr>
+              <a:t>を提</a:t>
+            </a:r>
+            <a:r>
+              <a:rPr lang="ja-JP" altLang="en-US" sz="1100" dirty="0" smtClean="0">
+                <a:latin typeface="メイリオ" panose="020B0604030504040204" pitchFamily="50" charset="-128"/>
+                <a:ea typeface="メイリオ" panose="020B0604030504040204" pitchFamily="50" charset="-128"/>
+                <a:cs typeface="メイリオ" panose="020B0604030504040204" pitchFamily="50" charset="-128"/>
+              </a:rPr>
+              <a:t>供する（例：ブロック色認識、自己位置推定等）。これらの機能は</a:t>
+            </a:r>
+            <a:r>
+              <a:rPr lang="en-US" altLang="ja-JP" sz="1100" dirty="0" smtClean="0">
+                <a:latin typeface="メイリオ" panose="020B0604030504040204" pitchFamily="50" charset="-128"/>
+                <a:ea typeface="メイリオ" panose="020B0604030504040204" pitchFamily="50" charset="-128"/>
+                <a:cs typeface="メイリオ" panose="020B0604030504040204" pitchFamily="50" charset="-128"/>
+              </a:rPr>
+              <a:t>EV3</a:t>
+            </a:r>
+            <a:r>
+              <a:rPr lang="ja-JP" altLang="en-US" sz="1100" dirty="0" smtClean="0">
+                <a:latin typeface="メイリオ" panose="020B0604030504040204" pitchFamily="50" charset="-128"/>
+                <a:ea typeface="メイリオ" panose="020B0604030504040204" pitchFamily="50" charset="-128"/>
+                <a:cs typeface="メイリオ" panose="020B0604030504040204" pitchFamily="50" charset="-128"/>
+              </a:rPr>
+              <a:t> </a:t>
+            </a:r>
+            <a:r>
+              <a:rPr lang="en-US" altLang="ja-JP" sz="1100" dirty="0" smtClean="0">
+                <a:latin typeface="メイリオ" panose="020B0604030504040204" pitchFamily="50" charset="-128"/>
+                <a:ea typeface="メイリオ" panose="020B0604030504040204" pitchFamily="50" charset="-128"/>
+                <a:cs typeface="メイリオ" panose="020B0604030504040204" pitchFamily="50" charset="-128"/>
+              </a:rPr>
+              <a:t>API</a:t>
+            </a:r>
+            <a:r>
+              <a:rPr lang="ja-JP" altLang="en-US" sz="1100" dirty="0" smtClean="0">
+                <a:latin typeface="メイリオ" panose="020B0604030504040204" pitchFamily="50" charset="-128"/>
+                <a:ea typeface="メイリオ" panose="020B0604030504040204" pitchFamily="50" charset="-128"/>
+                <a:cs typeface="メイリオ" panose="020B0604030504040204" pitchFamily="50" charset="-128"/>
+              </a:rPr>
+              <a:t>の簡易的なラッパーである</a:t>
+            </a:r>
+            <a:r>
+              <a:rPr lang="ja-JP" altLang="en-US" sz="1100" dirty="0">
+                <a:solidFill>
+                  <a:srgbClr val="0000FF"/>
+                </a:solidFill>
+                <a:latin typeface="メイリオ" panose="020B0604030504040204" pitchFamily="50" charset="-128"/>
+                <a:ea typeface="メイリオ" panose="020B0604030504040204" pitchFamily="50" charset="-128"/>
+                <a:cs typeface="メイリオ" panose="020B0604030504040204" pitchFamily="50" charset="-128"/>
+              </a:rPr>
+              <a:t>デバイス</a:t>
+            </a:r>
+            <a:r>
+              <a:rPr lang="ja-JP" altLang="en-US" sz="1100" dirty="0" smtClean="0">
+                <a:solidFill>
+                  <a:srgbClr val="0000FF"/>
+                </a:solidFill>
+                <a:latin typeface="メイリオ" panose="020B0604030504040204" pitchFamily="50" charset="-128"/>
+                <a:ea typeface="メイリオ" panose="020B0604030504040204" pitchFamily="50" charset="-128"/>
+                <a:cs typeface="メイリオ" panose="020B0604030504040204" pitchFamily="50" charset="-128"/>
+              </a:rPr>
+              <a:t>制御</a:t>
+            </a:r>
+            <a:r>
+              <a:rPr lang="ja-JP" altLang="en-US" sz="1100" dirty="0" smtClean="0">
+                <a:latin typeface="メイリオ" panose="020B0604030504040204" pitchFamily="50" charset="-128"/>
+                <a:ea typeface="メイリオ" panose="020B0604030504040204" pitchFamily="50" charset="-128"/>
+                <a:cs typeface="メイリオ" panose="020B0604030504040204" pitchFamily="50" charset="-128"/>
+              </a:rPr>
+              <a:t>を用いて実現される。</a:t>
+            </a:r>
+            <a:endParaRPr lang="en-US" altLang="ja-JP" sz="1100" dirty="0" smtClean="0">
+              <a:latin typeface="メイリオ" panose="020B0604030504040204" pitchFamily="50" charset="-128"/>
+              <a:ea typeface="メイリオ" panose="020B0604030504040204" pitchFamily="50" charset="-128"/>
+              <a:cs typeface="メイリオ" panose="020B0604030504040204" pitchFamily="50" charset="-128"/>
+            </a:endParaRPr>
+          </a:p>
+          <a:p>
+            <a:r>
+              <a:rPr lang="ja-JP" altLang="en-US" sz="1100" dirty="0" smtClean="0">
+                <a:latin typeface="メイリオ" panose="020B0604030504040204" pitchFamily="50" charset="-128"/>
+                <a:ea typeface="メイリオ" panose="020B0604030504040204" pitchFamily="50" charset="-128"/>
+                <a:cs typeface="メイリオ" panose="020B0604030504040204" pitchFamily="50" charset="-128"/>
+              </a:rPr>
+              <a:t>表示・</a:t>
+            </a:r>
+            <a:r>
+              <a:rPr lang="en-US" altLang="ja-JP" sz="1100" dirty="0" smtClean="0">
+                <a:latin typeface="メイリオ" panose="020B0604030504040204" pitchFamily="50" charset="-128"/>
+                <a:ea typeface="メイリオ" panose="020B0604030504040204" pitchFamily="50" charset="-128"/>
+                <a:cs typeface="メイリオ" panose="020B0604030504040204" pitchFamily="50" charset="-128"/>
+              </a:rPr>
+              <a:t>UI</a:t>
+            </a:r>
+            <a:r>
+              <a:rPr lang="ja-JP" altLang="en-US" sz="1100" dirty="0" smtClean="0">
+                <a:latin typeface="メイリオ" panose="020B0604030504040204" pitchFamily="50" charset="-128"/>
+                <a:ea typeface="メイリオ" panose="020B0604030504040204" pitchFamily="50" charset="-128"/>
+                <a:cs typeface="メイリオ" panose="020B0604030504040204" pitchFamily="50" charset="-128"/>
+              </a:rPr>
+              <a:t>は走行の開始時およびデバッグでのみ使用される</a:t>
+            </a:r>
+            <a:endParaRPr lang="en-US" altLang="ja-JP" sz="1100" dirty="0" smtClean="0">
+              <a:latin typeface="メイリオ" panose="020B0604030504040204" pitchFamily="50" charset="-128"/>
+              <a:ea typeface="メイリオ" panose="020B0604030504040204" pitchFamily="50" charset="-128"/>
+              <a:cs typeface="メイリオ" panose="020B0604030504040204" pitchFamily="50" charset="-128"/>
+            </a:endParaRPr>
+          </a:p>
+          <a:p>
+            <a:r>
+              <a:rPr lang="ja-JP" altLang="en-US" sz="1100" dirty="0" smtClean="0">
+                <a:latin typeface="メイリオ" panose="020B0604030504040204" pitchFamily="50" charset="-128"/>
+                <a:ea typeface="メイリオ" panose="020B0604030504040204" pitchFamily="50" charset="-128"/>
+                <a:cs typeface="メイリオ" panose="020B0604030504040204" pitchFamily="50" charset="-128"/>
+              </a:rPr>
+              <a:t>の機能で、他のパッケージからユーティリティ的に使用さ</a:t>
+            </a:r>
+            <a:endParaRPr lang="en-US" altLang="ja-JP" sz="1100" dirty="0" smtClean="0">
+              <a:latin typeface="メイリオ" panose="020B0604030504040204" pitchFamily="50" charset="-128"/>
+              <a:ea typeface="メイリオ" panose="020B0604030504040204" pitchFamily="50" charset="-128"/>
+              <a:cs typeface="メイリオ" panose="020B0604030504040204" pitchFamily="50" charset="-128"/>
+            </a:endParaRPr>
+          </a:p>
+          <a:p>
+            <a:r>
+              <a:rPr lang="ja-JP" altLang="en-US" sz="1100" dirty="0" smtClean="0">
+                <a:latin typeface="メイリオ" panose="020B0604030504040204" pitchFamily="50" charset="-128"/>
+                <a:ea typeface="メイリオ" panose="020B0604030504040204" pitchFamily="50" charset="-128"/>
+                <a:cs typeface="メイリオ" panose="020B0604030504040204" pitchFamily="50" charset="-128"/>
+              </a:rPr>
+              <a:t>れる。</a:t>
+            </a:r>
+            <a:endParaRPr lang="en-US" altLang="ja-JP" sz="1100" dirty="0" smtClean="0">
+              <a:latin typeface="メイリオ" panose="020B0604030504040204" pitchFamily="50" charset="-128"/>
+              <a:ea typeface="メイリオ" panose="020B0604030504040204" pitchFamily="50" charset="-128"/>
+              <a:cs typeface="メイリオ" panose="020B0604030504040204" pitchFamily="50" charset="-128"/>
+            </a:endParaRPr>
+          </a:p>
+        </p:txBody>
+      </p:sp>
+      <p:cxnSp>
+        <p:nvCxnSpPr>
+          <p:cNvPr id="64" name="直線矢印コネクタ 63"/>
+          <p:cNvCxnSpPr>
+            <a:stCxn id="3" idx="3"/>
+            <a:endCxn id="22" idx="1"/>
+          </p:cNvCxnSpPr>
+          <p:nvPr/>
+        </p:nvCxnSpPr>
+        <p:spPr>
+          <a:xfrm>
+            <a:off x="1558457" y="3633613"/>
+            <a:ext cx="247375" cy="482"/>
+          </a:xfrm>
+          <a:prstGeom prst="straightConnector1">
+            <a:avLst/>
+          </a:prstGeom>
+          <a:ln w="12700">
+            <a:solidFill>
+              <a:schemeClr val="tx1"/>
+            </a:solidFill>
+            <a:prstDash val="sysDash"/>
+            <a:tailEnd type="arrow" w="lg" len="med"/>
+          </a:ln>
+        </p:spPr>
+        <p:style>
+          <a:lnRef idx="1">
+            <a:schemeClr val="accent1"/>
+          </a:lnRef>
+          <a:fillRef idx="0">
+            <a:schemeClr val="accent1"/>
+          </a:fillRef>
+          <a:effectRef idx="0">
+            <a:schemeClr val="accent1"/>
+          </a:effectRef>
+          <a:fontRef idx="minor">
+            <a:schemeClr val="tx1"/>
+          </a:fontRef>
+        </p:style>
+      </p:cxnSp>
+      <p:pic>
+        <p:nvPicPr>
+          <p:cNvPr id="1030" name="Picture 6"/>
+          <p:cNvPicPr>
+            <a:picLocks noChangeAspect="1" noChangeArrowheads="1"/>
+          </p:cNvPicPr>
+          <p:nvPr/>
+        </p:nvPicPr>
+        <p:blipFill>
+          <a:blip r:embed="rId4" cstate="print">
+            <a:extLst>
+              <a:ext uri="{28A0092B-C50C-407E-A947-70E740481C1C}">
+                <a14:useLocalDpi xmlns:a14="http://schemas.microsoft.com/office/drawing/2010/main" val="0"/>
+              </a:ext>
+            </a:extLst>
+          </a:blip>
+          <a:srcRect/>
+          <a:stretch>
+            <a:fillRect/>
+          </a:stretch>
+        </p:blipFill>
+        <p:spPr bwMode="auto">
+          <a:xfrm>
+            <a:off x="390746" y="5415000"/>
+            <a:ext cx="8175958" cy="4978956"/>
+          </a:xfrm>
+          <a:prstGeom prst="rect">
+            <a:avLst/>
+          </a:prstGeom>
+          <a:noFill/>
+          <a:ln>
+            <a:noFill/>
+          </a:ln>
+          <a:extLst>
+            <a:ext uri="{909E8E84-426E-40DD-AFC4-6F175D3DCCD1}">
+              <a14:hiddenFill xmlns:a14="http://schemas.microsoft.com/office/drawing/2010/main">
+                <a:solidFill>
+                  <a:schemeClr val="accent1"/>
+                </a:solidFill>
+              </a14:hiddenFill>
+            </a:ext>
+            <a:ext uri="{91240B29-F687-4F45-9708-019B960494DF}">
+              <a14:hiddenLine xmlns:a14="http://schemas.microsoft.com/office/drawing/2010/main" w="9525">
+                <a:solidFill>
+                  <a:schemeClr val="tx1"/>
+                </a:solidFill>
+                <a:miter lim="800000"/>
+                <a:headEnd/>
+                <a:tailEnd/>
+              </a14:hiddenLine>
+            </a:ext>
+          </a:extLst>
         </p:spPr>
       </p:pic>
     </p:spTree>
@@ -7908,49 +8624,7 @@
                 <a:ea typeface="メイリオ" panose="020B0604030504040204" pitchFamily="50" charset="-128"/>
                 <a:cs typeface="メイリオ" panose="020B0604030504040204" pitchFamily="50" charset="-128"/>
               </a:rPr>
-              <a:t>(</a:t>
-            </a:r>
-            <a:r>
-              <a:rPr lang="ja-JP" altLang="en-US" sz="2000" dirty="0">
-                <a:ln w="0"/>
-                <a:solidFill>
-                  <a:schemeClr val="bg1">
-                    <a:lumMod val="50000"/>
-                  </a:schemeClr>
-                </a:solidFill>
-                <a:effectLst>
-                  <a:outerShdw blurRad="38100" dist="38100" dir="2700000" algn="tl">
-                    <a:srgbClr val="000000">
-                      <a:alpha val="43137"/>
-                    </a:srgbClr>
-                  </a:outerShdw>
-                </a:effectLst>
-                <a:latin typeface="メイリオ" panose="020B0604030504040204" pitchFamily="50" charset="-128"/>
-                <a:ea typeface="メイリオ" panose="020B0604030504040204" pitchFamily="50" charset="-128"/>
-                <a:cs typeface="メイリオ" panose="020B0604030504040204" pitchFamily="50" charset="-128"/>
-              </a:rPr>
-              <a:t>構造</a:t>
-            </a:r>
-            <a:r>
-              <a:rPr lang="en-US" altLang="ja-JP" sz="2000" dirty="0" smtClean="0">
-                <a:ln w="0"/>
-                <a:solidFill>
-                  <a:schemeClr val="bg1">
-                    <a:lumMod val="50000"/>
-                  </a:schemeClr>
-                </a:solidFill>
-                <a:effectLst>
-                  <a:outerShdw blurRad="38100" dist="38100" dir="2700000" algn="tl">
-                    <a:srgbClr val="000000">
-                      <a:alpha val="43137"/>
-                    </a:srgbClr>
-                  </a:outerShdw>
-                </a:effectLst>
-                <a:latin typeface="メイリオ" panose="020B0604030504040204" pitchFamily="50" charset="-128"/>
-                <a:ea typeface="メイリオ" panose="020B0604030504040204" pitchFamily="50" charset="-128"/>
-                <a:cs typeface="メイリオ" panose="020B0604030504040204" pitchFamily="50" charset="-128"/>
-              </a:rPr>
-              <a:t>)</a:t>
+              <a:t>(1)</a:t>
             </a:r>
             <a:endParaRPr lang="ja-JP" altLang="en-US" sz="2000" dirty="0">
               <a:ln w="0"/>
@@ -8217,31 +8891,7 @@
                 <a:ea typeface="メイリオ" panose="020B0604030504040204" pitchFamily="50" charset="-128"/>
                 <a:cs typeface="メイリオ" panose="020B0604030504040204" pitchFamily="50" charset="-128"/>
               </a:rPr>
-              <a:t>(</a:t>
-            </a:r>
-            <a:r>
-              <a:rPr lang="ja-JP" altLang="en-US" sz="2400" b="1" dirty="0" smtClean="0">
-                <a:ln w="0"/>
-                <a:solidFill>
-                  <a:schemeClr val="bg1"/>
-                </a:solidFill>
-                <a:latin typeface="メイリオ" panose="020B0604030504040204" pitchFamily="50" charset="-128"/>
-                <a:ea typeface="メイリオ" panose="020B0604030504040204" pitchFamily="50" charset="-128"/>
-                <a:cs typeface="メイリオ" panose="020B0604030504040204" pitchFamily="50" charset="-128"/>
-              </a:rPr>
-              <a:t>振舞</a:t>
-            </a:r>
-            <a:r>
-              <a:rPr lang="en-US" altLang="ja-JP" sz="2400" b="1" dirty="0" smtClean="0">
-                <a:ln w="0"/>
-                <a:solidFill>
-                  <a:schemeClr val="bg1"/>
-                </a:solidFill>
-                <a:latin typeface="メイリオ" panose="020B0604030504040204" pitchFamily="50" charset="-128"/>
-                <a:ea typeface="メイリオ" panose="020B0604030504040204" pitchFamily="50" charset="-128"/>
-                <a:cs typeface="メイリオ" panose="020B0604030504040204" pitchFamily="50" charset="-128"/>
-              </a:rPr>
-              <a:t>)</a:t>
+              <a:t>(2)</a:t>
             </a:r>
             <a:endParaRPr lang="ja-JP" altLang="en-US" sz="2400" b="1" dirty="0">
               <a:ln w="0"/>
@@ -8263,8 +8913,8 @@
         </p:nvSpPr>
         <p:spPr>
           <a:xfrm>
-            <a:off x="361022" y="991122"/>
-            <a:ext cx="11321474" cy="682239"/>
+            <a:off x="363226" y="991122"/>
+            <a:ext cx="11319270" cy="682239"/>
           </a:xfrm>
           <a:prstGeom prst="wedgeRectCallout">
             <a:avLst>
@@ -8307,15 +8957,497 @@
           <a:lstStyle/>
           <a:p>
             <a:pPr algn="ctr"/>
-            <a:r>
-              <a:rPr lang="ja-JP" altLang="en-US" sz="2716" dirty="0" smtClean="0">
-                <a:latin typeface="メイリオ" panose="020B0604030504040204" pitchFamily="50" charset="-128"/>
-                <a:ea typeface="メイリオ" panose="020B0604030504040204" pitchFamily="50" charset="-128"/>
-                <a:cs typeface="メイリオ" panose="020B0604030504040204" pitchFamily="50" charset="-128"/>
-              </a:rPr>
-              <a:t>ここに一文を入力</a:t>
-            </a:r>
             <a:endParaRPr lang="ja-JP" altLang="en-US" sz="2716" dirty="0">
+              <a:latin typeface="メイリオ" panose="020B0604030504040204" pitchFamily="50" charset="-128"/>
+              <a:ea typeface="メイリオ" panose="020B0604030504040204" pitchFamily="50" charset="-128"/>
+              <a:cs typeface="メイリオ" panose="020B0604030504040204" pitchFamily="50" charset="-128"/>
+            </a:endParaRPr>
+          </a:p>
+        </p:txBody>
+      </p:sp>
+      <p:sp>
+        <p:nvSpPr>
+          <p:cNvPr id="10" name="正方形/長方形 9"/>
+          <p:cNvSpPr/>
+          <p:nvPr/>
+        </p:nvSpPr>
+        <p:spPr>
+          <a:xfrm>
+            <a:off x="7225456" y="1944758"/>
+            <a:ext cx="7746138" cy="8345654"/>
+          </a:xfrm>
+          <a:prstGeom prst="rect">
+            <a:avLst/>
+          </a:prstGeom>
+          <a:noFill/>
+          <a:ln w="25400">
+            <a:solidFill>
+              <a:srgbClr val="D24726"/>
+            </a:solidFill>
+          </a:ln>
+        </p:spPr>
+        <p:style>
+          <a:lnRef idx="2">
+            <a:schemeClr val="accent1">
+              <a:shade val="50000"/>
+            </a:schemeClr>
+          </a:lnRef>
+          <a:fillRef idx="1">
+            <a:schemeClr val="accent1"/>
+          </a:fillRef>
+          <a:effectRef idx="0">
+            <a:schemeClr val="accent1"/>
+          </a:effectRef>
+          <a:fontRef idx="minor">
+            <a:schemeClr val="lt1"/>
+          </a:fontRef>
+        </p:style>
+        <p:txBody>
+          <a:bodyPr rtlCol="0" anchor="ctr"/>
+          <a:lstStyle/>
+          <a:p>
+            <a:pPr algn="ctr"/>
+            <a:endParaRPr kumimoji="1" lang="ja-JP" altLang="en-US"/>
+          </a:p>
+        </p:txBody>
+      </p:sp>
+      <p:sp>
+        <p:nvSpPr>
+          <p:cNvPr id="11" name="テキスト ボックス 10"/>
+          <p:cNvSpPr txBox="1"/>
+          <p:nvPr/>
+        </p:nvSpPr>
+        <p:spPr>
+          <a:xfrm>
+            <a:off x="7225456" y="1947572"/>
+            <a:ext cx="2948243" cy="307777"/>
+          </a:xfrm>
+          <a:prstGeom prst="rect">
+            <a:avLst/>
+          </a:prstGeom>
+          <a:solidFill>
+            <a:srgbClr val="D24726"/>
+          </a:solidFill>
+        </p:spPr>
+        <p:txBody>
+          <a:bodyPr wrap="none" rtlCol="0">
+            <a:spAutoFit/>
+          </a:bodyPr>
+          <a:lstStyle/>
+          <a:p>
+            <a:r>
+              <a:rPr lang="en-US" altLang="ja-JP" sz="1400" b="1" dirty="0" smtClean="0">
+                <a:solidFill>
+                  <a:schemeClr val="bg1"/>
+                </a:solidFill>
+                <a:latin typeface="メイリオ" panose="020B0604030504040204" pitchFamily="50" charset="-128"/>
+                <a:ea typeface="メイリオ" panose="020B0604030504040204" pitchFamily="50" charset="-128"/>
+                <a:cs typeface="メイリオ" panose="020B0604030504040204" pitchFamily="50" charset="-128"/>
+              </a:rPr>
+              <a:t>4</a:t>
+            </a:r>
+            <a:r>
+              <a:rPr kumimoji="1" lang="en-US" altLang="ja-JP" sz="1400" b="1" dirty="0" smtClean="0">
+                <a:solidFill>
+                  <a:schemeClr val="bg1"/>
+                </a:solidFill>
+                <a:latin typeface="メイリオ" panose="020B0604030504040204" pitchFamily="50" charset="-128"/>
+                <a:ea typeface="メイリオ" panose="020B0604030504040204" pitchFamily="50" charset="-128"/>
+                <a:cs typeface="メイリオ" panose="020B0604030504040204" pitchFamily="50" charset="-128"/>
+              </a:rPr>
+              <a:t>-2-2.</a:t>
+            </a:r>
+            <a:r>
+              <a:rPr lang="ja-JP" altLang="en-US" sz="1400" b="1" dirty="0" smtClean="0">
+                <a:solidFill>
+                  <a:schemeClr val="bg1"/>
+                </a:solidFill>
+                <a:latin typeface="メイリオ" panose="020B0604030504040204" pitchFamily="50" charset="-128"/>
+                <a:ea typeface="メイリオ" panose="020B0604030504040204" pitchFamily="50" charset="-128"/>
+                <a:cs typeface="メイリオ" panose="020B0604030504040204" pitchFamily="50" charset="-128"/>
+              </a:rPr>
+              <a:t> </a:t>
+            </a:r>
+            <a:r>
+              <a:rPr lang="en-US" altLang="ja-JP" sz="1400" b="1" dirty="0" smtClean="0">
+                <a:solidFill>
+                  <a:schemeClr val="bg1"/>
+                </a:solidFill>
+                <a:latin typeface="メイリオ" panose="020B0604030504040204" pitchFamily="50" charset="-128"/>
+                <a:ea typeface="メイリオ" panose="020B0604030504040204" pitchFamily="50" charset="-128"/>
+                <a:cs typeface="メイリオ" panose="020B0604030504040204" pitchFamily="50" charset="-128"/>
+              </a:rPr>
+              <a:t>R</a:t>
+            </a:r>
+            <a:r>
+              <a:rPr lang="ja-JP" altLang="en-US" sz="1400" b="1" dirty="0" smtClean="0">
+                <a:solidFill>
+                  <a:schemeClr val="bg1"/>
+                </a:solidFill>
+                <a:latin typeface="メイリオ" panose="020B0604030504040204" pitchFamily="50" charset="-128"/>
+                <a:ea typeface="メイリオ" panose="020B0604030504040204" pitchFamily="50" charset="-128"/>
+                <a:cs typeface="メイリオ" panose="020B0604030504040204" pitchFamily="50" charset="-128"/>
+              </a:rPr>
+              <a:t>ゲーム攻略のシーケンス</a:t>
+            </a:r>
+            <a:endParaRPr kumimoji="1" lang="ja-JP" altLang="en-US" sz="1400" b="1" dirty="0">
+              <a:solidFill>
+                <a:schemeClr val="bg1"/>
+              </a:solidFill>
+              <a:latin typeface="メイリオ" panose="020B0604030504040204" pitchFamily="50" charset="-128"/>
+              <a:ea typeface="メイリオ" panose="020B0604030504040204" pitchFamily="50" charset="-128"/>
+              <a:cs typeface="メイリオ" panose="020B0604030504040204" pitchFamily="50" charset="-128"/>
+            </a:endParaRPr>
+          </a:p>
+        </p:txBody>
+      </p:sp>
+      <p:pic>
+        <p:nvPicPr>
+          <p:cNvPr id="2050" name="Picture 2"/>
+          <p:cNvPicPr>
+            <a:picLocks noChangeAspect="1" noChangeArrowheads="1"/>
+          </p:cNvPicPr>
+          <p:nvPr/>
+        </p:nvPicPr>
+        <p:blipFill>
+          <a:blip r:embed="rId2" cstate="print">
+            <a:extLst>
+              <a:ext uri="{28A0092B-C50C-407E-A947-70E740481C1C}">
+                <a14:useLocalDpi xmlns:a14="http://schemas.microsoft.com/office/drawing/2010/main" val="0"/>
+              </a:ext>
+            </a:extLst>
+          </a:blip>
+          <a:srcRect/>
+          <a:stretch>
+            <a:fillRect/>
+          </a:stretch>
+        </p:blipFill>
+        <p:spPr bwMode="auto">
+          <a:xfrm>
+            <a:off x="-9740123" y="32072239"/>
+            <a:ext cx="8459472" cy="8259382"/>
+          </a:xfrm>
+          <a:prstGeom prst="rect">
+            <a:avLst/>
+          </a:prstGeom>
+          <a:noFill/>
+          <a:ln>
+            <a:noFill/>
+          </a:ln>
+          <a:extLst>
+            <a:ext uri="{909E8E84-426E-40DD-AFC4-6F175D3DCCD1}">
+              <a14:hiddenFill xmlns:a14="http://schemas.microsoft.com/office/drawing/2010/main">
+                <a:solidFill>
+                  <a:schemeClr val="accent1"/>
+                </a:solidFill>
+              </a14:hiddenFill>
+            </a:ext>
+            <a:ext uri="{91240B29-F687-4F45-9708-019B960494DF}">
+              <a14:hiddenLine xmlns:a14="http://schemas.microsoft.com/office/drawing/2010/main" w="9525">
+                <a:solidFill>
+                  <a:schemeClr val="tx1"/>
+                </a:solidFill>
+                <a:miter lim="800000"/>
+                <a:headEnd/>
+                <a:tailEnd/>
+              </a14:hiddenLine>
+            </a:ext>
+          </a:extLst>
+        </p:spPr>
+      </p:pic>
+      <p:pic>
+        <p:nvPicPr>
+          <p:cNvPr id="2051" name="Picture 3"/>
+          <p:cNvPicPr>
+            <a:picLocks noChangeAspect="1" noChangeArrowheads="1"/>
+          </p:cNvPicPr>
+          <p:nvPr/>
+        </p:nvPicPr>
+        <p:blipFill>
+          <a:blip r:embed="rId3" cstate="print">
+            <a:extLst>
+              <a:ext uri="{28A0092B-C50C-407E-A947-70E740481C1C}">
+                <a14:useLocalDpi xmlns:a14="http://schemas.microsoft.com/office/drawing/2010/main" val="0"/>
+              </a:ext>
+            </a:extLst>
+          </a:blip>
+          <a:srcRect/>
+          <a:stretch>
+            <a:fillRect/>
+          </a:stretch>
+        </p:blipFill>
+        <p:spPr bwMode="auto">
+          <a:xfrm>
+            <a:off x="7383725" y="2902142"/>
+            <a:ext cx="7427446" cy="7251791"/>
+          </a:xfrm>
+          <a:prstGeom prst="rect">
+            <a:avLst/>
+          </a:prstGeom>
+          <a:noFill/>
+          <a:ln>
+            <a:noFill/>
+          </a:ln>
+          <a:extLst>
+            <a:ext uri="{909E8E84-426E-40DD-AFC4-6F175D3DCCD1}">
+              <a14:hiddenFill xmlns:a14="http://schemas.microsoft.com/office/drawing/2010/main">
+                <a:solidFill>
+                  <a:schemeClr val="accent1"/>
+                </a:solidFill>
+              </a14:hiddenFill>
+            </a:ext>
+            <a:ext uri="{91240B29-F687-4F45-9708-019B960494DF}">
+              <a14:hiddenLine xmlns:a14="http://schemas.microsoft.com/office/drawing/2010/main" w="9525">
+                <a:solidFill>
+                  <a:schemeClr val="tx1"/>
+                </a:solidFill>
+                <a:miter lim="800000"/>
+                <a:headEnd/>
+                <a:tailEnd/>
+              </a14:hiddenLine>
+            </a:ext>
+          </a:extLst>
+        </p:spPr>
+      </p:pic>
+      <p:sp>
+        <p:nvSpPr>
+          <p:cNvPr id="18" name="正方形/長方形 17"/>
+          <p:cNvSpPr/>
+          <p:nvPr/>
+        </p:nvSpPr>
+        <p:spPr>
+          <a:xfrm>
+            <a:off x="363226" y="1947572"/>
+            <a:ext cx="6757330" cy="7138529"/>
+          </a:xfrm>
+          <a:prstGeom prst="rect">
+            <a:avLst/>
+          </a:prstGeom>
+          <a:noFill/>
+          <a:ln w="25400">
+            <a:solidFill>
+              <a:srgbClr val="D24726"/>
+            </a:solidFill>
+          </a:ln>
+        </p:spPr>
+        <p:style>
+          <a:lnRef idx="2">
+            <a:schemeClr val="accent1">
+              <a:shade val="50000"/>
+            </a:schemeClr>
+          </a:lnRef>
+          <a:fillRef idx="1">
+            <a:schemeClr val="accent1"/>
+          </a:fillRef>
+          <a:effectRef idx="0">
+            <a:schemeClr val="accent1"/>
+          </a:effectRef>
+          <a:fontRef idx="minor">
+            <a:schemeClr val="lt1"/>
+          </a:fontRef>
+        </p:style>
+        <p:txBody>
+          <a:bodyPr rtlCol="0" anchor="ctr"/>
+          <a:lstStyle/>
+          <a:p>
+            <a:pPr algn="ctr"/>
+            <a:endParaRPr kumimoji="1" lang="ja-JP" altLang="en-US"/>
+          </a:p>
+        </p:txBody>
+      </p:sp>
+      <p:sp>
+        <p:nvSpPr>
+          <p:cNvPr id="19" name="テキスト ボックス 18"/>
+          <p:cNvSpPr txBox="1"/>
+          <p:nvPr/>
+        </p:nvSpPr>
+        <p:spPr>
+          <a:xfrm>
+            <a:off x="363226" y="1947572"/>
+            <a:ext cx="3352200" cy="307777"/>
+          </a:xfrm>
+          <a:prstGeom prst="rect">
+            <a:avLst/>
+          </a:prstGeom>
+          <a:solidFill>
+            <a:srgbClr val="D24726"/>
+          </a:solidFill>
+        </p:spPr>
+        <p:txBody>
+          <a:bodyPr wrap="none" rtlCol="0">
+            <a:spAutoFit/>
+          </a:bodyPr>
+          <a:lstStyle/>
+          <a:p>
+            <a:r>
+              <a:rPr lang="en-US" altLang="ja-JP" sz="1400" b="1" dirty="0" smtClean="0">
+                <a:solidFill>
+                  <a:schemeClr val="bg1"/>
+                </a:solidFill>
+                <a:latin typeface="メイリオ" panose="020B0604030504040204" pitchFamily="50" charset="-128"/>
+                <a:ea typeface="メイリオ" panose="020B0604030504040204" pitchFamily="50" charset="-128"/>
+                <a:cs typeface="メイリオ" panose="020B0604030504040204" pitchFamily="50" charset="-128"/>
+              </a:rPr>
+              <a:t>4</a:t>
+            </a:r>
+            <a:r>
+              <a:rPr kumimoji="1" lang="en-US" altLang="ja-JP" sz="1400" b="1" dirty="0" smtClean="0">
+                <a:solidFill>
+                  <a:schemeClr val="bg1"/>
+                </a:solidFill>
+                <a:latin typeface="メイリオ" panose="020B0604030504040204" pitchFamily="50" charset="-128"/>
+                <a:ea typeface="メイリオ" panose="020B0604030504040204" pitchFamily="50" charset="-128"/>
+                <a:cs typeface="メイリオ" panose="020B0604030504040204" pitchFamily="50" charset="-128"/>
+              </a:rPr>
+              <a:t>-2-1.</a:t>
+            </a:r>
+            <a:r>
+              <a:rPr lang="ja-JP" altLang="en-US" sz="1400" b="1" dirty="0" smtClean="0">
+                <a:solidFill>
+                  <a:schemeClr val="bg1"/>
+                </a:solidFill>
+                <a:latin typeface="メイリオ" panose="020B0604030504040204" pitchFamily="50" charset="-128"/>
+                <a:ea typeface="メイリオ" panose="020B0604030504040204" pitchFamily="50" charset="-128"/>
+                <a:cs typeface="メイリオ" panose="020B0604030504040204" pitchFamily="50" charset="-128"/>
+              </a:rPr>
+              <a:t> 経路探索時の探索子の振る舞い</a:t>
+            </a:r>
+            <a:endParaRPr kumimoji="1" lang="ja-JP" altLang="en-US" sz="1400" b="1" dirty="0">
+              <a:solidFill>
+                <a:schemeClr val="bg1"/>
+              </a:solidFill>
+              <a:latin typeface="メイリオ" panose="020B0604030504040204" pitchFamily="50" charset="-128"/>
+              <a:ea typeface="メイリオ" panose="020B0604030504040204" pitchFamily="50" charset="-128"/>
+              <a:cs typeface="メイリオ" panose="020B0604030504040204" pitchFamily="50" charset="-128"/>
+            </a:endParaRPr>
+          </a:p>
+        </p:txBody>
+      </p:sp>
+      <p:sp>
+        <p:nvSpPr>
+          <p:cNvPr id="22" name="テキスト ボックス 21"/>
+          <p:cNvSpPr txBox="1"/>
+          <p:nvPr/>
+        </p:nvSpPr>
+        <p:spPr>
+          <a:xfrm>
+            <a:off x="7377856" y="2459032"/>
+            <a:ext cx="7224929" cy="430887"/>
+          </a:xfrm>
+          <a:prstGeom prst="rect">
+            <a:avLst/>
+          </a:prstGeom>
+          <a:noFill/>
+        </p:spPr>
+        <p:txBody>
+          <a:bodyPr wrap="square" rtlCol="0">
+            <a:spAutoFit/>
+          </a:bodyPr>
+          <a:lstStyle/>
+          <a:p>
+            <a:r>
+              <a:rPr lang="en-US" altLang="ja-JP" sz="1100" dirty="0" smtClean="0">
+                <a:latin typeface="メイリオ" panose="020B0604030504040204" pitchFamily="50" charset="-128"/>
+                <a:ea typeface="メイリオ" panose="020B0604030504040204" pitchFamily="50" charset="-128"/>
+                <a:cs typeface="メイリオ" panose="020B0604030504040204" pitchFamily="50" charset="-128"/>
+              </a:rPr>
+              <a:t>R</a:t>
+            </a:r>
+            <a:r>
+              <a:rPr lang="ja-JP" altLang="en-US" sz="1100" dirty="0" smtClean="0">
+                <a:latin typeface="メイリオ" panose="020B0604030504040204" pitchFamily="50" charset="-128"/>
+                <a:ea typeface="メイリオ" panose="020B0604030504040204" pitchFamily="50" charset="-128"/>
+                <a:cs typeface="メイリオ" panose="020B0604030504040204" pitchFamily="50" charset="-128"/>
+              </a:rPr>
+              <a:t>ゲームの攻略をシーケンスを、</a:t>
+            </a:r>
+            <a:r>
+              <a:rPr lang="ja-JP" altLang="en-US" sz="1100" dirty="0">
+                <a:latin typeface="メイリオ" panose="020B0604030504040204" pitchFamily="50" charset="-128"/>
+                <a:ea typeface="メイリオ" panose="020B0604030504040204" pitchFamily="50" charset="-128"/>
+                <a:cs typeface="メイリオ" panose="020B0604030504040204" pitchFamily="50" charset="-128"/>
+              </a:rPr>
+              <a:t>攻略手順</a:t>
+            </a:r>
+            <a:r>
+              <a:rPr lang="ja-JP" altLang="en-US" sz="1100" dirty="0" smtClean="0">
+                <a:latin typeface="メイリオ" panose="020B0604030504040204" pitchFamily="50" charset="-128"/>
+                <a:ea typeface="メイリオ" panose="020B0604030504040204" pitchFamily="50" charset="-128"/>
+                <a:cs typeface="メイリオ" panose="020B0604030504040204" pitchFamily="50" charset="-128"/>
+              </a:rPr>
+              <a:t>の作成と実行に注目して例示する（</a:t>
+            </a:r>
+            <a:r>
+              <a:rPr lang="ja-JP" altLang="en-US" sz="1100" dirty="0">
+                <a:latin typeface="メイリオ" panose="020B0604030504040204" pitchFamily="50" charset="-128"/>
+                <a:ea typeface="メイリオ" panose="020B0604030504040204" pitchFamily="50" charset="-128"/>
+                <a:cs typeface="メイリオ" panose="020B0604030504040204" pitchFamily="50" charset="-128"/>
+              </a:rPr>
+              <a:t>各</a:t>
+            </a:r>
+            <a:r>
+              <a:rPr lang="ja-JP" altLang="en-US" sz="1100" dirty="0" smtClean="0">
+                <a:latin typeface="メイリオ" panose="020B0604030504040204" pitchFamily="50" charset="-128"/>
+                <a:ea typeface="メイリオ" panose="020B0604030504040204" pitchFamily="50" charset="-128"/>
+                <a:cs typeface="メイリオ" panose="020B0604030504040204" pitchFamily="50" charset="-128"/>
+              </a:rPr>
+              <a:t>パッケージのルートは既に作成済み）。</a:t>
+            </a:r>
+            <a:endParaRPr lang="en-US" altLang="ja-JP" sz="1100" dirty="0" smtClean="0">
+              <a:latin typeface="メイリオ" panose="020B0604030504040204" pitchFamily="50" charset="-128"/>
+              <a:ea typeface="メイリオ" panose="020B0604030504040204" pitchFamily="50" charset="-128"/>
+              <a:cs typeface="メイリオ" panose="020B0604030504040204" pitchFamily="50" charset="-128"/>
+            </a:endParaRPr>
+          </a:p>
+        </p:txBody>
+      </p:sp>
+      <p:sp>
+        <p:nvSpPr>
+          <p:cNvPr id="23" name="テキスト ボックス 22"/>
+          <p:cNvSpPr txBox="1"/>
+          <p:nvPr/>
+        </p:nvSpPr>
+        <p:spPr>
+          <a:xfrm>
+            <a:off x="425618" y="2328227"/>
+            <a:ext cx="6632545" cy="261610"/>
+          </a:xfrm>
+          <a:prstGeom prst="rect">
+            <a:avLst/>
+          </a:prstGeom>
+          <a:noFill/>
+        </p:spPr>
+        <p:txBody>
+          <a:bodyPr wrap="square" rtlCol="0">
+            <a:spAutoFit/>
+          </a:bodyPr>
+          <a:lstStyle/>
+          <a:p>
+            <a:r>
+              <a:rPr lang="ja-JP" altLang="en-US" sz="1100" dirty="0" smtClean="0">
+                <a:latin typeface="メイリオ" panose="020B0604030504040204" pitchFamily="50" charset="-128"/>
+                <a:ea typeface="メイリオ" panose="020B0604030504040204" pitchFamily="50" charset="-128"/>
+                <a:cs typeface="メイリオ" panose="020B0604030504040204" pitchFamily="50" charset="-128"/>
+              </a:rPr>
+              <a:t>分析</a:t>
+            </a:r>
+            <a:r>
+              <a:rPr lang="en-US" altLang="ja-JP" sz="1100" dirty="0" smtClean="0">
+                <a:latin typeface="メイリオ" panose="020B0604030504040204" pitchFamily="50" charset="-128"/>
+                <a:ea typeface="メイリオ" panose="020B0604030504040204" pitchFamily="50" charset="-128"/>
+                <a:cs typeface="メイリオ" panose="020B0604030504040204" pitchFamily="50" charset="-128"/>
+              </a:rPr>
+              <a:t>2-3.</a:t>
+            </a:r>
+            <a:r>
+              <a:rPr lang="ja-JP" altLang="en-US" sz="1100" dirty="0" smtClean="0">
+                <a:latin typeface="メイリオ" panose="020B0604030504040204" pitchFamily="50" charset="-128"/>
+                <a:ea typeface="メイリオ" panose="020B0604030504040204" pitchFamily="50" charset="-128"/>
+                <a:cs typeface="メイリオ" panose="020B0604030504040204" pitchFamily="50" charset="-128"/>
+              </a:rPr>
+              <a:t>で検討した抽象マップ上を移動し、目的地への経路を探索する探索子の振る舞いを記述する。</a:t>
+            </a:r>
+            <a:endParaRPr lang="en-US" altLang="ja-JP" sz="1100" dirty="0" smtClean="0">
               <a:latin typeface="メイリオ" panose="020B0604030504040204" pitchFamily="50" charset="-128"/>
               <a:ea typeface="メイリオ" panose="020B0604030504040204" pitchFamily="50" charset="-128"/>
               <a:cs typeface="メイリオ" panose="020B0604030504040204" pitchFamily="50" charset="-128"/>
@@ -8598,7 +9730,7 @@
   <a:extraClrSchemeLst/>
   <a:extLst>
     <a:ext uri="{05A4C25C-085E-4340-85A3-A5531E510DB2}">
-      <thm15:themeFamily xmlns:thm15="http://schemas.microsoft.com/office/thememl/2012/main" name="Office Theme" id="{62F939B6-93AF-4DB8-9C6B-D6C7DFDC589F}" vid="{4A3C46E8-61CC-4603-A589-7422A47A8E4A}"/>
+      <thm15:themeFamily xmlns:thm15="http://schemas.microsoft.com/office/thememl/2012/main" xmlns="" name="Office Theme" id="{62F939B6-93AF-4DB8-9C6B-D6C7DFDC589F}" vid="{4A3C46E8-61CC-4603-A589-7422A47A8E4A}"/>
     </a:ext>
   </a:extLst>
 </a:theme>
@@ -8859,7 +9991,7 @@
   <a:extraClrSchemeLst/>
   <a:extLst>
     <a:ext uri="{05A4C25C-085E-4340-85A3-A5531E510DB2}">
-      <thm15:themeFamily xmlns:thm15="http://schemas.microsoft.com/office/thememl/2012/main" name="Office Theme" id="{62F939B6-93AF-4DB8-9C6B-D6C7DFDC589F}" vid="{4A3C46E8-61CC-4603-A589-7422A47A8E4A}"/>
+      <thm15:themeFamily xmlns:thm15="http://schemas.microsoft.com/office/thememl/2012/main" xmlns="" name="Office Theme" id="{62F939B6-93AF-4DB8-9C6B-D6C7DFDC589F}" vid="{4A3C46E8-61CC-4603-A589-7422A47A8E4A}"/>
     </a:ext>
   </a:extLst>
 </a:theme>

--- a/design/2016/models/4_design_model.pptx
+++ b/design/2016/models/4_design_model.pptx
@@ -110,7 +110,7 @@
   </p:defaultTextStyle>
   <p:extLst>
     <p:ext uri="{EFAFB233-063F-42B5-8137-9DF3F51BA10A}">
-      <p15:sldGuideLst xmlns:p15="http://schemas.microsoft.com/office/powerpoint/2012/main" xmlns=""/>
+      <p15:sldGuideLst xmlns="" xmlns:p15="http://schemas.microsoft.com/office/powerpoint/2012/main"/>
     </p:ext>
   </p:extLst>
 </p:presentation>
@@ -7165,6 +7165,9 @@
             </a:r>
             <a:r>
               <a:rPr kumimoji="1" lang="en-US" altLang="ja-JP" sz="1100" dirty="0" smtClean="0">
+                <a:solidFill>
+                  <a:srgbClr val="0000FF"/>
+                </a:solidFill>
                 <a:latin typeface="メイリオ" panose="020B0604030504040204" pitchFamily="50" charset="-128"/>
                 <a:ea typeface="メイリオ" panose="020B0604030504040204" pitchFamily="50" charset="-128"/>
                 <a:cs typeface="メイリオ" panose="020B0604030504040204" pitchFamily="50" charset="-128"/>
@@ -7173,11 +7176,41 @@
             </a:r>
             <a:r>
               <a:rPr kumimoji="1" lang="ja-JP" altLang="en-US" sz="1100" dirty="0" smtClean="0">
-                <a:latin typeface="メイリオ" panose="020B0604030504040204" pitchFamily="50" charset="-128"/>
-                <a:ea typeface="メイリオ" panose="020B0604030504040204" pitchFamily="50" charset="-128"/>
-                <a:cs typeface="メイリオ" panose="020B0604030504040204" pitchFamily="50" charset="-128"/>
-              </a:rPr>
-              <a:t>ゲーム攻略、走行エリア攻略、表示・</a:t>
+                <a:solidFill>
+                  <a:srgbClr val="0000FF"/>
+                </a:solidFill>
+                <a:latin typeface="メイリオ" panose="020B0604030504040204" pitchFamily="50" charset="-128"/>
+                <a:ea typeface="メイリオ" panose="020B0604030504040204" pitchFamily="50" charset="-128"/>
+                <a:cs typeface="メイリオ" panose="020B0604030504040204" pitchFamily="50" charset="-128"/>
+              </a:rPr>
+              <a:t>ゲーム攻略</a:t>
+            </a:r>
+            <a:r>
+              <a:rPr kumimoji="1" lang="ja-JP" altLang="en-US" sz="1100" dirty="0" smtClean="0">
+                <a:latin typeface="メイリオ" panose="020B0604030504040204" pitchFamily="50" charset="-128"/>
+                <a:ea typeface="メイリオ" panose="020B0604030504040204" pitchFamily="50" charset="-128"/>
+                <a:cs typeface="メイリオ" panose="020B0604030504040204" pitchFamily="50" charset="-128"/>
+              </a:rPr>
+              <a:t>、</a:t>
+            </a:r>
+            <a:r>
+              <a:rPr kumimoji="1" lang="ja-JP" altLang="en-US" sz="1100" dirty="0" smtClean="0">
+                <a:solidFill>
+                  <a:srgbClr val="0000FF"/>
+                </a:solidFill>
+                <a:latin typeface="メイリオ" panose="020B0604030504040204" pitchFamily="50" charset="-128"/>
+                <a:ea typeface="メイリオ" panose="020B0604030504040204" pitchFamily="50" charset="-128"/>
+                <a:cs typeface="メイリオ" panose="020B0604030504040204" pitchFamily="50" charset="-128"/>
+              </a:rPr>
+              <a:t>走行エリア攻略</a:t>
+            </a:r>
+            <a:r>
+              <a:rPr kumimoji="1" lang="ja-JP" altLang="en-US" sz="1100" dirty="0" smtClean="0">
+                <a:latin typeface="メイリオ" panose="020B0604030504040204" pitchFamily="50" charset="-128"/>
+                <a:ea typeface="メイリオ" panose="020B0604030504040204" pitchFamily="50" charset="-128"/>
+                <a:cs typeface="メイリオ" panose="020B0604030504040204" pitchFamily="50" charset="-128"/>
+              </a:rPr>
+              <a:t>、表示・</a:t>
             </a:r>
             <a:r>
               <a:rPr kumimoji="1" lang="en-US" altLang="ja-JP" sz="1100" dirty="0" smtClean="0">
@@ -7217,7 +7250,15 @@
                 <a:ea typeface="メイリオ" panose="020B0604030504040204" pitchFamily="50" charset="-128"/>
                 <a:cs typeface="メイリオ" panose="020B0604030504040204" pitchFamily="50" charset="-128"/>
               </a:rPr>
-              <a:t>または走行エリア攻略を実行する。</a:t>
+              <a:t>または走行エリア</a:t>
+            </a:r>
+            <a:r>
+              <a:rPr lang="ja-JP" altLang="en-US" sz="1100" dirty="0" smtClean="0">
+                <a:latin typeface="メイリオ" panose="020B0604030504040204" pitchFamily="50" charset="-128"/>
+                <a:ea typeface="メイリオ" panose="020B0604030504040204" pitchFamily="50" charset="-128"/>
+                <a:cs typeface="メイリオ" panose="020B0604030504040204" pitchFamily="50" charset="-128"/>
+              </a:rPr>
+              <a:t>攻略および攻略手順実行パッケージのルートの実行関数が呼び出される。</a:t>
             </a:r>
             <a:endParaRPr kumimoji="1" lang="ja-JP" altLang="en-US" sz="1100" dirty="0">
               <a:latin typeface="メイリオ" panose="020B0604030504040204" pitchFamily="50" charset="-128"/>
@@ -7350,18 +7391,7 @@
                 <a:ea typeface="メイリオ" panose="020B0604030504040204" pitchFamily="50" charset="-128"/>
                 <a:cs typeface="メイリオ" panose="020B0604030504040204" pitchFamily="50" charset="-128"/>
               </a:rPr>
-              <a:t>ゲーム</a:t>
-            </a:r>
-            <a:r>
-              <a:rPr lang="ja-JP" altLang="en-US" sz="1400" b="1" dirty="0" smtClean="0">
-                <a:solidFill>
-                  <a:schemeClr val="bg1"/>
-                </a:solidFill>
-                <a:latin typeface="メイリオ" panose="020B0604030504040204" pitchFamily="50" charset="-128"/>
-                <a:ea typeface="メイリオ" panose="020B0604030504040204" pitchFamily="50" charset="-128"/>
-                <a:cs typeface="メイリオ" panose="020B0604030504040204" pitchFamily="50" charset="-128"/>
-              </a:rPr>
-              <a:t>攻略</a:t>
+              <a:t>ゲーム攻略</a:t>
             </a:r>
             <a:r>
               <a:rPr lang="ja-JP" altLang="en-US" sz="1400" b="1" dirty="0">
@@ -7396,30 +7426,6 @@
           </a:p>
         </p:txBody>
       </p:sp>
-      <p:pic>
-        <p:nvPicPr>
-          <p:cNvPr id="79" name="図 78"/>
-          <p:cNvPicPr>
-            <a:picLocks noChangeAspect="1"/>
-          </p:cNvPicPr>
-          <p:nvPr/>
-        </p:nvPicPr>
-        <p:blipFill>
-          <a:blip r:embed="rId2"/>
-          <a:stretch>
-            <a:fillRect/>
-          </a:stretch>
-        </p:blipFill>
-        <p:spPr>
-          <a:xfrm>
-            <a:off x="8753043" y="2689390"/>
-            <a:ext cx="5955426" cy="2361075"/>
-          </a:xfrm>
-          <a:prstGeom prst="rect">
-            <a:avLst/>
-          </a:prstGeom>
-        </p:spPr>
-      </p:pic>
       <p:sp>
         <p:nvSpPr>
           <p:cNvPr id="55" name="テキスト ボックス 54"/>
@@ -7739,7 +7745,7 @@
           <p:nvPr/>
         </p:nvPicPr>
         <p:blipFill>
-          <a:blip r:embed="rId3" cstate="print">
+          <a:blip r:embed="rId2" cstate="print">
             <a:extLst>
               <a:ext uri="{28A0092B-C50C-407E-A947-70E740481C1C}">
                 <a14:useLocalDpi xmlns:a14="http://schemas.microsoft.com/office/drawing/2010/main" val="0"/>
@@ -8015,6 +8021,9 @@
           <a:p>
             <a:r>
               <a:rPr lang="ja-JP" altLang="en-US" sz="1100" dirty="0" smtClean="0">
+                <a:solidFill>
+                  <a:srgbClr val="0000FF"/>
+                </a:solidFill>
                 <a:latin typeface="メイリオ" panose="020B0604030504040204" pitchFamily="50" charset="-128"/>
                 <a:ea typeface="メイリオ" panose="020B0604030504040204" pitchFamily="50" charset="-128"/>
                 <a:cs typeface="メイリオ" panose="020B0604030504040204" pitchFamily="50" charset="-128"/>
@@ -8023,6 +8032,9 @@
             </a:r>
             <a:r>
               <a:rPr lang="en-US" altLang="ja-JP" sz="1100" dirty="0" smtClean="0">
+                <a:solidFill>
+                  <a:srgbClr val="0000FF"/>
+                </a:solidFill>
                 <a:latin typeface="メイリオ" panose="020B0604030504040204" pitchFamily="50" charset="-128"/>
                 <a:ea typeface="メイリオ" panose="020B0604030504040204" pitchFamily="50" charset="-128"/>
                 <a:cs typeface="メイリオ" panose="020B0604030504040204" pitchFamily="50" charset="-128"/>
@@ -8117,7 +8129,61 @@
       </p:cxnSp>
       <p:pic>
         <p:nvPicPr>
-          <p:cNvPr id="1030" name="Picture 6"/>
+          <p:cNvPr id="1027" name="Picture 3"/>
+          <p:cNvPicPr>
+            <a:picLocks noChangeAspect="1" noChangeArrowheads="1"/>
+          </p:cNvPicPr>
+          <p:nvPr/>
+        </p:nvPicPr>
+        <p:blipFill>
+          <a:blip r:embed="rId3" cstate="print">
+            <a:extLst>
+              <a:ext uri="{28A0092B-C50C-407E-A947-70E740481C1C}">
+                <a14:useLocalDpi xmlns:a14="http://schemas.microsoft.com/office/drawing/2010/main" val="0"/>
+              </a:ext>
+            </a:extLst>
+          </a:blip>
+          <a:srcRect/>
+          <a:stretch>
+            <a:fillRect/>
+          </a:stretch>
+        </p:blipFill>
+        <p:spPr bwMode="auto">
+          <a:xfrm>
+            <a:off x="8879208" y="2680184"/>
+            <a:ext cx="5710087" cy="2427907"/>
+          </a:xfrm>
+          <a:prstGeom prst="rect">
+            <a:avLst/>
+          </a:prstGeom>
+          <a:noFill/>
+          <a:ln>
+            <a:noFill/>
+          </a:ln>
+          <a:extLst>
+            <a:ext uri="{909E8E84-426E-40DD-AFC4-6F175D3DCCD1}">
+              <a14:hiddenFill xmlns:a14="http://schemas.microsoft.com/office/drawing/2010/main">
+                <a:solidFill>
+                  <a:schemeClr val="accent1"/>
+                </a:solidFill>
+              </a14:hiddenFill>
+            </a:ext>
+            <a:ext uri="{91240B29-F687-4F45-9708-019B960494DF}">
+              <a14:hiddenLine xmlns:a14="http://schemas.microsoft.com/office/drawing/2010/main" w="9525">
+                <a:solidFill>
+                  <a:schemeClr val="tx1"/>
+                </a:solidFill>
+                <a:miter lim="800000"/>
+                <a:headEnd/>
+                <a:tailEnd/>
+              </a14:hiddenLine>
+            </a:ext>
+          </a:extLst>
+        </p:spPr>
+      </p:pic>
+      <p:pic>
+        <p:nvPicPr>
+          <p:cNvPr id="1028" name="Picture 4"/>
           <p:cNvPicPr>
             <a:picLocks noChangeAspect="1" noChangeArrowheads="1"/>
           </p:cNvPicPr>
@@ -8138,8 +8204,8 @@
         </p:blipFill>
         <p:spPr bwMode="auto">
           <a:xfrm>
-            <a:off x="390746" y="5415000"/>
-            <a:ext cx="8175958" cy="4978956"/>
+            <a:off x="414438" y="5486407"/>
+            <a:ext cx="8153671" cy="4934538"/>
           </a:xfrm>
           <a:prstGeom prst="rect">
             <a:avLst/>
@@ -8957,6 +9023,22 @@
           <a:lstStyle/>
           <a:p>
             <a:pPr algn="ctr"/>
+            <a:r>
+              <a:rPr lang="ja-JP" altLang="en-US" sz="2716" dirty="0">
+                <a:latin typeface="メイリオ" panose="020B0604030504040204" pitchFamily="50" charset="-128"/>
+                <a:ea typeface="メイリオ" panose="020B0604030504040204" pitchFamily="50" charset="-128"/>
+                <a:cs typeface="メイリオ" panose="020B0604030504040204" pitchFamily="50" charset="-128"/>
+              </a:rPr>
+              <a:t>システム</a:t>
+            </a:r>
+            <a:r>
+              <a:rPr lang="ja-JP" altLang="en-US" sz="2716" dirty="0" smtClean="0">
+                <a:latin typeface="メイリオ" panose="020B0604030504040204" pitchFamily="50" charset="-128"/>
+                <a:ea typeface="メイリオ" panose="020B0604030504040204" pitchFamily="50" charset="-128"/>
+                <a:cs typeface="メイリオ" panose="020B0604030504040204" pitchFamily="50" charset="-128"/>
+              </a:rPr>
+              <a:t>は各パッケージのメイン関数の呼び出しで実行される</a:t>
+            </a:r>
             <a:endParaRPr lang="ja-JP" altLang="en-US" sz="2716" dirty="0">
               <a:latin typeface="メイリオ" panose="020B0604030504040204" pitchFamily="50" charset="-128"/>
               <a:ea typeface="メイリオ" panose="020B0604030504040204" pitchFamily="50" charset="-128"/>
@@ -8973,8 +9055,8 @@
         </p:nvSpPr>
         <p:spPr>
           <a:xfrm>
-            <a:off x="7225456" y="1944758"/>
-            <a:ext cx="7746138" cy="8345654"/>
+            <a:off x="7968136" y="1947572"/>
+            <a:ext cx="7003458" cy="8257477"/>
           </a:xfrm>
           <a:prstGeom prst="rect">
             <a:avLst/>
@@ -9019,7 +9101,7 @@
         </p:nvSpPr>
         <p:spPr>
           <a:xfrm>
-            <a:off x="7225456" y="1947572"/>
+            <a:off x="7968136" y="1942761"/>
             <a:ext cx="2948243" cy="307777"/>
           </a:xfrm>
           <a:prstGeom prst="rect">
@@ -9155,60 +9237,6 @@
           </a:extLst>
         </p:spPr>
       </p:pic>
-      <p:pic>
-        <p:nvPicPr>
-          <p:cNvPr id="2051" name="Picture 3"/>
-          <p:cNvPicPr>
-            <a:picLocks noChangeAspect="1" noChangeArrowheads="1"/>
-          </p:cNvPicPr>
-          <p:nvPr/>
-        </p:nvPicPr>
-        <p:blipFill>
-          <a:blip r:embed="rId3" cstate="print">
-            <a:extLst>
-              <a:ext uri="{28A0092B-C50C-407E-A947-70E740481C1C}">
-                <a14:useLocalDpi xmlns:a14="http://schemas.microsoft.com/office/drawing/2010/main" val="0"/>
-              </a:ext>
-            </a:extLst>
-          </a:blip>
-          <a:srcRect/>
-          <a:stretch>
-            <a:fillRect/>
-          </a:stretch>
-        </p:blipFill>
-        <p:spPr bwMode="auto">
-          <a:xfrm>
-            <a:off x="7383725" y="2902142"/>
-            <a:ext cx="7427446" cy="7251791"/>
-          </a:xfrm>
-          <a:prstGeom prst="rect">
-            <a:avLst/>
-          </a:prstGeom>
-          <a:noFill/>
-          <a:ln>
-            <a:noFill/>
-          </a:ln>
-          <a:extLst>
-            <a:ext uri="{909E8E84-426E-40DD-AFC4-6F175D3DCCD1}">
-              <a14:hiddenFill xmlns:a14="http://schemas.microsoft.com/office/drawing/2010/main">
-                <a:solidFill>
-                  <a:schemeClr val="accent1"/>
-                </a:solidFill>
-              </a14:hiddenFill>
-            </a:ext>
-            <a:ext uri="{91240B29-F687-4F45-9708-019B960494DF}">
-              <a14:hiddenLine xmlns:a14="http://schemas.microsoft.com/office/drawing/2010/main" w="9525">
-                <a:solidFill>
-                  <a:schemeClr val="tx1"/>
-                </a:solidFill>
-                <a:miter lim="800000"/>
-                <a:headEnd/>
-                <a:tailEnd/>
-              </a14:hiddenLine>
-            </a:ext>
-          </a:extLst>
-        </p:spPr>
-      </p:pic>
       <p:sp>
         <p:nvSpPr>
           <p:cNvPr id="18" name="正方形/長方形 17"/>
@@ -9218,7 +9246,7 @@
         <p:spPr>
           <a:xfrm>
             <a:off x="363226" y="1947572"/>
-            <a:ext cx="6757330" cy="7138529"/>
+            <a:ext cx="7478185" cy="8257477"/>
           </a:xfrm>
           <a:prstGeom prst="rect">
             <a:avLst/>
@@ -9264,7 +9292,7 @@
         <p:spPr>
           <a:xfrm>
             <a:off x="363226" y="1947572"/>
-            <a:ext cx="3352200" cy="307777"/>
+            <a:ext cx="2993127" cy="307777"/>
           </a:xfrm>
           <a:prstGeom prst="rect">
             <a:avLst/>
@@ -9310,7 +9338,29 @@
                 <a:ea typeface="メイリオ" panose="020B0604030504040204" pitchFamily="50" charset="-128"/>
                 <a:cs typeface="メイリオ" panose="020B0604030504040204" pitchFamily="50" charset="-128"/>
               </a:rPr>
-              <a:t> 経路探索時の探索子の振る舞い</a:t>
+              <a:t> </a:t>
+            </a:r>
+            <a:r>
+              <a:rPr lang="ja-JP" altLang="en-US" sz="1400" b="1" dirty="0" smtClean="0">
+                <a:solidFill>
+                  <a:schemeClr val="bg1"/>
+                </a:solidFill>
+                <a:latin typeface="メイリオ" panose="020B0604030504040204" pitchFamily="50" charset="-128"/>
+                <a:ea typeface="メイリオ" panose="020B0604030504040204" pitchFamily="50" charset="-128"/>
+                <a:cs typeface="メイリオ" panose="020B0604030504040204" pitchFamily="50" charset="-128"/>
+              </a:rPr>
+              <a:t>システム</a:t>
+            </a:r>
+            <a:r>
+              <a:rPr lang="ja-JP" altLang="en-US" sz="1400" b="1" dirty="0" smtClean="0">
+                <a:solidFill>
+                  <a:schemeClr val="bg1"/>
+                </a:solidFill>
+                <a:latin typeface="メイリオ" panose="020B0604030504040204" pitchFamily="50" charset="-128"/>
+                <a:ea typeface="メイリオ" panose="020B0604030504040204" pitchFamily="50" charset="-128"/>
+                <a:cs typeface="メイリオ" panose="020B0604030504040204" pitchFamily="50" charset="-128"/>
+              </a:rPr>
+              <a:t>全体のシーケンス</a:t>
             </a:r>
             <a:endParaRPr kumimoji="1" lang="ja-JP" altLang="en-US" sz="1400" b="1" dirty="0">
               <a:solidFill>
@@ -9331,8 +9381,8 @@
         </p:nvSpPr>
         <p:spPr>
           <a:xfrm>
-            <a:off x="7377856" y="2459032"/>
-            <a:ext cx="7224929" cy="430887"/>
+            <a:off x="8283630" y="2459031"/>
+            <a:ext cx="6562430" cy="430887"/>
           </a:xfrm>
           <a:prstGeom prst="rect">
             <a:avLst/>
@@ -9410,7 +9460,7 @@
         <p:spPr>
           <a:xfrm>
             <a:off x="425618" y="2328227"/>
-            <a:ext cx="6632545" cy="261610"/>
+            <a:ext cx="7258072" cy="600164"/>
           </a:xfrm>
           <a:prstGeom prst="rect">
             <a:avLst/>
@@ -9429,23 +9479,116 @@
                 <a:ea typeface="メイリオ" panose="020B0604030504040204" pitchFamily="50" charset="-128"/>
                 <a:cs typeface="メイリオ" panose="020B0604030504040204" pitchFamily="50" charset="-128"/>
               </a:rPr>
-              <a:t>分析</a:t>
+              <a:t>プログラム開始時に、</a:t>
+            </a:r>
+            <a:r>
+              <a:rPr lang="en-US" altLang="ja-JP" sz="1100" b="1" dirty="0" smtClean="0">
+                <a:solidFill>
+                  <a:srgbClr val="D24726"/>
+                </a:solidFill>
+                <a:latin typeface="メイリオ" panose="020B0604030504040204" pitchFamily="50" charset="-128"/>
+                <a:ea typeface="メイリオ" panose="020B0604030504040204" pitchFamily="50" charset="-128"/>
+                <a:cs typeface="メイリオ" panose="020B0604030504040204" pitchFamily="50" charset="-128"/>
+              </a:rPr>
+              <a:t>4.1</a:t>
+            </a:r>
+            <a:r>
+              <a:rPr lang="ja-JP" altLang="en-US" sz="1100" dirty="0" smtClean="0">
+                <a:latin typeface="メイリオ" panose="020B0604030504040204" pitchFamily="50" charset="-128"/>
+                <a:ea typeface="メイリオ" panose="020B0604030504040204" pitchFamily="50" charset="-128"/>
+                <a:cs typeface="メイリオ" panose="020B0604030504040204" pitchFamily="50" charset="-128"/>
+              </a:rPr>
+              <a:t> で示した階層の下から上の順に全パッケージのルートが作成される。全パッケージのルートを作成後、全体制御のメインループで、</a:t>
             </a:r>
             <a:r>
               <a:rPr lang="en-US" altLang="ja-JP" sz="1100" dirty="0" smtClean="0">
-                <a:latin typeface="メイリオ" panose="020B0604030504040204" pitchFamily="50" charset="-128"/>
-                <a:ea typeface="メイリオ" panose="020B0604030504040204" pitchFamily="50" charset="-128"/>
-                <a:cs typeface="メイリオ" panose="020B0604030504040204" pitchFamily="50" charset="-128"/>
-              </a:rPr>
-              <a:t>2-3.</a:t>
+                <a:solidFill>
+                  <a:srgbClr val="0000FF"/>
+                </a:solidFill>
+                <a:latin typeface="メイリオ" panose="020B0604030504040204" pitchFamily="50" charset="-128"/>
+                <a:ea typeface="メイリオ" panose="020B0604030504040204" pitchFamily="50" charset="-128"/>
+                <a:cs typeface="メイリオ" panose="020B0604030504040204" pitchFamily="50" charset="-128"/>
+              </a:rPr>
+              <a:t>R</a:t>
             </a:r>
             <a:r>
               <a:rPr lang="ja-JP" altLang="en-US" sz="1100" dirty="0" smtClean="0">
-                <a:latin typeface="メイリオ" panose="020B0604030504040204" pitchFamily="50" charset="-128"/>
-                <a:ea typeface="メイリオ" panose="020B0604030504040204" pitchFamily="50" charset="-128"/>
-                <a:cs typeface="メイリオ" panose="020B0604030504040204" pitchFamily="50" charset="-128"/>
-              </a:rPr>
-              <a:t>で検討した抽象マップ上を移動し、目的地への経路を探索する探索子の振る舞いを記述する。</a:t>
+                <a:solidFill>
+                  <a:srgbClr val="0000FF"/>
+                </a:solidFill>
+                <a:latin typeface="メイリオ" panose="020B0604030504040204" pitchFamily="50" charset="-128"/>
+                <a:ea typeface="メイリオ" panose="020B0604030504040204" pitchFamily="50" charset="-128"/>
+                <a:cs typeface="メイリオ" panose="020B0604030504040204" pitchFamily="50" charset="-128"/>
+              </a:rPr>
+              <a:t>ゲーム攻略ルート</a:t>
+            </a:r>
+            <a:r>
+              <a:rPr lang="ja-JP" altLang="en-US" sz="1100" dirty="0" smtClean="0">
+                <a:latin typeface="メイリオ" panose="020B0604030504040204" pitchFamily="50" charset="-128"/>
+                <a:ea typeface="メイリオ" panose="020B0604030504040204" pitchFamily="50" charset="-128"/>
+                <a:cs typeface="メイリオ" panose="020B0604030504040204" pitchFamily="50" charset="-128"/>
+              </a:rPr>
+              <a:t>、</a:t>
+            </a:r>
+            <a:r>
+              <a:rPr lang="ja-JP" altLang="en-US" sz="1100" dirty="0" smtClean="0">
+                <a:solidFill>
+                  <a:srgbClr val="0000FF"/>
+                </a:solidFill>
+                <a:latin typeface="メイリオ" panose="020B0604030504040204" pitchFamily="50" charset="-128"/>
+                <a:ea typeface="メイリオ" panose="020B0604030504040204" pitchFamily="50" charset="-128"/>
+                <a:cs typeface="メイリオ" panose="020B0604030504040204" pitchFamily="50" charset="-128"/>
+              </a:rPr>
+              <a:t>走行エリア攻略</a:t>
+            </a:r>
+            <a:r>
+              <a:rPr lang="ja-JP" altLang="en-US" sz="1100" dirty="0">
+                <a:solidFill>
+                  <a:srgbClr val="0000FF"/>
+                </a:solidFill>
+                <a:latin typeface="メイリオ" panose="020B0604030504040204" pitchFamily="50" charset="-128"/>
+                <a:ea typeface="メイリオ" panose="020B0604030504040204" pitchFamily="50" charset="-128"/>
+                <a:cs typeface="メイリオ" panose="020B0604030504040204" pitchFamily="50" charset="-128"/>
+              </a:rPr>
+              <a:t>ルート</a:t>
+            </a:r>
+            <a:r>
+              <a:rPr lang="ja-JP" altLang="en-US" sz="1100" dirty="0" smtClean="0">
+                <a:latin typeface="メイリオ" panose="020B0604030504040204" pitchFamily="50" charset="-128"/>
+                <a:ea typeface="メイリオ" panose="020B0604030504040204" pitchFamily="50" charset="-128"/>
+                <a:cs typeface="メイリオ" panose="020B0604030504040204" pitchFamily="50" charset="-128"/>
+              </a:rPr>
+              <a:t>、</a:t>
+            </a:r>
+            <a:r>
+              <a:rPr lang="ja-JP" altLang="en-US" sz="1100" dirty="0" smtClean="0">
+                <a:solidFill>
+                  <a:srgbClr val="0000FF"/>
+                </a:solidFill>
+                <a:latin typeface="メイリオ" panose="020B0604030504040204" pitchFamily="50" charset="-128"/>
+                <a:ea typeface="メイリオ" panose="020B0604030504040204" pitchFamily="50" charset="-128"/>
+                <a:cs typeface="メイリオ" panose="020B0604030504040204" pitchFamily="50" charset="-128"/>
+              </a:rPr>
+              <a:t>攻略手順実行</a:t>
+            </a:r>
+            <a:r>
+              <a:rPr lang="ja-JP" altLang="en-US" sz="1100" dirty="0">
+                <a:solidFill>
+                  <a:srgbClr val="0000FF"/>
+                </a:solidFill>
+                <a:latin typeface="メイリオ" panose="020B0604030504040204" pitchFamily="50" charset="-128"/>
+                <a:ea typeface="メイリオ" panose="020B0604030504040204" pitchFamily="50" charset="-128"/>
+                <a:cs typeface="メイリオ" panose="020B0604030504040204" pitchFamily="50" charset="-128"/>
+              </a:rPr>
+              <a:t>ルート</a:t>
+            </a:r>
+            <a:r>
+              <a:rPr lang="ja-JP" altLang="en-US" sz="1100" dirty="0" smtClean="0">
+                <a:latin typeface="メイリオ" panose="020B0604030504040204" pitchFamily="50" charset="-128"/>
+                <a:ea typeface="メイリオ" panose="020B0604030504040204" pitchFamily="50" charset="-128"/>
+                <a:cs typeface="メイリオ" panose="020B0604030504040204" pitchFamily="50" charset="-128"/>
+              </a:rPr>
+              <a:t>の実行関数が呼びだされる。</a:t>
             </a:r>
             <a:endParaRPr lang="en-US" altLang="ja-JP" sz="1100" dirty="0" smtClean="0">
               <a:latin typeface="メイリオ" panose="020B0604030504040204" pitchFamily="50" charset="-128"/>
@@ -9455,6 +9598,114 @@
           </a:p>
         </p:txBody>
       </p:sp>
+      <p:pic>
+        <p:nvPicPr>
+          <p:cNvPr id="2" name="Picture 2"/>
+          <p:cNvPicPr>
+            <a:picLocks noChangeAspect="1" noChangeArrowheads="1"/>
+          </p:cNvPicPr>
+          <p:nvPr/>
+        </p:nvPicPr>
+        <p:blipFill>
+          <a:blip r:embed="rId3" cstate="print">
+            <a:extLst>
+              <a:ext uri="{28A0092B-C50C-407E-A947-70E740481C1C}">
+                <a14:useLocalDpi xmlns:a14="http://schemas.microsoft.com/office/drawing/2010/main" val="0"/>
+              </a:ext>
+            </a:extLst>
+          </a:blip>
+          <a:srcRect/>
+          <a:stretch>
+            <a:fillRect/>
+          </a:stretch>
+        </p:blipFill>
+        <p:spPr bwMode="auto">
+          <a:xfrm>
+            <a:off x="533332" y="3369328"/>
+            <a:ext cx="7255033" cy="5973080"/>
+          </a:xfrm>
+          <a:prstGeom prst="rect">
+            <a:avLst/>
+          </a:prstGeom>
+          <a:noFill/>
+          <a:ln>
+            <a:noFill/>
+          </a:ln>
+          <a:extLst>
+            <a:ext uri="{909E8E84-426E-40DD-AFC4-6F175D3DCCD1}">
+              <a14:hiddenFill xmlns:a14="http://schemas.microsoft.com/office/drawing/2010/main">
+                <a:solidFill>
+                  <a:schemeClr val="accent1"/>
+                </a:solidFill>
+              </a14:hiddenFill>
+            </a:ext>
+            <a:ext uri="{91240B29-F687-4F45-9708-019B960494DF}">
+              <a14:hiddenLine xmlns:a14="http://schemas.microsoft.com/office/drawing/2010/main" w="9525">
+                <a:solidFill>
+                  <a:schemeClr val="tx1"/>
+                </a:solidFill>
+                <a:miter lim="800000"/>
+                <a:headEnd/>
+                <a:tailEnd/>
+              </a14:hiddenLine>
+            </a:ext>
+          </a:extLst>
+        </p:spPr>
+      </p:pic>
+      <p:pic>
+        <p:nvPicPr>
+          <p:cNvPr id="3" name="Picture 3"/>
+          <p:cNvPicPr>
+            <a:picLocks noChangeAspect="1" noChangeArrowheads="1"/>
+          </p:cNvPicPr>
+          <p:nvPr/>
+        </p:nvPicPr>
+        <p:blipFill>
+          <a:blip r:embed="rId4" cstate="print">
+            <a:extLst>
+              <a:ext uri="{28A0092B-C50C-407E-A947-70E740481C1C}">
+                <a14:useLocalDpi xmlns:a14="http://schemas.microsoft.com/office/drawing/2010/main" val="0"/>
+              </a:ext>
+            </a:extLst>
+          </a:blip>
+          <a:srcRect/>
+          <a:stretch>
+            <a:fillRect/>
+          </a:stretch>
+        </p:blipFill>
+        <p:spPr bwMode="auto">
+          <a:xfrm>
+            <a:off x="8093775" y="2928391"/>
+            <a:ext cx="6823225" cy="6676509"/>
+          </a:xfrm>
+          <a:prstGeom prst="rect">
+            <a:avLst/>
+          </a:prstGeom>
+          <a:noFill/>
+          <a:ln>
+            <a:noFill/>
+          </a:ln>
+          <a:extLst>
+            <a:ext uri="{909E8E84-426E-40DD-AFC4-6F175D3DCCD1}">
+              <a14:hiddenFill xmlns:a14="http://schemas.microsoft.com/office/drawing/2010/main">
+                <a:solidFill>
+                  <a:schemeClr val="accent1"/>
+                </a:solidFill>
+              </a14:hiddenFill>
+            </a:ext>
+            <a:ext uri="{91240B29-F687-4F45-9708-019B960494DF}">
+              <a14:hiddenLine xmlns:a14="http://schemas.microsoft.com/office/drawing/2010/main" w="9525">
+                <a:solidFill>
+                  <a:schemeClr val="tx1"/>
+                </a:solidFill>
+                <a:miter lim="800000"/>
+                <a:headEnd/>
+                <a:tailEnd/>
+              </a14:hiddenLine>
+            </a:ext>
+          </a:extLst>
+        </p:spPr>
+      </p:pic>
     </p:spTree>
     <p:extLst>
       <p:ext uri="{BB962C8B-B14F-4D97-AF65-F5344CB8AC3E}">
@@ -9730,7 +9981,7 @@
   <a:extraClrSchemeLst/>
   <a:extLst>
     <a:ext uri="{05A4C25C-085E-4340-85A3-A5531E510DB2}">
-      <thm15:themeFamily xmlns:thm15="http://schemas.microsoft.com/office/thememl/2012/main" xmlns="" name="Office Theme" id="{62F939B6-93AF-4DB8-9C6B-D6C7DFDC589F}" vid="{4A3C46E8-61CC-4603-A589-7422A47A8E4A}"/>
+      <thm15:themeFamily xmlns="" xmlns:thm15="http://schemas.microsoft.com/office/thememl/2012/main" name="Office Theme" id="{62F939B6-93AF-4DB8-9C6B-D6C7DFDC589F}" vid="{4A3C46E8-61CC-4603-A589-7422A47A8E4A}"/>
     </a:ext>
   </a:extLst>
 </a:theme>
@@ -9991,7 +10242,7 @@
   <a:extraClrSchemeLst/>
   <a:extLst>
     <a:ext uri="{05A4C25C-085E-4340-85A3-A5531E510DB2}">
-      <thm15:themeFamily xmlns:thm15="http://schemas.microsoft.com/office/thememl/2012/main" xmlns="" name="Office Theme" id="{62F939B6-93AF-4DB8-9C6B-D6C7DFDC589F}" vid="{4A3C46E8-61CC-4603-A589-7422A47A8E4A}"/>
+      <thm15:themeFamily xmlns="" xmlns:thm15="http://schemas.microsoft.com/office/thememl/2012/main" name="Office Theme" id="{62F939B6-93AF-4DB8-9C6B-D6C7DFDC589F}" vid="{4A3C46E8-61CC-4603-A589-7422A47A8E4A}"/>
     </a:ext>
   </a:extLst>
 </a:theme>

--- a/design/2016/models/4_design_model.pptx
+++ b/design/2016/models/4_design_model.pptx
@@ -110,7 +110,18 @@
   </p:defaultTextStyle>
   <p:extLst>
     <p:ext uri="{EFAFB233-063F-42B5-8137-9DF3F51BA10A}">
-      <p15:sldGuideLst xmlns="" xmlns:p15="http://schemas.microsoft.com/office/powerpoint/2012/main"/>
+      <p15:sldGuideLst xmlns:p15="http://schemas.microsoft.com/office/powerpoint/2012/main">
+        <p15:guide id="1" orient="horz" pos="3367">
+          <p15:clr>
+            <a:srgbClr val="A4A3A4"/>
+          </p15:clr>
+        </p15:guide>
+        <p15:guide id="2" pos="4762">
+          <p15:clr>
+            <a:srgbClr val="A4A3A4"/>
+          </p15:clr>
+        </p15:guide>
+      </p15:sldGuideLst>
     </p:ext>
   </p:extLst>
 </p:presentation>
@@ -3683,6 +3694,66 @@
           <a:chExt cx="0" cy="0"/>
         </a:xfrm>
       </p:grpSpPr>
+      <p:pic>
+        <p:nvPicPr>
+          <p:cNvPr id="25" name="図 24"/>
+          <p:cNvPicPr>
+            <a:picLocks noChangeAspect="1"/>
+          </p:cNvPicPr>
+          <p:nvPr/>
+        </p:nvPicPr>
+        <p:blipFill>
+          <a:blip r:embed="rId2">
+            <a:extLst>
+              <a:ext uri="{28A0092B-C50C-407E-A947-70E740481C1C}">
+                <a14:useLocalDpi xmlns:a14="http://schemas.microsoft.com/office/drawing/2010/main" val="0"/>
+              </a:ext>
+            </a:extLst>
+          </a:blip>
+          <a:stretch>
+            <a:fillRect/>
+          </a:stretch>
+        </p:blipFill>
+        <p:spPr>
+          <a:xfrm>
+            <a:off x="8790643" y="6105565"/>
+            <a:ext cx="5957007" cy="4225591"/>
+          </a:xfrm>
+          <a:prstGeom prst="rect">
+            <a:avLst/>
+          </a:prstGeom>
+        </p:spPr>
+      </p:pic>
+      <p:pic>
+        <p:nvPicPr>
+          <p:cNvPr id="13" name="図 12"/>
+          <p:cNvPicPr>
+            <a:picLocks noChangeAspect="1"/>
+          </p:cNvPicPr>
+          <p:nvPr/>
+        </p:nvPicPr>
+        <p:blipFill>
+          <a:blip r:embed="rId3">
+            <a:extLst>
+              <a:ext uri="{28A0092B-C50C-407E-A947-70E740481C1C}">
+                <a14:useLocalDpi xmlns:a14="http://schemas.microsoft.com/office/drawing/2010/main" val="0"/>
+              </a:ext>
+            </a:extLst>
+          </a:blip>
+          <a:stretch>
+            <a:fillRect/>
+          </a:stretch>
+        </p:blipFill>
+        <p:spPr>
+          <a:xfrm>
+            <a:off x="519915" y="5554070"/>
+            <a:ext cx="7946499" cy="4766142"/>
+          </a:xfrm>
+          <a:prstGeom prst="rect">
+            <a:avLst/>
+          </a:prstGeom>
+        </p:spPr>
+      </p:pic>
       <p:sp>
         <p:nvSpPr>
           <p:cNvPr id="6" name="角丸四角形 5"/>
@@ -7250,15 +7321,7 @@
                 <a:ea typeface="メイリオ" panose="020B0604030504040204" pitchFamily="50" charset="-128"/>
                 <a:cs typeface="メイリオ" panose="020B0604030504040204" pitchFamily="50" charset="-128"/>
               </a:rPr>
-              <a:t>または走行エリア</a:t>
-            </a:r>
-            <a:r>
-              <a:rPr lang="ja-JP" altLang="en-US" sz="1100" dirty="0" smtClean="0">
-                <a:latin typeface="メイリオ" panose="020B0604030504040204" pitchFamily="50" charset="-128"/>
-                <a:ea typeface="メイリオ" panose="020B0604030504040204" pitchFamily="50" charset="-128"/>
-                <a:cs typeface="メイリオ" panose="020B0604030504040204" pitchFamily="50" charset="-128"/>
-              </a:rPr>
-              <a:t>攻略および攻略手順実行パッケージのルートの実行関数が呼び出される。</a:t>
+              <a:t>または走行エリア攻略および攻略手順実行パッケージのルートの実行関数が呼び出される。</a:t>
             </a:r>
             <a:endParaRPr kumimoji="1" lang="ja-JP" altLang="en-US" sz="1100" dirty="0">
               <a:latin typeface="メイリオ" panose="020B0604030504040204" pitchFamily="50" charset="-128"/>
@@ -7736,60 +7799,6 @@
           </a:p>
         </p:txBody>
       </p:sp>
-      <p:pic>
-        <p:nvPicPr>
-          <p:cNvPr id="1029" name="Picture 5"/>
-          <p:cNvPicPr>
-            <a:picLocks noChangeAspect="1" noChangeArrowheads="1"/>
-          </p:cNvPicPr>
-          <p:nvPr/>
-        </p:nvPicPr>
-        <p:blipFill>
-          <a:blip r:embed="rId2" cstate="print">
-            <a:extLst>
-              <a:ext uri="{28A0092B-C50C-407E-A947-70E740481C1C}">
-                <a14:useLocalDpi xmlns:a14="http://schemas.microsoft.com/office/drawing/2010/main" val="0"/>
-              </a:ext>
-            </a:extLst>
-          </a:blip>
-          <a:srcRect/>
-          <a:stretch>
-            <a:fillRect/>
-          </a:stretch>
-        </p:blipFill>
-        <p:spPr bwMode="auto">
-          <a:xfrm>
-            <a:off x="8791370" y="6221050"/>
-            <a:ext cx="5893566" cy="4210799"/>
-          </a:xfrm>
-          <a:prstGeom prst="rect">
-            <a:avLst/>
-          </a:prstGeom>
-          <a:noFill/>
-          <a:ln>
-            <a:noFill/>
-          </a:ln>
-          <a:extLst>
-            <a:ext uri="{909E8E84-426E-40DD-AFC4-6F175D3DCCD1}">
-              <a14:hiddenFill xmlns:a14="http://schemas.microsoft.com/office/drawing/2010/main">
-                <a:solidFill>
-                  <a:schemeClr val="accent1"/>
-                </a:solidFill>
-              </a14:hiddenFill>
-            </a:ext>
-            <a:ext uri="{91240B29-F687-4F45-9708-019B960494DF}">
-              <a14:hiddenLine xmlns:a14="http://schemas.microsoft.com/office/drawing/2010/main" w="9525">
-                <a:solidFill>
-                  <a:schemeClr val="tx1"/>
-                </a:solidFill>
-                <a:miter lim="800000"/>
-                <a:headEnd/>
-                <a:tailEnd/>
-              </a14:hiddenLine>
-            </a:ext>
-          </a:extLst>
-        </p:spPr>
-      </p:pic>
       <p:sp>
         <p:nvSpPr>
           <p:cNvPr id="59" name="テキスト ボックス 58"/>
@@ -8062,7 +8071,15 @@
                 <a:ea typeface="メイリオ" panose="020B0604030504040204" pitchFamily="50" charset="-128"/>
                 <a:cs typeface="メイリオ" panose="020B0604030504040204" pitchFamily="50" charset="-128"/>
               </a:rPr>
-              <a:t>の機能で、他のパッケージからユーティリティ的に使用さ</a:t>
+              <a:t>機能</a:t>
+            </a:r>
+            <a:r>
+              <a:rPr lang="ja-JP" altLang="en-US" sz="1100" dirty="0" smtClean="0">
+                <a:latin typeface="メイリオ" panose="020B0604030504040204" pitchFamily="50" charset="-128"/>
+                <a:ea typeface="メイリオ" panose="020B0604030504040204" pitchFamily="50" charset="-128"/>
+                <a:cs typeface="メイリオ" panose="020B0604030504040204" pitchFamily="50" charset="-128"/>
+              </a:rPr>
+              <a:t>で、他のパッケージからユーティリティ的に使用さ</a:t>
             </a:r>
             <a:endParaRPr lang="en-US" altLang="ja-JP" sz="1100" dirty="0" smtClean="0">
               <a:latin typeface="メイリオ" panose="020B0604030504040204" pitchFamily="50" charset="-128"/>
@@ -8136,7 +8153,7 @@
           <p:nvPr/>
         </p:nvPicPr>
         <p:blipFill>
-          <a:blip r:embed="rId3" cstate="print">
+          <a:blip r:embed="rId4" cstate="print">
             <a:extLst>
               <a:ext uri="{28A0092B-C50C-407E-A947-70E740481C1C}">
                 <a14:useLocalDpi xmlns:a14="http://schemas.microsoft.com/office/drawing/2010/main" val="0"/>
@@ -8152,60 +8169,6 @@
           <a:xfrm>
             <a:off x="8879208" y="2680184"/>
             <a:ext cx="5710087" cy="2427907"/>
-          </a:xfrm>
-          <a:prstGeom prst="rect">
-            <a:avLst/>
-          </a:prstGeom>
-          <a:noFill/>
-          <a:ln>
-            <a:noFill/>
-          </a:ln>
-          <a:extLst>
-            <a:ext uri="{909E8E84-426E-40DD-AFC4-6F175D3DCCD1}">
-              <a14:hiddenFill xmlns:a14="http://schemas.microsoft.com/office/drawing/2010/main">
-                <a:solidFill>
-                  <a:schemeClr val="accent1"/>
-                </a:solidFill>
-              </a14:hiddenFill>
-            </a:ext>
-            <a:ext uri="{91240B29-F687-4F45-9708-019B960494DF}">
-              <a14:hiddenLine xmlns:a14="http://schemas.microsoft.com/office/drawing/2010/main" w="9525">
-                <a:solidFill>
-                  <a:schemeClr val="tx1"/>
-                </a:solidFill>
-                <a:miter lim="800000"/>
-                <a:headEnd/>
-                <a:tailEnd/>
-              </a14:hiddenLine>
-            </a:ext>
-          </a:extLst>
-        </p:spPr>
-      </p:pic>
-      <p:pic>
-        <p:nvPicPr>
-          <p:cNvPr id="1028" name="Picture 4"/>
-          <p:cNvPicPr>
-            <a:picLocks noChangeAspect="1" noChangeArrowheads="1"/>
-          </p:cNvPicPr>
-          <p:nvPr/>
-        </p:nvPicPr>
-        <p:blipFill>
-          <a:blip r:embed="rId4" cstate="print">
-            <a:extLst>
-              <a:ext uri="{28A0092B-C50C-407E-A947-70E740481C1C}">
-                <a14:useLocalDpi xmlns:a14="http://schemas.microsoft.com/office/drawing/2010/main" val="0"/>
-              </a:ext>
-            </a:extLst>
-          </a:blip>
-          <a:srcRect/>
-          <a:stretch>
-            <a:fillRect/>
-          </a:stretch>
-        </p:blipFill>
-        <p:spPr bwMode="auto">
-          <a:xfrm>
-            <a:off x="414438" y="5486407"/>
-            <a:ext cx="8153671" cy="4934538"/>
           </a:xfrm>
           <a:prstGeom prst="rect">
             <a:avLst/>
@@ -9338,29 +9301,7 @@
                 <a:ea typeface="メイリオ" panose="020B0604030504040204" pitchFamily="50" charset="-128"/>
                 <a:cs typeface="メイリオ" panose="020B0604030504040204" pitchFamily="50" charset="-128"/>
               </a:rPr>
-              <a:t> </a:t>
-            </a:r>
-            <a:r>
-              <a:rPr lang="ja-JP" altLang="en-US" sz="1400" b="1" dirty="0" smtClean="0">
-                <a:solidFill>
-                  <a:schemeClr val="bg1"/>
-                </a:solidFill>
-                <a:latin typeface="メイリオ" panose="020B0604030504040204" pitchFamily="50" charset="-128"/>
-                <a:ea typeface="メイリオ" panose="020B0604030504040204" pitchFamily="50" charset="-128"/>
-                <a:cs typeface="メイリオ" panose="020B0604030504040204" pitchFamily="50" charset="-128"/>
-              </a:rPr>
-              <a:t>システム</a:t>
-            </a:r>
-            <a:r>
-              <a:rPr lang="ja-JP" altLang="en-US" sz="1400" b="1" dirty="0" smtClean="0">
-                <a:solidFill>
-                  <a:schemeClr val="bg1"/>
-                </a:solidFill>
-                <a:latin typeface="メイリオ" panose="020B0604030504040204" pitchFamily="50" charset="-128"/>
-                <a:ea typeface="メイリオ" panose="020B0604030504040204" pitchFamily="50" charset="-128"/>
-                <a:cs typeface="メイリオ" panose="020B0604030504040204" pitchFamily="50" charset="-128"/>
-              </a:rPr>
-              <a:t>全体のシーケンス</a:t>
+              <a:t> システム全体のシーケンス</a:t>
             </a:r>
             <a:endParaRPr kumimoji="1" lang="ja-JP" altLang="en-US" sz="1400" b="1" dirty="0">
               <a:solidFill>
@@ -9981,7 +9922,7 @@
   <a:extraClrSchemeLst/>
   <a:extLst>
     <a:ext uri="{05A4C25C-085E-4340-85A3-A5531E510DB2}">
-      <thm15:themeFamily xmlns="" xmlns:thm15="http://schemas.microsoft.com/office/thememl/2012/main" name="Office Theme" id="{62F939B6-93AF-4DB8-9C6B-D6C7DFDC589F}" vid="{4A3C46E8-61CC-4603-A589-7422A47A8E4A}"/>
+      <thm15:themeFamily xmlns:thm15="http://schemas.microsoft.com/office/thememl/2012/main" name="Office Theme" id="{62F939B6-93AF-4DB8-9C6B-D6C7DFDC589F}" vid="{4A3C46E8-61CC-4603-A589-7422A47A8E4A}"/>
     </a:ext>
   </a:extLst>
 </a:theme>
@@ -10242,7 +10183,7 @@
   <a:extraClrSchemeLst/>
   <a:extLst>
     <a:ext uri="{05A4C25C-085E-4340-85A3-A5531E510DB2}">
-      <thm15:themeFamily xmlns="" xmlns:thm15="http://schemas.microsoft.com/office/thememl/2012/main" name="Office Theme" id="{62F939B6-93AF-4DB8-9C6B-D6C7DFDC589F}" vid="{4A3C46E8-61CC-4603-A589-7422A47A8E4A}"/>
+      <thm15:themeFamily xmlns:thm15="http://schemas.microsoft.com/office/thememl/2012/main" name="Office Theme" id="{62F939B6-93AF-4DB8-9C6B-D6C7DFDC589F}" vid="{4A3C46E8-61CC-4603-A589-7422A47A8E4A}"/>
     </a:ext>
   </a:extLst>
 </a:theme>

--- a/design/2016/models/4_design_model.pptx
+++ b/design/2016/models/4_design_model.pptx
@@ -110,7 +110,18 @@
   </p:defaultTextStyle>
   <p:extLst>
     <p:ext uri="{EFAFB233-063F-42B5-8137-9DF3F51BA10A}">
-      <p15:sldGuideLst xmlns:p15="http://schemas.microsoft.com/office/powerpoint/2012/main"/>
+      <p15:sldGuideLst xmlns:p15="http://schemas.microsoft.com/office/powerpoint/2012/main">
+        <p15:guide id="1" orient="horz" pos="3367">
+          <p15:clr>
+            <a:srgbClr val="A4A3A4"/>
+          </p15:clr>
+        </p15:guide>
+        <p15:guide id="2" pos="4762">
+          <p15:clr>
+            <a:srgbClr val="A4A3A4"/>
+          </p15:clr>
+        </p15:guide>
+      </p15:sldGuideLst>
     </p:ext>
   </p:extLst>
 </p:presentation>
@@ -198,7 +209,7 @@
           <a:p>
             <a:fld id="{729140AA-5DCF-4644-846F-5EE03622738A}" type="datetimeFigureOut">
               <a:rPr kumimoji="1" lang="ja-JP" altLang="en-US" smtClean="0"/>
-              <a:t>2016/8/15</a:t>
+              <a:t>2016/8/18</a:t>
             </a:fld>
             <a:endParaRPr kumimoji="1" lang="ja-JP" altLang="en-US"/>
           </a:p>
@@ -629,7 +640,7 @@
           <a:p>
             <a:fld id="{D72B48E1-50D5-40B7-9AA4-D680720A3CD4}" type="datetimeFigureOut">
               <a:rPr kumimoji="1" lang="ja-JP" altLang="en-US" smtClean="0"/>
-              <a:t>2016/8/15</a:t>
+              <a:t>2016/8/18</a:t>
             </a:fld>
             <a:endParaRPr kumimoji="1" lang="ja-JP" altLang="en-US"/>
           </a:p>
@@ -831,7 +842,7 @@
           <a:p>
             <a:fld id="{D72B48E1-50D5-40B7-9AA4-D680720A3CD4}" type="datetimeFigureOut">
               <a:rPr kumimoji="1" lang="ja-JP" altLang="en-US" smtClean="0"/>
-              <a:t>2016/8/15</a:t>
+              <a:t>2016/8/18</a:t>
             </a:fld>
             <a:endParaRPr kumimoji="1" lang="ja-JP" altLang="en-US"/>
           </a:p>
@@ -1043,7 +1054,7 @@
           <a:p>
             <a:fld id="{D72B48E1-50D5-40B7-9AA4-D680720A3CD4}" type="datetimeFigureOut">
               <a:rPr kumimoji="1" lang="ja-JP" altLang="en-US" smtClean="0"/>
-              <a:t>2016/8/15</a:t>
+              <a:t>2016/8/18</a:t>
             </a:fld>
             <a:endParaRPr kumimoji="1" lang="ja-JP" altLang="en-US"/>
           </a:p>
@@ -1282,7 +1293,7 @@
           <a:p>
             <a:fld id="{D72B48E1-50D5-40B7-9AA4-D680720A3CD4}" type="datetimeFigureOut">
               <a:rPr kumimoji="1" lang="ja-JP" altLang="en-US" smtClean="0"/>
-              <a:t>2016/8/15</a:t>
+              <a:t>2016/8/18</a:t>
             </a:fld>
             <a:endParaRPr kumimoji="1" lang="ja-JP" altLang="en-US"/>
           </a:p>
@@ -1526,7 +1537,7 @@
           <a:p>
             <a:fld id="{D72B48E1-50D5-40B7-9AA4-D680720A3CD4}" type="datetimeFigureOut">
               <a:rPr kumimoji="1" lang="ja-JP" altLang="en-US" smtClean="0"/>
-              <a:t>2016/8/15</a:t>
+              <a:t>2016/8/18</a:t>
             </a:fld>
             <a:endParaRPr kumimoji="1" lang="ja-JP" altLang="en-US"/>
           </a:p>
@@ -1822,7 +1833,7 @@
           <a:p>
             <a:fld id="{D72B48E1-50D5-40B7-9AA4-D680720A3CD4}" type="datetimeFigureOut">
               <a:rPr kumimoji="1" lang="ja-JP" altLang="en-US" smtClean="0"/>
-              <a:t>2016/8/15</a:t>
+              <a:t>2016/8/18</a:t>
             </a:fld>
             <a:endParaRPr kumimoji="1" lang="ja-JP" altLang="en-US"/>
           </a:p>
@@ -2253,7 +2264,7 @@
           <a:p>
             <a:fld id="{D72B48E1-50D5-40B7-9AA4-D680720A3CD4}" type="datetimeFigureOut">
               <a:rPr kumimoji="1" lang="ja-JP" altLang="en-US" smtClean="0"/>
-              <a:t>2016/8/15</a:t>
+              <a:t>2016/8/18</a:t>
             </a:fld>
             <a:endParaRPr kumimoji="1" lang="ja-JP" altLang="en-US"/>
           </a:p>
@@ -2371,7 +2382,7 @@
           <a:p>
             <a:fld id="{D72B48E1-50D5-40B7-9AA4-D680720A3CD4}" type="datetimeFigureOut">
               <a:rPr kumimoji="1" lang="ja-JP" altLang="en-US" smtClean="0"/>
-              <a:t>2016/8/15</a:t>
+              <a:t>2016/8/18</a:t>
             </a:fld>
             <a:endParaRPr kumimoji="1" lang="ja-JP" altLang="en-US"/>
           </a:p>
@@ -2466,7 +2477,7 @@
           <a:p>
             <a:fld id="{D72B48E1-50D5-40B7-9AA4-D680720A3CD4}" type="datetimeFigureOut">
               <a:rPr kumimoji="1" lang="ja-JP" altLang="en-US" smtClean="0"/>
-              <a:t>2016/8/15</a:t>
+              <a:t>2016/8/18</a:t>
             </a:fld>
             <a:endParaRPr kumimoji="1" lang="ja-JP" altLang="en-US"/>
           </a:p>
@@ -2775,7 +2786,7 @@
           <a:p>
             <a:fld id="{D72B48E1-50D5-40B7-9AA4-D680720A3CD4}" type="datetimeFigureOut">
               <a:rPr kumimoji="1" lang="ja-JP" altLang="en-US" smtClean="0"/>
-              <a:t>2016/8/15</a:t>
+              <a:t>2016/8/18</a:t>
             </a:fld>
             <a:endParaRPr kumimoji="1" lang="ja-JP" altLang="en-US"/>
           </a:p>
@@ -3032,7 +3043,7 @@
           <a:p>
             <a:fld id="{D72B48E1-50D5-40B7-9AA4-D680720A3CD4}" type="datetimeFigureOut">
               <a:rPr kumimoji="1" lang="ja-JP" altLang="en-US" smtClean="0"/>
-              <a:t>2016/8/15</a:t>
+              <a:t>2016/8/18</a:t>
             </a:fld>
             <a:endParaRPr kumimoji="1" lang="ja-JP" altLang="en-US"/>
           </a:p>
@@ -3277,7 +3288,7 @@
           <a:p>
             <a:fld id="{D72B48E1-50D5-40B7-9AA4-D680720A3CD4}" type="datetimeFigureOut">
               <a:rPr kumimoji="1" lang="ja-JP" altLang="en-US" smtClean="0"/>
-              <a:t>2016/8/15</a:t>
+              <a:t>2016/8/18</a:t>
             </a:fld>
             <a:endParaRPr kumimoji="1" lang="ja-JP" altLang="en-US"/>
           </a:p>
@@ -4083,7 +4094,7 @@
               <a:t>設計</a:t>
             </a:r>
             <a:r>
-              <a:rPr lang="en-US" altLang="ja-JP" sz="2000" dirty="0">
+              <a:rPr lang="en-US" altLang="ja-JP" sz="2000" dirty="0" smtClean="0">
                 <a:ln w="0"/>
                 <a:solidFill>
                   <a:schemeClr val="bg1">
@@ -4101,7 +4112,7 @@
                 <a:ea typeface="メイリオ" panose="020B0604030504040204" pitchFamily="50" charset="-128"/>
                 <a:cs typeface="メイリオ" panose="020B0604030504040204" pitchFamily="50" charset="-128"/>
               </a:rPr>
-              <a:t>(2/2)</a:t>
+              <a:t>(2)</a:t>
             </a:r>
             <a:endParaRPr lang="ja-JP" altLang="en-US" sz="2000" dirty="0">
               <a:ln w="0"/>
@@ -4368,7 +4379,7 @@
                 <a:ea typeface="メイリオ" panose="020B0604030504040204" pitchFamily="50" charset="-128"/>
                 <a:cs typeface="メイリオ" panose="020B0604030504040204" pitchFamily="50" charset="-128"/>
               </a:rPr>
-              <a:t>(1/2)</a:t>
+              <a:t>(1)</a:t>
             </a:r>
             <a:endParaRPr lang="ja-JP" altLang="en-US" sz="2400" b="1" dirty="0">
               <a:ln w="0"/>
@@ -4440,7 +4451,7 @@
                 <a:ea typeface="メイリオ" panose="020B0604030504040204" pitchFamily="50" charset="-128"/>
                 <a:cs typeface="メイリオ" panose="020B0604030504040204" pitchFamily="50" charset="-128"/>
               </a:rPr>
-              <a:t>ここに一文を入力</a:t>
+              <a:t>ブロック並べのドメインモデルと走行体の操作を分離する</a:t>
             </a:r>
             <a:endParaRPr lang="ja-JP" altLang="en-US" sz="2716" dirty="0">
               <a:latin typeface="メイリオ" panose="020B0604030504040204" pitchFamily="50" charset="-128"/>
@@ -4450,6 +4461,3783 @@
           </a:p>
         </p:txBody>
       </p:sp>
+      <p:sp>
+        <p:nvSpPr>
+          <p:cNvPr id="10" name="正方形/長方形 9"/>
+          <p:cNvSpPr/>
+          <p:nvPr/>
+        </p:nvSpPr>
+        <p:spPr>
+          <a:xfrm>
+            <a:off x="361020" y="1825227"/>
+            <a:ext cx="8246628" cy="2733125"/>
+          </a:xfrm>
+          <a:prstGeom prst="rect">
+            <a:avLst/>
+          </a:prstGeom>
+          <a:noFill/>
+          <a:ln w="25400">
+            <a:solidFill>
+              <a:srgbClr val="D24726"/>
+            </a:solidFill>
+          </a:ln>
+        </p:spPr>
+        <p:style>
+          <a:lnRef idx="2">
+            <a:schemeClr val="accent1">
+              <a:shade val="50000"/>
+            </a:schemeClr>
+          </a:lnRef>
+          <a:fillRef idx="1">
+            <a:schemeClr val="accent1"/>
+          </a:fillRef>
+          <a:effectRef idx="0">
+            <a:schemeClr val="accent1"/>
+          </a:effectRef>
+          <a:fontRef idx="minor">
+            <a:schemeClr val="lt1"/>
+          </a:fontRef>
+        </p:style>
+        <p:txBody>
+          <a:bodyPr rtlCol="0" anchor="ctr"/>
+          <a:lstStyle/>
+          <a:p>
+            <a:pPr algn="ctr"/>
+            <a:endParaRPr kumimoji="1" lang="ja-JP" altLang="en-US"/>
+          </a:p>
+        </p:txBody>
+      </p:sp>
+      <p:sp>
+        <p:nvSpPr>
+          <p:cNvPr id="11" name="テキスト ボックス 10"/>
+          <p:cNvSpPr txBox="1"/>
+          <p:nvPr/>
+        </p:nvSpPr>
+        <p:spPr>
+          <a:xfrm>
+            <a:off x="369205" y="1825226"/>
+            <a:ext cx="2095445" cy="307777"/>
+          </a:xfrm>
+          <a:prstGeom prst="rect">
+            <a:avLst/>
+          </a:prstGeom>
+          <a:solidFill>
+            <a:srgbClr val="D24726"/>
+          </a:solidFill>
+        </p:spPr>
+        <p:txBody>
+          <a:bodyPr wrap="none" rtlCol="0">
+            <a:spAutoFit/>
+          </a:bodyPr>
+          <a:lstStyle/>
+          <a:p>
+            <a:r>
+              <a:rPr lang="en-US" altLang="ja-JP" sz="1400" b="1" dirty="0" smtClean="0">
+                <a:solidFill>
+                  <a:schemeClr val="bg1"/>
+                </a:solidFill>
+                <a:latin typeface="メイリオ" panose="020B0604030504040204" pitchFamily="50" charset="-128"/>
+                <a:ea typeface="メイリオ" panose="020B0604030504040204" pitchFamily="50" charset="-128"/>
+                <a:cs typeface="メイリオ" panose="020B0604030504040204" pitchFamily="50" charset="-128"/>
+              </a:rPr>
+              <a:t>4</a:t>
+            </a:r>
+            <a:r>
+              <a:rPr kumimoji="1" lang="en-US" altLang="ja-JP" sz="1400" b="1" dirty="0" smtClean="0">
+                <a:solidFill>
+                  <a:schemeClr val="bg1"/>
+                </a:solidFill>
+                <a:latin typeface="メイリオ" panose="020B0604030504040204" pitchFamily="50" charset="-128"/>
+                <a:ea typeface="メイリオ" panose="020B0604030504040204" pitchFamily="50" charset="-128"/>
+                <a:cs typeface="メイリオ" panose="020B0604030504040204" pitchFamily="50" charset="-128"/>
+              </a:rPr>
+              <a:t>-1-1.</a:t>
+            </a:r>
+            <a:r>
+              <a:rPr kumimoji="1" lang="ja-JP" altLang="en-US" sz="1400" b="1" dirty="0" smtClean="0">
+                <a:solidFill>
+                  <a:schemeClr val="bg1"/>
+                </a:solidFill>
+                <a:latin typeface="メイリオ" panose="020B0604030504040204" pitchFamily="50" charset="-128"/>
+                <a:ea typeface="メイリオ" panose="020B0604030504040204" pitchFamily="50" charset="-128"/>
+                <a:cs typeface="メイリオ" panose="020B0604030504040204" pitchFamily="50" charset="-128"/>
+              </a:rPr>
+              <a:t> パッケージ構成</a:t>
+            </a:r>
+            <a:endParaRPr kumimoji="1" lang="ja-JP" altLang="en-US" sz="1400" b="1" dirty="0">
+              <a:solidFill>
+                <a:schemeClr val="bg1"/>
+              </a:solidFill>
+              <a:latin typeface="メイリオ" panose="020B0604030504040204" pitchFamily="50" charset="-128"/>
+              <a:ea typeface="メイリオ" panose="020B0604030504040204" pitchFamily="50" charset="-128"/>
+              <a:cs typeface="メイリオ" panose="020B0604030504040204" pitchFamily="50" charset="-128"/>
+            </a:endParaRPr>
+          </a:p>
+        </p:txBody>
+      </p:sp>
+      <p:grpSp>
+        <p:nvGrpSpPr>
+          <p:cNvPr id="5" name="グループ化 4"/>
+          <p:cNvGrpSpPr/>
+          <p:nvPr/>
+        </p:nvGrpSpPr>
+        <p:grpSpPr>
+          <a:xfrm>
+            <a:off x="431686" y="3840906"/>
+            <a:ext cx="3022063" cy="325692"/>
+            <a:chOff x="1410788" y="4496017"/>
+            <a:chExt cx="3022997" cy="325692"/>
+          </a:xfrm>
+        </p:grpSpPr>
+        <p:sp>
+          <p:nvSpPr>
+            <p:cNvPr id="16" name="正方形/長方形 15"/>
+            <p:cNvSpPr/>
+            <p:nvPr/>
+          </p:nvSpPr>
+          <p:spPr>
+            <a:xfrm>
+              <a:off x="1410792" y="4496017"/>
+              <a:ext cx="286606" cy="79665"/>
+            </a:xfrm>
+            <a:prstGeom prst="rect">
+              <a:avLst/>
+            </a:prstGeom>
+            <a:ln/>
+          </p:spPr>
+          <p:style>
+            <a:lnRef idx="1">
+              <a:schemeClr val="accent1"/>
+            </a:lnRef>
+            <a:fillRef idx="2">
+              <a:schemeClr val="accent1"/>
+            </a:fillRef>
+            <a:effectRef idx="1">
+              <a:schemeClr val="accent1"/>
+            </a:effectRef>
+            <a:fontRef idx="minor">
+              <a:schemeClr val="dk1"/>
+            </a:fontRef>
+          </p:style>
+          <p:txBody>
+            <a:bodyPr rtlCol="0" anchor="ctr"/>
+            <a:lstStyle/>
+            <a:p>
+              <a:pPr algn="ctr"/>
+              <a:endParaRPr kumimoji="1" lang="ja-JP" altLang="en-US"/>
+            </a:p>
+          </p:txBody>
+        </p:sp>
+        <p:sp>
+          <p:nvSpPr>
+            <p:cNvPr id="17" name="正方形/長方形 16"/>
+            <p:cNvSpPr/>
+            <p:nvPr/>
+          </p:nvSpPr>
+          <p:spPr>
+            <a:xfrm>
+              <a:off x="1410788" y="4575682"/>
+              <a:ext cx="3022997" cy="246027"/>
+            </a:xfrm>
+            <a:prstGeom prst="rect">
+              <a:avLst/>
+            </a:prstGeom>
+            <a:ln/>
+          </p:spPr>
+          <p:style>
+            <a:lnRef idx="1">
+              <a:schemeClr val="accent1"/>
+            </a:lnRef>
+            <a:fillRef idx="2">
+              <a:schemeClr val="accent1"/>
+            </a:fillRef>
+            <a:effectRef idx="1">
+              <a:schemeClr val="accent1"/>
+            </a:effectRef>
+            <a:fontRef idx="minor">
+              <a:schemeClr val="dk1"/>
+            </a:fontRef>
+          </p:style>
+          <p:txBody>
+            <a:bodyPr rtlCol="0" anchor="ctr"/>
+            <a:lstStyle/>
+            <a:p>
+              <a:pPr algn="ctr"/>
+              <a:r>
+                <a:rPr lang="ja-JP" altLang="en-US" sz="1000" dirty="0" smtClean="0">
+                  <a:latin typeface="メイリオ" panose="020B0604030504040204" pitchFamily="50" charset="-128"/>
+                  <a:ea typeface="メイリオ" panose="020B0604030504040204" pitchFamily="50" charset="-128"/>
+                  <a:cs typeface="メイリオ" panose="020B0604030504040204" pitchFamily="50" charset="-128"/>
+                </a:rPr>
+                <a:t>デバイス制御</a:t>
+              </a:r>
+              <a:endParaRPr kumimoji="1" lang="ja-JP" altLang="en-US" sz="1000" dirty="0">
+                <a:latin typeface="メイリオ" panose="020B0604030504040204" pitchFamily="50" charset="-128"/>
+                <a:ea typeface="メイリオ" panose="020B0604030504040204" pitchFamily="50" charset="-128"/>
+                <a:cs typeface="メイリオ" panose="020B0604030504040204" pitchFamily="50" charset="-128"/>
+              </a:endParaRPr>
+            </a:p>
+          </p:txBody>
+        </p:sp>
+      </p:grpSp>
+      <p:grpSp>
+        <p:nvGrpSpPr>
+          <p:cNvPr id="33" name="グループ化 32"/>
+          <p:cNvGrpSpPr/>
+          <p:nvPr/>
+        </p:nvGrpSpPr>
+        <p:grpSpPr>
+          <a:xfrm>
+            <a:off x="431687" y="3420186"/>
+            <a:ext cx="1126770" cy="331339"/>
+            <a:chOff x="525779" y="3622818"/>
+            <a:chExt cx="1126770" cy="331339"/>
+          </a:xfrm>
+        </p:grpSpPr>
+        <p:sp>
+          <p:nvSpPr>
+            <p:cNvPr id="3" name="正方形/長方形 2"/>
+            <p:cNvSpPr/>
+            <p:nvPr/>
+          </p:nvSpPr>
+          <p:spPr>
+            <a:xfrm>
+              <a:off x="525779" y="3718333"/>
+              <a:ext cx="1126770" cy="235824"/>
+            </a:xfrm>
+            <a:prstGeom prst="rect">
+              <a:avLst/>
+            </a:prstGeom>
+            <a:gradFill flip="none" rotWithShape="1">
+              <a:gsLst>
+                <a:gs pos="0">
+                  <a:srgbClr val="FFC000">
+                    <a:tint val="66000"/>
+                    <a:satMod val="160000"/>
+                  </a:srgbClr>
+                </a:gs>
+                <a:gs pos="50000">
+                  <a:srgbClr val="FFC000">
+                    <a:tint val="44500"/>
+                    <a:satMod val="160000"/>
+                  </a:srgbClr>
+                </a:gs>
+                <a:gs pos="100000">
+                  <a:srgbClr val="FFC000">
+                    <a:tint val="23500"/>
+                    <a:satMod val="160000"/>
+                  </a:srgbClr>
+                </a:gs>
+              </a:gsLst>
+              <a:lin ang="2700000" scaled="1"/>
+              <a:tileRect/>
+            </a:gradFill>
+            <a:ln/>
+          </p:spPr>
+          <p:style>
+            <a:lnRef idx="1">
+              <a:schemeClr val="accent2"/>
+            </a:lnRef>
+            <a:fillRef idx="2">
+              <a:schemeClr val="accent2"/>
+            </a:fillRef>
+            <a:effectRef idx="1">
+              <a:schemeClr val="accent2"/>
+            </a:effectRef>
+            <a:fontRef idx="minor">
+              <a:schemeClr val="dk1"/>
+            </a:fontRef>
+          </p:style>
+          <p:txBody>
+            <a:bodyPr rtlCol="0" anchor="ctr"/>
+            <a:lstStyle/>
+            <a:p>
+              <a:pPr algn="ctr"/>
+              <a:r>
+                <a:rPr lang="ja-JP" altLang="en-US" sz="1000" dirty="0">
+                  <a:latin typeface="メイリオ" panose="020B0604030504040204" pitchFamily="50" charset="-128"/>
+                  <a:ea typeface="メイリオ" panose="020B0604030504040204" pitchFamily="50" charset="-128"/>
+                  <a:cs typeface="メイリオ" panose="020B0604030504040204" pitchFamily="50" charset="-128"/>
+                </a:rPr>
+                <a:t>動作</a:t>
+              </a:r>
+              <a:endParaRPr kumimoji="1" lang="en-US" altLang="ja-JP" sz="1000" dirty="0" smtClean="0">
+                <a:latin typeface="メイリオ" panose="020B0604030504040204" pitchFamily="50" charset="-128"/>
+                <a:ea typeface="メイリオ" panose="020B0604030504040204" pitchFamily="50" charset="-128"/>
+                <a:cs typeface="メイリオ" panose="020B0604030504040204" pitchFamily="50" charset="-128"/>
+              </a:endParaRPr>
+            </a:p>
+          </p:txBody>
+        </p:sp>
+        <p:sp>
+          <p:nvSpPr>
+            <p:cNvPr id="26" name="正方形/長方形 25"/>
+            <p:cNvSpPr>
+              <a:spLocks noChangeAspect="1"/>
+            </p:cNvSpPr>
+            <p:nvPr/>
+          </p:nvSpPr>
+          <p:spPr>
+            <a:xfrm>
+              <a:off x="525779" y="3622818"/>
+              <a:ext cx="278008" cy="96086"/>
+            </a:xfrm>
+            <a:prstGeom prst="rect">
+              <a:avLst/>
+            </a:prstGeom>
+            <a:gradFill flip="none" rotWithShape="1">
+              <a:gsLst>
+                <a:gs pos="0">
+                  <a:srgbClr val="FFC000">
+                    <a:tint val="66000"/>
+                    <a:satMod val="160000"/>
+                  </a:srgbClr>
+                </a:gs>
+                <a:gs pos="50000">
+                  <a:srgbClr val="FFC000">
+                    <a:tint val="44500"/>
+                    <a:satMod val="160000"/>
+                  </a:srgbClr>
+                </a:gs>
+                <a:gs pos="100000">
+                  <a:srgbClr val="FFC000">
+                    <a:tint val="23500"/>
+                    <a:satMod val="160000"/>
+                  </a:srgbClr>
+                </a:gs>
+              </a:gsLst>
+              <a:lin ang="2700000" scaled="1"/>
+              <a:tileRect/>
+            </a:gradFill>
+            <a:ln/>
+          </p:spPr>
+          <p:style>
+            <a:lnRef idx="1">
+              <a:schemeClr val="accent2"/>
+            </a:lnRef>
+            <a:fillRef idx="2">
+              <a:schemeClr val="accent2"/>
+            </a:fillRef>
+            <a:effectRef idx="1">
+              <a:schemeClr val="accent2"/>
+            </a:effectRef>
+            <a:fontRef idx="minor">
+              <a:schemeClr val="dk1"/>
+            </a:fontRef>
+          </p:style>
+          <p:txBody>
+            <a:bodyPr rtlCol="0" anchor="ctr"/>
+            <a:lstStyle/>
+            <a:p>
+              <a:pPr algn="ctr"/>
+              <a:endParaRPr kumimoji="1" lang="ja-JP" altLang="en-US"/>
+            </a:p>
+          </p:txBody>
+        </p:sp>
+      </p:grpSp>
+      <p:grpSp>
+        <p:nvGrpSpPr>
+          <p:cNvPr id="29" name="グループ化 28"/>
+          <p:cNvGrpSpPr/>
+          <p:nvPr/>
+        </p:nvGrpSpPr>
+        <p:grpSpPr>
+          <a:xfrm>
+            <a:off x="431686" y="2980809"/>
+            <a:ext cx="2460770" cy="333974"/>
+            <a:chOff x="525778" y="3183441"/>
+            <a:chExt cx="2460770" cy="333974"/>
+          </a:xfrm>
+        </p:grpSpPr>
+        <p:sp>
+          <p:nvSpPr>
+            <p:cNvPr id="19" name="正方形/長方形 18"/>
+            <p:cNvSpPr/>
+            <p:nvPr/>
+          </p:nvSpPr>
+          <p:spPr>
+            <a:xfrm>
+              <a:off x="525778" y="3281470"/>
+              <a:ext cx="2460770" cy="235945"/>
+            </a:xfrm>
+            <a:prstGeom prst="rect">
+              <a:avLst/>
+            </a:prstGeom>
+            <a:gradFill flip="none" rotWithShape="1">
+              <a:gsLst>
+                <a:gs pos="0">
+                  <a:srgbClr val="FF3399">
+                    <a:tint val="66000"/>
+                    <a:satMod val="160000"/>
+                  </a:srgbClr>
+                </a:gs>
+                <a:gs pos="50000">
+                  <a:srgbClr val="FF3399">
+                    <a:tint val="44500"/>
+                    <a:satMod val="160000"/>
+                  </a:srgbClr>
+                </a:gs>
+                <a:gs pos="100000">
+                  <a:srgbClr val="FF3399">
+                    <a:tint val="23500"/>
+                    <a:satMod val="160000"/>
+                  </a:srgbClr>
+                </a:gs>
+              </a:gsLst>
+              <a:lin ang="2700000" scaled="1"/>
+              <a:tileRect/>
+            </a:gradFill>
+            <a:ln>
+              <a:solidFill>
+                <a:srgbClr val="FF3399"/>
+              </a:solidFill>
+            </a:ln>
+          </p:spPr>
+          <p:style>
+            <a:lnRef idx="1">
+              <a:schemeClr val="accent6"/>
+            </a:lnRef>
+            <a:fillRef idx="2">
+              <a:schemeClr val="accent6"/>
+            </a:fillRef>
+            <a:effectRef idx="1">
+              <a:schemeClr val="accent6"/>
+            </a:effectRef>
+            <a:fontRef idx="minor">
+              <a:schemeClr val="dk1"/>
+            </a:fontRef>
+          </p:style>
+          <p:txBody>
+            <a:bodyPr rtlCol="0" anchor="ctr"/>
+            <a:lstStyle/>
+            <a:p>
+              <a:pPr algn="ctr"/>
+              <a:r>
+                <a:rPr lang="ja-JP" altLang="en-US" sz="1000" dirty="0" smtClean="0">
+                  <a:latin typeface="メイリオ" panose="020B0604030504040204" pitchFamily="50" charset="-128"/>
+                  <a:ea typeface="メイリオ" panose="020B0604030504040204" pitchFamily="50" charset="-128"/>
+                  <a:cs typeface="メイリオ" panose="020B0604030504040204" pitchFamily="50" charset="-128"/>
+                </a:rPr>
+                <a:t>攻略手順</a:t>
+              </a:r>
+              <a:r>
+                <a:rPr kumimoji="1" lang="ja-JP" altLang="en-US" sz="1000" dirty="0" smtClean="0">
+                  <a:latin typeface="メイリオ" panose="020B0604030504040204" pitchFamily="50" charset="-128"/>
+                  <a:ea typeface="メイリオ" panose="020B0604030504040204" pitchFamily="50" charset="-128"/>
+                  <a:cs typeface="メイリオ" panose="020B0604030504040204" pitchFamily="50" charset="-128"/>
+                </a:rPr>
+                <a:t>実行</a:t>
+              </a:r>
+              <a:endParaRPr kumimoji="1" lang="en-US" altLang="ja-JP" sz="1000" dirty="0" smtClean="0">
+                <a:latin typeface="メイリオ" panose="020B0604030504040204" pitchFamily="50" charset="-128"/>
+                <a:ea typeface="メイリオ" panose="020B0604030504040204" pitchFamily="50" charset="-128"/>
+                <a:cs typeface="メイリオ" panose="020B0604030504040204" pitchFamily="50" charset="-128"/>
+              </a:endParaRPr>
+            </a:p>
+          </p:txBody>
+        </p:sp>
+        <p:sp>
+          <p:nvSpPr>
+            <p:cNvPr id="27" name="正方形/長方形 26"/>
+            <p:cNvSpPr>
+              <a:spLocks noChangeAspect="1"/>
+            </p:cNvSpPr>
+            <p:nvPr/>
+          </p:nvSpPr>
+          <p:spPr>
+            <a:xfrm>
+              <a:off x="525779" y="3183441"/>
+              <a:ext cx="278008" cy="96086"/>
+            </a:xfrm>
+            <a:prstGeom prst="rect">
+              <a:avLst/>
+            </a:prstGeom>
+            <a:gradFill flip="none" rotWithShape="1">
+              <a:gsLst>
+                <a:gs pos="0">
+                  <a:srgbClr val="FF3399">
+                    <a:tint val="66000"/>
+                    <a:satMod val="160000"/>
+                  </a:srgbClr>
+                </a:gs>
+                <a:gs pos="50000">
+                  <a:srgbClr val="FF3399">
+                    <a:tint val="44500"/>
+                    <a:satMod val="160000"/>
+                  </a:srgbClr>
+                </a:gs>
+                <a:gs pos="100000">
+                  <a:srgbClr val="FF3399">
+                    <a:tint val="23500"/>
+                    <a:satMod val="160000"/>
+                  </a:srgbClr>
+                </a:gs>
+              </a:gsLst>
+              <a:lin ang="2700000" scaled="1"/>
+              <a:tileRect/>
+            </a:gradFill>
+            <a:ln>
+              <a:solidFill>
+                <a:srgbClr val="FF3399"/>
+              </a:solidFill>
+            </a:ln>
+          </p:spPr>
+          <p:style>
+            <a:lnRef idx="1">
+              <a:schemeClr val="accent2"/>
+            </a:lnRef>
+            <a:fillRef idx="2">
+              <a:schemeClr val="accent2"/>
+            </a:fillRef>
+            <a:effectRef idx="1">
+              <a:schemeClr val="accent2"/>
+            </a:effectRef>
+            <a:fontRef idx="minor">
+              <a:schemeClr val="dk1"/>
+            </a:fontRef>
+          </p:style>
+          <p:txBody>
+            <a:bodyPr rtlCol="0" anchor="ctr"/>
+            <a:lstStyle/>
+            <a:p>
+              <a:pPr algn="ctr"/>
+              <a:endParaRPr kumimoji="1" lang="ja-JP" altLang="en-US"/>
+            </a:p>
+          </p:txBody>
+        </p:sp>
+      </p:grpSp>
+      <p:grpSp>
+        <p:nvGrpSpPr>
+          <p:cNvPr id="30" name="グループ化 29"/>
+          <p:cNvGrpSpPr/>
+          <p:nvPr/>
+        </p:nvGrpSpPr>
+        <p:grpSpPr>
+          <a:xfrm>
+            <a:off x="431686" y="2580765"/>
+            <a:ext cx="1295648" cy="331745"/>
+            <a:chOff x="525778" y="2783397"/>
+            <a:chExt cx="1295648" cy="331745"/>
+          </a:xfrm>
+        </p:grpSpPr>
+        <p:sp>
+          <p:nvSpPr>
+            <p:cNvPr id="23" name="正方形/長方形 22"/>
+            <p:cNvSpPr/>
+            <p:nvPr/>
+          </p:nvSpPr>
+          <p:spPr>
+            <a:xfrm>
+              <a:off x="525779" y="2879197"/>
+              <a:ext cx="1295647" cy="235945"/>
+            </a:xfrm>
+            <a:prstGeom prst="rect">
+              <a:avLst/>
+            </a:prstGeom>
+            <a:gradFill flip="none" rotWithShape="1">
+              <a:gsLst>
+                <a:gs pos="0">
+                  <a:srgbClr val="00FF00">
+                    <a:tint val="66000"/>
+                    <a:satMod val="160000"/>
+                  </a:srgbClr>
+                </a:gs>
+                <a:gs pos="50000">
+                  <a:srgbClr val="00FF00">
+                    <a:tint val="44500"/>
+                    <a:satMod val="160000"/>
+                  </a:srgbClr>
+                </a:gs>
+                <a:gs pos="100000">
+                  <a:srgbClr val="00FF00">
+                    <a:tint val="23500"/>
+                    <a:satMod val="160000"/>
+                  </a:srgbClr>
+                </a:gs>
+              </a:gsLst>
+              <a:lin ang="2700000" scaled="1"/>
+              <a:tileRect/>
+            </a:gradFill>
+            <a:ln>
+              <a:solidFill>
+                <a:srgbClr val="00B050"/>
+              </a:solidFill>
+            </a:ln>
+          </p:spPr>
+          <p:style>
+            <a:lnRef idx="1">
+              <a:schemeClr val="accent2"/>
+            </a:lnRef>
+            <a:fillRef idx="2">
+              <a:schemeClr val="accent2"/>
+            </a:fillRef>
+            <a:effectRef idx="1">
+              <a:schemeClr val="accent2"/>
+            </a:effectRef>
+            <a:fontRef idx="minor">
+              <a:schemeClr val="dk1"/>
+            </a:fontRef>
+          </p:style>
+          <p:txBody>
+            <a:bodyPr rtlCol="0" anchor="ctr"/>
+            <a:lstStyle/>
+            <a:p>
+              <a:pPr algn="ctr"/>
+              <a:r>
+                <a:rPr lang="en-US" altLang="ja-JP" sz="1000" dirty="0" smtClean="0">
+                  <a:latin typeface="メイリオ" panose="020B0604030504040204" pitchFamily="50" charset="-128"/>
+                  <a:ea typeface="メイリオ" panose="020B0604030504040204" pitchFamily="50" charset="-128"/>
+                  <a:cs typeface="メイリオ" panose="020B0604030504040204" pitchFamily="50" charset="-128"/>
+                </a:rPr>
+                <a:t>R</a:t>
+              </a:r>
+              <a:r>
+                <a:rPr lang="ja-JP" altLang="en-US" sz="1000" dirty="0" smtClean="0">
+                  <a:latin typeface="メイリオ" panose="020B0604030504040204" pitchFamily="50" charset="-128"/>
+                  <a:ea typeface="メイリオ" panose="020B0604030504040204" pitchFamily="50" charset="-128"/>
+                  <a:cs typeface="メイリオ" panose="020B0604030504040204" pitchFamily="50" charset="-128"/>
+                </a:rPr>
+                <a:t>ゲーム攻略</a:t>
+              </a:r>
+              <a:endParaRPr kumimoji="1" lang="en-US" altLang="ja-JP" sz="1000" dirty="0" smtClean="0">
+                <a:latin typeface="メイリオ" panose="020B0604030504040204" pitchFamily="50" charset="-128"/>
+                <a:ea typeface="メイリオ" panose="020B0604030504040204" pitchFamily="50" charset="-128"/>
+                <a:cs typeface="メイリオ" panose="020B0604030504040204" pitchFamily="50" charset="-128"/>
+              </a:endParaRPr>
+            </a:p>
+          </p:txBody>
+        </p:sp>
+        <p:sp>
+          <p:nvSpPr>
+            <p:cNvPr id="28" name="正方形/長方形 27"/>
+            <p:cNvSpPr>
+              <a:spLocks noChangeAspect="1"/>
+            </p:cNvSpPr>
+            <p:nvPr/>
+          </p:nvSpPr>
+          <p:spPr>
+            <a:xfrm>
+              <a:off x="525778" y="2783397"/>
+              <a:ext cx="278008" cy="96086"/>
+            </a:xfrm>
+            <a:prstGeom prst="rect">
+              <a:avLst/>
+            </a:prstGeom>
+            <a:gradFill flip="none" rotWithShape="1">
+              <a:gsLst>
+                <a:gs pos="0">
+                  <a:srgbClr val="00FF00">
+                    <a:tint val="66000"/>
+                    <a:satMod val="160000"/>
+                  </a:srgbClr>
+                </a:gs>
+                <a:gs pos="50000">
+                  <a:srgbClr val="00FF00">
+                    <a:tint val="44500"/>
+                    <a:satMod val="160000"/>
+                  </a:srgbClr>
+                </a:gs>
+                <a:gs pos="100000">
+                  <a:srgbClr val="00FF00">
+                    <a:tint val="23500"/>
+                    <a:satMod val="160000"/>
+                  </a:srgbClr>
+                </a:gs>
+              </a:gsLst>
+              <a:lin ang="2700000" scaled="1"/>
+              <a:tileRect/>
+            </a:gradFill>
+            <a:ln>
+              <a:solidFill>
+                <a:srgbClr val="00B050"/>
+              </a:solidFill>
+            </a:ln>
+          </p:spPr>
+          <p:style>
+            <a:lnRef idx="1">
+              <a:schemeClr val="accent2"/>
+            </a:lnRef>
+            <a:fillRef idx="2">
+              <a:schemeClr val="accent2"/>
+            </a:fillRef>
+            <a:effectRef idx="1">
+              <a:schemeClr val="accent2"/>
+            </a:effectRef>
+            <a:fontRef idx="minor">
+              <a:schemeClr val="dk1"/>
+            </a:fontRef>
+          </p:style>
+          <p:txBody>
+            <a:bodyPr rtlCol="0" anchor="ctr"/>
+            <a:lstStyle/>
+            <a:p>
+              <a:pPr algn="ctr"/>
+              <a:endParaRPr kumimoji="1" lang="ja-JP" altLang="en-US"/>
+            </a:p>
+          </p:txBody>
+        </p:sp>
+      </p:grpSp>
+      <p:grpSp>
+        <p:nvGrpSpPr>
+          <p:cNvPr id="32" name="グループ化 31"/>
+          <p:cNvGrpSpPr/>
+          <p:nvPr/>
+        </p:nvGrpSpPr>
+        <p:grpSpPr>
+          <a:xfrm>
+            <a:off x="1805832" y="2573942"/>
+            <a:ext cx="1086624" cy="338568"/>
+            <a:chOff x="1899924" y="2776574"/>
+            <a:chExt cx="1086624" cy="338568"/>
+          </a:xfrm>
+        </p:grpSpPr>
+        <p:sp>
+          <p:nvSpPr>
+            <p:cNvPr id="24" name="正方形/長方形 23"/>
+            <p:cNvSpPr/>
+            <p:nvPr/>
+          </p:nvSpPr>
+          <p:spPr>
+            <a:xfrm>
+              <a:off x="1899924" y="2879197"/>
+              <a:ext cx="1086624" cy="235945"/>
+            </a:xfrm>
+            <a:prstGeom prst="rect">
+              <a:avLst/>
+            </a:prstGeom>
+            <a:gradFill flip="none" rotWithShape="1">
+              <a:gsLst>
+                <a:gs pos="0">
+                  <a:srgbClr val="00FFFF">
+                    <a:tint val="66000"/>
+                    <a:satMod val="160000"/>
+                  </a:srgbClr>
+                </a:gs>
+                <a:gs pos="50000">
+                  <a:srgbClr val="00FFFF">
+                    <a:tint val="44500"/>
+                    <a:satMod val="160000"/>
+                  </a:srgbClr>
+                </a:gs>
+                <a:gs pos="100000">
+                  <a:srgbClr val="00FFFF">
+                    <a:tint val="23500"/>
+                    <a:satMod val="160000"/>
+                  </a:srgbClr>
+                </a:gs>
+              </a:gsLst>
+              <a:lin ang="2700000" scaled="1"/>
+              <a:tileRect/>
+            </a:gradFill>
+            <a:ln>
+              <a:solidFill>
+                <a:srgbClr val="0099CC"/>
+              </a:solidFill>
+            </a:ln>
+          </p:spPr>
+          <p:style>
+            <a:lnRef idx="1">
+              <a:schemeClr val="accent2"/>
+            </a:lnRef>
+            <a:fillRef idx="2">
+              <a:schemeClr val="accent2"/>
+            </a:fillRef>
+            <a:effectRef idx="1">
+              <a:schemeClr val="accent2"/>
+            </a:effectRef>
+            <a:fontRef idx="minor">
+              <a:schemeClr val="dk1"/>
+            </a:fontRef>
+          </p:style>
+          <p:txBody>
+            <a:bodyPr rtlCol="0" anchor="ctr"/>
+            <a:lstStyle/>
+            <a:p>
+              <a:pPr algn="ctr"/>
+              <a:r>
+                <a:rPr lang="ja-JP" altLang="en-US" sz="1000" dirty="0" smtClean="0">
+                  <a:latin typeface="メイリオ" panose="020B0604030504040204" pitchFamily="50" charset="-128"/>
+                  <a:ea typeface="メイリオ" panose="020B0604030504040204" pitchFamily="50" charset="-128"/>
+                  <a:cs typeface="メイリオ" panose="020B0604030504040204" pitchFamily="50" charset="-128"/>
+                </a:rPr>
+                <a:t>走行エリア攻略</a:t>
+              </a:r>
+              <a:endParaRPr kumimoji="1" lang="en-US" altLang="ja-JP" sz="1000" dirty="0" smtClean="0">
+                <a:latin typeface="メイリオ" panose="020B0604030504040204" pitchFamily="50" charset="-128"/>
+                <a:ea typeface="メイリオ" panose="020B0604030504040204" pitchFamily="50" charset="-128"/>
+                <a:cs typeface="メイリオ" panose="020B0604030504040204" pitchFamily="50" charset="-128"/>
+              </a:endParaRPr>
+            </a:p>
+          </p:txBody>
+        </p:sp>
+        <p:sp>
+          <p:nvSpPr>
+            <p:cNvPr id="31" name="正方形/長方形 30"/>
+            <p:cNvSpPr>
+              <a:spLocks noChangeAspect="1"/>
+            </p:cNvSpPr>
+            <p:nvPr/>
+          </p:nvSpPr>
+          <p:spPr>
+            <a:xfrm>
+              <a:off x="1899924" y="2776574"/>
+              <a:ext cx="278008" cy="96086"/>
+            </a:xfrm>
+            <a:prstGeom prst="rect">
+              <a:avLst/>
+            </a:prstGeom>
+            <a:gradFill flip="none" rotWithShape="1">
+              <a:gsLst>
+                <a:gs pos="0">
+                  <a:srgbClr val="00FFFF">
+                    <a:tint val="66000"/>
+                    <a:satMod val="160000"/>
+                  </a:srgbClr>
+                </a:gs>
+                <a:gs pos="50000">
+                  <a:srgbClr val="00FFFF">
+                    <a:tint val="44500"/>
+                    <a:satMod val="160000"/>
+                  </a:srgbClr>
+                </a:gs>
+                <a:gs pos="100000">
+                  <a:srgbClr val="00FFFF">
+                    <a:tint val="23500"/>
+                    <a:satMod val="160000"/>
+                  </a:srgbClr>
+                </a:gs>
+              </a:gsLst>
+              <a:lin ang="2700000" scaled="1"/>
+              <a:tileRect/>
+            </a:gradFill>
+            <a:ln>
+              <a:solidFill>
+                <a:srgbClr val="0099CC"/>
+              </a:solidFill>
+            </a:ln>
+          </p:spPr>
+          <p:style>
+            <a:lnRef idx="1">
+              <a:schemeClr val="accent2"/>
+            </a:lnRef>
+            <a:fillRef idx="2">
+              <a:schemeClr val="accent2"/>
+            </a:fillRef>
+            <a:effectRef idx="1">
+              <a:schemeClr val="accent2"/>
+            </a:effectRef>
+            <a:fontRef idx="minor">
+              <a:schemeClr val="dk1"/>
+            </a:fontRef>
+          </p:style>
+          <p:txBody>
+            <a:bodyPr rtlCol="0" anchor="ctr"/>
+            <a:lstStyle/>
+            <a:p>
+              <a:pPr algn="ctr"/>
+              <a:endParaRPr kumimoji="1" lang="ja-JP" altLang="en-US"/>
+            </a:p>
+          </p:txBody>
+        </p:sp>
+      </p:grpSp>
+      <p:grpSp>
+        <p:nvGrpSpPr>
+          <p:cNvPr id="35" name="グループ化 34"/>
+          <p:cNvGrpSpPr/>
+          <p:nvPr/>
+        </p:nvGrpSpPr>
+        <p:grpSpPr>
+          <a:xfrm>
+            <a:off x="1805832" y="3419615"/>
+            <a:ext cx="1073128" cy="332452"/>
+            <a:chOff x="1899924" y="3622247"/>
+            <a:chExt cx="1073128" cy="332452"/>
+          </a:xfrm>
+        </p:grpSpPr>
+        <p:sp>
+          <p:nvSpPr>
+            <p:cNvPr id="22" name="正方形/長方形 21"/>
+            <p:cNvSpPr/>
+            <p:nvPr/>
+          </p:nvSpPr>
+          <p:spPr>
+            <a:xfrm>
+              <a:off x="1899924" y="3718754"/>
+              <a:ext cx="1073128" cy="235945"/>
+            </a:xfrm>
+            <a:prstGeom prst="rect">
+              <a:avLst/>
+            </a:prstGeom>
+            <a:gradFill flip="none" rotWithShape="1">
+              <a:gsLst>
+                <a:gs pos="0">
+                  <a:srgbClr val="FF0000">
+                    <a:tint val="66000"/>
+                    <a:satMod val="160000"/>
+                  </a:srgbClr>
+                </a:gs>
+                <a:gs pos="50000">
+                  <a:srgbClr val="FF0000">
+                    <a:tint val="44500"/>
+                    <a:satMod val="160000"/>
+                  </a:srgbClr>
+                </a:gs>
+                <a:gs pos="100000">
+                  <a:srgbClr val="FF0000">
+                    <a:tint val="23500"/>
+                    <a:satMod val="160000"/>
+                  </a:srgbClr>
+                </a:gs>
+              </a:gsLst>
+              <a:lin ang="2700000" scaled="1"/>
+              <a:tileRect/>
+            </a:gradFill>
+            <a:ln>
+              <a:solidFill>
+                <a:srgbClr val="FF0000"/>
+              </a:solidFill>
+            </a:ln>
+          </p:spPr>
+          <p:style>
+            <a:lnRef idx="1">
+              <a:schemeClr val="accent6"/>
+            </a:lnRef>
+            <a:fillRef idx="2">
+              <a:schemeClr val="accent6"/>
+            </a:fillRef>
+            <a:effectRef idx="1">
+              <a:schemeClr val="accent6"/>
+            </a:effectRef>
+            <a:fontRef idx="minor">
+              <a:schemeClr val="dk1"/>
+            </a:fontRef>
+          </p:style>
+          <p:txBody>
+            <a:bodyPr rtlCol="0" anchor="ctr"/>
+            <a:lstStyle/>
+            <a:p>
+              <a:pPr algn="ctr"/>
+              <a:r>
+                <a:rPr lang="ja-JP" altLang="en-US" sz="1000" dirty="0">
+                  <a:latin typeface="メイリオ" panose="020B0604030504040204" pitchFamily="50" charset="-128"/>
+                  <a:ea typeface="メイリオ" panose="020B0604030504040204" pitchFamily="50" charset="-128"/>
+                  <a:cs typeface="メイリオ" panose="020B0604030504040204" pitchFamily="50" charset="-128"/>
+                </a:rPr>
+                <a:t>センシング</a:t>
+              </a:r>
+              <a:endParaRPr kumimoji="1" lang="en-US" altLang="ja-JP" sz="1000" dirty="0" smtClean="0">
+                <a:latin typeface="メイリオ" panose="020B0604030504040204" pitchFamily="50" charset="-128"/>
+                <a:ea typeface="メイリオ" panose="020B0604030504040204" pitchFamily="50" charset="-128"/>
+                <a:cs typeface="メイリオ" panose="020B0604030504040204" pitchFamily="50" charset="-128"/>
+              </a:endParaRPr>
+            </a:p>
+          </p:txBody>
+        </p:sp>
+        <p:sp>
+          <p:nvSpPr>
+            <p:cNvPr id="34" name="正方形/長方形 33"/>
+            <p:cNvSpPr>
+              <a:spLocks noChangeAspect="1"/>
+            </p:cNvSpPr>
+            <p:nvPr/>
+          </p:nvSpPr>
+          <p:spPr>
+            <a:xfrm>
+              <a:off x="1902604" y="3622247"/>
+              <a:ext cx="278008" cy="96086"/>
+            </a:xfrm>
+            <a:prstGeom prst="rect">
+              <a:avLst/>
+            </a:prstGeom>
+            <a:gradFill flip="none" rotWithShape="1">
+              <a:gsLst>
+                <a:gs pos="0">
+                  <a:srgbClr val="FF0000">
+                    <a:tint val="66000"/>
+                    <a:satMod val="160000"/>
+                  </a:srgbClr>
+                </a:gs>
+                <a:gs pos="50000">
+                  <a:srgbClr val="FF0000">
+                    <a:tint val="44500"/>
+                    <a:satMod val="160000"/>
+                  </a:srgbClr>
+                </a:gs>
+                <a:gs pos="100000">
+                  <a:srgbClr val="FF0000">
+                    <a:tint val="23500"/>
+                    <a:satMod val="160000"/>
+                  </a:srgbClr>
+                </a:gs>
+              </a:gsLst>
+              <a:lin ang="2700000" scaled="1"/>
+              <a:tileRect/>
+            </a:gradFill>
+            <a:ln>
+              <a:solidFill>
+                <a:srgbClr val="FF0000"/>
+              </a:solidFill>
+            </a:ln>
+          </p:spPr>
+          <p:style>
+            <a:lnRef idx="1">
+              <a:schemeClr val="accent4"/>
+            </a:lnRef>
+            <a:fillRef idx="2">
+              <a:schemeClr val="accent4"/>
+            </a:fillRef>
+            <a:effectRef idx="1">
+              <a:schemeClr val="accent4"/>
+            </a:effectRef>
+            <a:fontRef idx="minor">
+              <a:schemeClr val="dk1"/>
+            </a:fontRef>
+          </p:style>
+          <p:txBody>
+            <a:bodyPr rtlCol="0" anchor="ctr"/>
+            <a:lstStyle/>
+            <a:p>
+              <a:pPr algn="ctr"/>
+              <a:endParaRPr kumimoji="1" lang="ja-JP" altLang="en-US"/>
+            </a:p>
+          </p:txBody>
+        </p:sp>
+      </p:grpSp>
+      <p:grpSp>
+        <p:nvGrpSpPr>
+          <p:cNvPr id="53" name="グループ化 52"/>
+          <p:cNvGrpSpPr/>
+          <p:nvPr/>
+        </p:nvGrpSpPr>
+        <p:grpSpPr>
+          <a:xfrm>
+            <a:off x="2985174" y="2552364"/>
+            <a:ext cx="440687" cy="1199161"/>
+            <a:chOff x="3079266" y="2524930"/>
+            <a:chExt cx="440687" cy="1525405"/>
+          </a:xfrm>
+        </p:grpSpPr>
+        <p:sp>
+          <p:nvSpPr>
+            <p:cNvPr id="18" name="正方形/長方形 17"/>
+            <p:cNvSpPr/>
+            <p:nvPr/>
+          </p:nvSpPr>
+          <p:spPr>
+            <a:xfrm>
+              <a:off x="3079266" y="2652719"/>
+              <a:ext cx="440687" cy="1397616"/>
+            </a:xfrm>
+            <a:prstGeom prst="rect">
+              <a:avLst/>
+            </a:prstGeom>
+            <a:gradFill flip="none" rotWithShape="1">
+              <a:gsLst>
+                <a:gs pos="0">
+                  <a:schemeClr val="bg1">
+                    <a:lumMod val="95000"/>
+                    <a:shade val="30000"/>
+                    <a:satMod val="115000"/>
+                  </a:schemeClr>
+                </a:gs>
+                <a:gs pos="50000">
+                  <a:schemeClr val="bg1">
+                    <a:lumMod val="95000"/>
+                    <a:shade val="67500"/>
+                    <a:satMod val="115000"/>
+                  </a:schemeClr>
+                </a:gs>
+                <a:gs pos="100000">
+                  <a:schemeClr val="bg1">
+                    <a:lumMod val="95000"/>
+                    <a:shade val="100000"/>
+                    <a:satMod val="115000"/>
+                  </a:schemeClr>
+                </a:gs>
+              </a:gsLst>
+              <a:lin ang="2700000" scaled="1"/>
+              <a:tileRect/>
+            </a:gradFill>
+            <a:ln>
+              <a:solidFill>
+                <a:schemeClr val="tx1"/>
+              </a:solidFill>
+            </a:ln>
+          </p:spPr>
+          <p:style>
+            <a:lnRef idx="1">
+              <a:schemeClr val="accent4"/>
+            </a:lnRef>
+            <a:fillRef idx="2">
+              <a:schemeClr val="accent4"/>
+            </a:fillRef>
+            <a:effectRef idx="1">
+              <a:schemeClr val="accent4"/>
+            </a:effectRef>
+            <a:fontRef idx="minor">
+              <a:schemeClr val="dk1"/>
+            </a:fontRef>
+          </p:style>
+          <p:txBody>
+            <a:bodyPr rtlCol="0" anchor="ctr"/>
+            <a:lstStyle/>
+            <a:p>
+              <a:pPr algn="ctr"/>
+              <a:r>
+                <a:rPr kumimoji="1" lang="ja-JP" altLang="en-US" sz="1000" dirty="0" smtClean="0">
+                  <a:latin typeface="メイリオ" panose="020B0604030504040204" pitchFamily="50" charset="-128"/>
+                  <a:ea typeface="メイリオ" panose="020B0604030504040204" pitchFamily="50" charset="-128"/>
+                  <a:cs typeface="メイリオ" panose="020B0604030504040204" pitchFamily="50" charset="-128"/>
+                </a:rPr>
+                <a:t>表示</a:t>
+              </a:r>
+              <a:endParaRPr kumimoji="1" lang="en-US" altLang="ja-JP" sz="1000" dirty="0" smtClean="0">
+                <a:latin typeface="メイリオ" panose="020B0604030504040204" pitchFamily="50" charset="-128"/>
+                <a:ea typeface="メイリオ" panose="020B0604030504040204" pitchFamily="50" charset="-128"/>
+                <a:cs typeface="メイリオ" panose="020B0604030504040204" pitchFamily="50" charset="-128"/>
+              </a:endParaRPr>
+            </a:p>
+            <a:p>
+              <a:pPr algn="ctr"/>
+              <a:r>
+                <a:rPr lang="ja-JP" altLang="en-US" sz="1000" dirty="0" smtClean="0">
+                  <a:latin typeface="メイリオ" panose="020B0604030504040204" pitchFamily="50" charset="-128"/>
+                  <a:ea typeface="メイリオ" panose="020B0604030504040204" pitchFamily="50" charset="-128"/>
+                  <a:cs typeface="メイリオ" panose="020B0604030504040204" pitchFamily="50" charset="-128"/>
+                </a:rPr>
+                <a:t>・</a:t>
+              </a:r>
+              <a:r>
+                <a:rPr lang="en-US" altLang="ja-JP" sz="1000" dirty="0" smtClean="0">
+                  <a:latin typeface="メイリオ" panose="020B0604030504040204" pitchFamily="50" charset="-128"/>
+                  <a:ea typeface="メイリオ" panose="020B0604030504040204" pitchFamily="50" charset="-128"/>
+                  <a:cs typeface="メイリオ" panose="020B0604030504040204" pitchFamily="50" charset="-128"/>
+                </a:rPr>
+                <a:t>UI</a:t>
+              </a:r>
+              <a:endParaRPr kumimoji="1" lang="en-US" altLang="ja-JP" sz="1000" dirty="0" smtClean="0">
+                <a:latin typeface="メイリオ" panose="020B0604030504040204" pitchFamily="50" charset="-128"/>
+                <a:ea typeface="メイリオ" panose="020B0604030504040204" pitchFamily="50" charset="-128"/>
+                <a:cs typeface="メイリオ" panose="020B0604030504040204" pitchFamily="50" charset="-128"/>
+              </a:endParaRPr>
+            </a:p>
+          </p:txBody>
+        </p:sp>
+        <p:sp>
+          <p:nvSpPr>
+            <p:cNvPr id="36" name="正方形/長方形 35"/>
+            <p:cNvSpPr>
+              <a:spLocks/>
+            </p:cNvSpPr>
+            <p:nvPr/>
+          </p:nvSpPr>
+          <p:spPr>
+            <a:xfrm>
+              <a:off x="3082610" y="2524930"/>
+              <a:ext cx="277200" cy="118703"/>
+            </a:xfrm>
+            <a:prstGeom prst="rect">
+              <a:avLst/>
+            </a:prstGeom>
+            <a:gradFill flip="none" rotWithShape="1">
+              <a:gsLst>
+                <a:gs pos="0">
+                  <a:schemeClr val="bg1">
+                    <a:lumMod val="95000"/>
+                    <a:shade val="30000"/>
+                    <a:satMod val="115000"/>
+                  </a:schemeClr>
+                </a:gs>
+                <a:gs pos="50000">
+                  <a:schemeClr val="bg1">
+                    <a:lumMod val="95000"/>
+                    <a:shade val="67500"/>
+                    <a:satMod val="115000"/>
+                  </a:schemeClr>
+                </a:gs>
+                <a:gs pos="100000">
+                  <a:schemeClr val="bg1">
+                    <a:lumMod val="95000"/>
+                    <a:shade val="100000"/>
+                    <a:satMod val="115000"/>
+                  </a:schemeClr>
+                </a:gs>
+              </a:gsLst>
+              <a:lin ang="2700000" scaled="1"/>
+              <a:tileRect/>
+            </a:gradFill>
+            <a:ln>
+              <a:solidFill>
+                <a:schemeClr val="tx1"/>
+              </a:solidFill>
+            </a:ln>
+          </p:spPr>
+          <p:style>
+            <a:lnRef idx="1">
+              <a:schemeClr val="accent4"/>
+            </a:lnRef>
+            <a:fillRef idx="2">
+              <a:schemeClr val="accent4"/>
+            </a:fillRef>
+            <a:effectRef idx="1">
+              <a:schemeClr val="accent4"/>
+            </a:effectRef>
+            <a:fontRef idx="minor">
+              <a:schemeClr val="dk1"/>
+            </a:fontRef>
+          </p:style>
+          <p:txBody>
+            <a:bodyPr rtlCol="0" anchor="ctr"/>
+            <a:lstStyle/>
+            <a:p>
+              <a:pPr algn="ctr"/>
+              <a:endParaRPr kumimoji="1" lang="ja-JP" altLang="en-US"/>
+            </a:p>
+          </p:txBody>
+        </p:sp>
+      </p:grpSp>
+      <p:grpSp>
+        <p:nvGrpSpPr>
+          <p:cNvPr id="52" name="グループ化 51"/>
+          <p:cNvGrpSpPr/>
+          <p:nvPr/>
+        </p:nvGrpSpPr>
+        <p:grpSpPr>
+          <a:xfrm>
+            <a:off x="431686" y="2191817"/>
+            <a:ext cx="3022063" cy="310577"/>
+            <a:chOff x="520023" y="2393613"/>
+            <a:chExt cx="2385494" cy="310577"/>
+          </a:xfrm>
+        </p:grpSpPr>
+        <p:sp>
+          <p:nvSpPr>
+            <p:cNvPr id="39" name="正方形/長方形 38"/>
+            <p:cNvSpPr/>
+            <p:nvPr/>
+          </p:nvSpPr>
+          <p:spPr>
+            <a:xfrm>
+              <a:off x="520024" y="2492733"/>
+              <a:ext cx="2385493" cy="211457"/>
+            </a:xfrm>
+            <a:prstGeom prst="rect">
+              <a:avLst/>
+            </a:prstGeom>
+            <a:gradFill flip="none" rotWithShape="1">
+              <a:gsLst>
+                <a:gs pos="0">
+                  <a:srgbClr val="FFFF00">
+                    <a:tint val="66000"/>
+                    <a:satMod val="160000"/>
+                  </a:srgbClr>
+                </a:gs>
+                <a:gs pos="50000">
+                  <a:srgbClr val="FFFF00">
+                    <a:tint val="44500"/>
+                    <a:satMod val="160000"/>
+                  </a:srgbClr>
+                </a:gs>
+                <a:gs pos="100000">
+                  <a:srgbClr val="FFFF00">
+                    <a:tint val="23500"/>
+                    <a:satMod val="160000"/>
+                  </a:srgbClr>
+                </a:gs>
+              </a:gsLst>
+              <a:lin ang="2700000" scaled="1"/>
+              <a:tileRect/>
+            </a:gradFill>
+            <a:ln>
+              <a:solidFill>
+                <a:srgbClr val="FFCC00"/>
+              </a:solidFill>
+            </a:ln>
+          </p:spPr>
+          <p:style>
+            <a:lnRef idx="1">
+              <a:schemeClr val="accent2"/>
+            </a:lnRef>
+            <a:fillRef idx="2">
+              <a:schemeClr val="accent2"/>
+            </a:fillRef>
+            <a:effectRef idx="1">
+              <a:schemeClr val="accent2"/>
+            </a:effectRef>
+            <a:fontRef idx="minor">
+              <a:schemeClr val="dk1"/>
+            </a:fontRef>
+          </p:style>
+          <p:txBody>
+            <a:bodyPr rtlCol="0" anchor="ctr"/>
+            <a:lstStyle/>
+            <a:p>
+              <a:pPr algn="ctr"/>
+              <a:r>
+                <a:rPr lang="ja-JP" altLang="en-US" sz="1000" dirty="0" smtClean="0">
+                  <a:latin typeface="メイリオ" panose="020B0604030504040204" pitchFamily="50" charset="-128"/>
+                  <a:ea typeface="メイリオ" panose="020B0604030504040204" pitchFamily="50" charset="-128"/>
+                  <a:cs typeface="メイリオ" panose="020B0604030504040204" pitchFamily="50" charset="-128"/>
+                </a:rPr>
+                <a:t>全体制御</a:t>
+              </a:r>
+              <a:endParaRPr kumimoji="1" lang="en-US" altLang="ja-JP" sz="1000" dirty="0" smtClean="0">
+                <a:latin typeface="メイリオ" panose="020B0604030504040204" pitchFamily="50" charset="-128"/>
+                <a:ea typeface="メイリオ" panose="020B0604030504040204" pitchFamily="50" charset="-128"/>
+                <a:cs typeface="メイリオ" panose="020B0604030504040204" pitchFamily="50" charset="-128"/>
+              </a:endParaRPr>
+            </a:p>
+          </p:txBody>
+        </p:sp>
+        <p:sp>
+          <p:nvSpPr>
+            <p:cNvPr id="40" name="正方形/長方形 39"/>
+            <p:cNvSpPr>
+              <a:spLocks/>
+            </p:cNvSpPr>
+            <p:nvPr/>
+          </p:nvSpPr>
+          <p:spPr>
+            <a:xfrm>
+              <a:off x="520023" y="2393613"/>
+              <a:ext cx="288000" cy="99911"/>
+            </a:xfrm>
+            <a:prstGeom prst="rect">
+              <a:avLst/>
+            </a:prstGeom>
+            <a:gradFill flip="none" rotWithShape="1">
+              <a:gsLst>
+                <a:gs pos="0">
+                  <a:srgbClr val="FFFF00">
+                    <a:tint val="66000"/>
+                    <a:satMod val="160000"/>
+                  </a:srgbClr>
+                </a:gs>
+                <a:gs pos="50000">
+                  <a:srgbClr val="FFFF00">
+                    <a:tint val="44500"/>
+                    <a:satMod val="160000"/>
+                  </a:srgbClr>
+                </a:gs>
+                <a:gs pos="100000">
+                  <a:srgbClr val="FFFF00">
+                    <a:tint val="23500"/>
+                    <a:satMod val="160000"/>
+                  </a:srgbClr>
+                </a:gs>
+              </a:gsLst>
+              <a:lin ang="2700000" scaled="1"/>
+              <a:tileRect/>
+            </a:gradFill>
+            <a:ln>
+              <a:solidFill>
+                <a:srgbClr val="FFCC00"/>
+              </a:solidFill>
+            </a:ln>
+          </p:spPr>
+          <p:style>
+            <a:lnRef idx="1">
+              <a:schemeClr val="accent2"/>
+            </a:lnRef>
+            <a:fillRef idx="2">
+              <a:schemeClr val="accent2"/>
+            </a:fillRef>
+            <a:effectRef idx="1">
+              <a:schemeClr val="accent2"/>
+            </a:effectRef>
+            <a:fontRef idx="minor">
+              <a:schemeClr val="dk1"/>
+            </a:fontRef>
+          </p:style>
+          <p:txBody>
+            <a:bodyPr rtlCol="0" anchor="ctr"/>
+            <a:lstStyle/>
+            <a:p>
+              <a:pPr algn="ctr"/>
+              <a:endParaRPr kumimoji="1" lang="ja-JP" altLang="en-US"/>
+            </a:p>
+          </p:txBody>
+        </p:sp>
+      </p:grpSp>
+      <p:cxnSp>
+        <p:nvCxnSpPr>
+          <p:cNvPr id="44" name="直線矢印コネクタ 43"/>
+          <p:cNvCxnSpPr/>
+          <p:nvPr/>
+        </p:nvCxnSpPr>
+        <p:spPr>
+          <a:xfrm flipH="1">
+            <a:off x="1098663" y="3751525"/>
+            <a:ext cx="1" cy="200918"/>
+          </a:xfrm>
+          <a:prstGeom prst="straightConnector1">
+            <a:avLst/>
+          </a:prstGeom>
+          <a:ln w="12700">
+            <a:solidFill>
+              <a:schemeClr val="tx1"/>
+            </a:solidFill>
+            <a:prstDash val="sysDash"/>
+            <a:tailEnd type="arrow" w="lg" len="med"/>
+          </a:ln>
+        </p:spPr>
+        <p:style>
+          <a:lnRef idx="1">
+            <a:schemeClr val="accent1"/>
+          </a:lnRef>
+          <a:fillRef idx="0">
+            <a:schemeClr val="accent1"/>
+          </a:fillRef>
+          <a:effectRef idx="0">
+            <a:schemeClr val="accent1"/>
+          </a:effectRef>
+          <a:fontRef idx="minor">
+            <a:schemeClr val="tx1"/>
+          </a:fontRef>
+        </p:style>
+      </p:cxnSp>
+      <p:cxnSp>
+        <p:nvCxnSpPr>
+          <p:cNvPr id="47" name="直線矢印コネクタ 46"/>
+          <p:cNvCxnSpPr>
+            <a:stCxn id="22" idx="2"/>
+          </p:cNvCxnSpPr>
+          <p:nvPr/>
+        </p:nvCxnSpPr>
+        <p:spPr>
+          <a:xfrm flipH="1">
+            <a:off x="2296030" y="3752067"/>
+            <a:ext cx="46366" cy="191272"/>
+          </a:xfrm>
+          <a:prstGeom prst="straightConnector1">
+            <a:avLst/>
+          </a:prstGeom>
+          <a:ln w="12700">
+            <a:solidFill>
+              <a:schemeClr val="tx1"/>
+            </a:solidFill>
+            <a:prstDash val="sysDash"/>
+            <a:tailEnd type="arrow" w="lg" len="med"/>
+          </a:ln>
+        </p:spPr>
+        <p:style>
+          <a:lnRef idx="1">
+            <a:schemeClr val="accent1"/>
+          </a:lnRef>
+          <a:fillRef idx="0">
+            <a:schemeClr val="accent1"/>
+          </a:fillRef>
+          <a:effectRef idx="0">
+            <a:schemeClr val="accent1"/>
+          </a:effectRef>
+          <a:fontRef idx="minor">
+            <a:schemeClr val="tx1"/>
+          </a:fontRef>
+        </p:style>
+      </p:cxnSp>
+      <p:cxnSp>
+        <p:nvCxnSpPr>
+          <p:cNvPr id="50" name="直線矢印コネクタ 49"/>
+          <p:cNvCxnSpPr/>
+          <p:nvPr/>
+        </p:nvCxnSpPr>
+        <p:spPr>
+          <a:xfrm flipH="1">
+            <a:off x="1098663" y="3314497"/>
+            <a:ext cx="1" cy="200918"/>
+          </a:xfrm>
+          <a:prstGeom prst="straightConnector1">
+            <a:avLst/>
+          </a:prstGeom>
+          <a:ln w="12700">
+            <a:solidFill>
+              <a:schemeClr val="tx1"/>
+            </a:solidFill>
+            <a:prstDash val="sysDash"/>
+            <a:tailEnd type="arrow" w="lg" len="med"/>
+          </a:ln>
+        </p:spPr>
+        <p:style>
+          <a:lnRef idx="1">
+            <a:schemeClr val="accent1"/>
+          </a:lnRef>
+          <a:fillRef idx="0">
+            <a:schemeClr val="accent1"/>
+          </a:fillRef>
+          <a:effectRef idx="0">
+            <a:schemeClr val="accent1"/>
+          </a:effectRef>
+          <a:fontRef idx="minor">
+            <a:schemeClr val="tx1"/>
+          </a:fontRef>
+        </p:style>
+      </p:cxnSp>
+      <p:cxnSp>
+        <p:nvCxnSpPr>
+          <p:cNvPr id="51" name="直線矢印コネクタ 50"/>
+          <p:cNvCxnSpPr/>
+          <p:nvPr/>
+        </p:nvCxnSpPr>
+        <p:spPr>
+          <a:xfrm>
+            <a:off x="2309204" y="3324143"/>
+            <a:ext cx="0" cy="191272"/>
+          </a:xfrm>
+          <a:prstGeom prst="straightConnector1">
+            <a:avLst/>
+          </a:prstGeom>
+          <a:ln w="12700">
+            <a:solidFill>
+              <a:schemeClr val="tx1"/>
+            </a:solidFill>
+            <a:prstDash val="sysDash"/>
+            <a:tailEnd type="arrow" w="lg" len="med"/>
+          </a:ln>
+        </p:spPr>
+        <p:style>
+          <a:lnRef idx="1">
+            <a:schemeClr val="accent1"/>
+          </a:lnRef>
+          <a:fillRef idx="0">
+            <a:schemeClr val="accent1"/>
+          </a:fillRef>
+          <a:effectRef idx="0">
+            <a:schemeClr val="accent1"/>
+          </a:effectRef>
+          <a:fontRef idx="minor">
+            <a:schemeClr val="tx1"/>
+          </a:fontRef>
+        </p:style>
+      </p:cxnSp>
+      <p:cxnSp>
+        <p:nvCxnSpPr>
+          <p:cNvPr id="54" name="直線矢印コネクタ 53"/>
+          <p:cNvCxnSpPr/>
+          <p:nvPr/>
+        </p:nvCxnSpPr>
+        <p:spPr>
+          <a:xfrm flipH="1">
+            <a:off x="1098663" y="2914849"/>
+            <a:ext cx="1" cy="172654"/>
+          </a:xfrm>
+          <a:prstGeom prst="straightConnector1">
+            <a:avLst/>
+          </a:prstGeom>
+          <a:ln w="12700">
+            <a:solidFill>
+              <a:schemeClr val="tx1"/>
+            </a:solidFill>
+            <a:prstDash val="sysDash"/>
+            <a:tailEnd type="arrow" w="lg" len="med"/>
+          </a:ln>
+        </p:spPr>
+        <p:style>
+          <a:lnRef idx="1">
+            <a:schemeClr val="accent1"/>
+          </a:lnRef>
+          <a:fillRef idx="0">
+            <a:schemeClr val="accent1"/>
+          </a:fillRef>
+          <a:effectRef idx="0">
+            <a:schemeClr val="accent1"/>
+          </a:effectRef>
+          <a:fontRef idx="minor">
+            <a:schemeClr val="tx1"/>
+          </a:fontRef>
+        </p:style>
+      </p:cxnSp>
+      <p:cxnSp>
+        <p:nvCxnSpPr>
+          <p:cNvPr id="56" name="直線矢印コネクタ 55"/>
+          <p:cNvCxnSpPr>
+            <a:stCxn id="24" idx="2"/>
+          </p:cNvCxnSpPr>
+          <p:nvPr/>
+        </p:nvCxnSpPr>
+        <p:spPr>
+          <a:xfrm>
+            <a:off x="2349144" y="2912510"/>
+            <a:ext cx="7360" cy="195672"/>
+          </a:xfrm>
+          <a:prstGeom prst="straightConnector1">
+            <a:avLst/>
+          </a:prstGeom>
+          <a:ln w="12700">
+            <a:solidFill>
+              <a:schemeClr val="tx1"/>
+            </a:solidFill>
+            <a:prstDash val="sysDash"/>
+            <a:tailEnd type="arrow" w="lg" len="med"/>
+          </a:ln>
+        </p:spPr>
+        <p:style>
+          <a:lnRef idx="1">
+            <a:schemeClr val="accent1"/>
+          </a:lnRef>
+          <a:fillRef idx="0">
+            <a:schemeClr val="accent1"/>
+          </a:fillRef>
+          <a:effectRef idx="0">
+            <a:schemeClr val="accent1"/>
+          </a:effectRef>
+          <a:fontRef idx="minor">
+            <a:schemeClr val="tx1"/>
+          </a:fontRef>
+        </p:style>
+      </p:cxnSp>
+      <p:cxnSp>
+        <p:nvCxnSpPr>
+          <p:cNvPr id="60" name="直線矢印コネクタ 59"/>
+          <p:cNvCxnSpPr/>
+          <p:nvPr/>
+        </p:nvCxnSpPr>
+        <p:spPr>
+          <a:xfrm flipH="1">
+            <a:off x="1081537" y="2516736"/>
+            <a:ext cx="1" cy="172654"/>
+          </a:xfrm>
+          <a:prstGeom prst="straightConnector1">
+            <a:avLst/>
+          </a:prstGeom>
+          <a:ln w="12700">
+            <a:solidFill>
+              <a:schemeClr val="tx1"/>
+            </a:solidFill>
+            <a:prstDash val="sysDash"/>
+            <a:tailEnd type="arrow" w="lg" len="med"/>
+          </a:ln>
+        </p:spPr>
+        <p:style>
+          <a:lnRef idx="1">
+            <a:schemeClr val="accent1"/>
+          </a:lnRef>
+          <a:fillRef idx="0">
+            <a:schemeClr val="accent1"/>
+          </a:fillRef>
+          <a:effectRef idx="0">
+            <a:schemeClr val="accent1"/>
+          </a:effectRef>
+          <a:fontRef idx="minor">
+            <a:schemeClr val="tx1"/>
+          </a:fontRef>
+        </p:style>
+      </p:cxnSp>
+      <p:cxnSp>
+        <p:nvCxnSpPr>
+          <p:cNvPr id="61" name="直線矢印コネクタ 60"/>
+          <p:cNvCxnSpPr/>
+          <p:nvPr/>
+        </p:nvCxnSpPr>
+        <p:spPr>
+          <a:xfrm flipH="1">
+            <a:off x="2339378" y="2508931"/>
+            <a:ext cx="1" cy="172654"/>
+          </a:xfrm>
+          <a:prstGeom prst="straightConnector1">
+            <a:avLst/>
+          </a:prstGeom>
+          <a:ln w="12700">
+            <a:solidFill>
+              <a:schemeClr val="tx1"/>
+            </a:solidFill>
+            <a:prstDash val="sysDash"/>
+            <a:tailEnd type="arrow" w="lg" len="med"/>
+          </a:ln>
+        </p:spPr>
+        <p:style>
+          <a:lnRef idx="1">
+            <a:schemeClr val="accent1"/>
+          </a:lnRef>
+          <a:fillRef idx="0">
+            <a:schemeClr val="accent1"/>
+          </a:fillRef>
+          <a:effectRef idx="0">
+            <a:schemeClr val="accent1"/>
+          </a:effectRef>
+          <a:fontRef idx="minor">
+            <a:schemeClr val="tx1"/>
+          </a:fontRef>
+        </p:style>
+      </p:cxnSp>
+      <p:sp>
+        <p:nvSpPr>
+          <p:cNvPr id="62" name="テキスト ボックス 61"/>
+          <p:cNvSpPr txBox="1"/>
+          <p:nvPr/>
+        </p:nvSpPr>
+        <p:spPr>
+          <a:xfrm>
+            <a:off x="2505129" y="1853713"/>
+            <a:ext cx="5765419" cy="430887"/>
+          </a:xfrm>
+          <a:prstGeom prst="rect">
+            <a:avLst/>
+          </a:prstGeom>
+          <a:noFill/>
+        </p:spPr>
+        <p:txBody>
+          <a:bodyPr wrap="square" rtlCol="0">
+            <a:spAutoFit/>
+          </a:bodyPr>
+          <a:lstStyle/>
+          <a:p>
+            <a:r>
+              <a:rPr lang="ja-JP" altLang="en-US" sz="1100" dirty="0" smtClean="0">
+                <a:latin typeface="メイリオ" panose="020B0604030504040204" pitchFamily="50" charset="-128"/>
+                <a:ea typeface="メイリオ" panose="020B0604030504040204" pitchFamily="50" charset="-128"/>
+                <a:cs typeface="メイリオ" panose="020B0604030504040204" pitchFamily="50" charset="-128"/>
+              </a:rPr>
+              <a:t>システムをその機能の抽象度に着目して階層化し、パッケージとした</a:t>
+            </a:r>
+            <a:r>
+              <a:rPr lang="en-US" altLang="ja-JP" sz="1100" dirty="0" smtClean="0">
+                <a:latin typeface="メイリオ" panose="020B0604030504040204" pitchFamily="50" charset="-128"/>
+                <a:ea typeface="メイリオ" panose="020B0604030504040204" pitchFamily="50" charset="-128"/>
+                <a:cs typeface="メイリオ" panose="020B0604030504040204" pitchFamily="50" charset="-128"/>
+              </a:rPr>
+              <a:t>(</a:t>
+            </a:r>
+            <a:r>
+              <a:rPr lang="ja-JP" altLang="en-US" sz="1100" dirty="0" smtClean="0">
+                <a:latin typeface="メイリオ" panose="020B0604030504040204" pitchFamily="50" charset="-128"/>
+                <a:ea typeface="メイリオ" panose="020B0604030504040204" pitchFamily="50" charset="-128"/>
+                <a:cs typeface="メイリオ" panose="020B0604030504040204" pitchFamily="50" charset="-128"/>
+              </a:rPr>
+              <a:t>表示・</a:t>
+            </a:r>
+            <a:r>
+              <a:rPr lang="en-US" altLang="ja-JP" sz="1100" dirty="0" smtClean="0">
+                <a:latin typeface="メイリオ" panose="020B0604030504040204" pitchFamily="50" charset="-128"/>
+                <a:ea typeface="メイリオ" panose="020B0604030504040204" pitchFamily="50" charset="-128"/>
+                <a:cs typeface="メイリオ" panose="020B0604030504040204" pitchFamily="50" charset="-128"/>
+              </a:rPr>
+              <a:t>UI</a:t>
+            </a:r>
+            <a:r>
+              <a:rPr lang="ja-JP" altLang="en-US" sz="1100" dirty="0" smtClean="0">
+                <a:latin typeface="メイリオ" panose="020B0604030504040204" pitchFamily="50" charset="-128"/>
+                <a:ea typeface="メイリオ" panose="020B0604030504040204" pitchFamily="50" charset="-128"/>
+                <a:cs typeface="メイリオ" panose="020B0604030504040204" pitchFamily="50" charset="-128"/>
+              </a:rPr>
+              <a:t>を除く</a:t>
+            </a:r>
+            <a:r>
+              <a:rPr lang="en-US" altLang="ja-JP" sz="1100" dirty="0" smtClean="0">
+                <a:latin typeface="メイリオ" panose="020B0604030504040204" pitchFamily="50" charset="-128"/>
+                <a:ea typeface="メイリオ" panose="020B0604030504040204" pitchFamily="50" charset="-128"/>
+                <a:cs typeface="メイリオ" panose="020B0604030504040204" pitchFamily="50" charset="-128"/>
+              </a:rPr>
+              <a:t>)</a:t>
+            </a:r>
+            <a:r>
+              <a:rPr lang="ja-JP" altLang="en-US" sz="1100" dirty="0" err="1">
+                <a:latin typeface="メイリオ" panose="020B0604030504040204" pitchFamily="50" charset="-128"/>
+                <a:ea typeface="メイリオ" panose="020B0604030504040204" pitchFamily="50" charset="-128"/>
+                <a:cs typeface="メイリオ" panose="020B0604030504040204" pitchFamily="50" charset="-128"/>
+              </a:rPr>
+              <a:t>。</a:t>
+            </a:r>
+            <a:r>
+              <a:rPr lang="ja-JP" altLang="en-US" sz="1100" dirty="0" smtClean="0">
+                <a:latin typeface="メイリオ" panose="020B0604030504040204" pitchFamily="50" charset="-128"/>
+                <a:ea typeface="メイリオ" panose="020B0604030504040204" pitchFamily="50" charset="-128"/>
+                <a:cs typeface="メイリオ" panose="020B0604030504040204" pitchFamily="50" charset="-128"/>
+              </a:rPr>
+              <a:t>上位層の機能はその直下の層によって実現される。</a:t>
+            </a:r>
+            <a:endParaRPr kumimoji="1" lang="ja-JP" altLang="en-US" sz="1100" dirty="0">
+              <a:latin typeface="メイリオ" panose="020B0604030504040204" pitchFamily="50" charset="-128"/>
+              <a:ea typeface="メイリオ" panose="020B0604030504040204" pitchFamily="50" charset="-128"/>
+              <a:cs typeface="メイリオ" panose="020B0604030504040204" pitchFamily="50" charset="-128"/>
+            </a:endParaRPr>
+          </a:p>
+        </p:txBody>
+      </p:sp>
+      <p:cxnSp>
+        <p:nvCxnSpPr>
+          <p:cNvPr id="63" name="直線矢印コネクタ 62"/>
+          <p:cNvCxnSpPr>
+            <a:stCxn id="18" idx="2"/>
+          </p:cNvCxnSpPr>
+          <p:nvPr/>
+        </p:nvCxnSpPr>
+        <p:spPr>
+          <a:xfrm flipH="1">
+            <a:off x="3205517" y="3751525"/>
+            <a:ext cx="1" cy="200918"/>
+          </a:xfrm>
+          <a:prstGeom prst="straightConnector1">
+            <a:avLst/>
+          </a:prstGeom>
+          <a:ln w="12700">
+            <a:solidFill>
+              <a:schemeClr val="tx1"/>
+            </a:solidFill>
+            <a:prstDash val="sysDash"/>
+            <a:tailEnd type="arrow" w="lg" len="med"/>
+          </a:ln>
+        </p:spPr>
+        <p:style>
+          <a:lnRef idx="1">
+            <a:schemeClr val="accent1"/>
+          </a:lnRef>
+          <a:fillRef idx="0">
+            <a:schemeClr val="accent1"/>
+          </a:fillRef>
+          <a:effectRef idx="0">
+            <a:schemeClr val="accent1"/>
+          </a:effectRef>
+          <a:fontRef idx="minor">
+            <a:schemeClr val="tx1"/>
+          </a:fontRef>
+        </p:style>
+      </p:cxnSp>
+      <p:graphicFrame>
+        <p:nvGraphicFramePr>
+          <p:cNvPr id="66" name="表 65"/>
+          <p:cNvGraphicFramePr>
+            <a:graphicFrameLocks noGrp="1"/>
+          </p:cNvGraphicFramePr>
+          <p:nvPr>
+            <p:extLst>
+              <p:ext uri="{D42A27DB-BD31-4B8C-83A1-F6EECF244321}">
+                <p14:modId xmlns:p14="http://schemas.microsoft.com/office/powerpoint/2010/main" val="1025983933"/>
+              </p:ext>
+            </p:extLst>
+          </p:nvPr>
+        </p:nvGraphicFramePr>
+        <p:xfrm>
+          <a:off x="3536259" y="2272583"/>
+          <a:ext cx="5019288" cy="2194560"/>
+        </p:xfrm>
+        <a:graphic>
+          <a:graphicData uri="http://schemas.openxmlformats.org/drawingml/2006/table">
+            <a:tbl>
+              <a:tblPr firstRow="1" bandRow="1">
+                <a:tableStyleId>{5940675A-B579-460E-94D1-54222C63F5DA}</a:tableStyleId>
+              </a:tblPr>
+              <a:tblGrid>
+                <a:gridCol w="1131362"/>
+                <a:gridCol w="3887926"/>
+              </a:tblGrid>
+              <a:tr h="240603">
+                <a:tc>
+                  <a:txBody>
+                    <a:bodyPr/>
+                    <a:lstStyle/>
+                    <a:p>
+                      <a:pPr algn="ctr"/>
+                      <a:r>
+                        <a:rPr kumimoji="1" lang="ja-JP" altLang="en-US" sz="1000" b="1" dirty="0" smtClean="0">
+                          <a:latin typeface="メイリオ" panose="020B0604030504040204" pitchFamily="50" charset="-128"/>
+                          <a:ea typeface="メイリオ" panose="020B0604030504040204" pitchFamily="50" charset="-128"/>
+                          <a:cs typeface="メイリオ" panose="020B0604030504040204" pitchFamily="50" charset="-128"/>
+                        </a:rPr>
+                        <a:t>パッケージ名</a:t>
+                      </a:r>
+                      <a:endParaRPr kumimoji="1" lang="ja-JP" altLang="en-US" sz="1000" b="1" dirty="0">
+                        <a:latin typeface="メイリオ" panose="020B0604030504040204" pitchFamily="50" charset="-128"/>
+                        <a:ea typeface="メイリオ" panose="020B0604030504040204" pitchFamily="50" charset="-128"/>
+                        <a:cs typeface="メイリオ" panose="020B0604030504040204" pitchFamily="50" charset="-128"/>
+                      </a:endParaRPr>
+                    </a:p>
+                  </a:txBody>
+                  <a:tcPr>
+                    <a:solidFill>
+                      <a:schemeClr val="accent3">
+                        <a:lumMod val="20000"/>
+                        <a:lumOff val="80000"/>
+                      </a:schemeClr>
+                    </a:solidFill>
+                  </a:tcPr>
+                </a:tc>
+                <a:tc>
+                  <a:txBody>
+                    <a:bodyPr/>
+                    <a:lstStyle/>
+                    <a:p>
+                      <a:pPr algn="ctr"/>
+                      <a:r>
+                        <a:rPr kumimoji="1" lang="ja-JP" altLang="en-US" sz="1000" b="1" dirty="0" smtClean="0">
+                          <a:latin typeface="メイリオ" panose="020B0604030504040204" pitchFamily="50" charset="-128"/>
+                          <a:ea typeface="メイリオ" panose="020B0604030504040204" pitchFamily="50" charset="-128"/>
+                          <a:cs typeface="メイリオ" panose="020B0604030504040204" pitchFamily="50" charset="-128"/>
+                        </a:rPr>
+                        <a:t>概要</a:t>
+                      </a:r>
+                      <a:endParaRPr kumimoji="1" lang="ja-JP" altLang="en-US" sz="1000" b="1" dirty="0">
+                        <a:latin typeface="メイリオ" panose="020B0604030504040204" pitchFamily="50" charset="-128"/>
+                        <a:ea typeface="メイリオ" panose="020B0604030504040204" pitchFamily="50" charset="-128"/>
+                        <a:cs typeface="メイリオ" panose="020B0604030504040204" pitchFamily="50" charset="-128"/>
+                      </a:endParaRPr>
+                    </a:p>
+                  </a:txBody>
+                  <a:tcPr>
+                    <a:solidFill>
+                      <a:schemeClr val="accent5">
+                        <a:lumMod val="20000"/>
+                        <a:lumOff val="80000"/>
+                      </a:schemeClr>
+                    </a:solidFill>
+                  </a:tcPr>
+                </a:tc>
+              </a:tr>
+              <a:tr h="240603">
+                <a:tc>
+                  <a:txBody>
+                    <a:bodyPr/>
+                    <a:lstStyle/>
+                    <a:p>
+                      <a:r>
+                        <a:rPr kumimoji="1" lang="ja-JP" altLang="en-US" sz="1000" dirty="0" smtClean="0">
+                          <a:latin typeface="メイリオ" panose="020B0604030504040204" pitchFamily="50" charset="-128"/>
+                          <a:ea typeface="メイリオ" panose="020B0604030504040204" pitchFamily="50" charset="-128"/>
+                          <a:cs typeface="メイリオ" panose="020B0604030504040204" pitchFamily="50" charset="-128"/>
+                        </a:rPr>
+                        <a:t>全体制御</a:t>
+                      </a:r>
+                      <a:endParaRPr kumimoji="1" lang="ja-JP" altLang="en-US" sz="1000" b="1" dirty="0">
+                        <a:latin typeface="メイリオ" panose="020B0604030504040204" pitchFamily="50" charset="-128"/>
+                        <a:ea typeface="メイリオ" panose="020B0604030504040204" pitchFamily="50" charset="-128"/>
+                        <a:cs typeface="メイリオ" panose="020B0604030504040204" pitchFamily="50" charset="-128"/>
+                      </a:endParaRPr>
+                    </a:p>
+                  </a:txBody>
+                  <a:tcPr>
+                    <a:gradFill flip="none" rotWithShape="1">
+                      <a:gsLst>
+                        <a:gs pos="0">
+                          <a:srgbClr val="FFFF00">
+                            <a:tint val="66000"/>
+                            <a:satMod val="160000"/>
+                          </a:srgbClr>
+                        </a:gs>
+                        <a:gs pos="50000">
+                          <a:srgbClr val="FFFF00">
+                            <a:tint val="44500"/>
+                            <a:satMod val="160000"/>
+                          </a:srgbClr>
+                        </a:gs>
+                        <a:gs pos="100000">
+                          <a:srgbClr val="FFFF00">
+                            <a:tint val="23500"/>
+                            <a:satMod val="160000"/>
+                          </a:srgbClr>
+                        </a:gs>
+                      </a:gsLst>
+                      <a:lin ang="2700000" scaled="1"/>
+                      <a:tileRect/>
+                    </a:gradFill>
+                  </a:tcPr>
+                </a:tc>
+                <a:tc>
+                  <a:txBody>
+                    <a:bodyPr/>
+                    <a:lstStyle/>
+                    <a:p>
+                      <a:r>
+                        <a:rPr kumimoji="1" lang="ja-JP" altLang="en-US" sz="1000" dirty="0" smtClean="0">
+                          <a:latin typeface="メイリオ" panose="020B0604030504040204" pitchFamily="50" charset="-128"/>
+                          <a:ea typeface="メイリオ" panose="020B0604030504040204" pitchFamily="50" charset="-128"/>
+                          <a:cs typeface="メイリオ" panose="020B0604030504040204" pitchFamily="50" charset="-128"/>
+                        </a:rPr>
+                        <a:t>各パッケージのインスタンスの管理、戦略の実行。</a:t>
+                      </a:r>
+                      <a:endParaRPr kumimoji="1" lang="ja-JP" altLang="en-US" sz="1000" dirty="0">
+                        <a:latin typeface="メイリオ" panose="020B0604030504040204" pitchFamily="50" charset="-128"/>
+                        <a:ea typeface="メイリオ" panose="020B0604030504040204" pitchFamily="50" charset="-128"/>
+                        <a:cs typeface="メイリオ" panose="020B0604030504040204" pitchFamily="50" charset="-128"/>
+                      </a:endParaRPr>
+                    </a:p>
+                  </a:txBody>
+                  <a:tcPr/>
+                </a:tc>
+              </a:tr>
+              <a:tr h="240603">
+                <a:tc>
+                  <a:txBody>
+                    <a:bodyPr/>
+                    <a:lstStyle/>
+                    <a:p>
+                      <a:r>
+                        <a:rPr kumimoji="1" lang="en-US" altLang="ja-JP" sz="1000" dirty="0" smtClean="0">
+                          <a:latin typeface="メイリオ" panose="020B0604030504040204" pitchFamily="50" charset="-128"/>
+                          <a:ea typeface="メイリオ" panose="020B0604030504040204" pitchFamily="50" charset="-128"/>
+                          <a:cs typeface="メイリオ" panose="020B0604030504040204" pitchFamily="50" charset="-128"/>
+                        </a:rPr>
+                        <a:t>R</a:t>
+                      </a:r>
+                      <a:r>
+                        <a:rPr kumimoji="1" lang="ja-JP" altLang="en-US" sz="1000" dirty="0" smtClean="0">
+                          <a:latin typeface="メイリオ" panose="020B0604030504040204" pitchFamily="50" charset="-128"/>
+                          <a:ea typeface="メイリオ" panose="020B0604030504040204" pitchFamily="50" charset="-128"/>
+                          <a:cs typeface="メイリオ" panose="020B0604030504040204" pitchFamily="50" charset="-128"/>
+                        </a:rPr>
+                        <a:t>ゲーム攻略</a:t>
+                      </a:r>
+                      <a:endParaRPr kumimoji="1" lang="ja-JP" altLang="en-US" sz="1000" dirty="0">
+                        <a:latin typeface="メイリオ" panose="020B0604030504040204" pitchFamily="50" charset="-128"/>
+                        <a:ea typeface="メイリオ" panose="020B0604030504040204" pitchFamily="50" charset="-128"/>
+                        <a:cs typeface="メイリオ" panose="020B0604030504040204" pitchFamily="50" charset="-128"/>
+                      </a:endParaRPr>
+                    </a:p>
+                  </a:txBody>
+                  <a:tcPr>
+                    <a:gradFill flip="none" rotWithShape="1">
+                      <a:gsLst>
+                        <a:gs pos="0">
+                          <a:srgbClr val="00FF00">
+                            <a:tint val="66000"/>
+                            <a:satMod val="160000"/>
+                          </a:srgbClr>
+                        </a:gs>
+                        <a:gs pos="50000">
+                          <a:srgbClr val="00FF00">
+                            <a:tint val="44500"/>
+                            <a:satMod val="160000"/>
+                          </a:srgbClr>
+                        </a:gs>
+                        <a:gs pos="100000">
+                          <a:srgbClr val="00FF00">
+                            <a:tint val="23500"/>
+                            <a:satMod val="160000"/>
+                          </a:srgbClr>
+                        </a:gs>
+                      </a:gsLst>
+                      <a:lin ang="2700000" scaled="1"/>
+                      <a:tileRect/>
+                    </a:gradFill>
+                  </a:tcPr>
+                </a:tc>
+                <a:tc>
+                  <a:txBody>
+                    <a:bodyPr/>
+                    <a:lstStyle/>
+                    <a:p>
+                      <a:r>
+                        <a:rPr kumimoji="1" lang="ja-JP" altLang="en-US" sz="1000" dirty="0" smtClean="0">
+                          <a:latin typeface="メイリオ" panose="020B0604030504040204" pitchFamily="50" charset="-128"/>
+                          <a:ea typeface="メイリオ" panose="020B0604030504040204" pitchFamily="50" charset="-128"/>
+                          <a:cs typeface="メイリオ" panose="020B0604030504040204" pitchFamily="50" charset="-128"/>
+                        </a:rPr>
+                        <a:t>ブロック並べ攻略のモデルを管理し、戦術を作成する。</a:t>
+                      </a:r>
+                      <a:endParaRPr kumimoji="1" lang="ja-JP" altLang="en-US" sz="1000" dirty="0">
+                        <a:latin typeface="メイリオ" panose="020B0604030504040204" pitchFamily="50" charset="-128"/>
+                        <a:ea typeface="メイリオ" panose="020B0604030504040204" pitchFamily="50" charset="-128"/>
+                        <a:cs typeface="メイリオ" panose="020B0604030504040204" pitchFamily="50" charset="-128"/>
+                      </a:endParaRPr>
+                    </a:p>
+                  </a:txBody>
+                  <a:tcPr/>
+                </a:tc>
+              </a:tr>
+              <a:tr h="240603">
+                <a:tc>
+                  <a:txBody>
+                    <a:bodyPr/>
+                    <a:lstStyle/>
+                    <a:p>
+                      <a:r>
+                        <a:rPr kumimoji="1" lang="ja-JP" altLang="en-US" sz="1000" dirty="0" smtClean="0">
+                          <a:latin typeface="メイリオ" panose="020B0604030504040204" pitchFamily="50" charset="-128"/>
+                          <a:ea typeface="メイリオ" panose="020B0604030504040204" pitchFamily="50" charset="-128"/>
+                          <a:cs typeface="メイリオ" panose="020B0604030504040204" pitchFamily="50" charset="-128"/>
+                        </a:rPr>
+                        <a:t>走行エリア攻略</a:t>
+                      </a:r>
+                      <a:endParaRPr kumimoji="1" lang="ja-JP" altLang="en-US" sz="1000" dirty="0">
+                        <a:latin typeface="メイリオ" panose="020B0604030504040204" pitchFamily="50" charset="-128"/>
+                        <a:ea typeface="メイリオ" panose="020B0604030504040204" pitchFamily="50" charset="-128"/>
+                        <a:cs typeface="メイリオ" panose="020B0604030504040204" pitchFamily="50" charset="-128"/>
+                      </a:endParaRPr>
+                    </a:p>
+                  </a:txBody>
+                  <a:tcPr>
+                    <a:gradFill flip="none" rotWithShape="1">
+                      <a:gsLst>
+                        <a:gs pos="0">
+                          <a:srgbClr val="00FFFF">
+                            <a:tint val="66000"/>
+                            <a:satMod val="160000"/>
+                          </a:srgbClr>
+                        </a:gs>
+                        <a:gs pos="50000">
+                          <a:srgbClr val="00FFFF">
+                            <a:tint val="44500"/>
+                            <a:satMod val="160000"/>
+                          </a:srgbClr>
+                        </a:gs>
+                        <a:gs pos="100000">
+                          <a:srgbClr val="00FFFF">
+                            <a:tint val="23500"/>
+                            <a:satMod val="160000"/>
+                          </a:srgbClr>
+                        </a:gs>
+                      </a:gsLst>
+                      <a:lin ang="2700000" scaled="1"/>
+                      <a:tileRect/>
+                    </a:gradFill>
+                  </a:tcPr>
+                </a:tc>
+                <a:tc>
+                  <a:txBody>
+                    <a:bodyPr/>
+                    <a:lstStyle/>
+                    <a:p>
+                      <a:r>
+                        <a:rPr kumimoji="1" lang="ja-JP" altLang="en-US" sz="1000" dirty="0" smtClean="0">
+                          <a:latin typeface="メイリオ" panose="020B0604030504040204" pitchFamily="50" charset="-128"/>
+                          <a:ea typeface="メイリオ" panose="020B0604030504040204" pitchFamily="50" charset="-128"/>
+                          <a:cs typeface="メイリオ" panose="020B0604030504040204" pitchFamily="50" charset="-128"/>
+                        </a:rPr>
+                        <a:t>ブロック並べ以外のコース情報から走行戦術を作成する。</a:t>
+                      </a:r>
+                      <a:endParaRPr kumimoji="1" lang="ja-JP" altLang="en-US" sz="1000" dirty="0">
+                        <a:latin typeface="メイリオ" panose="020B0604030504040204" pitchFamily="50" charset="-128"/>
+                        <a:ea typeface="メイリオ" panose="020B0604030504040204" pitchFamily="50" charset="-128"/>
+                        <a:cs typeface="メイリオ" panose="020B0604030504040204" pitchFamily="50" charset="-128"/>
+                      </a:endParaRPr>
+                    </a:p>
+                  </a:txBody>
+                  <a:tcPr/>
+                </a:tc>
+              </a:tr>
+              <a:tr h="240603">
+                <a:tc>
+                  <a:txBody>
+                    <a:bodyPr/>
+                    <a:lstStyle/>
+                    <a:p>
+                      <a:r>
+                        <a:rPr kumimoji="1" lang="ja-JP" altLang="en-US" sz="1000" dirty="0" smtClean="0">
+                          <a:latin typeface="メイリオ" panose="020B0604030504040204" pitchFamily="50" charset="-128"/>
+                          <a:ea typeface="メイリオ" panose="020B0604030504040204" pitchFamily="50" charset="-128"/>
+                          <a:cs typeface="メイリオ" panose="020B0604030504040204" pitchFamily="50" charset="-128"/>
+                        </a:rPr>
+                        <a:t>攻略手順実行</a:t>
+                      </a:r>
+                      <a:endParaRPr kumimoji="1" lang="ja-JP" altLang="en-US" sz="1000" dirty="0">
+                        <a:latin typeface="メイリオ" panose="020B0604030504040204" pitchFamily="50" charset="-128"/>
+                        <a:ea typeface="メイリオ" panose="020B0604030504040204" pitchFamily="50" charset="-128"/>
+                        <a:cs typeface="メイリオ" panose="020B0604030504040204" pitchFamily="50" charset="-128"/>
+                      </a:endParaRPr>
+                    </a:p>
+                  </a:txBody>
+                  <a:tcPr>
+                    <a:gradFill flip="none" rotWithShape="1">
+                      <a:gsLst>
+                        <a:gs pos="0">
+                          <a:srgbClr val="FF3399">
+                            <a:tint val="66000"/>
+                            <a:satMod val="160000"/>
+                          </a:srgbClr>
+                        </a:gs>
+                        <a:gs pos="50000">
+                          <a:srgbClr val="FF3399">
+                            <a:tint val="44500"/>
+                            <a:satMod val="160000"/>
+                          </a:srgbClr>
+                        </a:gs>
+                        <a:gs pos="100000">
+                          <a:srgbClr val="FF3399">
+                            <a:tint val="23500"/>
+                            <a:satMod val="160000"/>
+                          </a:srgbClr>
+                        </a:gs>
+                      </a:gsLst>
+                      <a:lin ang="2700000" scaled="1"/>
+                      <a:tileRect/>
+                    </a:gradFill>
+                  </a:tcPr>
+                </a:tc>
+                <a:tc>
+                  <a:txBody>
+                    <a:bodyPr/>
+                    <a:lstStyle/>
+                    <a:p>
+                      <a:r>
+                        <a:rPr kumimoji="1" lang="en-US" altLang="ja-JP" sz="1000" dirty="0" smtClean="0">
+                          <a:latin typeface="メイリオ" panose="020B0604030504040204" pitchFamily="50" charset="-128"/>
+                          <a:ea typeface="メイリオ" panose="020B0604030504040204" pitchFamily="50" charset="-128"/>
+                          <a:cs typeface="メイリオ" panose="020B0604030504040204" pitchFamily="50" charset="-128"/>
+                        </a:rPr>
+                        <a:t>R</a:t>
+                      </a:r>
+                      <a:r>
+                        <a:rPr kumimoji="1" lang="ja-JP" altLang="en-US" sz="1000" dirty="0" smtClean="0">
+                          <a:latin typeface="メイリオ" panose="020B0604030504040204" pitchFamily="50" charset="-128"/>
+                          <a:ea typeface="メイリオ" panose="020B0604030504040204" pitchFamily="50" charset="-128"/>
+                          <a:cs typeface="メイリオ" panose="020B0604030504040204" pitchFamily="50" charset="-128"/>
+                        </a:rPr>
+                        <a:t>ゲーム攻略、走行エリア攻略が作成した一連の指示を実行する。</a:t>
+                      </a:r>
+                      <a:endParaRPr kumimoji="1" lang="ja-JP" altLang="en-US" sz="1000" dirty="0">
+                        <a:latin typeface="メイリオ" panose="020B0604030504040204" pitchFamily="50" charset="-128"/>
+                        <a:ea typeface="メイリオ" panose="020B0604030504040204" pitchFamily="50" charset="-128"/>
+                        <a:cs typeface="メイリオ" panose="020B0604030504040204" pitchFamily="50" charset="-128"/>
+                      </a:endParaRPr>
+                    </a:p>
+                  </a:txBody>
+                  <a:tcPr/>
+                </a:tc>
+              </a:tr>
+              <a:tr h="240603">
+                <a:tc>
+                  <a:txBody>
+                    <a:bodyPr/>
+                    <a:lstStyle/>
+                    <a:p>
+                      <a:r>
+                        <a:rPr kumimoji="1" lang="ja-JP" altLang="en-US" sz="1000" dirty="0" smtClean="0">
+                          <a:latin typeface="メイリオ" panose="020B0604030504040204" pitchFamily="50" charset="-128"/>
+                          <a:ea typeface="メイリオ" panose="020B0604030504040204" pitchFamily="50" charset="-128"/>
+                          <a:cs typeface="メイリオ" panose="020B0604030504040204" pitchFamily="50" charset="-128"/>
+                        </a:rPr>
+                        <a:t>動作</a:t>
+                      </a:r>
+                      <a:endParaRPr kumimoji="1" lang="ja-JP" altLang="en-US" sz="1000" dirty="0">
+                        <a:latin typeface="メイリオ" panose="020B0604030504040204" pitchFamily="50" charset="-128"/>
+                        <a:ea typeface="メイリオ" panose="020B0604030504040204" pitchFamily="50" charset="-128"/>
+                        <a:cs typeface="メイリオ" panose="020B0604030504040204" pitchFamily="50" charset="-128"/>
+                      </a:endParaRPr>
+                    </a:p>
+                  </a:txBody>
+                  <a:tcPr>
+                    <a:gradFill flip="none" rotWithShape="1">
+                      <a:gsLst>
+                        <a:gs pos="0">
+                          <a:srgbClr val="FFC000">
+                            <a:tint val="66000"/>
+                            <a:satMod val="160000"/>
+                          </a:srgbClr>
+                        </a:gs>
+                        <a:gs pos="50000">
+                          <a:srgbClr val="FFC000">
+                            <a:tint val="44500"/>
+                            <a:satMod val="160000"/>
+                          </a:srgbClr>
+                        </a:gs>
+                        <a:gs pos="100000">
+                          <a:srgbClr val="FFC000">
+                            <a:tint val="23500"/>
+                            <a:satMod val="160000"/>
+                          </a:srgbClr>
+                        </a:gs>
+                      </a:gsLst>
+                      <a:lin ang="2700000" scaled="1"/>
+                      <a:tileRect/>
+                    </a:gradFill>
+                  </a:tcPr>
+                </a:tc>
+                <a:tc>
+                  <a:txBody>
+                    <a:bodyPr/>
+                    <a:lstStyle/>
+                    <a:p>
+                      <a:r>
+                        <a:rPr kumimoji="1" lang="ja-JP" altLang="en-US" sz="1000" dirty="0" smtClean="0">
+                          <a:latin typeface="メイリオ" panose="020B0604030504040204" pitchFamily="50" charset="-128"/>
+                          <a:ea typeface="メイリオ" panose="020B0604030504040204" pitchFamily="50" charset="-128"/>
+                          <a:cs typeface="メイリオ" panose="020B0604030504040204" pitchFamily="50" charset="-128"/>
+                        </a:rPr>
+                        <a:t>ブロック色認識等のなどの複雑な動作を行う。</a:t>
+                      </a:r>
+                      <a:endParaRPr kumimoji="1" lang="ja-JP" altLang="en-US" sz="1000" dirty="0">
+                        <a:latin typeface="メイリオ" panose="020B0604030504040204" pitchFamily="50" charset="-128"/>
+                        <a:ea typeface="メイリオ" panose="020B0604030504040204" pitchFamily="50" charset="-128"/>
+                        <a:cs typeface="メイリオ" panose="020B0604030504040204" pitchFamily="50" charset="-128"/>
+                      </a:endParaRPr>
+                    </a:p>
+                  </a:txBody>
+                  <a:tcPr/>
+                </a:tc>
+              </a:tr>
+              <a:tr h="240603">
+                <a:tc>
+                  <a:txBody>
+                    <a:bodyPr/>
+                    <a:lstStyle/>
+                    <a:p>
+                      <a:r>
+                        <a:rPr kumimoji="1" lang="ja-JP" altLang="en-US" sz="1000" dirty="0" smtClean="0">
+                          <a:latin typeface="メイリオ" panose="020B0604030504040204" pitchFamily="50" charset="-128"/>
+                          <a:ea typeface="メイリオ" panose="020B0604030504040204" pitchFamily="50" charset="-128"/>
+                          <a:cs typeface="メイリオ" panose="020B0604030504040204" pitchFamily="50" charset="-128"/>
+                        </a:rPr>
+                        <a:t>センシング</a:t>
+                      </a:r>
+                      <a:endParaRPr kumimoji="1" lang="ja-JP" altLang="en-US" sz="1000" dirty="0">
+                        <a:latin typeface="メイリオ" panose="020B0604030504040204" pitchFamily="50" charset="-128"/>
+                        <a:ea typeface="メイリオ" panose="020B0604030504040204" pitchFamily="50" charset="-128"/>
+                        <a:cs typeface="メイリオ" panose="020B0604030504040204" pitchFamily="50" charset="-128"/>
+                      </a:endParaRPr>
+                    </a:p>
+                  </a:txBody>
+                  <a:tcPr>
+                    <a:gradFill flip="none" rotWithShape="1">
+                      <a:gsLst>
+                        <a:gs pos="0">
+                          <a:srgbClr val="FF0000">
+                            <a:tint val="66000"/>
+                            <a:satMod val="160000"/>
+                          </a:srgbClr>
+                        </a:gs>
+                        <a:gs pos="50000">
+                          <a:srgbClr val="FF0000">
+                            <a:tint val="44500"/>
+                            <a:satMod val="160000"/>
+                          </a:srgbClr>
+                        </a:gs>
+                        <a:gs pos="100000">
+                          <a:srgbClr val="FF0000">
+                            <a:tint val="23500"/>
+                            <a:satMod val="160000"/>
+                          </a:srgbClr>
+                        </a:gs>
+                      </a:gsLst>
+                      <a:lin ang="2700000" scaled="1"/>
+                      <a:tileRect/>
+                    </a:gradFill>
+                  </a:tcPr>
+                </a:tc>
+                <a:tc>
+                  <a:txBody>
+                    <a:bodyPr/>
+                    <a:lstStyle/>
+                    <a:p>
+                      <a:r>
+                        <a:rPr kumimoji="1" lang="ja-JP" altLang="en-US" sz="1000" dirty="0" smtClean="0">
+                          <a:latin typeface="メイリオ" panose="020B0604030504040204" pitchFamily="50" charset="-128"/>
+                          <a:ea typeface="メイリオ" panose="020B0604030504040204" pitchFamily="50" charset="-128"/>
+                          <a:cs typeface="メイリオ" panose="020B0604030504040204" pitchFamily="50" charset="-128"/>
+                        </a:rPr>
+                        <a:t>走行体の推定位置等の二次的な情報の生成・管理を行う。</a:t>
+                      </a:r>
+                      <a:endParaRPr kumimoji="1" lang="ja-JP" altLang="en-US" sz="1000" dirty="0">
+                        <a:latin typeface="メイリオ" panose="020B0604030504040204" pitchFamily="50" charset="-128"/>
+                        <a:ea typeface="メイリオ" panose="020B0604030504040204" pitchFamily="50" charset="-128"/>
+                        <a:cs typeface="メイリオ" panose="020B0604030504040204" pitchFamily="50" charset="-128"/>
+                      </a:endParaRPr>
+                    </a:p>
+                  </a:txBody>
+                  <a:tcPr/>
+                </a:tc>
+              </a:tr>
+              <a:tr h="240603">
+                <a:tc>
+                  <a:txBody>
+                    <a:bodyPr/>
+                    <a:lstStyle/>
+                    <a:p>
+                      <a:r>
+                        <a:rPr kumimoji="1" lang="ja-JP" altLang="en-US" sz="1000" dirty="0" smtClean="0">
+                          <a:latin typeface="メイリオ" panose="020B0604030504040204" pitchFamily="50" charset="-128"/>
+                          <a:ea typeface="メイリオ" panose="020B0604030504040204" pitchFamily="50" charset="-128"/>
+                          <a:cs typeface="メイリオ" panose="020B0604030504040204" pitchFamily="50" charset="-128"/>
+                        </a:rPr>
+                        <a:t>デバイス制御</a:t>
+                      </a:r>
+                      <a:endParaRPr kumimoji="1" lang="ja-JP" altLang="en-US" sz="1000" dirty="0">
+                        <a:latin typeface="メイリオ" panose="020B0604030504040204" pitchFamily="50" charset="-128"/>
+                        <a:ea typeface="メイリオ" panose="020B0604030504040204" pitchFamily="50" charset="-128"/>
+                        <a:cs typeface="メイリオ" panose="020B0604030504040204" pitchFamily="50" charset="-128"/>
+                      </a:endParaRPr>
+                    </a:p>
+                  </a:txBody>
+                  <a:tcPr>
+                    <a:gradFill flip="none" rotWithShape="1">
+                      <a:gsLst>
+                        <a:gs pos="0">
+                          <a:srgbClr val="0070C0">
+                            <a:tint val="66000"/>
+                            <a:satMod val="160000"/>
+                          </a:srgbClr>
+                        </a:gs>
+                        <a:gs pos="50000">
+                          <a:srgbClr val="0070C0">
+                            <a:tint val="44500"/>
+                            <a:satMod val="160000"/>
+                          </a:srgbClr>
+                        </a:gs>
+                        <a:gs pos="100000">
+                          <a:srgbClr val="0070C0">
+                            <a:tint val="23500"/>
+                            <a:satMod val="160000"/>
+                          </a:srgbClr>
+                        </a:gs>
+                      </a:gsLst>
+                      <a:lin ang="2700000" scaled="1"/>
+                      <a:tileRect/>
+                    </a:gradFill>
+                  </a:tcPr>
+                </a:tc>
+                <a:tc>
+                  <a:txBody>
+                    <a:bodyPr/>
+                    <a:lstStyle/>
+                    <a:p>
+                      <a:r>
+                        <a:rPr kumimoji="1" lang="ja-JP" altLang="en-US" sz="1000" dirty="0" smtClean="0">
+                          <a:latin typeface="メイリオ" panose="020B0604030504040204" pitchFamily="50" charset="-128"/>
+                          <a:ea typeface="メイリオ" panose="020B0604030504040204" pitchFamily="50" charset="-128"/>
+                          <a:cs typeface="メイリオ" panose="020B0604030504040204" pitchFamily="50" charset="-128"/>
+                        </a:rPr>
+                        <a:t>動作、センシングに、デバイス操作の低レベル</a:t>
+                      </a:r>
+                      <a:r>
+                        <a:rPr kumimoji="1" lang="en-US" altLang="ja-JP" sz="1000" dirty="0" smtClean="0">
+                          <a:latin typeface="メイリオ" panose="020B0604030504040204" pitchFamily="50" charset="-128"/>
+                          <a:ea typeface="メイリオ" panose="020B0604030504040204" pitchFamily="50" charset="-128"/>
+                          <a:cs typeface="メイリオ" panose="020B0604030504040204" pitchFamily="50" charset="-128"/>
+                        </a:rPr>
+                        <a:t>IF</a:t>
+                      </a:r>
+                      <a:r>
+                        <a:rPr kumimoji="1" lang="ja-JP" altLang="en-US" sz="1000" dirty="0" err="1" smtClean="0">
+                          <a:latin typeface="メイリオ" panose="020B0604030504040204" pitchFamily="50" charset="-128"/>
+                          <a:ea typeface="メイリオ" panose="020B0604030504040204" pitchFamily="50" charset="-128"/>
+                          <a:cs typeface="メイリオ" panose="020B0604030504040204" pitchFamily="50" charset="-128"/>
+                        </a:rPr>
+                        <a:t>を提</a:t>
+                      </a:r>
+                      <a:r>
+                        <a:rPr kumimoji="1" lang="ja-JP" altLang="en-US" sz="1000" dirty="0" smtClean="0">
+                          <a:latin typeface="メイリオ" panose="020B0604030504040204" pitchFamily="50" charset="-128"/>
+                          <a:ea typeface="メイリオ" panose="020B0604030504040204" pitchFamily="50" charset="-128"/>
+                          <a:cs typeface="メイリオ" panose="020B0604030504040204" pitchFamily="50" charset="-128"/>
+                        </a:rPr>
+                        <a:t>供する。</a:t>
+                      </a:r>
+                      <a:endParaRPr kumimoji="1" lang="ja-JP" altLang="en-US" sz="1000" dirty="0">
+                        <a:latin typeface="メイリオ" panose="020B0604030504040204" pitchFamily="50" charset="-128"/>
+                        <a:ea typeface="メイリオ" panose="020B0604030504040204" pitchFamily="50" charset="-128"/>
+                        <a:cs typeface="メイリオ" panose="020B0604030504040204" pitchFamily="50" charset="-128"/>
+                      </a:endParaRPr>
+                    </a:p>
+                  </a:txBody>
+                  <a:tcPr/>
+                </a:tc>
+              </a:tr>
+              <a:tr h="240603">
+                <a:tc>
+                  <a:txBody>
+                    <a:bodyPr/>
+                    <a:lstStyle/>
+                    <a:p>
+                      <a:r>
+                        <a:rPr kumimoji="1" lang="ja-JP" altLang="en-US" sz="1000" dirty="0" smtClean="0">
+                          <a:latin typeface="メイリオ" panose="020B0604030504040204" pitchFamily="50" charset="-128"/>
+                          <a:ea typeface="メイリオ" panose="020B0604030504040204" pitchFamily="50" charset="-128"/>
+                          <a:cs typeface="メイリオ" panose="020B0604030504040204" pitchFamily="50" charset="-128"/>
+                        </a:rPr>
+                        <a:t>表示・</a:t>
+                      </a:r>
+                      <a:r>
+                        <a:rPr kumimoji="1" lang="en-US" altLang="ja-JP" sz="1000" dirty="0" smtClean="0">
+                          <a:latin typeface="メイリオ" panose="020B0604030504040204" pitchFamily="50" charset="-128"/>
+                          <a:ea typeface="メイリオ" panose="020B0604030504040204" pitchFamily="50" charset="-128"/>
+                          <a:cs typeface="メイリオ" panose="020B0604030504040204" pitchFamily="50" charset="-128"/>
+                        </a:rPr>
+                        <a:t>UI</a:t>
+                      </a:r>
+                      <a:endParaRPr kumimoji="1" lang="ja-JP" altLang="en-US" sz="1000" dirty="0">
+                        <a:latin typeface="メイリオ" panose="020B0604030504040204" pitchFamily="50" charset="-128"/>
+                        <a:ea typeface="メイリオ" panose="020B0604030504040204" pitchFamily="50" charset="-128"/>
+                        <a:cs typeface="メイリオ" panose="020B0604030504040204" pitchFamily="50" charset="-128"/>
+                      </a:endParaRPr>
+                    </a:p>
+                  </a:txBody>
+                  <a:tcPr>
+                    <a:gradFill flip="none" rotWithShape="1">
+                      <a:gsLst>
+                        <a:gs pos="0">
+                          <a:schemeClr val="bg1">
+                            <a:lumMod val="95000"/>
+                            <a:shade val="30000"/>
+                            <a:satMod val="115000"/>
+                          </a:schemeClr>
+                        </a:gs>
+                        <a:gs pos="50000">
+                          <a:schemeClr val="bg1">
+                            <a:lumMod val="95000"/>
+                            <a:shade val="67500"/>
+                            <a:satMod val="115000"/>
+                          </a:schemeClr>
+                        </a:gs>
+                        <a:gs pos="100000">
+                          <a:schemeClr val="bg1">
+                            <a:lumMod val="95000"/>
+                            <a:shade val="100000"/>
+                            <a:satMod val="115000"/>
+                          </a:schemeClr>
+                        </a:gs>
+                      </a:gsLst>
+                      <a:lin ang="2700000" scaled="1"/>
+                      <a:tileRect/>
+                    </a:gradFill>
+                  </a:tcPr>
+                </a:tc>
+                <a:tc>
+                  <a:txBody>
+                    <a:bodyPr/>
+                    <a:lstStyle/>
+                    <a:p>
+                      <a:r>
+                        <a:rPr kumimoji="1" lang="ja-JP" altLang="en-US" sz="1000" dirty="0" smtClean="0">
+                          <a:latin typeface="メイリオ" panose="020B0604030504040204" pitchFamily="50" charset="-128"/>
+                          <a:ea typeface="メイリオ" panose="020B0604030504040204" pitchFamily="50" charset="-128"/>
+                          <a:cs typeface="メイリオ" panose="020B0604030504040204" pitchFamily="50" charset="-128"/>
+                        </a:rPr>
+                        <a:t>ボタンの押下の検知、および</a:t>
+                      </a:r>
+                      <a:r>
+                        <a:rPr kumimoji="1" lang="en-US" altLang="ja-JP" sz="1000" dirty="0" smtClean="0">
+                          <a:latin typeface="メイリオ" panose="020B0604030504040204" pitchFamily="50" charset="-128"/>
+                          <a:ea typeface="メイリオ" panose="020B0604030504040204" pitchFamily="50" charset="-128"/>
+                          <a:cs typeface="メイリオ" panose="020B0604030504040204" pitchFamily="50" charset="-128"/>
+                        </a:rPr>
+                        <a:t>LCD</a:t>
+                      </a:r>
+                      <a:r>
+                        <a:rPr kumimoji="1" lang="ja-JP" altLang="en-US" sz="1000" dirty="0" err="1" smtClean="0">
+                          <a:latin typeface="メイリオ" panose="020B0604030504040204" pitchFamily="50" charset="-128"/>
+                          <a:ea typeface="メイリオ" panose="020B0604030504040204" pitchFamily="50" charset="-128"/>
+                          <a:cs typeface="メイリオ" panose="020B0604030504040204" pitchFamily="50" charset="-128"/>
+                        </a:rPr>
+                        <a:t>、</a:t>
+                      </a:r>
+                      <a:r>
+                        <a:rPr kumimoji="1" lang="ja-JP" altLang="en-US" sz="1000" dirty="0" smtClean="0">
+                          <a:latin typeface="メイリオ" panose="020B0604030504040204" pitchFamily="50" charset="-128"/>
+                          <a:ea typeface="メイリオ" panose="020B0604030504040204" pitchFamily="50" charset="-128"/>
+                          <a:cs typeface="メイリオ" panose="020B0604030504040204" pitchFamily="50" charset="-128"/>
+                        </a:rPr>
+                        <a:t>スピーカーの制御を行う。</a:t>
+                      </a:r>
+                      <a:endParaRPr kumimoji="1" lang="ja-JP" altLang="en-US" sz="1000" dirty="0">
+                        <a:latin typeface="メイリオ" panose="020B0604030504040204" pitchFamily="50" charset="-128"/>
+                        <a:ea typeface="メイリオ" panose="020B0604030504040204" pitchFamily="50" charset="-128"/>
+                        <a:cs typeface="メイリオ" panose="020B0604030504040204" pitchFamily="50" charset="-128"/>
+                      </a:endParaRPr>
+                    </a:p>
+                  </a:txBody>
+                  <a:tcPr/>
+                </a:tc>
+              </a:tr>
+            </a:tbl>
+          </a:graphicData>
+        </a:graphic>
+      </p:graphicFrame>
+      <p:sp>
+        <p:nvSpPr>
+          <p:cNvPr id="67" name="正方形/長方形 66"/>
+          <p:cNvSpPr/>
+          <p:nvPr/>
+        </p:nvSpPr>
+        <p:spPr>
+          <a:xfrm>
+            <a:off x="8713862" y="1825226"/>
+            <a:ext cx="6066664" cy="3320932"/>
+          </a:xfrm>
+          <a:prstGeom prst="rect">
+            <a:avLst/>
+          </a:prstGeom>
+          <a:noFill/>
+          <a:ln w="25400">
+            <a:solidFill>
+              <a:srgbClr val="D24726"/>
+            </a:solidFill>
+          </a:ln>
+        </p:spPr>
+        <p:style>
+          <a:lnRef idx="2">
+            <a:schemeClr val="accent1">
+              <a:shade val="50000"/>
+            </a:schemeClr>
+          </a:lnRef>
+          <a:fillRef idx="1">
+            <a:schemeClr val="accent1"/>
+          </a:fillRef>
+          <a:effectRef idx="0">
+            <a:schemeClr val="accent1"/>
+          </a:effectRef>
+          <a:fontRef idx="minor">
+            <a:schemeClr val="lt1"/>
+          </a:fontRef>
+        </p:style>
+        <p:txBody>
+          <a:bodyPr rtlCol="0" anchor="ctr"/>
+          <a:lstStyle/>
+          <a:p>
+            <a:pPr algn="ctr"/>
+            <a:endParaRPr kumimoji="1" lang="ja-JP" altLang="en-US"/>
+          </a:p>
+        </p:txBody>
+      </p:sp>
+      <p:sp>
+        <p:nvSpPr>
+          <p:cNvPr id="68" name="テキスト ボックス 67"/>
+          <p:cNvSpPr txBox="1"/>
+          <p:nvPr/>
+        </p:nvSpPr>
+        <p:spPr>
+          <a:xfrm>
+            <a:off x="8720846" y="1825226"/>
+            <a:ext cx="1614545" cy="307777"/>
+          </a:xfrm>
+          <a:prstGeom prst="rect">
+            <a:avLst/>
+          </a:prstGeom>
+          <a:solidFill>
+            <a:srgbClr val="D24726"/>
+          </a:solidFill>
+        </p:spPr>
+        <p:txBody>
+          <a:bodyPr wrap="none" rtlCol="0">
+            <a:spAutoFit/>
+          </a:bodyPr>
+          <a:lstStyle/>
+          <a:p>
+            <a:r>
+              <a:rPr lang="en-US" altLang="ja-JP" sz="1400" b="1" dirty="0" smtClean="0">
+                <a:solidFill>
+                  <a:schemeClr val="bg1"/>
+                </a:solidFill>
+                <a:latin typeface="メイリオ" panose="020B0604030504040204" pitchFamily="50" charset="-128"/>
+                <a:ea typeface="メイリオ" panose="020B0604030504040204" pitchFamily="50" charset="-128"/>
+                <a:cs typeface="メイリオ" panose="020B0604030504040204" pitchFamily="50" charset="-128"/>
+              </a:rPr>
+              <a:t>4</a:t>
+            </a:r>
+            <a:r>
+              <a:rPr kumimoji="1" lang="en-US" altLang="ja-JP" sz="1400" b="1" dirty="0" smtClean="0">
+                <a:solidFill>
+                  <a:schemeClr val="bg1"/>
+                </a:solidFill>
+                <a:latin typeface="メイリオ" panose="020B0604030504040204" pitchFamily="50" charset="-128"/>
+                <a:ea typeface="メイリオ" panose="020B0604030504040204" pitchFamily="50" charset="-128"/>
+                <a:cs typeface="メイリオ" panose="020B0604030504040204" pitchFamily="50" charset="-128"/>
+              </a:rPr>
+              <a:t>-1-2.</a:t>
+            </a:r>
+            <a:r>
+              <a:rPr kumimoji="1" lang="ja-JP" altLang="en-US" sz="1400" b="1" dirty="0" smtClean="0">
+                <a:solidFill>
+                  <a:schemeClr val="bg1"/>
+                </a:solidFill>
+                <a:latin typeface="メイリオ" panose="020B0604030504040204" pitchFamily="50" charset="-128"/>
+                <a:ea typeface="メイリオ" panose="020B0604030504040204" pitchFamily="50" charset="-128"/>
+                <a:cs typeface="メイリオ" panose="020B0604030504040204" pitchFamily="50" charset="-128"/>
+              </a:rPr>
+              <a:t> 全体制御</a:t>
+            </a:r>
+            <a:endParaRPr kumimoji="1" lang="ja-JP" altLang="en-US" sz="1400" b="1" dirty="0">
+              <a:solidFill>
+                <a:schemeClr val="bg1"/>
+              </a:solidFill>
+              <a:latin typeface="メイリオ" panose="020B0604030504040204" pitchFamily="50" charset="-128"/>
+              <a:ea typeface="メイリオ" panose="020B0604030504040204" pitchFamily="50" charset="-128"/>
+              <a:cs typeface="メイリオ" panose="020B0604030504040204" pitchFamily="50" charset="-128"/>
+            </a:endParaRPr>
+          </a:p>
+        </p:txBody>
+      </p:sp>
+      <p:sp>
+        <p:nvSpPr>
+          <p:cNvPr id="69" name="テキスト ボックス 68"/>
+          <p:cNvSpPr txBox="1"/>
+          <p:nvPr/>
+        </p:nvSpPr>
+        <p:spPr>
+          <a:xfrm>
+            <a:off x="8755283" y="1963015"/>
+            <a:ext cx="6025243" cy="769441"/>
+          </a:xfrm>
+          <a:prstGeom prst="rect">
+            <a:avLst/>
+          </a:prstGeom>
+          <a:noFill/>
+        </p:spPr>
+        <p:txBody>
+          <a:bodyPr wrap="square" rtlCol="0">
+            <a:spAutoFit/>
+          </a:bodyPr>
+          <a:lstStyle/>
+          <a:p>
+            <a:pPr indent="1528763"/>
+            <a:r>
+              <a:rPr kumimoji="1" lang="ja-JP" altLang="en-US" sz="1100" dirty="0" smtClean="0">
+                <a:latin typeface="メイリオ" panose="020B0604030504040204" pitchFamily="50" charset="-128"/>
+                <a:ea typeface="メイリオ" panose="020B0604030504040204" pitchFamily="50" charset="-128"/>
+                <a:cs typeface="メイリオ" panose="020B0604030504040204" pitchFamily="50" charset="-128"/>
+              </a:rPr>
+              <a:t>全体制御は各パッケージのルート（外部からパッケージを利用する際の窓口となるオブジェクト）を作成する。また、</a:t>
+            </a:r>
+            <a:r>
+              <a:rPr kumimoji="1" lang="en-US" altLang="ja-JP" sz="1100" dirty="0" smtClean="0">
+                <a:solidFill>
+                  <a:srgbClr val="0000FF"/>
+                </a:solidFill>
+                <a:latin typeface="メイリオ" panose="020B0604030504040204" pitchFamily="50" charset="-128"/>
+                <a:ea typeface="メイリオ" panose="020B0604030504040204" pitchFamily="50" charset="-128"/>
+                <a:cs typeface="メイリオ" panose="020B0604030504040204" pitchFamily="50" charset="-128"/>
+              </a:rPr>
+              <a:t>R</a:t>
+            </a:r>
+            <a:r>
+              <a:rPr kumimoji="1" lang="ja-JP" altLang="en-US" sz="1100" dirty="0" smtClean="0">
+                <a:solidFill>
+                  <a:srgbClr val="0000FF"/>
+                </a:solidFill>
+                <a:latin typeface="メイリオ" panose="020B0604030504040204" pitchFamily="50" charset="-128"/>
+                <a:ea typeface="メイリオ" panose="020B0604030504040204" pitchFamily="50" charset="-128"/>
+                <a:cs typeface="メイリオ" panose="020B0604030504040204" pitchFamily="50" charset="-128"/>
+              </a:rPr>
+              <a:t>ゲーム攻略</a:t>
+            </a:r>
+            <a:r>
+              <a:rPr kumimoji="1" lang="ja-JP" altLang="en-US" sz="1100" dirty="0" smtClean="0">
+                <a:latin typeface="メイリオ" panose="020B0604030504040204" pitchFamily="50" charset="-128"/>
+                <a:ea typeface="メイリオ" panose="020B0604030504040204" pitchFamily="50" charset="-128"/>
+                <a:cs typeface="メイリオ" panose="020B0604030504040204" pitchFamily="50" charset="-128"/>
+              </a:rPr>
+              <a:t>、</a:t>
+            </a:r>
+            <a:r>
+              <a:rPr kumimoji="1" lang="ja-JP" altLang="en-US" sz="1100" dirty="0" smtClean="0">
+                <a:solidFill>
+                  <a:srgbClr val="0000FF"/>
+                </a:solidFill>
+                <a:latin typeface="メイリオ" panose="020B0604030504040204" pitchFamily="50" charset="-128"/>
+                <a:ea typeface="メイリオ" panose="020B0604030504040204" pitchFamily="50" charset="-128"/>
+                <a:cs typeface="メイリオ" panose="020B0604030504040204" pitchFamily="50" charset="-128"/>
+              </a:rPr>
+              <a:t>走行エリア攻略</a:t>
+            </a:r>
+            <a:r>
+              <a:rPr kumimoji="1" lang="ja-JP" altLang="en-US" sz="1100" dirty="0" smtClean="0">
+                <a:latin typeface="メイリオ" panose="020B0604030504040204" pitchFamily="50" charset="-128"/>
+                <a:ea typeface="メイリオ" panose="020B0604030504040204" pitchFamily="50" charset="-128"/>
+                <a:cs typeface="メイリオ" panose="020B0604030504040204" pitchFamily="50" charset="-128"/>
+              </a:rPr>
+              <a:t>、表示・</a:t>
+            </a:r>
+            <a:r>
+              <a:rPr kumimoji="1" lang="en-US" altLang="ja-JP" sz="1100" dirty="0" smtClean="0">
+                <a:latin typeface="メイリオ" panose="020B0604030504040204" pitchFamily="50" charset="-128"/>
+                <a:ea typeface="メイリオ" panose="020B0604030504040204" pitchFamily="50" charset="-128"/>
+                <a:cs typeface="メイリオ" panose="020B0604030504040204" pitchFamily="50" charset="-128"/>
+              </a:rPr>
+              <a:t>UI</a:t>
+            </a:r>
+            <a:r>
+              <a:rPr kumimoji="1" lang="ja-JP" altLang="en-US" sz="1100" dirty="0" smtClean="0">
+                <a:latin typeface="メイリオ" panose="020B0604030504040204" pitchFamily="50" charset="-128"/>
+                <a:ea typeface="メイリオ" panose="020B0604030504040204" pitchFamily="50" charset="-128"/>
+                <a:cs typeface="メイリオ" panose="020B0604030504040204" pitchFamily="50" charset="-128"/>
+              </a:rPr>
+              <a:t>のルートのインスタンスを保持する。メインループ内では、</a:t>
+            </a:r>
+            <a:r>
+              <a:rPr kumimoji="1" lang="en-US" altLang="ja-JP" sz="1100" dirty="0" smtClean="0">
+                <a:latin typeface="メイリオ" panose="020B0604030504040204" pitchFamily="50" charset="-128"/>
+                <a:ea typeface="メイリオ" panose="020B0604030504040204" pitchFamily="50" charset="-128"/>
+                <a:cs typeface="メイリオ" panose="020B0604030504040204" pitchFamily="50" charset="-128"/>
+              </a:rPr>
+              <a:t>R</a:t>
+            </a:r>
+            <a:r>
+              <a:rPr kumimoji="1" lang="ja-JP" altLang="en-US" sz="1100" dirty="0" smtClean="0">
+                <a:latin typeface="メイリオ" panose="020B0604030504040204" pitchFamily="50" charset="-128"/>
+                <a:ea typeface="メイリオ" panose="020B0604030504040204" pitchFamily="50" charset="-128"/>
+                <a:cs typeface="メイリオ" panose="020B0604030504040204" pitchFamily="50" charset="-128"/>
+              </a:rPr>
+              <a:t>ゲーム攻略</a:t>
+            </a:r>
+            <a:r>
+              <a:rPr lang="ja-JP" altLang="en-US" sz="1100" dirty="0" smtClean="0">
+                <a:latin typeface="メイリオ" panose="020B0604030504040204" pitchFamily="50" charset="-128"/>
+                <a:ea typeface="メイリオ" panose="020B0604030504040204" pitchFamily="50" charset="-128"/>
+                <a:cs typeface="メイリオ" panose="020B0604030504040204" pitchFamily="50" charset="-128"/>
+              </a:rPr>
+              <a:t>または走行エリア攻略および攻略手順実行パッケージのルートの実行関数が呼び出される。</a:t>
+            </a:r>
+            <a:endParaRPr kumimoji="1" lang="ja-JP" altLang="en-US" sz="1100" dirty="0">
+              <a:latin typeface="メイリオ" panose="020B0604030504040204" pitchFamily="50" charset="-128"/>
+              <a:ea typeface="メイリオ" panose="020B0604030504040204" pitchFamily="50" charset="-128"/>
+              <a:cs typeface="メイリオ" panose="020B0604030504040204" pitchFamily="50" charset="-128"/>
+            </a:endParaRPr>
+          </a:p>
+        </p:txBody>
+      </p:sp>
+      <p:sp>
+        <p:nvSpPr>
+          <p:cNvPr id="76" name="正方形/長方形 75"/>
+          <p:cNvSpPr/>
+          <p:nvPr/>
+        </p:nvSpPr>
+        <p:spPr>
+          <a:xfrm>
+            <a:off x="361020" y="4647734"/>
+            <a:ext cx="8246627" cy="5847988"/>
+          </a:xfrm>
+          <a:prstGeom prst="rect">
+            <a:avLst/>
+          </a:prstGeom>
+          <a:noFill/>
+          <a:ln w="25400">
+            <a:solidFill>
+              <a:srgbClr val="D24726"/>
+            </a:solidFill>
+          </a:ln>
+        </p:spPr>
+        <p:style>
+          <a:lnRef idx="2">
+            <a:schemeClr val="accent1">
+              <a:shade val="50000"/>
+            </a:schemeClr>
+          </a:lnRef>
+          <a:fillRef idx="1">
+            <a:schemeClr val="accent1"/>
+          </a:fillRef>
+          <a:effectRef idx="0">
+            <a:schemeClr val="accent1"/>
+          </a:effectRef>
+          <a:fontRef idx="minor">
+            <a:schemeClr val="lt1"/>
+          </a:fontRef>
+        </p:style>
+        <p:txBody>
+          <a:bodyPr rtlCol="0" anchor="ctr"/>
+          <a:lstStyle/>
+          <a:p>
+            <a:pPr algn="ctr"/>
+            <a:endParaRPr kumimoji="1" lang="ja-JP" altLang="en-US"/>
+          </a:p>
+        </p:txBody>
+      </p:sp>
+      <p:sp>
+        <p:nvSpPr>
+          <p:cNvPr id="77" name="テキスト ボックス 76"/>
+          <p:cNvSpPr txBox="1"/>
+          <p:nvPr/>
+        </p:nvSpPr>
+        <p:spPr>
+          <a:xfrm>
+            <a:off x="361020" y="4647734"/>
+            <a:ext cx="4564070" cy="307777"/>
+          </a:xfrm>
+          <a:prstGeom prst="rect">
+            <a:avLst/>
+          </a:prstGeom>
+          <a:solidFill>
+            <a:srgbClr val="D24726"/>
+          </a:solidFill>
+        </p:spPr>
+        <p:txBody>
+          <a:bodyPr wrap="none" rtlCol="0">
+            <a:spAutoFit/>
+          </a:bodyPr>
+          <a:lstStyle/>
+          <a:p>
+            <a:r>
+              <a:rPr lang="en-US" altLang="ja-JP" sz="1400" b="1" dirty="0" smtClean="0">
+                <a:solidFill>
+                  <a:schemeClr val="bg1"/>
+                </a:solidFill>
+                <a:latin typeface="メイリオ" panose="020B0604030504040204" pitchFamily="50" charset="-128"/>
+                <a:ea typeface="メイリオ" panose="020B0604030504040204" pitchFamily="50" charset="-128"/>
+                <a:cs typeface="メイリオ" panose="020B0604030504040204" pitchFamily="50" charset="-128"/>
+              </a:rPr>
+              <a:t>4</a:t>
+            </a:r>
+            <a:r>
+              <a:rPr kumimoji="1" lang="en-US" altLang="ja-JP" sz="1400" b="1" dirty="0" smtClean="0">
+                <a:solidFill>
+                  <a:schemeClr val="bg1"/>
+                </a:solidFill>
+                <a:latin typeface="メイリオ" panose="020B0604030504040204" pitchFamily="50" charset="-128"/>
+                <a:ea typeface="メイリオ" panose="020B0604030504040204" pitchFamily="50" charset="-128"/>
+                <a:cs typeface="メイリオ" panose="020B0604030504040204" pitchFamily="50" charset="-128"/>
+              </a:rPr>
+              <a:t>-1-3.</a:t>
+            </a:r>
+            <a:r>
+              <a:rPr lang="ja-JP" altLang="en-US" sz="1400" b="1" dirty="0" smtClean="0">
+                <a:solidFill>
+                  <a:schemeClr val="bg1"/>
+                </a:solidFill>
+                <a:latin typeface="メイリオ" panose="020B0604030504040204" pitchFamily="50" charset="-128"/>
+                <a:ea typeface="メイリオ" panose="020B0604030504040204" pitchFamily="50" charset="-128"/>
+                <a:cs typeface="メイリオ" panose="020B0604030504040204" pitchFamily="50" charset="-128"/>
+              </a:rPr>
+              <a:t> </a:t>
+            </a:r>
+            <a:r>
+              <a:rPr lang="en-US" altLang="ja-JP" sz="1400" b="1" dirty="0" smtClean="0">
+                <a:solidFill>
+                  <a:schemeClr val="bg1"/>
+                </a:solidFill>
+                <a:latin typeface="メイリオ" panose="020B0604030504040204" pitchFamily="50" charset="-128"/>
+                <a:ea typeface="メイリオ" panose="020B0604030504040204" pitchFamily="50" charset="-128"/>
+                <a:cs typeface="メイリオ" panose="020B0604030504040204" pitchFamily="50" charset="-128"/>
+              </a:rPr>
+              <a:t>R</a:t>
+            </a:r>
+            <a:r>
+              <a:rPr lang="ja-JP" altLang="en-US" sz="1400" b="1" dirty="0" smtClean="0">
+                <a:solidFill>
+                  <a:schemeClr val="bg1"/>
+                </a:solidFill>
+                <a:latin typeface="メイリオ" panose="020B0604030504040204" pitchFamily="50" charset="-128"/>
+                <a:ea typeface="メイリオ" panose="020B0604030504040204" pitchFamily="50" charset="-128"/>
+                <a:cs typeface="メイリオ" panose="020B0604030504040204" pitchFamily="50" charset="-128"/>
+              </a:rPr>
+              <a:t>ゲーム攻略</a:t>
+            </a:r>
+            <a:r>
+              <a:rPr lang="ja-JP" altLang="en-US" sz="1400" b="1" dirty="0">
+                <a:solidFill>
+                  <a:schemeClr val="bg1"/>
+                </a:solidFill>
+                <a:latin typeface="メイリオ" panose="020B0604030504040204" pitchFamily="50" charset="-128"/>
+                <a:ea typeface="メイリオ" panose="020B0604030504040204" pitchFamily="50" charset="-128"/>
+                <a:cs typeface="メイリオ" panose="020B0604030504040204" pitchFamily="50" charset="-128"/>
+              </a:rPr>
+              <a:t>・</a:t>
+            </a:r>
+            <a:r>
+              <a:rPr lang="ja-JP" altLang="en-US" sz="1400" b="1" dirty="0" smtClean="0">
+                <a:solidFill>
+                  <a:schemeClr val="bg1"/>
+                </a:solidFill>
+                <a:latin typeface="メイリオ" panose="020B0604030504040204" pitchFamily="50" charset="-128"/>
+                <a:ea typeface="メイリオ" panose="020B0604030504040204" pitchFamily="50" charset="-128"/>
+                <a:cs typeface="メイリオ" panose="020B0604030504040204" pitchFamily="50" charset="-128"/>
+              </a:rPr>
+              <a:t>走行エリア攻略・攻略手順実行</a:t>
+            </a:r>
+            <a:endParaRPr kumimoji="1" lang="ja-JP" altLang="en-US" sz="1400" b="1" dirty="0">
+              <a:solidFill>
+                <a:schemeClr val="bg1"/>
+              </a:solidFill>
+              <a:latin typeface="メイリオ" panose="020B0604030504040204" pitchFamily="50" charset="-128"/>
+              <a:ea typeface="メイリオ" panose="020B0604030504040204" pitchFamily="50" charset="-128"/>
+              <a:cs typeface="メイリオ" panose="020B0604030504040204" pitchFamily="50" charset="-128"/>
+            </a:endParaRPr>
+          </a:p>
+        </p:txBody>
+      </p:sp>
+      <p:sp>
+        <p:nvSpPr>
+          <p:cNvPr id="55" name="テキスト ボックス 54"/>
+          <p:cNvSpPr txBox="1"/>
+          <p:nvPr/>
+        </p:nvSpPr>
+        <p:spPr>
+          <a:xfrm>
+            <a:off x="418439" y="4800820"/>
+            <a:ext cx="8149452" cy="600164"/>
+          </a:xfrm>
+          <a:prstGeom prst="rect">
+            <a:avLst/>
+          </a:prstGeom>
+          <a:noFill/>
+        </p:spPr>
+        <p:txBody>
+          <a:bodyPr wrap="square" rtlCol="0">
+            <a:spAutoFit/>
+          </a:bodyPr>
+          <a:lstStyle/>
+          <a:p>
+            <a:pPr indent="4664075"/>
+            <a:r>
+              <a:rPr lang="en-US" altLang="ja-JP" sz="1100" dirty="0" smtClean="0">
+                <a:solidFill>
+                  <a:srgbClr val="0000FF"/>
+                </a:solidFill>
+                <a:latin typeface="メイリオ" panose="020B0604030504040204" pitchFamily="50" charset="-128"/>
+                <a:ea typeface="メイリオ" panose="020B0604030504040204" pitchFamily="50" charset="-128"/>
+                <a:cs typeface="メイリオ" panose="020B0604030504040204" pitchFamily="50" charset="-128"/>
+              </a:rPr>
+              <a:t>R</a:t>
+            </a:r>
+            <a:r>
+              <a:rPr lang="ja-JP" altLang="en-US" sz="1100" dirty="0" smtClean="0">
+                <a:solidFill>
+                  <a:srgbClr val="0000FF"/>
+                </a:solidFill>
+                <a:latin typeface="メイリオ" panose="020B0604030504040204" pitchFamily="50" charset="-128"/>
+                <a:ea typeface="メイリオ" panose="020B0604030504040204" pitchFamily="50" charset="-128"/>
+                <a:cs typeface="メイリオ" panose="020B0604030504040204" pitchFamily="50" charset="-128"/>
+              </a:rPr>
+              <a:t>ゲーム攻略</a:t>
+            </a:r>
+            <a:r>
+              <a:rPr lang="ja-JP" altLang="en-US" sz="1100" dirty="0" smtClean="0">
+                <a:latin typeface="メイリオ" panose="020B0604030504040204" pitchFamily="50" charset="-128"/>
+                <a:ea typeface="メイリオ" panose="020B0604030504040204" pitchFamily="50" charset="-128"/>
+                <a:cs typeface="メイリオ" panose="020B0604030504040204" pitchFamily="50" charset="-128"/>
+              </a:rPr>
+              <a:t>および</a:t>
+            </a:r>
+            <a:r>
+              <a:rPr lang="ja-JP" altLang="en-US" sz="1100" dirty="0" smtClean="0">
+                <a:solidFill>
+                  <a:srgbClr val="0000FF"/>
+                </a:solidFill>
+                <a:latin typeface="メイリオ" panose="020B0604030504040204" pitchFamily="50" charset="-128"/>
+                <a:ea typeface="メイリオ" panose="020B0604030504040204" pitchFamily="50" charset="-128"/>
+                <a:cs typeface="メイリオ" panose="020B0604030504040204" pitchFamily="50" charset="-128"/>
+              </a:rPr>
+              <a:t>走行エリア攻略</a:t>
+            </a:r>
+            <a:r>
+              <a:rPr lang="ja-JP" altLang="en-US" sz="1100" dirty="0" smtClean="0">
+                <a:latin typeface="メイリオ" panose="020B0604030504040204" pitchFamily="50" charset="-128"/>
+                <a:ea typeface="メイリオ" panose="020B0604030504040204" pitchFamily="50" charset="-128"/>
+                <a:cs typeface="メイリオ" panose="020B0604030504040204" pitchFamily="50" charset="-128"/>
+              </a:rPr>
+              <a:t>は直接走行体を操作せず、攻略の手順を</a:t>
+            </a:r>
+            <a:r>
+              <a:rPr lang="ja-JP" altLang="en-US" sz="1100" dirty="0" smtClean="0">
+                <a:solidFill>
+                  <a:srgbClr val="0000FF"/>
+                </a:solidFill>
+                <a:latin typeface="メイリオ" panose="020B0604030504040204" pitchFamily="50" charset="-128"/>
+                <a:ea typeface="メイリオ" panose="020B0604030504040204" pitchFamily="50" charset="-128"/>
+                <a:cs typeface="メイリオ" panose="020B0604030504040204" pitchFamily="50" charset="-128"/>
+              </a:rPr>
+              <a:t>攻略手順実行</a:t>
+            </a:r>
+            <a:r>
+              <a:rPr lang="ja-JP" altLang="en-US" sz="1100" dirty="0" smtClean="0">
+                <a:latin typeface="メイリオ" panose="020B0604030504040204" pitchFamily="50" charset="-128"/>
+                <a:ea typeface="メイリオ" panose="020B0604030504040204" pitchFamily="50" charset="-128"/>
+                <a:cs typeface="メイリオ" panose="020B0604030504040204" pitchFamily="50" charset="-128"/>
+              </a:rPr>
+              <a:t>に登録する。攻略手順実行は登録された順に攻略手順を実行する。攻略手順実行の結果</a:t>
+            </a:r>
+            <a:r>
+              <a:rPr lang="en-US" altLang="ja-JP" sz="1100" dirty="0" smtClean="0">
+                <a:latin typeface="メイリオ" panose="020B0604030504040204" pitchFamily="50" charset="-128"/>
+                <a:ea typeface="メイリオ" panose="020B0604030504040204" pitchFamily="50" charset="-128"/>
+                <a:cs typeface="メイリオ" panose="020B0604030504040204" pitchFamily="50" charset="-128"/>
+              </a:rPr>
+              <a:t>(</a:t>
+            </a:r>
+            <a:r>
+              <a:rPr lang="ja-JP" altLang="en-US" sz="1100" dirty="0" smtClean="0">
+                <a:latin typeface="メイリオ" panose="020B0604030504040204" pitchFamily="50" charset="-128"/>
+                <a:ea typeface="メイリオ" panose="020B0604030504040204" pitchFamily="50" charset="-128"/>
+                <a:cs typeface="メイリオ" panose="020B0604030504040204" pitchFamily="50" charset="-128"/>
+              </a:rPr>
+              <a:t>ブロック</a:t>
+            </a:r>
+            <a:r>
+              <a:rPr lang="ja-JP" altLang="en-US" sz="1100" dirty="0">
+                <a:latin typeface="メイリオ" panose="020B0604030504040204" pitchFamily="50" charset="-128"/>
+                <a:ea typeface="メイリオ" panose="020B0604030504040204" pitchFamily="50" charset="-128"/>
+                <a:cs typeface="メイリオ" panose="020B0604030504040204" pitchFamily="50" charset="-128"/>
+              </a:rPr>
+              <a:t>の色</a:t>
+            </a:r>
+            <a:r>
+              <a:rPr lang="ja-JP" altLang="en-US" sz="1100" dirty="0" smtClean="0">
+                <a:latin typeface="メイリオ" panose="020B0604030504040204" pitchFamily="50" charset="-128"/>
+                <a:ea typeface="メイリオ" panose="020B0604030504040204" pitchFamily="50" charset="-128"/>
+                <a:cs typeface="メイリオ" panose="020B0604030504040204" pitchFamily="50" charset="-128"/>
+              </a:rPr>
+              <a:t>測定等</a:t>
+            </a:r>
+            <a:r>
+              <a:rPr lang="en-US" altLang="ja-JP" sz="1100" dirty="0" smtClean="0">
+                <a:latin typeface="メイリオ" panose="020B0604030504040204" pitchFamily="50" charset="-128"/>
+                <a:ea typeface="メイリオ" panose="020B0604030504040204" pitchFamily="50" charset="-128"/>
+                <a:cs typeface="メイリオ" panose="020B0604030504040204" pitchFamily="50" charset="-128"/>
+              </a:rPr>
+              <a:t>)</a:t>
+            </a:r>
+            <a:r>
+              <a:rPr lang="ja-JP" altLang="en-US" sz="1100" dirty="0" smtClean="0">
+                <a:latin typeface="メイリオ" panose="020B0604030504040204" pitchFamily="50" charset="-128"/>
+                <a:ea typeface="メイリオ" panose="020B0604030504040204" pitchFamily="50" charset="-128"/>
+                <a:cs typeface="メイリオ" panose="020B0604030504040204" pitchFamily="50" charset="-128"/>
+              </a:rPr>
+              <a:t>は、</a:t>
+            </a:r>
+            <a:r>
+              <a:rPr lang="en-US" altLang="ja-JP" sz="1100" dirty="0" smtClean="0">
+                <a:latin typeface="メイリオ" panose="020B0604030504040204" pitchFamily="50" charset="-128"/>
+                <a:ea typeface="メイリオ" panose="020B0604030504040204" pitchFamily="50" charset="-128"/>
+                <a:cs typeface="メイリオ" panose="020B0604030504040204" pitchFamily="50" charset="-128"/>
+              </a:rPr>
+              <a:t>R</a:t>
+            </a:r>
+            <a:r>
+              <a:rPr lang="ja-JP" altLang="en-US" sz="1100" dirty="0" smtClean="0">
+                <a:latin typeface="メイリオ" panose="020B0604030504040204" pitchFamily="50" charset="-128"/>
+                <a:ea typeface="メイリオ" panose="020B0604030504040204" pitchFamily="50" charset="-128"/>
+                <a:cs typeface="メイリオ" panose="020B0604030504040204" pitchFamily="50" charset="-128"/>
+              </a:rPr>
+              <a:t>ゲーム攻略の状態更新メンバ関数のデリゲートを介して反映される。</a:t>
+            </a:r>
+            <a:endParaRPr lang="en-US" altLang="ja-JP" sz="1100" dirty="0" smtClean="0">
+              <a:latin typeface="メイリオ" panose="020B0604030504040204" pitchFamily="50" charset="-128"/>
+              <a:ea typeface="メイリオ" panose="020B0604030504040204" pitchFamily="50" charset="-128"/>
+              <a:cs typeface="メイリオ" panose="020B0604030504040204" pitchFamily="50" charset="-128"/>
+            </a:endParaRPr>
+          </a:p>
+        </p:txBody>
+      </p:sp>
+      <p:sp>
+        <p:nvSpPr>
+          <p:cNvPr id="57" name="正方形/長方形 56"/>
+          <p:cNvSpPr/>
+          <p:nvPr/>
+        </p:nvSpPr>
+        <p:spPr>
+          <a:xfrm>
+            <a:off x="8713862" y="5261112"/>
+            <a:ext cx="6066665" cy="5234609"/>
+          </a:xfrm>
+          <a:prstGeom prst="rect">
+            <a:avLst/>
+          </a:prstGeom>
+          <a:noFill/>
+          <a:ln w="25400">
+            <a:solidFill>
+              <a:srgbClr val="D24726"/>
+            </a:solidFill>
+          </a:ln>
+        </p:spPr>
+        <p:style>
+          <a:lnRef idx="2">
+            <a:schemeClr val="accent1">
+              <a:shade val="50000"/>
+            </a:schemeClr>
+          </a:lnRef>
+          <a:fillRef idx="1">
+            <a:schemeClr val="accent1"/>
+          </a:fillRef>
+          <a:effectRef idx="0">
+            <a:schemeClr val="accent1"/>
+          </a:effectRef>
+          <a:fontRef idx="minor">
+            <a:schemeClr val="lt1"/>
+          </a:fontRef>
+        </p:style>
+        <p:txBody>
+          <a:bodyPr rtlCol="0" anchor="ctr"/>
+          <a:lstStyle/>
+          <a:p>
+            <a:pPr algn="ctr"/>
+            <a:endParaRPr kumimoji="1" lang="ja-JP" altLang="en-US"/>
+          </a:p>
+        </p:txBody>
+      </p:sp>
+      <p:sp>
+        <p:nvSpPr>
+          <p:cNvPr id="58" name="テキスト ボックス 57"/>
+          <p:cNvSpPr txBox="1"/>
+          <p:nvPr/>
+        </p:nvSpPr>
+        <p:spPr>
+          <a:xfrm>
+            <a:off x="8713862" y="5261112"/>
+            <a:ext cx="3943708" cy="307777"/>
+          </a:xfrm>
+          <a:prstGeom prst="rect">
+            <a:avLst/>
+          </a:prstGeom>
+          <a:solidFill>
+            <a:srgbClr val="D24726"/>
+          </a:solidFill>
+        </p:spPr>
+        <p:txBody>
+          <a:bodyPr wrap="none" rtlCol="0">
+            <a:spAutoFit/>
+          </a:bodyPr>
+          <a:lstStyle/>
+          <a:p>
+            <a:r>
+              <a:rPr lang="en-US" altLang="ja-JP" sz="1400" b="1" dirty="0" smtClean="0">
+                <a:solidFill>
+                  <a:schemeClr val="bg1"/>
+                </a:solidFill>
+                <a:latin typeface="メイリオ" panose="020B0604030504040204" pitchFamily="50" charset="-128"/>
+                <a:ea typeface="メイリオ" panose="020B0604030504040204" pitchFamily="50" charset="-128"/>
+                <a:cs typeface="メイリオ" panose="020B0604030504040204" pitchFamily="50" charset="-128"/>
+              </a:rPr>
+              <a:t>4</a:t>
+            </a:r>
+            <a:r>
+              <a:rPr kumimoji="1" lang="en-US" altLang="ja-JP" sz="1400" b="1" dirty="0" smtClean="0">
+                <a:solidFill>
+                  <a:schemeClr val="bg1"/>
+                </a:solidFill>
+                <a:latin typeface="メイリオ" panose="020B0604030504040204" pitchFamily="50" charset="-128"/>
+                <a:ea typeface="メイリオ" panose="020B0604030504040204" pitchFamily="50" charset="-128"/>
+                <a:cs typeface="メイリオ" panose="020B0604030504040204" pitchFamily="50" charset="-128"/>
+              </a:rPr>
+              <a:t>-1-4.</a:t>
+            </a:r>
+            <a:r>
+              <a:rPr lang="ja-JP" altLang="en-US" sz="1400" b="1" dirty="0" smtClean="0">
+                <a:solidFill>
+                  <a:schemeClr val="bg1"/>
+                </a:solidFill>
+                <a:latin typeface="メイリオ" panose="020B0604030504040204" pitchFamily="50" charset="-128"/>
+                <a:ea typeface="メイリオ" panose="020B0604030504040204" pitchFamily="50" charset="-128"/>
+                <a:cs typeface="メイリオ" panose="020B0604030504040204" pitchFamily="50" charset="-128"/>
+              </a:rPr>
+              <a:t> 動作</a:t>
+            </a:r>
+            <a:r>
+              <a:rPr lang="ja-JP" altLang="en-US" sz="1400" b="1" dirty="0">
+                <a:solidFill>
+                  <a:schemeClr val="bg1"/>
+                </a:solidFill>
+                <a:latin typeface="メイリオ" panose="020B0604030504040204" pitchFamily="50" charset="-128"/>
+                <a:ea typeface="メイリオ" panose="020B0604030504040204" pitchFamily="50" charset="-128"/>
+                <a:cs typeface="メイリオ" panose="020B0604030504040204" pitchFamily="50" charset="-128"/>
+              </a:rPr>
+              <a:t>・</a:t>
+            </a:r>
+            <a:r>
+              <a:rPr lang="ja-JP" altLang="en-US" sz="1400" b="1" dirty="0" smtClean="0">
+                <a:solidFill>
+                  <a:schemeClr val="bg1"/>
+                </a:solidFill>
+                <a:latin typeface="メイリオ" panose="020B0604030504040204" pitchFamily="50" charset="-128"/>
+                <a:ea typeface="メイリオ" panose="020B0604030504040204" pitchFamily="50" charset="-128"/>
+                <a:cs typeface="メイリオ" panose="020B0604030504040204" pitchFamily="50" charset="-128"/>
+              </a:rPr>
+              <a:t>センシング・デバイス制御・</a:t>
+            </a:r>
+            <a:r>
+              <a:rPr lang="en-US" altLang="ja-JP" sz="1400" b="1" dirty="0" smtClean="0">
+                <a:solidFill>
+                  <a:schemeClr val="bg1"/>
+                </a:solidFill>
+                <a:latin typeface="メイリオ" panose="020B0604030504040204" pitchFamily="50" charset="-128"/>
+                <a:ea typeface="メイリオ" panose="020B0604030504040204" pitchFamily="50" charset="-128"/>
+                <a:cs typeface="メイリオ" panose="020B0604030504040204" pitchFamily="50" charset="-128"/>
+              </a:rPr>
+              <a:t>UI</a:t>
+            </a:r>
+            <a:endParaRPr kumimoji="1" lang="ja-JP" altLang="en-US" sz="1400" b="1" dirty="0">
+              <a:solidFill>
+                <a:schemeClr val="bg1"/>
+              </a:solidFill>
+              <a:latin typeface="メイリオ" panose="020B0604030504040204" pitchFamily="50" charset="-128"/>
+              <a:ea typeface="メイリオ" panose="020B0604030504040204" pitchFamily="50" charset="-128"/>
+              <a:cs typeface="メイリオ" panose="020B0604030504040204" pitchFamily="50" charset="-128"/>
+            </a:endParaRPr>
+          </a:p>
+        </p:txBody>
+      </p:sp>
+      <p:pic>
+        <p:nvPicPr>
+          <p:cNvPr id="1029" name="Picture 5"/>
+          <p:cNvPicPr>
+            <a:picLocks noChangeAspect="1" noChangeArrowheads="1"/>
+          </p:cNvPicPr>
+          <p:nvPr/>
+        </p:nvPicPr>
+        <p:blipFill>
+          <a:blip r:embed="rId2" cstate="print">
+            <a:extLst>
+              <a:ext uri="{28A0092B-C50C-407E-A947-70E740481C1C}">
+                <a14:useLocalDpi xmlns:a14="http://schemas.microsoft.com/office/drawing/2010/main" val="0"/>
+              </a:ext>
+            </a:extLst>
+          </a:blip>
+          <a:srcRect/>
+          <a:stretch>
+            <a:fillRect/>
+          </a:stretch>
+        </p:blipFill>
+        <p:spPr bwMode="auto">
+          <a:xfrm>
+            <a:off x="8791370" y="6221050"/>
+            <a:ext cx="5893566" cy="4210799"/>
+          </a:xfrm>
+          <a:prstGeom prst="rect">
+            <a:avLst/>
+          </a:prstGeom>
+          <a:noFill/>
+          <a:ln>
+            <a:noFill/>
+          </a:ln>
+          <a:extLst>
+            <a:ext uri="{909E8E84-426E-40DD-AFC4-6F175D3DCCD1}">
+              <a14:hiddenFill xmlns:a14="http://schemas.microsoft.com/office/drawing/2010/main">
+                <a:solidFill>
+                  <a:schemeClr val="accent1"/>
+                </a:solidFill>
+              </a14:hiddenFill>
+            </a:ext>
+            <a:ext uri="{91240B29-F687-4F45-9708-019B960494DF}">
+              <a14:hiddenLine xmlns:a14="http://schemas.microsoft.com/office/drawing/2010/main" w="9525">
+                <a:solidFill>
+                  <a:schemeClr val="tx1"/>
+                </a:solidFill>
+                <a:miter lim="800000"/>
+                <a:headEnd/>
+                <a:tailEnd/>
+              </a14:hiddenLine>
+            </a:ext>
+          </a:extLst>
+        </p:spPr>
+      </p:pic>
+      <p:sp>
+        <p:nvSpPr>
+          <p:cNvPr id="59" name="テキスト ボックス 58"/>
+          <p:cNvSpPr txBox="1"/>
+          <p:nvPr/>
+        </p:nvSpPr>
+        <p:spPr>
+          <a:xfrm>
+            <a:off x="8753043" y="5651150"/>
+            <a:ext cx="5955426" cy="1107996"/>
+          </a:xfrm>
+          <a:prstGeom prst="rect">
+            <a:avLst/>
+          </a:prstGeom>
+          <a:noFill/>
+        </p:spPr>
+        <p:txBody>
+          <a:bodyPr wrap="square" rtlCol="0">
+            <a:spAutoFit/>
+          </a:bodyPr>
+          <a:lstStyle/>
+          <a:p>
+            <a:r>
+              <a:rPr lang="ja-JP" altLang="en-US" sz="1100" dirty="0" smtClean="0">
+                <a:solidFill>
+                  <a:srgbClr val="0000FF"/>
+                </a:solidFill>
+                <a:latin typeface="メイリオ" panose="020B0604030504040204" pitchFamily="50" charset="-128"/>
+                <a:ea typeface="メイリオ" panose="020B0604030504040204" pitchFamily="50" charset="-128"/>
+                <a:cs typeface="メイリオ" panose="020B0604030504040204" pitchFamily="50" charset="-128"/>
+              </a:rPr>
+              <a:t>動作</a:t>
+            </a:r>
+            <a:r>
+              <a:rPr lang="ja-JP" altLang="en-US" sz="1100" dirty="0" smtClean="0">
+                <a:latin typeface="メイリオ" panose="020B0604030504040204" pitchFamily="50" charset="-128"/>
+                <a:ea typeface="メイリオ" panose="020B0604030504040204" pitchFamily="50" charset="-128"/>
+                <a:cs typeface="メイリオ" panose="020B0604030504040204" pitchFamily="50" charset="-128"/>
+              </a:rPr>
+              <a:t>および</a:t>
+            </a:r>
+            <a:r>
+              <a:rPr lang="ja-JP" altLang="en-US" sz="1100" dirty="0" smtClean="0">
+                <a:solidFill>
+                  <a:srgbClr val="0000FF"/>
+                </a:solidFill>
+                <a:latin typeface="メイリオ" panose="020B0604030504040204" pitchFamily="50" charset="-128"/>
+                <a:ea typeface="メイリオ" panose="020B0604030504040204" pitchFamily="50" charset="-128"/>
+                <a:cs typeface="メイリオ" panose="020B0604030504040204" pitchFamily="50" charset="-128"/>
+              </a:rPr>
+              <a:t>センシング</a:t>
+            </a:r>
+            <a:r>
+              <a:rPr lang="ja-JP" altLang="en-US" sz="1100" dirty="0" smtClean="0">
+                <a:latin typeface="メイリオ" panose="020B0604030504040204" pitchFamily="50" charset="-128"/>
+                <a:ea typeface="メイリオ" panose="020B0604030504040204" pitchFamily="50" charset="-128"/>
+                <a:cs typeface="メイリオ" panose="020B0604030504040204" pitchFamily="50" charset="-128"/>
+              </a:rPr>
+              <a:t>は、</a:t>
+            </a:r>
+            <a:r>
+              <a:rPr lang="ja-JP" altLang="en-US" sz="1100" dirty="0">
+                <a:solidFill>
+                  <a:srgbClr val="0000FF"/>
+                </a:solidFill>
+                <a:latin typeface="メイリオ" panose="020B0604030504040204" pitchFamily="50" charset="-128"/>
+                <a:ea typeface="メイリオ" panose="020B0604030504040204" pitchFamily="50" charset="-128"/>
+                <a:cs typeface="メイリオ" panose="020B0604030504040204" pitchFamily="50" charset="-128"/>
+              </a:rPr>
+              <a:t>攻略手順</a:t>
+            </a:r>
+            <a:r>
+              <a:rPr lang="ja-JP" altLang="en-US" sz="1100" dirty="0" smtClean="0">
+                <a:solidFill>
+                  <a:srgbClr val="0000FF"/>
+                </a:solidFill>
+                <a:latin typeface="メイリオ" panose="020B0604030504040204" pitchFamily="50" charset="-128"/>
+                <a:ea typeface="メイリオ" panose="020B0604030504040204" pitchFamily="50" charset="-128"/>
+                <a:cs typeface="メイリオ" panose="020B0604030504040204" pitchFamily="50" charset="-128"/>
+              </a:rPr>
+              <a:t>実行</a:t>
+            </a:r>
+            <a:r>
+              <a:rPr lang="ja-JP" altLang="en-US" sz="1100" dirty="0" smtClean="0">
+                <a:latin typeface="メイリオ" panose="020B0604030504040204" pitchFamily="50" charset="-128"/>
+                <a:ea typeface="メイリオ" panose="020B0604030504040204" pitchFamily="50" charset="-128"/>
+                <a:cs typeface="メイリオ" panose="020B0604030504040204" pitchFamily="50" charset="-128"/>
+              </a:rPr>
+              <a:t>が必要</a:t>
+            </a:r>
+            <a:r>
+              <a:rPr lang="ja-JP" altLang="en-US" sz="1100" dirty="0">
+                <a:latin typeface="メイリオ" panose="020B0604030504040204" pitchFamily="50" charset="-128"/>
+                <a:ea typeface="メイリオ" panose="020B0604030504040204" pitchFamily="50" charset="-128"/>
+                <a:cs typeface="メイリオ" panose="020B0604030504040204" pitchFamily="50" charset="-128"/>
+              </a:rPr>
+              <a:t>とする</a:t>
+            </a:r>
+            <a:r>
+              <a:rPr lang="ja-JP" altLang="en-US" sz="1100" dirty="0" smtClean="0">
+                <a:latin typeface="メイリオ" panose="020B0604030504040204" pitchFamily="50" charset="-128"/>
+                <a:ea typeface="メイリオ" panose="020B0604030504040204" pitchFamily="50" charset="-128"/>
+                <a:cs typeface="メイリオ" panose="020B0604030504040204" pitchFamily="50" charset="-128"/>
+              </a:rPr>
+              <a:t>機能</a:t>
+            </a:r>
+            <a:r>
+              <a:rPr lang="en-US" altLang="ja-JP" sz="1100" dirty="0" smtClean="0">
+                <a:latin typeface="メイリオ" panose="020B0604030504040204" pitchFamily="50" charset="-128"/>
+                <a:ea typeface="メイリオ" panose="020B0604030504040204" pitchFamily="50" charset="-128"/>
+                <a:cs typeface="メイリオ" panose="020B0604030504040204" pitchFamily="50" charset="-128"/>
+              </a:rPr>
+              <a:t>(</a:t>
+            </a:r>
+            <a:r>
+              <a:rPr lang="en-US" altLang="ja-JP" sz="1100" b="1" dirty="0" smtClean="0">
+                <a:solidFill>
+                  <a:srgbClr val="D24726"/>
+                </a:solidFill>
+                <a:latin typeface="メイリオ" panose="020B0604030504040204" pitchFamily="50" charset="-128"/>
+                <a:ea typeface="メイリオ" panose="020B0604030504040204" pitchFamily="50" charset="-128"/>
+                <a:cs typeface="メイリオ" panose="020B0604030504040204" pitchFamily="50" charset="-128"/>
+              </a:rPr>
+              <a:t>3.</a:t>
+            </a:r>
+            <a:r>
+              <a:rPr lang="ja-JP" altLang="en-US" sz="1100" b="1" dirty="0" smtClean="0">
+                <a:solidFill>
+                  <a:srgbClr val="D24726"/>
+                </a:solidFill>
+                <a:latin typeface="メイリオ" panose="020B0604030504040204" pitchFamily="50" charset="-128"/>
+                <a:ea typeface="メイリオ" panose="020B0604030504040204" pitchFamily="50" charset="-128"/>
+                <a:cs typeface="メイリオ" panose="020B0604030504040204" pitchFamily="50" charset="-128"/>
+              </a:rPr>
+              <a:t>制御</a:t>
+            </a:r>
+            <a:r>
+              <a:rPr lang="en-US" altLang="ja-JP" sz="1100" dirty="0" smtClean="0">
+                <a:latin typeface="メイリオ" panose="020B0604030504040204" pitchFamily="50" charset="-128"/>
+                <a:ea typeface="メイリオ" panose="020B0604030504040204" pitchFamily="50" charset="-128"/>
+                <a:cs typeface="メイリオ" panose="020B0604030504040204" pitchFamily="50" charset="-128"/>
+              </a:rPr>
+              <a:t>)</a:t>
+            </a:r>
+            <a:r>
+              <a:rPr lang="ja-JP" altLang="en-US" sz="1100" dirty="0" err="1" smtClean="0">
+                <a:latin typeface="メイリオ" panose="020B0604030504040204" pitchFamily="50" charset="-128"/>
+                <a:ea typeface="メイリオ" panose="020B0604030504040204" pitchFamily="50" charset="-128"/>
+                <a:cs typeface="メイリオ" panose="020B0604030504040204" pitchFamily="50" charset="-128"/>
+              </a:rPr>
+              <a:t>を提</a:t>
+            </a:r>
+            <a:r>
+              <a:rPr lang="ja-JP" altLang="en-US" sz="1100" dirty="0" smtClean="0">
+                <a:latin typeface="メイリオ" panose="020B0604030504040204" pitchFamily="50" charset="-128"/>
+                <a:ea typeface="メイリオ" panose="020B0604030504040204" pitchFamily="50" charset="-128"/>
+                <a:cs typeface="メイリオ" panose="020B0604030504040204" pitchFamily="50" charset="-128"/>
+              </a:rPr>
+              <a:t>供する（例：ブロック色認識、自己位置推定等）。これらの機能は</a:t>
+            </a:r>
+            <a:r>
+              <a:rPr lang="en-US" altLang="ja-JP" sz="1100" dirty="0" smtClean="0">
+                <a:latin typeface="メイリオ" panose="020B0604030504040204" pitchFamily="50" charset="-128"/>
+                <a:ea typeface="メイリオ" panose="020B0604030504040204" pitchFamily="50" charset="-128"/>
+                <a:cs typeface="メイリオ" panose="020B0604030504040204" pitchFamily="50" charset="-128"/>
+              </a:rPr>
+              <a:t>EV3</a:t>
+            </a:r>
+            <a:r>
+              <a:rPr lang="ja-JP" altLang="en-US" sz="1100" dirty="0" smtClean="0">
+                <a:latin typeface="メイリオ" panose="020B0604030504040204" pitchFamily="50" charset="-128"/>
+                <a:ea typeface="メイリオ" panose="020B0604030504040204" pitchFamily="50" charset="-128"/>
+                <a:cs typeface="メイリオ" panose="020B0604030504040204" pitchFamily="50" charset="-128"/>
+              </a:rPr>
+              <a:t> </a:t>
+            </a:r>
+            <a:r>
+              <a:rPr lang="en-US" altLang="ja-JP" sz="1100" dirty="0" smtClean="0">
+                <a:latin typeface="メイリオ" panose="020B0604030504040204" pitchFamily="50" charset="-128"/>
+                <a:ea typeface="メイリオ" panose="020B0604030504040204" pitchFamily="50" charset="-128"/>
+                <a:cs typeface="メイリオ" panose="020B0604030504040204" pitchFamily="50" charset="-128"/>
+              </a:rPr>
+              <a:t>API</a:t>
+            </a:r>
+            <a:r>
+              <a:rPr lang="ja-JP" altLang="en-US" sz="1100" dirty="0" smtClean="0">
+                <a:latin typeface="メイリオ" panose="020B0604030504040204" pitchFamily="50" charset="-128"/>
+                <a:ea typeface="メイリオ" panose="020B0604030504040204" pitchFamily="50" charset="-128"/>
+                <a:cs typeface="メイリオ" panose="020B0604030504040204" pitchFamily="50" charset="-128"/>
+              </a:rPr>
+              <a:t>の簡易的なラッパーである</a:t>
+            </a:r>
+            <a:r>
+              <a:rPr lang="ja-JP" altLang="en-US" sz="1100" dirty="0">
+                <a:solidFill>
+                  <a:srgbClr val="0000FF"/>
+                </a:solidFill>
+                <a:latin typeface="メイリオ" panose="020B0604030504040204" pitchFamily="50" charset="-128"/>
+                <a:ea typeface="メイリオ" panose="020B0604030504040204" pitchFamily="50" charset="-128"/>
+                <a:cs typeface="メイリオ" panose="020B0604030504040204" pitchFamily="50" charset="-128"/>
+              </a:rPr>
+              <a:t>デバイス</a:t>
+            </a:r>
+            <a:r>
+              <a:rPr lang="ja-JP" altLang="en-US" sz="1100" dirty="0" smtClean="0">
+                <a:solidFill>
+                  <a:srgbClr val="0000FF"/>
+                </a:solidFill>
+                <a:latin typeface="メイリオ" panose="020B0604030504040204" pitchFamily="50" charset="-128"/>
+                <a:ea typeface="メイリオ" panose="020B0604030504040204" pitchFamily="50" charset="-128"/>
+                <a:cs typeface="メイリオ" panose="020B0604030504040204" pitchFamily="50" charset="-128"/>
+              </a:rPr>
+              <a:t>制御</a:t>
+            </a:r>
+            <a:r>
+              <a:rPr lang="ja-JP" altLang="en-US" sz="1100" dirty="0" smtClean="0">
+                <a:latin typeface="メイリオ" panose="020B0604030504040204" pitchFamily="50" charset="-128"/>
+                <a:ea typeface="メイリオ" panose="020B0604030504040204" pitchFamily="50" charset="-128"/>
+                <a:cs typeface="メイリオ" panose="020B0604030504040204" pitchFamily="50" charset="-128"/>
+              </a:rPr>
+              <a:t>を用いて実現される。</a:t>
+            </a:r>
+            <a:endParaRPr lang="en-US" altLang="ja-JP" sz="1100" dirty="0" smtClean="0">
+              <a:latin typeface="メイリオ" panose="020B0604030504040204" pitchFamily="50" charset="-128"/>
+              <a:ea typeface="メイリオ" panose="020B0604030504040204" pitchFamily="50" charset="-128"/>
+              <a:cs typeface="メイリオ" panose="020B0604030504040204" pitchFamily="50" charset="-128"/>
+            </a:endParaRPr>
+          </a:p>
+          <a:p>
+            <a:r>
+              <a:rPr lang="ja-JP" altLang="en-US" sz="1100" dirty="0" smtClean="0">
+                <a:solidFill>
+                  <a:srgbClr val="0000FF"/>
+                </a:solidFill>
+                <a:latin typeface="メイリオ" panose="020B0604030504040204" pitchFamily="50" charset="-128"/>
+                <a:ea typeface="メイリオ" panose="020B0604030504040204" pitchFamily="50" charset="-128"/>
+                <a:cs typeface="メイリオ" panose="020B0604030504040204" pitchFamily="50" charset="-128"/>
+              </a:rPr>
+              <a:t>表示・</a:t>
+            </a:r>
+            <a:r>
+              <a:rPr lang="en-US" altLang="ja-JP" sz="1100" dirty="0" smtClean="0">
+                <a:solidFill>
+                  <a:srgbClr val="0000FF"/>
+                </a:solidFill>
+                <a:latin typeface="メイリオ" panose="020B0604030504040204" pitchFamily="50" charset="-128"/>
+                <a:ea typeface="メイリオ" panose="020B0604030504040204" pitchFamily="50" charset="-128"/>
+                <a:cs typeface="メイリオ" panose="020B0604030504040204" pitchFamily="50" charset="-128"/>
+              </a:rPr>
+              <a:t>UI</a:t>
+            </a:r>
+            <a:r>
+              <a:rPr lang="ja-JP" altLang="en-US" sz="1100" dirty="0" smtClean="0">
+                <a:latin typeface="メイリオ" panose="020B0604030504040204" pitchFamily="50" charset="-128"/>
+                <a:ea typeface="メイリオ" panose="020B0604030504040204" pitchFamily="50" charset="-128"/>
+                <a:cs typeface="メイリオ" panose="020B0604030504040204" pitchFamily="50" charset="-128"/>
+              </a:rPr>
+              <a:t>は走行の開始時およびデバッグでのみ使用される</a:t>
+            </a:r>
+            <a:endParaRPr lang="en-US" altLang="ja-JP" sz="1100" dirty="0" smtClean="0">
+              <a:latin typeface="メイリオ" panose="020B0604030504040204" pitchFamily="50" charset="-128"/>
+              <a:ea typeface="メイリオ" panose="020B0604030504040204" pitchFamily="50" charset="-128"/>
+              <a:cs typeface="メイリオ" panose="020B0604030504040204" pitchFamily="50" charset="-128"/>
+            </a:endParaRPr>
+          </a:p>
+          <a:p>
+            <a:r>
+              <a:rPr lang="ja-JP" altLang="en-US" sz="1100" dirty="0" smtClean="0">
+                <a:latin typeface="メイリオ" panose="020B0604030504040204" pitchFamily="50" charset="-128"/>
+                <a:ea typeface="メイリオ" panose="020B0604030504040204" pitchFamily="50" charset="-128"/>
+                <a:cs typeface="メイリオ" panose="020B0604030504040204" pitchFamily="50" charset="-128"/>
+              </a:rPr>
+              <a:t>の機能で、他のパッケージからユーティリティ的に使用さ</a:t>
+            </a:r>
+            <a:endParaRPr lang="en-US" altLang="ja-JP" sz="1100" dirty="0" smtClean="0">
+              <a:latin typeface="メイリオ" panose="020B0604030504040204" pitchFamily="50" charset="-128"/>
+              <a:ea typeface="メイリオ" panose="020B0604030504040204" pitchFamily="50" charset="-128"/>
+              <a:cs typeface="メイリオ" panose="020B0604030504040204" pitchFamily="50" charset="-128"/>
+            </a:endParaRPr>
+          </a:p>
+          <a:p>
+            <a:r>
+              <a:rPr lang="ja-JP" altLang="en-US" sz="1100" dirty="0" smtClean="0">
+                <a:latin typeface="メイリオ" panose="020B0604030504040204" pitchFamily="50" charset="-128"/>
+                <a:ea typeface="メイリオ" panose="020B0604030504040204" pitchFamily="50" charset="-128"/>
+                <a:cs typeface="メイリオ" panose="020B0604030504040204" pitchFamily="50" charset="-128"/>
+              </a:rPr>
+              <a:t>れる。</a:t>
+            </a:r>
+            <a:endParaRPr lang="en-US" altLang="ja-JP" sz="1100" dirty="0" smtClean="0">
+              <a:latin typeface="メイリオ" panose="020B0604030504040204" pitchFamily="50" charset="-128"/>
+              <a:ea typeface="メイリオ" panose="020B0604030504040204" pitchFamily="50" charset="-128"/>
+              <a:cs typeface="メイリオ" panose="020B0604030504040204" pitchFamily="50" charset="-128"/>
+            </a:endParaRPr>
+          </a:p>
+        </p:txBody>
+      </p:sp>
+      <p:cxnSp>
+        <p:nvCxnSpPr>
+          <p:cNvPr id="64" name="直線矢印コネクタ 63"/>
+          <p:cNvCxnSpPr>
+            <a:stCxn id="3" idx="3"/>
+            <a:endCxn id="22" idx="1"/>
+          </p:cNvCxnSpPr>
+          <p:nvPr/>
+        </p:nvCxnSpPr>
+        <p:spPr>
+          <a:xfrm>
+            <a:off x="1558457" y="3633613"/>
+            <a:ext cx="247375" cy="482"/>
+          </a:xfrm>
+          <a:prstGeom prst="straightConnector1">
+            <a:avLst/>
+          </a:prstGeom>
+          <a:ln w="12700">
+            <a:solidFill>
+              <a:schemeClr val="tx1"/>
+            </a:solidFill>
+            <a:prstDash val="sysDash"/>
+            <a:tailEnd type="arrow" w="lg" len="med"/>
+          </a:ln>
+        </p:spPr>
+        <p:style>
+          <a:lnRef idx="1">
+            <a:schemeClr val="accent1"/>
+          </a:lnRef>
+          <a:fillRef idx="0">
+            <a:schemeClr val="accent1"/>
+          </a:fillRef>
+          <a:effectRef idx="0">
+            <a:schemeClr val="accent1"/>
+          </a:effectRef>
+          <a:fontRef idx="minor">
+            <a:schemeClr val="tx1"/>
+          </a:fontRef>
+        </p:style>
+      </p:cxnSp>
+      <p:pic>
+        <p:nvPicPr>
+          <p:cNvPr id="1027" name="Picture 3"/>
+          <p:cNvPicPr>
+            <a:picLocks noChangeAspect="1" noChangeArrowheads="1"/>
+          </p:cNvPicPr>
+          <p:nvPr/>
+        </p:nvPicPr>
+        <p:blipFill>
+          <a:blip r:embed="rId3" cstate="print">
+            <a:extLst>
+              <a:ext uri="{28A0092B-C50C-407E-A947-70E740481C1C}">
+                <a14:useLocalDpi xmlns:a14="http://schemas.microsoft.com/office/drawing/2010/main" val="0"/>
+              </a:ext>
+            </a:extLst>
+          </a:blip>
+          <a:srcRect/>
+          <a:stretch>
+            <a:fillRect/>
+          </a:stretch>
+        </p:blipFill>
+        <p:spPr bwMode="auto">
+          <a:xfrm>
+            <a:off x="8879208" y="2680184"/>
+            <a:ext cx="5710087" cy="2427907"/>
+          </a:xfrm>
+          <a:prstGeom prst="rect">
+            <a:avLst/>
+          </a:prstGeom>
+          <a:noFill/>
+          <a:ln>
+            <a:noFill/>
+          </a:ln>
+          <a:extLst>
+            <a:ext uri="{909E8E84-426E-40DD-AFC4-6F175D3DCCD1}">
+              <a14:hiddenFill xmlns:a14="http://schemas.microsoft.com/office/drawing/2010/main">
+                <a:solidFill>
+                  <a:schemeClr val="accent1"/>
+                </a:solidFill>
+              </a14:hiddenFill>
+            </a:ext>
+            <a:ext uri="{91240B29-F687-4F45-9708-019B960494DF}">
+              <a14:hiddenLine xmlns:a14="http://schemas.microsoft.com/office/drawing/2010/main" w="9525">
+                <a:solidFill>
+                  <a:schemeClr val="tx1"/>
+                </a:solidFill>
+                <a:miter lim="800000"/>
+                <a:headEnd/>
+                <a:tailEnd/>
+              </a14:hiddenLine>
+            </a:ext>
+          </a:extLst>
+        </p:spPr>
+      </p:pic>
+      <p:pic>
+        <p:nvPicPr>
+          <p:cNvPr id="1028" name="Picture 4"/>
+          <p:cNvPicPr>
+            <a:picLocks noChangeAspect="1" noChangeArrowheads="1"/>
+          </p:cNvPicPr>
+          <p:nvPr/>
+        </p:nvPicPr>
+        <p:blipFill>
+          <a:blip r:embed="rId4" cstate="print">
+            <a:extLst>
+              <a:ext uri="{28A0092B-C50C-407E-A947-70E740481C1C}">
+                <a14:useLocalDpi xmlns:a14="http://schemas.microsoft.com/office/drawing/2010/main" val="0"/>
+              </a:ext>
+            </a:extLst>
+          </a:blip>
+          <a:srcRect/>
+          <a:stretch>
+            <a:fillRect/>
+          </a:stretch>
+        </p:blipFill>
+        <p:spPr bwMode="auto">
+          <a:xfrm>
+            <a:off x="414438" y="5486407"/>
+            <a:ext cx="8153671" cy="4934538"/>
+          </a:xfrm>
+          <a:prstGeom prst="rect">
+            <a:avLst/>
+          </a:prstGeom>
+          <a:noFill/>
+          <a:ln>
+            <a:noFill/>
+          </a:ln>
+          <a:extLst>
+            <a:ext uri="{909E8E84-426E-40DD-AFC4-6F175D3DCCD1}">
+              <a14:hiddenFill xmlns:a14="http://schemas.microsoft.com/office/drawing/2010/main">
+                <a:solidFill>
+                  <a:schemeClr val="accent1"/>
+                </a:solidFill>
+              </a14:hiddenFill>
+            </a:ext>
+            <a:ext uri="{91240B29-F687-4F45-9708-019B960494DF}">
+              <a14:hiddenLine xmlns:a14="http://schemas.microsoft.com/office/drawing/2010/main" w="9525">
+                <a:solidFill>
+                  <a:schemeClr val="tx1"/>
+                </a:solidFill>
+                <a:miter lim="800000"/>
+                <a:headEnd/>
+                <a:tailEnd/>
+              </a14:hiddenLine>
+            </a:ext>
+          </a:extLst>
+        </p:spPr>
+      </p:pic>
     </p:spTree>
     <p:extLst>
       <p:ext uri="{BB962C8B-B14F-4D97-AF65-F5344CB8AC3E}">
@@ -4905,28 +8693,7 @@
                 <a:ea typeface="メイリオ" panose="020B0604030504040204" pitchFamily="50" charset="-128"/>
                 <a:cs typeface="メイリオ" panose="020B0604030504040204" pitchFamily="50" charset="-128"/>
               </a:rPr>
-              <a:t>(1/2</a:t>
-            </a:r>
-            <a:r>
-              <a:rPr lang="en-US" altLang="ja-JP" sz="2000" dirty="0">
-                <a:ln w="0"/>
-                <a:solidFill>
-                  <a:schemeClr val="bg1">
-                    <a:lumMod val="50000"/>
-                  </a:schemeClr>
-                </a:solidFill>
-                <a:effectLst>
-                  <a:outerShdw blurRad="38100" dist="38100" dir="2700000" algn="tl">
-                    <a:srgbClr val="000000">
-                      <a:alpha val="43137"/>
-                    </a:srgbClr>
-                  </a:outerShdw>
-                </a:effectLst>
-                <a:latin typeface="メイリオ" panose="020B0604030504040204" pitchFamily="50" charset="-128"/>
-                <a:ea typeface="メイリオ" panose="020B0604030504040204" pitchFamily="50" charset="-128"/>
-                <a:cs typeface="メイリオ" panose="020B0604030504040204" pitchFamily="50" charset="-128"/>
-              </a:rPr>
-              <a:t>)</a:t>
+              <a:t>(1)</a:t>
             </a:r>
             <a:endParaRPr lang="ja-JP" altLang="en-US" sz="2000" dirty="0">
               <a:ln w="0"/>
@@ -5193,7 +8960,7 @@
                 <a:ea typeface="メイリオ" panose="020B0604030504040204" pitchFamily="50" charset="-128"/>
                 <a:cs typeface="メイリオ" panose="020B0604030504040204" pitchFamily="50" charset="-128"/>
               </a:rPr>
-              <a:t>(2/2)</a:t>
+              <a:t>(2)</a:t>
             </a:r>
             <a:endParaRPr lang="ja-JP" altLang="en-US" sz="2400" b="1" dirty="0">
               <a:ln w="0"/>
@@ -5215,8 +8982,8 @@
         </p:nvSpPr>
         <p:spPr>
           <a:xfrm>
-            <a:off x="361022" y="991122"/>
-            <a:ext cx="11321474" cy="682239"/>
+            <a:off x="363226" y="991122"/>
+            <a:ext cx="11319270" cy="682239"/>
           </a:xfrm>
           <a:prstGeom prst="wedgeRectCallout">
             <a:avLst>
@@ -5260,12 +9027,20 @@
           <a:p>
             <a:pPr algn="ctr"/>
             <a:r>
+              <a:rPr lang="ja-JP" altLang="en-US" sz="2716" dirty="0">
+                <a:latin typeface="メイリオ" panose="020B0604030504040204" pitchFamily="50" charset="-128"/>
+                <a:ea typeface="メイリオ" panose="020B0604030504040204" pitchFamily="50" charset="-128"/>
+                <a:cs typeface="メイリオ" panose="020B0604030504040204" pitchFamily="50" charset="-128"/>
+              </a:rPr>
+              <a:t>システム</a:t>
+            </a:r>
+            <a:r>
               <a:rPr lang="ja-JP" altLang="en-US" sz="2716" dirty="0" smtClean="0">
                 <a:latin typeface="メイリオ" panose="020B0604030504040204" pitchFamily="50" charset="-128"/>
                 <a:ea typeface="メイリオ" panose="020B0604030504040204" pitchFamily="50" charset="-128"/>
                 <a:cs typeface="メイリオ" panose="020B0604030504040204" pitchFamily="50" charset="-128"/>
               </a:rPr>
-              <a:t>ここに一文を入力</a:t>
+              <a:t>は各パッケージのメイン関数の呼び出しで実行される</a:t>
             </a:r>
             <a:endParaRPr lang="ja-JP" altLang="en-US" sz="2716" dirty="0">
               <a:latin typeface="メイリオ" panose="020B0604030504040204" pitchFamily="50" charset="-128"/>
@@ -5275,6 +9050,613 @@
           </a:p>
         </p:txBody>
       </p:sp>
+      <p:sp>
+        <p:nvSpPr>
+          <p:cNvPr id="10" name="正方形/長方形 9"/>
+          <p:cNvSpPr/>
+          <p:nvPr/>
+        </p:nvSpPr>
+        <p:spPr>
+          <a:xfrm>
+            <a:off x="7968136" y="1947572"/>
+            <a:ext cx="7003458" cy="8257477"/>
+          </a:xfrm>
+          <a:prstGeom prst="rect">
+            <a:avLst/>
+          </a:prstGeom>
+          <a:noFill/>
+          <a:ln w="25400">
+            <a:solidFill>
+              <a:srgbClr val="D24726"/>
+            </a:solidFill>
+          </a:ln>
+        </p:spPr>
+        <p:style>
+          <a:lnRef idx="2">
+            <a:schemeClr val="accent1">
+              <a:shade val="50000"/>
+            </a:schemeClr>
+          </a:lnRef>
+          <a:fillRef idx="1">
+            <a:schemeClr val="accent1"/>
+          </a:fillRef>
+          <a:effectRef idx="0">
+            <a:schemeClr val="accent1"/>
+          </a:effectRef>
+          <a:fontRef idx="minor">
+            <a:schemeClr val="lt1"/>
+          </a:fontRef>
+        </p:style>
+        <p:txBody>
+          <a:bodyPr rtlCol="0" anchor="ctr"/>
+          <a:lstStyle/>
+          <a:p>
+            <a:pPr algn="ctr"/>
+            <a:endParaRPr kumimoji="1" lang="ja-JP" altLang="en-US"/>
+          </a:p>
+        </p:txBody>
+      </p:sp>
+      <p:sp>
+        <p:nvSpPr>
+          <p:cNvPr id="11" name="テキスト ボックス 10"/>
+          <p:cNvSpPr txBox="1"/>
+          <p:nvPr/>
+        </p:nvSpPr>
+        <p:spPr>
+          <a:xfrm>
+            <a:off x="7968136" y="1942761"/>
+            <a:ext cx="2948243" cy="307777"/>
+          </a:xfrm>
+          <a:prstGeom prst="rect">
+            <a:avLst/>
+          </a:prstGeom>
+          <a:solidFill>
+            <a:srgbClr val="D24726"/>
+          </a:solidFill>
+        </p:spPr>
+        <p:txBody>
+          <a:bodyPr wrap="none" rtlCol="0">
+            <a:spAutoFit/>
+          </a:bodyPr>
+          <a:lstStyle/>
+          <a:p>
+            <a:r>
+              <a:rPr lang="en-US" altLang="ja-JP" sz="1400" b="1" dirty="0" smtClean="0">
+                <a:solidFill>
+                  <a:schemeClr val="bg1"/>
+                </a:solidFill>
+                <a:latin typeface="メイリオ" panose="020B0604030504040204" pitchFamily="50" charset="-128"/>
+                <a:ea typeface="メイリオ" panose="020B0604030504040204" pitchFamily="50" charset="-128"/>
+                <a:cs typeface="メイリオ" panose="020B0604030504040204" pitchFamily="50" charset="-128"/>
+              </a:rPr>
+              <a:t>4</a:t>
+            </a:r>
+            <a:r>
+              <a:rPr kumimoji="1" lang="en-US" altLang="ja-JP" sz="1400" b="1" dirty="0" smtClean="0">
+                <a:solidFill>
+                  <a:schemeClr val="bg1"/>
+                </a:solidFill>
+                <a:latin typeface="メイリオ" panose="020B0604030504040204" pitchFamily="50" charset="-128"/>
+                <a:ea typeface="メイリオ" panose="020B0604030504040204" pitchFamily="50" charset="-128"/>
+                <a:cs typeface="メイリオ" panose="020B0604030504040204" pitchFamily="50" charset="-128"/>
+              </a:rPr>
+              <a:t>-2-2.</a:t>
+            </a:r>
+            <a:r>
+              <a:rPr lang="ja-JP" altLang="en-US" sz="1400" b="1" dirty="0" smtClean="0">
+                <a:solidFill>
+                  <a:schemeClr val="bg1"/>
+                </a:solidFill>
+                <a:latin typeface="メイリオ" panose="020B0604030504040204" pitchFamily="50" charset="-128"/>
+                <a:ea typeface="メイリオ" panose="020B0604030504040204" pitchFamily="50" charset="-128"/>
+                <a:cs typeface="メイリオ" panose="020B0604030504040204" pitchFamily="50" charset="-128"/>
+              </a:rPr>
+              <a:t> </a:t>
+            </a:r>
+            <a:r>
+              <a:rPr lang="en-US" altLang="ja-JP" sz="1400" b="1" dirty="0" smtClean="0">
+                <a:solidFill>
+                  <a:schemeClr val="bg1"/>
+                </a:solidFill>
+                <a:latin typeface="メイリオ" panose="020B0604030504040204" pitchFamily="50" charset="-128"/>
+                <a:ea typeface="メイリオ" panose="020B0604030504040204" pitchFamily="50" charset="-128"/>
+                <a:cs typeface="メイリオ" panose="020B0604030504040204" pitchFamily="50" charset="-128"/>
+              </a:rPr>
+              <a:t>R</a:t>
+            </a:r>
+            <a:r>
+              <a:rPr lang="ja-JP" altLang="en-US" sz="1400" b="1" dirty="0" smtClean="0">
+                <a:solidFill>
+                  <a:schemeClr val="bg1"/>
+                </a:solidFill>
+                <a:latin typeface="メイリオ" panose="020B0604030504040204" pitchFamily="50" charset="-128"/>
+                <a:ea typeface="メイリオ" panose="020B0604030504040204" pitchFamily="50" charset="-128"/>
+                <a:cs typeface="メイリオ" panose="020B0604030504040204" pitchFamily="50" charset="-128"/>
+              </a:rPr>
+              <a:t>ゲーム攻略のシーケンス</a:t>
+            </a:r>
+            <a:endParaRPr kumimoji="1" lang="ja-JP" altLang="en-US" sz="1400" b="1" dirty="0">
+              <a:solidFill>
+                <a:schemeClr val="bg1"/>
+              </a:solidFill>
+              <a:latin typeface="メイリオ" panose="020B0604030504040204" pitchFamily="50" charset="-128"/>
+              <a:ea typeface="メイリオ" panose="020B0604030504040204" pitchFamily="50" charset="-128"/>
+              <a:cs typeface="メイリオ" panose="020B0604030504040204" pitchFamily="50" charset="-128"/>
+            </a:endParaRPr>
+          </a:p>
+        </p:txBody>
+      </p:sp>
+      <p:pic>
+        <p:nvPicPr>
+          <p:cNvPr id="2050" name="Picture 2"/>
+          <p:cNvPicPr>
+            <a:picLocks noChangeAspect="1" noChangeArrowheads="1"/>
+          </p:cNvPicPr>
+          <p:nvPr/>
+        </p:nvPicPr>
+        <p:blipFill>
+          <a:blip r:embed="rId2" cstate="print">
+            <a:extLst>
+              <a:ext uri="{28A0092B-C50C-407E-A947-70E740481C1C}">
+                <a14:useLocalDpi xmlns:a14="http://schemas.microsoft.com/office/drawing/2010/main" val="0"/>
+              </a:ext>
+            </a:extLst>
+          </a:blip>
+          <a:srcRect/>
+          <a:stretch>
+            <a:fillRect/>
+          </a:stretch>
+        </p:blipFill>
+        <p:spPr bwMode="auto">
+          <a:xfrm>
+            <a:off x="-9740123" y="32072239"/>
+            <a:ext cx="8459472" cy="8259382"/>
+          </a:xfrm>
+          <a:prstGeom prst="rect">
+            <a:avLst/>
+          </a:prstGeom>
+          <a:noFill/>
+          <a:ln>
+            <a:noFill/>
+          </a:ln>
+          <a:extLst>
+            <a:ext uri="{909E8E84-426E-40DD-AFC4-6F175D3DCCD1}">
+              <a14:hiddenFill xmlns:a14="http://schemas.microsoft.com/office/drawing/2010/main">
+                <a:solidFill>
+                  <a:schemeClr val="accent1"/>
+                </a:solidFill>
+              </a14:hiddenFill>
+            </a:ext>
+            <a:ext uri="{91240B29-F687-4F45-9708-019B960494DF}">
+              <a14:hiddenLine xmlns:a14="http://schemas.microsoft.com/office/drawing/2010/main" w="9525">
+                <a:solidFill>
+                  <a:schemeClr val="tx1"/>
+                </a:solidFill>
+                <a:miter lim="800000"/>
+                <a:headEnd/>
+                <a:tailEnd/>
+              </a14:hiddenLine>
+            </a:ext>
+          </a:extLst>
+        </p:spPr>
+      </p:pic>
+      <p:sp>
+        <p:nvSpPr>
+          <p:cNvPr id="18" name="正方形/長方形 17"/>
+          <p:cNvSpPr/>
+          <p:nvPr/>
+        </p:nvSpPr>
+        <p:spPr>
+          <a:xfrm>
+            <a:off x="363226" y="1947572"/>
+            <a:ext cx="7478185" cy="8257477"/>
+          </a:xfrm>
+          <a:prstGeom prst="rect">
+            <a:avLst/>
+          </a:prstGeom>
+          <a:noFill/>
+          <a:ln w="25400">
+            <a:solidFill>
+              <a:srgbClr val="D24726"/>
+            </a:solidFill>
+          </a:ln>
+        </p:spPr>
+        <p:style>
+          <a:lnRef idx="2">
+            <a:schemeClr val="accent1">
+              <a:shade val="50000"/>
+            </a:schemeClr>
+          </a:lnRef>
+          <a:fillRef idx="1">
+            <a:schemeClr val="accent1"/>
+          </a:fillRef>
+          <a:effectRef idx="0">
+            <a:schemeClr val="accent1"/>
+          </a:effectRef>
+          <a:fontRef idx="minor">
+            <a:schemeClr val="lt1"/>
+          </a:fontRef>
+        </p:style>
+        <p:txBody>
+          <a:bodyPr rtlCol="0" anchor="ctr"/>
+          <a:lstStyle/>
+          <a:p>
+            <a:pPr algn="ctr"/>
+            <a:endParaRPr kumimoji="1" lang="ja-JP" altLang="en-US"/>
+          </a:p>
+        </p:txBody>
+      </p:sp>
+      <p:sp>
+        <p:nvSpPr>
+          <p:cNvPr id="19" name="テキスト ボックス 18"/>
+          <p:cNvSpPr txBox="1"/>
+          <p:nvPr/>
+        </p:nvSpPr>
+        <p:spPr>
+          <a:xfrm>
+            <a:off x="363226" y="1947572"/>
+            <a:ext cx="2993127" cy="307777"/>
+          </a:xfrm>
+          <a:prstGeom prst="rect">
+            <a:avLst/>
+          </a:prstGeom>
+          <a:solidFill>
+            <a:srgbClr val="D24726"/>
+          </a:solidFill>
+        </p:spPr>
+        <p:txBody>
+          <a:bodyPr wrap="none" rtlCol="0">
+            <a:spAutoFit/>
+          </a:bodyPr>
+          <a:lstStyle/>
+          <a:p>
+            <a:r>
+              <a:rPr lang="en-US" altLang="ja-JP" sz="1400" b="1" dirty="0" smtClean="0">
+                <a:solidFill>
+                  <a:schemeClr val="bg1"/>
+                </a:solidFill>
+                <a:latin typeface="メイリオ" panose="020B0604030504040204" pitchFamily="50" charset="-128"/>
+                <a:ea typeface="メイリオ" panose="020B0604030504040204" pitchFamily="50" charset="-128"/>
+                <a:cs typeface="メイリオ" panose="020B0604030504040204" pitchFamily="50" charset="-128"/>
+              </a:rPr>
+              <a:t>4</a:t>
+            </a:r>
+            <a:r>
+              <a:rPr kumimoji="1" lang="en-US" altLang="ja-JP" sz="1400" b="1" dirty="0" smtClean="0">
+                <a:solidFill>
+                  <a:schemeClr val="bg1"/>
+                </a:solidFill>
+                <a:latin typeface="メイリオ" panose="020B0604030504040204" pitchFamily="50" charset="-128"/>
+                <a:ea typeface="メイリオ" panose="020B0604030504040204" pitchFamily="50" charset="-128"/>
+                <a:cs typeface="メイリオ" panose="020B0604030504040204" pitchFamily="50" charset="-128"/>
+              </a:rPr>
+              <a:t>-2-1.</a:t>
+            </a:r>
+            <a:r>
+              <a:rPr lang="ja-JP" altLang="en-US" sz="1400" b="1" dirty="0" smtClean="0">
+                <a:solidFill>
+                  <a:schemeClr val="bg1"/>
+                </a:solidFill>
+                <a:latin typeface="メイリオ" panose="020B0604030504040204" pitchFamily="50" charset="-128"/>
+                <a:ea typeface="メイリオ" panose="020B0604030504040204" pitchFamily="50" charset="-128"/>
+                <a:cs typeface="メイリオ" panose="020B0604030504040204" pitchFamily="50" charset="-128"/>
+              </a:rPr>
+              <a:t> システム全体のシーケンス</a:t>
+            </a:r>
+            <a:endParaRPr kumimoji="1" lang="ja-JP" altLang="en-US" sz="1400" b="1" dirty="0">
+              <a:solidFill>
+                <a:schemeClr val="bg1"/>
+              </a:solidFill>
+              <a:latin typeface="メイリオ" panose="020B0604030504040204" pitchFamily="50" charset="-128"/>
+              <a:ea typeface="メイリオ" panose="020B0604030504040204" pitchFamily="50" charset="-128"/>
+              <a:cs typeface="メイリオ" panose="020B0604030504040204" pitchFamily="50" charset="-128"/>
+            </a:endParaRPr>
+          </a:p>
+        </p:txBody>
+      </p:sp>
+      <p:sp>
+        <p:nvSpPr>
+          <p:cNvPr id="22" name="テキスト ボックス 21"/>
+          <p:cNvSpPr txBox="1"/>
+          <p:nvPr/>
+        </p:nvSpPr>
+        <p:spPr>
+          <a:xfrm>
+            <a:off x="8283630" y="2459031"/>
+            <a:ext cx="6562430" cy="430887"/>
+          </a:xfrm>
+          <a:prstGeom prst="rect">
+            <a:avLst/>
+          </a:prstGeom>
+          <a:noFill/>
+        </p:spPr>
+        <p:txBody>
+          <a:bodyPr wrap="square" rtlCol="0">
+            <a:spAutoFit/>
+          </a:bodyPr>
+          <a:lstStyle/>
+          <a:p>
+            <a:r>
+              <a:rPr lang="en-US" altLang="ja-JP" sz="1100" dirty="0" smtClean="0">
+                <a:latin typeface="メイリオ" panose="020B0604030504040204" pitchFamily="50" charset="-128"/>
+                <a:ea typeface="メイリオ" panose="020B0604030504040204" pitchFamily="50" charset="-128"/>
+                <a:cs typeface="メイリオ" panose="020B0604030504040204" pitchFamily="50" charset="-128"/>
+              </a:rPr>
+              <a:t>R</a:t>
+            </a:r>
+            <a:r>
+              <a:rPr lang="ja-JP" altLang="en-US" sz="1100" dirty="0" smtClean="0">
+                <a:latin typeface="メイリオ" panose="020B0604030504040204" pitchFamily="50" charset="-128"/>
+                <a:ea typeface="メイリオ" panose="020B0604030504040204" pitchFamily="50" charset="-128"/>
+                <a:cs typeface="メイリオ" panose="020B0604030504040204" pitchFamily="50" charset="-128"/>
+              </a:rPr>
+              <a:t>ゲームの攻略をシーケンスを、</a:t>
+            </a:r>
+            <a:r>
+              <a:rPr lang="ja-JP" altLang="en-US" sz="1100" dirty="0">
+                <a:latin typeface="メイリオ" panose="020B0604030504040204" pitchFamily="50" charset="-128"/>
+                <a:ea typeface="メイリオ" panose="020B0604030504040204" pitchFamily="50" charset="-128"/>
+                <a:cs typeface="メイリオ" panose="020B0604030504040204" pitchFamily="50" charset="-128"/>
+              </a:rPr>
+              <a:t>攻略手順</a:t>
+            </a:r>
+            <a:r>
+              <a:rPr lang="ja-JP" altLang="en-US" sz="1100" dirty="0" smtClean="0">
+                <a:latin typeface="メイリオ" panose="020B0604030504040204" pitchFamily="50" charset="-128"/>
+                <a:ea typeface="メイリオ" panose="020B0604030504040204" pitchFamily="50" charset="-128"/>
+                <a:cs typeface="メイリオ" panose="020B0604030504040204" pitchFamily="50" charset="-128"/>
+              </a:rPr>
+              <a:t>の作成と実行に注目して例示する（</a:t>
+            </a:r>
+            <a:r>
+              <a:rPr lang="ja-JP" altLang="en-US" sz="1100" dirty="0">
+                <a:latin typeface="メイリオ" panose="020B0604030504040204" pitchFamily="50" charset="-128"/>
+                <a:ea typeface="メイリオ" panose="020B0604030504040204" pitchFamily="50" charset="-128"/>
+                <a:cs typeface="メイリオ" panose="020B0604030504040204" pitchFamily="50" charset="-128"/>
+              </a:rPr>
+              <a:t>各</a:t>
+            </a:r>
+            <a:r>
+              <a:rPr lang="ja-JP" altLang="en-US" sz="1100" dirty="0" smtClean="0">
+                <a:latin typeface="メイリオ" panose="020B0604030504040204" pitchFamily="50" charset="-128"/>
+                <a:ea typeface="メイリオ" panose="020B0604030504040204" pitchFamily="50" charset="-128"/>
+                <a:cs typeface="メイリオ" panose="020B0604030504040204" pitchFamily="50" charset="-128"/>
+              </a:rPr>
+              <a:t>パッケージのルートは既に作成済み）。</a:t>
+            </a:r>
+            <a:endParaRPr lang="en-US" altLang="ja-JP" sz="1100" dirty="0" smtClean="0">
+              <a:latin typeface="メイリオ" panose="020B0604030504040204" pitchFamily="50" charset="-128"/>
+              <a:ea typeface="メイリオ" panose="020B0604030504040204" pitchFamily="50" charset="-128"/>
+              <a:cs typeface="メイリオ" panose="020B0604030504040204" pitchFamily="50" charset="-128"/>
+            </a:endParaRPr>
+          </a:p>
+        </p:txBody>
+      </p:sp>
+      <p:sp>
+        <p:nvSpPr>
+          <p:cNvPr id="23" name="テキスト ボックス 22"/>
+          <p:cNvSpPr txBox="1"/>
+          <p:nvPr/>
+        </p:nvSpPr>
+        <p:spPr>
+          <a:xfrm>
+            <a:off x="425618" y="2328227"/>
+            <a:ext cx="7258072" cy="600164"/>
+          </a:xfrm>
+          <a:prstGeom prst="rect">
+            <a:avLst/>
+          </a:prstGeom>
+          <a:noFill/>
+        </p:spPr>
+        <p:txBody>
+          <a:bodyPr wrap="square" rtlCol="0">
+            <a:spAutoFit/>
+          </a:bodyPr>
+          <a:lstStyle/>
+          <a:p>
+            <a:r>
+              <a:rPr lang="ja-JP" altLang="en-US" sz="1100" dirty="0" smtClean="0">
+                <a:latin typeface="メイリオ" panose="020B0604030504040204" pitchFamily="50" charset="-128"/>
+                <a:ea typeface="メイリオ" panose="020B0604030504040204" pitchFamily="50" charset="-128"/>
+                <a:cs typeface="メイリオ" panose="020B0604030504040204" pitchFamily="50" charset="-128"/>
+              </a:rPr>
+              <a:t>プログラム開始時に、</a:t>
+            </a:r>
+            <a:r>
+              <a:rPr lang="en-US" altLang="ja-JP" sz="1100" b="1" dirty="0" smtClean="0">
+                <a:solidFill>
+                  <a:srgbClr val="D24726"/>
+                </a:solidFill>
+                <a:latin typeface="メイリオ" panose="020B0604030504040204" pitchFamily="50" charset="-128"/>
+                <a:ea typeface="メイリオ" panose="020B0604030504040204" pitchFamily="50" charset="-128"/>
+                <a:cs typeface="メイリオ" panose="020B0604030504040204" pitchFamily="50" charset="-128"/>
+              </a:rPr>
+              <a:t>4.1</a:t>
+            </a:r>
+            <a:r>
+              <a:rPr lang="ja-JP" altLang="en-US" sz="1100" dirty="0" smtClean="0">
+                <a:latin typeface="メイリオ" panose="020B0604030504040204" pitchFamily="50" charset="-128"/>
+                <a:ea typeface="メイリオ" panose="020B0604030504040204" pitchFamily="50" charset="-128"/>
+                <a:cs typeface="メイリオ" panose="020B0604030504040204" pitchFamily="50" charset="-128"/>
+              </a:rPr>
+              <a:t> で示した階層の下から上の順に全パッケージのルートが作成される。全パッケージのルートを作成後、全体制御のメインループで、</a:t>
+            </a:r>
+            <a:r>
+              <a:rPr lang="en-US" altLang="ja-JP" sz="1100" dirty="0" smtClean="0">
+                <a:solidFill>
+                  <a:srgbClr val="0000FF"/>
+                </a:solidFill>
+                <a:latin typeface="メイリオ" panose="020B0604030504040204" pitchFamily="50" charset="-128"/>
+                <a:ea typeface="メイリオ" panose="020B0604030504040204" pitchFamily="50" charset="-128"/>
+                <a:cs typeface="メイリオ" panose="020B0604030504040204" pitchFamily="50" charset="-128"/>
+              </a:rPr>
+              <a:t>R</a:t>
+            </a:r>
+            <a:r>
+              <a:rPr lang="ja-JP" altLang="en-US" sz="1100" dirty="0" smtClean="0">
+                <a:solidFill>
+                  <a:srgbClr val="0000FF"/>
+                </a:solidFill>
+                <a:latin typeface="メイリオ" panose="020B0604030504040204" pitchFamily="50" charset="-128"/>
+                <a:ea typeface="メイリオ" panose="020B0604030504040204" pitchFamily="50" charset="-128"/>
+                <a:cs typeface="メイリオ" panose="020B0604030504040204" pitchFamily="50" charset="-128"/>
+              </a:rPr>
+              <a:t>ゲーム攻略ルート</a:t>
+            </a:r>
+            <a:r>
+              <a:rPr lang="ja-JP" altLang="en-US" sz="1100" dirty="0" smtClean="0">
+                <a:latin typeface="メイリオ" panose="020B0604030504040204" pitchFamily="50" charset="-128"/>
+                <a:ea typeface="メイリオ" panose="020B0604030504040204" pitchFamily="50" charset="-128"/>
+                <a:cs typeface="メイリオ" panose="020B0604030504040204" pitchFamily="50" charset="-128"/>
+              </a:rPr>
+              <a:t>、</a:t>
+            </a:r>
+            <a:r>
+              <a:rPr lang="ja-JP" altLang="en-US" sz="1100" dirty="0" smtClean="0">
+                <a:solidFill>
+                  <a:srgbClr val="0000FF"/>
+                </a:solidFill>
+                <a:latin typeface="メイリオ" panose="020B0604030504040204" pitchFamily="50" charset="-128"/>
+                <a:ea typeface="メイリオ" panose="020B0604030504040204" pitchFamily="50" charset="-128"/>
+                <a:cs typeface="メイリオ" panose="020B0604030504040204" pitchFamily="50" charset="-128"/>
+              </a:rPr>
+              <a:t>走行エリア攻略</a:t>
+            </a:r>
+            <a:r>
+              <a:rPr lang="ja-JP" altLang="en-US" sz="1100" dirty="0">
+                <a:solidFill>
+                  <a:srgbClr val="0000FF"/>
+                </a:solidFill>
+                <a:latin typeface="メイリオ" panose="020B0604030504040204" pitchFamily="50" charset="-128"/>
+                <a:ea typeface="メイリオ" panose="020B0604030504040204" pitchFamily="50" charset="-128"/>
+                <a:cs typeface="メイリオ" panose="020B0604030504040204" pitchFamily="50" charset="-128"/>
+              </a:rPr>
+              <a:t>ルート</a:t>
+            </a:r>
+            <a:r>
+              <a:rPr lang="ja-JP" altLang="en-US" sz="1100" dirty="0" smtClean="0">
+                <a:latin typeface="メイリオ" panose="020B0604030504040204" pitchFamily="50" charset="-128"/>
+                <a:ea typeface="メイリオ" panose="020B0604030504040204" pitchFamily="50" charset="-128"/>
+                <a:cs typeface="メイリオ" panose="020B0604030504040204" pitchFamily="50" charset="-128"/>
+              </a:rPr>
+              <a:t>、</a:t>
+            </a:r>
+            <a:r>
+              <a:rPr lang="ja-JP" altLang="en-US" sz="1100" dirty="0" smtClean="0">
+                <a:solidFill>
+                  <a:srgbClr val="0000FF"/>
+                </a:solidFill>
+                <a:latin typeface="メイリオ" panose="020B0604030504040204" pitchFamily="50" charset="-128"/>
+                <a:ea typeface="メイリオ" panose="020B0604030504040204" pitchFamily="50" charset="-128"/>
+                <a:cs typeface="メイリオ" panose="020B0604030504040204" pitchFamily="50" charset="-128"/>
+              </a:rPr>
+              <a:t>攻略手順実行</a:t>
+            </a:r>
+            <a:r>
+              <a:rPr lang="ja-JP" altLang="en-US" sz="1100" dirty="0">
+                <a:solidFill>
+                  <a:srgbClr val="0000FF"/>
+                </a:solidFill>
+                <a:latin typeface="メイリオ" panose="020B0604030504040204" pitchFamily="50" charset="-128"/>
+                <a:ea typeface="メイリオ" panose="020B0604030504040204" pitchFamily="50" charset="-128"/>
+                <a:cs typeface="メイリオ" panose="020B0604030504040204" pitchFamily="50" charset="-128"/>
+              </a:rPr>
+              <a:t>ルート</a:t>
+            </a:r>
+            <a:r>
+              <a:rPr lang="ja-JP" altLang="en-US" sz="1100" dirty="0" smtClean="0">
+                <a:latin typeface="メイリオ" panose="020B0604030504040204" pitchFamily="50" charset="-128"/>
+                <a:ea typeface="メイリオ" panose="020B0604030504040204" pitchFamily="50" charset="-128"/>
+                <a:cs typeface="メイリオ" panose="020B0604030504040204" pitchFamily="50" charset="-128"/>
+              </a:rPr>
+              <a:t>の実行関数が呼びだされる。</a:t>
+            </a:r>
+            <a:endParaRPr lang="en-US" altLang="ja-JP" sz="1100" dirty="0" smtClean="0">
+              <a:latin typeface="メイリオ" panose="020B0604030504040204" pitchFamily="50" charset="-128"/>
+              <a:ea typeface="メイリオ" panose="020B0604030504040204" pitchFamily="50" charset="-128"/>
+              <a:cs typeface="メイリオ" panose="020B0604030504040204" pitchFamily="50" charset="-128"/>
+            </a:endParaRPr>
+          </a:p>
+        </p:txBody>
+      </p:sp>
+      <p:pic>
+        <p:nvPicPr>
+          <p:cNvPr id="2" name="Picture 2"/>
+          <p:cNvPicPr>
+            <a:picLocks noChangeAspect="1" noChangeArrowheads="1"/>
+          </p:cNvPicPr>
+          <p:nvPr/>
+        </p:nvPicPr>
+        <p:blipFill>
+          <a:blip r:embed="rId3" cstate="print">
+            <a:extLst>
+              <a:ext uri="{28A0092B-C50C-407E-A947-70E740481C1C}">
+                <a14:useLocalDpi xmlns:a14="http://schemas.microsoft.com/office/drawing/2010/main" val="0"/>
+              </a:ext>
+            </a:extLst>
+          </a:blip>
+          <a:srcRect/>
+          <a:stretch>
+            <a:fillRect/>
+          </a:stretch>
+        </p:blipFill>
+        <p:spPr bwMode="auto">
+          <a:xfrm>
+            <a:off x="533332" y="3369328"/>
+            <a:ext cx="7255033" cy="5973080"/>
+          </a:xfrm>
+          <a:prstGeom prst="rect">
+            <a:avLst/>
+          </a:prstGeom>
+          <a:noFill/>
+          <a:ln>
+            <a:noFill/>
+          </a:ln>
+          <a:extLst>
+            <a:ext uri="{909E8E84-426E-40DD-AFC4-6F175D3DCCD1}">
+              <a14:hiddenFill xmlns:a14="http://schemas.microsoft.com/office/drawing/2010/main">
+                <a:solidFill>
+                  <a:schemeClr val="accent1"/>
+                </a:solidFill>
+              </a14:hiddenFill>
+            </a:ext>
+            <a:ext uri="{91240B29-F687-4F45-9708-019B960494DF}">
+              <a14:hiddenLine xmlns:a14="http://schemas.microsoft.com/office/drawing/2010/main" w="9525">
+                <a:solidFill>
+                  <a:schemeClr val="tx1"/>
+                </a:solidFill>
+                <a:miter lim="800000"/>
+                <a:headEnd/>
+                <a:tailEnd/>
+              </a14:hiddenLine>
+            </a:ext>
+          </a:extLst>
+        </p:spPr>
+      </p:pic>
+      <p:pic>
+        <p:nvPicPr>
+          <p:cNvPr id="3" name="図 2"/>
+          <p:cNvPicPr>
+            <a:picLocks noChangeAspect="1"/>
+          </p:cNvPicPr>
+          <p:nvPr/>
+        </p:nvPicPr>
+        <p:blipFill>
+          <a:blip r:embed="rId4"/>
+          <a:stretch>
+            <a:fillRect/>
+          </a:stretch>
+        </p:blipFill>
+        <p:spPr>
+          <a:xfrm>
+            <a:off x="8283630" y="3205140"/>
+            <a:ext cx="6464160" cy="6805878"/>
+          </a:xfrm>
+          <a:prstGeom prst="rect">
+            <a:avLst/>
+          </a:prstGeom>
+        </p:spPr>
+      </p:pic>
     </p:spTree>
     <p:extLst>
       <p:ext uri="{BB962C8B-B14F-4D97-AF65-F5344CB8AC3E}">

--- a/design/2016/models/4_design_model.pptx
+++ b/design/2016/models/4_design_model.pptx
@@ -3694,6 +3694,66 @@
           <a:chExt cx="0" cy="0"/>
         </a:xfrm>
       </p:grpSpPr>
+      <p:pic>
+        <p:nvPicPr>
+          <p:cNvPr id="25" name="図 24"/>
+          <p:cNvPicPr>
+            <a:picLocks noChangeAspect="1"/>
+          </p:cNvPicPr>
+          <p:nvPr/>
+        </p:nvPicPr>
+        <p:blipFill>
+          <a:blip r:embed="rId2">
+            <a:extLst>
+              <a:ext uri="{28A0092B-C50C-407E-A947-70E740481C1C}">
+                <a14:useLocalDpi xmlns:a14="http://schemas.microsoft.com/office/drawing/2010/main" val="0"/>
+              </a:ext>
+            </a:extLst>
+          </a:blip>
+          <a:stretch>
+            <a:fillRect/>
+          </a:stretch>
+        </p:blipFill>
+        <p:spPr>
+          <a:xfrm>
+            <a:off x="8790643" y="6105565"/>
+            <a:ext cx="5957007" cy="4225591"/>
+          </a:xfrm>
+          <a:prstGeom prst="rect">
+            <a:avLst/>
+          </a:prstGeom>
+        </p:spPr>
+      </p:pic>
+      <p:pic>
+        <p:nvPicPr>
+          <p:cNvPr id="13" name="図 12"/>
+          <p:cNvPicPr>
+            <a:picLocks noChangeAspect="1"/>
+          </p:cNvPicPr>
+          <p:nvPr/>
+        </p:nvPicPr>
+        <p:blipFill>
+          <a:blip r:embed="rId3">
+            <a:extLst>
+              <a:ext uri="{28A0092B-C50C-407E-A947-70E740481C1C}">
+                <a14:useLocalDpi xmlns:a14="http://schemas.microsoft.com/office/drawing/2010/main" val="0"/>
+              </a:ext>
+            </a:extLst>
+          </a:blip>
+          <a:stretch>
+            <a:fillRect/>
+          </a:stretch>
+        </p:blipFill>
+        <p:spPr>
+          <a:xfrm>
+            <a:off x="519915" y="5554070"/>
+            <a:ext cx="7946499" cy="4766142"/>
+          </a:xfrm>
+          <a:prstGeom prst="rect">
+            <a:avLst/>
+          </a:prstGeom>
+        </p:spPr>
+      </p:pic>
       <p:sp>
         <p:nvSpPr>
           <p:cNvPr id="6" name="角丸四角形 5"/>
@@ -7739,60 +7799,6 @@
           </a:p>
         </p:txBody>
       </p:sp>
-      <p:pic>
-        <p:nvPicPr>
-          <p:cNvPr id="1029" name="Picture 5"/>
-          <p:cNvPicPr>
-            <a:picLocks noChangeAspect="1" noChangeArrowheads="1"/>
-          </p:cNvPicPr>
-          <p:nvPr/>
-        </p:nvPicPr>
-        <p:blipFill>
-          <a:blip r:embed="rId2" cstate="print">
-            <a:extLst>
-              <a:ext uri="{28A0092B-C50C-407E-A947-70E740481C1C}">
-                <a14:useLocalDpi xmlns:a14="http://schemas.microsoft.com/office/drawing/2010/main" val="0"/>
-              </a:ext>
-            </a:extLst>
-          </a:blip>
-          <a:srcRect/>
-          <a:stretch>
-            <a:fillRect/>
-          </a:stretch>
-        </p:blipFill>
-        <p:spPr bwMode="auto">
-          <a:xfrm>
-            <a:off x="8791370" y="6221050"/>
-            <a:ext cx="5893566" cy="4210799"/>
-          </a:xfrm>
-          <a:prstGeom prst="rect">
-            <a:avLst/>
-          </a:prstGeom>
-          <a:noFill/>
-          <a:ln>
-            <a:noFill/>
-          </a:ln>
-          <a:extLst>
-            <a:ext uri="{909E8E84-426E-40DD-AFC4-6F175D3DCCD1}">
-              <a14:hiddenFill xmlns:a14="http://schemas.microsoft.com/office/drawing/2010/main">
-                <a:solidFill>
-                  <a:schemeClr val="accent1"/>
-                </a:solidFill>
-              </a14:hiddenFill>
-            </a:ext>
-            <a:ext uri="{91240B29-F687-4F45-9708-019B960494DF}">
-              <a14:hiddenLine xmlns:a14="http://schemas.microsoft.com/office/drawing/2010/main" w="9525">
-                <a:solidFill>
-                  <a:schemeClr val="tx1"/>
-                </a:solidFill>
-                <a:miter lim="800000"/>
-                <a:headEnd/>
-                <a:tailEnd/>
-              </a14:hiddenLine>
-            </a:ext>
-          </a:extLst>
-        </p:spPr>
-      </p:pic>
       <p:sp>
         <p:nvSpPr>
           <p:cNvPr id="59" name="テキスト ボックス 58"/>
@@ -8065,7 +8071,7 @@
                 <a:ea typeface="メイリオ" panose="020B0604030504040204" pitchFamily="50" charset="-128"/>
                 <a:cs typeface="メイリオ" panose="020B0604030504040204" pitchFamily="50" charset="-128"/>
               </a:rPr>
-              <a:t>の機能で、他のパッケージからユーティリティ的に使用さ</a:t>
+              <a:t>機能で、他のパッケージからユーティリティ的に使用さ</a:t>
             </a:r>
             <a:endParaRPr lang="en-US" altLang="ja-JP" sz="1100" dirty="0" smtClean="0">
               <a:latin typeface="メイリオ" panose="020B0604030504040204" pitchFamily="50" charset="-128"/>
@@ -8139,7 +8145,7 @@
           <p:nvPr/>
         </p:nvPicPr>
         <p:blipFill>
-          <a:blip r:embed="rId3" cstate="print">
+          <a:blip r:embed="rId4" cstate="print">
             <a:extLst>
               <a:ext uri="{28A0092B-C50C-407E-A947-70E740481C1C}">
                 <a14:useLocalDpi xmlns:a14="http://schemas.microsoft.com/office/drawing/2010/main" val="0"/>
@@ -8155,60 +8161,6 @@
           <a:xfrm>
             <a:off x="8879208" y="2680184"/>
             <a:ext cx="5710087" cy="2427907"/>
-          </a:xfrm>
-          <a:prstGeom prst="rect">
-            <a:avLst/>
-          </a:prstGeom>
-          <a:noFill/>
-          <a:ln>
-            <a:noFill/>
-          </a:ln>
-          <a:extLst>
-            <a:ext uri="{909E8E84-426E-40DD-AFC4-6F175D3DCCD1}">
-              <a14:hiddenFill xmlns:a14="http://schemas.microsoft.com/office/drawing/2010/main">
-                <a:solidFill>
-                  <a:schemeClr val="accent1"/>
-                </a:solidFill>
-              </a14:hiddenFill>
-            </a:ext>
-            <a:ext uri="{91240B29-F687-4F45-9708-019B960494DF}">
-              <a14:hiddenLine xmlns:a14="http://schemas.microsoft.com/office/drawing/2010/main" w="9525">
-                <a:solidFill>
-                  <a:schemeClr val="tx1"/>
-                </a:solidFill>
-                <a:miter lim="800000"/>
-                <a:headEnd/>
-                <a:tailEnd/>
-              </a14:hiddenLine>
-            </a:ext>
-          </a:extLst>
-        </p:spPr>
-      </p:pic>
-      <p:pic>
-        <p:nvPicPr>
-          <p:cNvPr id="1028" name="Picture 4"/>
-          <p:cNvPicPr>
-            <a:picLocks noChangeAspect="1" noChangeArrowheads="1"/>
-          </p:cNvPicPr>
-          <p:nvPr/>
-        </p:nvPicPr>
-        <p:blipFill>
-          <a:blip r:embed="rId4" cstate="print">
-            <a:extLst>
-              <a:ext uri="{28A0092B-C50C-407E-A947-70E740481C1C}">
-                <a14:useLocalDpi xmlns:a14="http://schemas.microsoft.com/office/drawing/2010/main" val="0"/>
-              </a:ext>
-            </a:extLst>
-          </a:blip>
-          <a:srcRect/>
-          <a:stretch>
-            <a:fillRect/>
-          </a:stretch>
-        </p:blipFill>
-        <p:spPr bwMode="auto">
-          <a:xfrm>
-            <a:off x="414438" y="5486407"/>
-            <a:ext cx="8153671" cy="4934538"/>
           </a:xfrm>
           <a:prstGeom prst="rect">
             <a:avLst/>
@@ -9635,7 +9587,7 @@
       </p:pic>
       <p:pic>
         <p:nvPicPr>
-          <p:cNvPr id="3" name="図 2"/>
+          <p:cNvPr id="4" name="図 3"/>
           <p:cNvPicPr>
             <a:picLocks noChangeAspect="1"/>
           </p:cNvPicPr>
@@ -9649,8 +9601,8 @@
         </p:blipFill>
         <p:spPr>
           <a:xfrm>
-            <a:off x="8283630" y="3205140"/>
-            <a:ext cx="6464160" cy="6805878"/>
+            <a:off x="8080739" y="3369328"/>
+            <a:ext cx="6765321" cy="6722820"/>
           </a:xfrm>
           <a:prstGeom prst="rect">
             <a:avLst/>

--- a/design/2016/models/4_design_model.pptx
+++ b/design/2016/models/4_design_model.pptx
@@ -8,7 +8,7 @@
     <p:notesMasterId r:id="rId4"/>
   </p:notesMasterIdLst>
   <p:sldIdLst>
-    <p:sldId id="265" r:id="rId2"/>
+    <p:sldId id="267" r:id="rId2"/>
     <p:sldId id="266" r:id="rId3"/>
   </p:sldIdLst>
   <p:sldSz cx="15119350" cy="10691813"/>
@@ -3696,7 +3696,7 @@
       </p:grpSpPr>
       <p:pic>
         <p:nvPicPr>
-          <p:cNvPr id="25" name="図 24"/>
+          <p:cNvPr id="2" name="図 1"/>
           <p:cNvPicPr>
             <a:picLocks noChangeAspect="1"/>
           </p:cNvPicPr>
@@ -3716,8 +3716,8 @@
         </p:blipFill>
         <p:spPr>
           <a:xfrm>
-            <a:off x="8790643" y="6105565"/>
-            <a:ext cx="5957007" cy="4225591"/>
+            <a:off x="8821042" y="6146070"/>
+            <a:ext cx="5893723" cy="4174142"/>
           </a:xfrm>
           <a:prstGeom prst="rect">
             <a:avLst/>
@@ -6359,11 +6359,7 @@
             <a:graphicFrameLocks noGrp="1"/>
           </p:cNvGraphicFramePr>
           <p:nvPr>
-            <p:extLst>
-              <p:ext uri="{D42A27DB-BD31-4B8C-83A1-F6EECF244321}">
-                <p14:modId xmlns:p14="http://schemas.microsoft.com/office/powerpoint/2010/main" val="1025983933"/>
-              </p:ext>
-            </p:extLst>
+            <p:extLst/>
           </p:nvPr>
         </p:nvGraphicFramePr>
         <p:xfrm>
@@ -8193,7 +8189,7 @@
     </p:spTree>
     <p:extLst>
       <p:ext uri="{BB962C8B-B14F-4D97-AF65-F5344CB8AC3E}">
-        <p14:creationId xmlns:p14="http://schemas.microsoft.com/office/powerpoint/2010/main" val="1116238588"/>
+        <p14:creationId xmlns:p14="http://schemas.microsoft.com/office/powerpoint/2010/main" val="2172282807"/>
       </p:ext>
     </p:extLst>
   </p:cSld>
